--- a/20250502イノベーションマネジメント様講座資料.pptx
+++ b/20250502イノベーションマネジメント様講座資料.pptx
@@ -5,10 +5,10 @@
     <p:sldMasterId id="2147483648" r:id="rId4"/>
   </p:sldMasterIdLst>
   <p:notesMasterIdLst>
-    <p:notesMasterId r:id="rId12"/>
+    <p:notesMasterId r:id="rId13"/>
   </p:notesMasterIdLst>
   <p:handoutMasterIdLst>
-    <p:handoutMasterId r:id="rId13"/>
+    <p:handoutMasterId r:id="rId14"/>
   </p:handoutMasterIdLst>
   <p:sldIdLst>
     <p:sldId id="2007" r:id="rId5"/>
@@ -18,6 +18,7 @@
     <p:sldId id="2544" r:id="rId9"/>
     <p:sldId id="2547" r:id="rId10"/>
     <p:sldId id="2548" r:id="rId11"/>
+    <p:sldId id="2549" r:id="rId12"/>
   </p:sldIdLst>
   <p:sldSz cx="12192000" cy="6858000"/>
   <p:notesSz cx="6888163" cy="10020300"/>
@@ -968,7 +969,7 @@
           <a:effectLst/>
           <a:extLst>
             <a:ext uri="{91240B29-F687-4f45-9708-019B960494DF}">
-              <a14:hiddenLine xmlns:a14="http://schemas.microsoft.com/office/drawing/2010/main" xmlns="" w="12700" algn="ctr">
+              <a14:hiddenLine xmlns="" xmlns:a14="http://schemas.microsoft.com/office/drawing/2010/main" w="12700" algn="ctr">
                 <a:solidFill>
                   <a:schemeClr val="tx1"/>
                 </a:solidFill>
@@ -978,7 +979,7 @@
               </a14:hiddenLine>
             </a:ext>
             <a:ext uri="{AF507438-7753-43e0-B8FC-AC1667EBCBE1}">
-              <a14:hiddenEffects xmlns:a14="http://schemas.microsoft.com/office/drawing/2010/main" xmlns="">
+              <a14:hiddenEffects xmlns="" xmlns:a14="http://schemas.microsoft.com/office/drawing/2010/main">
                 <a:effectLst>
                   <a:outerShdw dist="35921" dir="2700000" algn="ctr" rotWithShape="0">
                     <a:schemeClr val="bg2"/>
@@ -1320,7 +1321,7 @@
           <a:effectLst/>
           <a:extLst>
             <a:ext uri="{91240B29-F687-4f45-9708-019B960494DF}">
-              <a14:hiddenLine xmlns:a14="http://schemas.microsoft.com/office/drawing/2010/main" xmlns="" w="12700" algn="ctr">
+              <a14:hiddenLine xmlns="" xmlns:a14="http://schemas.microsoft.com/office/drawing/2010/main" w="12700" algn="ctr">
                 <a:solidFill>
                   <a:schemeClr val="tx1"/>
                 </a:solidFill>
@@ -1330,7 +1331,7 @@
               </a14:hiddenLine>
             </a:ext>
             <a:ext uri="{AF507438-7753-43e0-B8FC-AC1667EBCBE1}">
-              <a14:hiddenEffects xmlns:a14="http://schemas.microsoft.com/office/drawing/2010/main" xmlns="">
+              <a14:hiddenEffects xmlns="" xmlns:a14="http://schemas.microsoft.com/office/drawing/2010/main">
                 <a:effectLst>
                   <a:outerShdw dist="35921" dir="2700000" algn="ctr" rotWithShape="0">
                     <a:schemeClr val="bg2"/>
@@ -5074,7 +5075,7 @@
         <p:spPr>
           <a:xfrm>
             <a:off x="345405" y="927300"/>
-            <a:ext cx="11270334" cy="4324261"/>
+            <a:ext cx="11270334" cy="5093702"/>
           </a:xfrm>
           <a:prstGeom prst="rect">
             <a:avLst/>
@@ -5126,12 +5127,12 @@
               <a:buAutoNum type="arabicPeriod"/>
             </a:pPr>
             <a:r>
-              <a:rPr kumimoji="1" lang="ja-JP" altLang="en-US" sz="1400" b="1" dirty="0">
+              <a:rPr lang="ja-JP" altLang="en-US" sz="1400" b="1" dirty="0">
                 <a:solidFill>
                   <a:srgbClr val="202569"/>
                 </a:solidFill>
               </a:rPr>
-              <a:t>要件の深掘りとテストシナリオの概略</a:t>
+              <a:t>エージェント開発</a:t>
             </a:r>
             <a:endParaRPr lang="en-US" altLang="ja-JP" sz="1400" b="1" dirty="0">
               <a:solidFill>
@@ -5158,7 +5159,77 @@
                   <a:srgbClr val="202569"/>
                 </a:solidFill>
               </a:rPr>
-              <a:t>テストシナリオ設計・作成</a:t>
+              <a:t>システムプロンプト作成・ツール連結</a:t>
+            </a:r>
+            <a:endParaRPr kumimoji="1" lang="en-US" altLang="ja-JP" sz="1400" b="1" dirty="0">
+              <a:solidFill>
+                <a:srgbClr val="202569"/>
+              </a:solidFill>
+            </a:endParaRPr>
+          </a:p>
+          <a:p>
+            <a:pPr marL="342900" indent="-342900">
+              <a:lnSpc>
+                <a:spcPts val="1800"/>
+              </a:lnSpc>
+              <a:spcBef>
+                <a:spcPts val="600"/>
+              </a:spcBef>
+              <a:spcAft>
+                <a:spcPts val="600"/>
+              </a:spcAft>
+              <a:buAutoNum type="arabicPeriod"/>
+            </a:pPr>
+            <a:r>
+              <a:rPr lang="ja-JP" altLang="en-US" sz="1400" b="1" dirty="0">
+                <a:solidFill>
+                  <a:srgbClr val="202569"/>
+                </a:solidFill>
+              </a:rPr>
+              <a:t>ワークフロー開発・ツール化</a:t>
+            </a:r>
+            <a:endParaRPr lang="en-US" altLang="ja-JP" sz="1400" b="1" dirty="0">
+              <a:solidFill>
+                <a:srgbClr val="202569"/>
+              </a:solidFill>
+            </a:endParaRPr>
+          </a:p>
+          <a:p>
+            <a:pPr marL="342900" indent="-342900">
+              <a:lnSpc>
+                <a:spcPts val="1800"/>
+              </a:lnSpc>
+              <a:spcBef>
+                <a:spcPts val="600"/>
+              </a:spcBef>
+              <a:spcAft>
+                <a:spcPts val="600"/>
+              </a:spcAft>
+              <a:buAutoNum type="arabicPeriod"/>
+            </a:pPr>
+            <a:r>
+              <a:rPr kumimoji="1" lang="ja-JP" altLang="en-US" sz="1400" b="1" dirty="0">
+                <a:solidFill>
+                  <a:srgbClr val="202569"/>
+                </a:solidFill>
+              </a:rPr>
+              <a:t>外部</a:t>
+            </a:r>
+            <a:r>
+              <a:rPr kumimoji="1" lang="en-US" altLang="ja-JP" sz="1400" b="1" dirty="0">
+                <a:solidFill>
+                  <a:srgbClr val="202569"/>
+                </a:solidFill>
+              </a:rPr>
+              <a:t>API</a:t>
+            </a:r>
+            <a:r>
+              <a:rPr kumimoji="1" lang="ja-JP" altLang="en-US" sz="1400" b="1" dirty="0">
+                <a:solidFill>
+                  <a:srgbClr val="202569"/>
+                </a:solidFill>
+              </a:rPr>
+              <a:t>接続・ツール化</a:t>
             </a:r>
             <a:endParaRPr kumimoji="1" lang="en-US" altLang="ja-JP" sz="1400" b="1" dirty="0">
               <a:solidFill>
@@ -5386,7 +5457,7 @@
                   <a:srgbClr val="202569"/>
                 </a:solidFill>
               </a:rPr>
-              <a:t>　エージェント開発</a:t>
+              <a:t>　テスト実施・調整</a:t>
             </a:r>
             <a:endParaRPr lang="en-US" altLang="ja-JP" sz="1400" b="1" dirty="0">
               <a:solidFill>
@@ -5479,13 +5550,13 @@
           <p:nvPr>
             <p:extLst>
               <p:ext uri="{D42A27DB-BD31-4B8C-83A1-F6EECF244321}">
-                <p14:modId xmlns:p14="http://schemas.microsoft.com/office/powerpoint/2010/main" val="2666805627"/>
+                <p14:modId xmlns:p14="http://schemas.microsoft.com/office/powerpoint/2010/main" val="641693607"/>
               </p:ext>
             </p:extLst>
           </p:nvPr>
         </p:nvGraphicFramePr>
         <p:xfrm>
-          <a:off x="746096" y="2708536"/>
+          <a:off x="746096" y="3474151"/>
           <a:ext cx="10309086" cy="1742440"/>
         </p:xfrm>
         <a:graphic>
@@ -5934,6 +6005,123 @@
           </a:graphicData>
         </a:graphic>
       </p:graphicFrame>
+      <p:sp>
+        <p:nvSpPr>
+          <p:cNvPr id="3" name="正方形/長方形 2">
+            <a:extLst>
+              <a:ext uri="{FF2B5EF4-FFF2-40B4-BE49-F238E27FC236}">
+                <a16:creationId xmlns:a16="http://schemas.microsoft.com/office/drawing/2014/main" id="{89A63466-DB98-6544-6BBE-FC6CF6122E1B}"/>
+              </a:ext>
+            </a:extLst>
+          </p:cNvPr>
+          <p:cNvSpPr/>
+          <p:nvPr/>
+        </p:nvSpPr>
+        <p:spPr>
+          <a:xfrm>
+            <a:off x="658149" y="3429000"/>
+            <a:ext cx="10484980" cy="1878106"/>
+          </a:xfrm>
+          <a:prstGeom prst="rect">
+            <a:avLst/>
+          </a:prstGeom>
+          <a:noFill/>
+          <a:ln w="28575">
+            <a:solidFill>
+              <a:srgbClr val="C00000"/>
+            </a:solidFill>
+          </a:ln>
+        </p:spPr>
+        <p:style>
+          <a:lnRef idx="2">
+            <a:schemeClr val="dk1"/>
+          </a:lnRef>
+          <a:fillRef idx="1">
+            <a:schemeClr val="lt1"/>
+          </a:fillRef>
+          <a:effectRef idx="0">
+            <a:schemeClr val="dk1"/>
+          </a:effectRef>
+          <a:fontRef idx="minor">
+            <a:schemeClr val="dk1"/>
+          </a:fontRef>
+        </p:style>
+        <p:txBody>
+          <a:bodyPr rtlCol="0" anchor="ctr"/>
+          <a:lstStyle/>
+          <a:p>
+            <a:pPr algn="ctr"/>
+            <a:endParaRPr kumimoji="1" lang="ja-JP" altLang="en-US">
+              <a:solidFill>
+                <a:schemeClr val="dk1"/>
+              </a:solidFill>
+            </a:endParaRPr>
+          </a:p>
+        </p:txBody>
+      </p:sp>
+      <p:sp>
+        <p:nvSpPr>
+          <p:cNvPr id="5" name="吹き出し: 線 4">
+            <a:extLst>
+              <a:ext uri="{FF2B5EF4-FFF2-40B4-BE49-F238E27FC236}">
+                <a16:creationId xmlns:a16="http://schemas.microsoft.com/office/drawing/2014/main" id="{73EF4D36-F7E8-56F9-2E86-3A134A6B2363}"/>
+              </a:ext>
+            </a:extLst>
+          </p:cNvPr>
+          <p:cNvSpPr/>
+          <p:nvPr/>
+        </p:nvSpPr>
+        <p:spPr>
+          <a:xfrm>
+            <a:off x="10758496" y="2709787"/>
+            <a:ext cx="769265" cy="424622"/>
+          </a:xfrm>
+          <a:prstGeom prst="borderCallout1">
+            <a:avLst>
+              <a:gd name="adj1" fmla="val 18750"/>
+              <a:gd name="adj2" fmla="val -8333"/>
+              <a:gd name="adj3" fmla="val 152613"/>
+              <a:gd name="adj4" fmla="val -66302"/>
+            </a:avLst>
+          </a:prstGeom>
+          <a:solidFill>
+            <a:srgbClr val="FFFF00"/>
+          </a:solidFill>
+          <a:ln w="28575">
+            <a:solidFill>
+              <a:srgbClr val="C00000"/>
+            </a:solidFill>
+          </a:ln>
+        </p:spPr>
+        <p:style>
+          <a:lnRef idx="2">
+            <a:schemeClr val="dk1"/>
+          </a:lnRef>
+          <a:fillRef idx="1">
+            <a:schemeClr val="lt1"/>
+          </a:fillRef>
+          <a:effectRef idx="0">
+            <a:schemeClr val="dk1"/>
+          </a:effectRef>
+          <a:fontRef idx="minor">
+            <a:schemeClr val="dk1"/>
+          </a:fontRef>
+        </p:style>
+        <p:txBody>
+          <a:bodyPr rtlCol="0" anchor="ctr"/>
+          <a:lstStyle/>
+          <a:p>
+            <a:r>
+              <a:rPr kumimoji="1" lang="ja-JP" altLang="en-US" sz="900" dirty="0">
+                <a:solidFill>
+                  <a:schemeClr val="dk1"/>
+                </a:solidFill>
+              </a:rPr>
+              <a:t>後ほど着手</a:t>
+            </a:r>
+          </a:p>
+        </p:txBody>
+      </p:sp>
     </p:spTree>
     <p:extLst>
       <p:ext uri="{BB962C8B-B14F-4D97-AF65-F5344CB8AC3E}">
@@ -8355,11 +8543,11 @@
             </a:r>
             <a:r>
               <a:rPr lang="en-US" altLang="ja-JP" dirty="0"/>
-              <a:t>5</a:t>
+              <a:t>6</a:t>
             </a:r>
             <a:r>
               <a:rPr lang="ja-JP" altLang="en-US" dirty="0"/>
-              <a:t>：テストシナリオ作成</a:t>
+              <a:t>：エージェント開発</a:t>
             </a:r>
           </a:p>
         </p:txBody>
@@ -8481,15 +8669,15 @@
           <a:p>
             <a:r>
               <a:rPr lang="ja-JP" altLang="en-US" dirty="0"/>
-              <a:t>要件の</a:t>
-            </a:r>
-            <a:r>
-              <a:rPr lang="ja-JP" altLang="en-US"/>
-              <a:t>深掘り・テストシナリオ</a:t>
+              <a:t>システムプロンプト作成・ワークフロー開発・外部</a:t>
+            </a:r>
+            <a:r>
+              <a:rPr lang="en-US" altLang="ja-JP" dirty="0"/>
+              <a:t>API</a:t>
             </a:r>
             <a:r>
               <a:rPr lang="ja-JP" altLang="en-US" dirty="0"/>
-              <a:t>概略検討・設計・作成</a:t>
+              <a:t>接続</a:t>
             </a:r>
           </a:p>
         </p:txBody>
@@ -8566,10 +8754,10 @@
       </p:grpSpPr>
       <p:sp>
         <p:nvSpPr>
-          <p:cNvPr id="5" name="四角形: 角を丸くする 4">
+          <p:cNvPr id="72" name="正方形/長方形 71">
             <a:extLst>
               <a:ext uri="{FF2B5EF4-FFF2-40B4-BE49-F238E27FC236}">
-                <a16:creationId xmlns:a16="http://schemas.microsoft.com/office/drawing/2014/main" id="{0CB2197E-A14F-F345-81DA-E840379B2BC4}"/>
+                <a16:creationId xmlns:a16="http://schemas.microsoft.com/office/drawing/2014/main" id="{BE75FEB1-902E-385C-3545-F78588B44B01}"/>
               </a:ext>
             </a:extLst>
           </p:cNvPr>
@@ -8578,19 +8766,16 @@
         </p:nvSpPr>
         <p:spPr>
           <a:xfrm>
-            <a:off x="235974" y="908050"/>
-            <a:ext cx="11710220" cy="2937809"/>
+            <a:off x="6785977" y="885595"/>
+            <a:ext cx="5279554" cy="5564999"/>
           </a:xfrm>
-          <a:prstGeom prst="roundRect">
-            <a:avLst>
-              <a:gd name="adj" fmla="val 2121"/>
-            </a:avLst>
+          <a:prstGeom prst="rect">
+            <a:avLst/>
           </a:prstGeom>
           <a:solidFill>
-            <a:schemeClr val="accent1">
-              <a:lumMod val="20000"/>
-              <a:lumOff val="80000"/>
-            </a:schemeClr>
+            <a:srgbClr val="DBEEF4">
+              <a:alpha val="61961"/>
+            </a:srgbClr>
           </a:solidFill>
           <a:ln w="9525">
             <a:noFill/>
@@ -8615,7 +8800,7 @@
           <a:lstStyle/>
           <a:p>
             <a:pPr algn="ctr"/>
-            <a:endParaRPr kumimoji="1" lang="ja-JP" altLang="en-US">
+            <a:endParaRPr kumimoji="1" lang="ja-JP" altLang="en-US" dirty="0">
               <a:solidFill>
                 <a:schemeClr val="dk1"/>
               </a:solidFill>
@@ -8652,109 +8837,10 @@
           <a:lstStyle/>
           <a:p>
             <a:r>
-              <a:rPr kumimoji="1" lang="ja-JP" altLang="en-US" dirty="0"/>
-              <a:t>要件の深掘りとテストシナリオの概略</a:t>
-            </a:r>
-          </a:p>
-        </p:txBody>
-      </p:sp>
-      <p:sp>
-        <p:nvSpPr>
-          <p:cNvPr id="3" name="テキスト ボックス 2">
-            <a:extLst>
-              <a:ext uri="{FF2B5EF4-FFF2-40B4-BE49-F238E27FC236}">
-                <a16:creationId xmlns:a16="http://schemas.microsoft.com/office/drawing/2014/main" id="{23DE82ED-FE41-6537-3C48-7E1529FDB2AD}"/>
-              </a:ext>
-            </a:extLst>
-          </p:cNvPr>
-          <p:cNvSpPr txBox="1"/>
-          <p:nvPr/>
-        </p:nvSpPr>
-        <p:spPr>
-          <a:xfrm>
-            <a:off x="345404" y="967873"/>
-            <a:ext cx="11511634" cy="338554"/>
-          </a:xfrm>
-          <a:prstGeom prst="rect">
-            <a:avLst/>
-          </a:prstGeom>
-          <a:noFill/>
-        </p:spPr>
-        <p:txBody>
-          <a:bodyPr wrap="square" rtlCol="0">
-            <a:spAutoFit/>
-          </a:bodyPr>
-          <a:lstStyle/>
-          <a:p>
-            <a:r>
-              <a:rPr kumimoji="1" lang="ja-JP" altLang="en-US" sz="1600" b="1" dirty="0">
-                <a:solidFill>
-                  <a:srgbClr val="202569"/>
-                </a:solidFill>
-              </a:rPr>
-              <a:t>なぜテストシナリオを作成するのか</a:t>
-            </a:r>
-          </a:p>
-        </p:txBody>
-      </p:sp>
-      <p:sp>
-        <p:nvSpPr>
-          <p:cNvPr id="9" name="テキスト ボックス 8">
-            <a:extLst>
-              <a:ext uri="{FF2B5EF4-FFF2-40B4-BE49-F238E27FC236}">
-                <a16:creationId xmlns:a16="http://schemas.microsoft.com/office/drawing/2014/main" id="{85742327-4965-9F7F-B308-7BCC856BA306}"/>
-              </a:ext>
-            </a:extLst>
-          </p:cNvPr>
-          <p:cNvSpPr txBox="1"/>
-          <p:nvPr/>
-        </p:nvSpPr>
-        <p:spPr>
-          <a:xfrm>
-            <a:off x="675812" y="1266297"/>
-            <a:ext cx="6451129" cy="307777"/>
-          </a:xfrm>
-          <a:prstGeom prst="rect">
-            <a:avLst/>
-          </a:prstGeom>
-          <a:noFill/>
-        </p:spPr>
-        <p:txBody>
-          <a:bodyPr wrap="square">
-            <a:spAutoFit/>
-          </a:bodyPr>
-          <a:lstStyle/>
-          <a:p>
-            <a:r>
-              <a:rPr lang="en-US" altLang="ja-JP" sz="1400" dirty="0">
-                <a:solidFill>
-                  <a:schemeClr val="tx1">
-                    <a:lumMod val="95000"/>
-                    <a:lumOff val="5000"/>
-                  </a:schemeClr>
-                </a:solidFill>
-              </a:rPr>
-              <a:t>AI</a:t>
-            </a:r>
-            <a:r>
-              <a:rPr lang="ja-JP" altLang="en-US" sz="1400" dirty="0">
-                <a:solidFill>
-                  <a:schemeClr val="tx1">
-                    <a:lumMod val="95000"/>
-                    <a:lumOff val="5000"/>
-                  </a:schemeClr>
-                </a:solidFill>
-              </a:rPr>
-              <a:t>エージェントのシステムテストは、従来システムのテストとは要点が異なる</a:t>
-            </a:r>
-            <a:endParaRPr lang="en-US" altLang="ja-JP" sz="1400" dirty="0">
-              <a:solidFill>
-                <a:schemeClr val="tx1">
-                  <a:lumMod val="95000"/>
-                  <a:lumOff val="5000"/>
-                </a:schemeClr>
-              </a:solidFill>
-            </a:endParaRPr>
+              <a:rPr lang="ja-JP" altLang="en-US" dirty="0"/>
+              <a:t>エージェント開発</a:t>
+            </a:r>
+            <a:endParaRPr kumimoji="1" lang="ja-JP" altLang="en-US" dirty="0"/>
           </a:p>
         </p:txBody>
       </p:sp>
@@ -8826,435 +8912,135 @@
           </a:p>
         </p:txBody>
       </p:sp>
-      <p:graphicFrame>
-        <p:nvGraphicFramePr>
-          <p:cNvPr id="2" name="表 1">
+      <p:grpSp>
+        <p:nvGrpSpPr>
+          <p:cNvPr id="7" name="グループ化 6">
             <a:extLst>
               <a:ext uri="{FF2B5EF4-FFF2-40B4-BE49-F238E27FC236}">
-                <a16:creationId xmlns:a16="http://schemas.microsoft.com/office/drawing/2014/main" id="{F236E3C4-972E-4F82-765E-BE3ADF50F9BD}"/>
+                <a16:creationId xmlns:a16="http://schemas.microsoft.com/office/drawing/2014/main" id="{0A296882-316E-8CE1-C57A-A176E89C9162}"/>
               </a:ext>
             </a:extLst>
           </p:cNvPr>
-          <p:cNvGraphicFramePr>
-            <a:graphicFrameLocks noGrp="1"/>
-          </p:cNvGraphicFramePr>
-          <p:nvPr>
-            <p:extLst>
-              <p:ext uri="{D42A27DB-BD31-4B8C-83A1-F6EECF244321}">
-                <p14:modId xmlns:p14="http://schemas.microsoft.com/office/powerpoint/2010/main" val="4270218772"/>
-              </p:ext>
-            </p:extLst>
-          </p:nvPr>
-        </p:nvGraphicFramePr>
-        <p:xfrm>
-          <a:off x="1318048" y="1685728"/>
-          <a:ext cx="9546072" cy="1854200"/>
-        </p:xfrm>
-        <a:graphic>
-          <a:graphicData uri="http://schemas.openxmlformats.org/drawingml/2006/table">
-            <a:tbl>
-              <a:tblPr firstRow="1" bandRow="1">
-                <a:tableStyleId>{5C22544A-7EE6-4342-B048-85BDC9FD1C3A}</a:tableStyleId>
-              </a:tblPr>
-              <a:tblGrid>
-                <a:gridCol w="1526930">
-                  <a:extLst>
-                    <a:ext uri="{9D8B030D-6E8A-4147-A177-3AD203B41FA5}">
-                      <a16:colId xmlns:a16="http://schemas.microsoft.com/office/drawing/2014/main" val="3297650945"/>
-                    </a:ext>
-                  </a:extLst>
-                </a:gridCol>
-                <a:gridCol w="4513942">
-                  <a:extLst>
-                    <a:ext uri="{9D8B030D-6E8A-4147-A177-3AD203B41FA5}">
-                      <a16:colId xmlns:a16="http://schemas.microsoft.com/office/drawing/2014/main" val="3746018553"/>
-                    </a:ext>
-                  </a:extLst>
-                </a:gridCol>
-                <a:gridCol w="3505200">
-                  <a:extLst>
-                    <a:ext uri="{9D8B030D-6E8A-4147-A177-3AD203B41FA5}">
-                      <a16:colId xmlns:a16="http://schemas.microsoft.com/office/drawing/2014/main" val="4253331352"/>
-                    </a:ext>
-                  </a:extLst>
-                </a:gridCol>
-              </a:tblGrid>
-              <a:tr h="370840">
-                <a:tc>
-                  <a:txBody>
-                    <a:bodyPr/>
-                    <a:lstStyle/>
-                    <a:p>
-                      <a:pPr algn="ctr"/>
-                      <a:r>
-                        <a:rPr kumimoji="1" lang="ja-JP" altLang="en-US" sz="1800" b="1" kern="1200" dirty="0">
-                          <a:solidFill>
-                            <a:schemeClr val="tx1"/>
-                          </a:solidFill>
-                          <a:latin typeface="+mn-lt"/>
-                          <a:ea typeface="+mn-ea"/>
-                          <a:cs typeface="+mn-cs"/>
-                        </a:rPr>
-                        <a:t>比較項目</a:t>
-                      </a:r>
-                    </a:p>
-                  </a:txBody>
-                  <a:tcPr anchor="ctr">
-                    <a:solidFill>
-                      <a:schemeClr val="tx2">
-                        <a:lumMod val="20000"/>
-                        <a:lumOff val="80000"/>
-                      </a:schemeClr>
-                    </a:solidFill>
-                  </a:tcPr>
-                </a:tc>
-                <a:tc>
-                  <a:txBody>
-                    <a:bodyPr/>
-                    <a:lstStyle/>
-                    <a:p>
-                      <a:pPr algn="ctr"/>
-                      <a:r>
-                        <a:rPr kumimoji="1" lang="en-US" altLang="ja-JP" dirty="0">
-                          <a:solidFill>
-                            <a:schemeClr val="tx1"/>
-                          </a:solidFill>
-                        </a:rPr>
-                        <a:t>AI</a:t>
-                      </a:r>
-                      <a:r>
-                        <a:rPr kumimoji="1" lang="ja-JP" altLang="en-US" dirty="0">
-                          <a:solidFill>
-                            <a:schemeClr val="tx1"/>
-                          </a:solidFill>
-                        </a:rPr>
-                        <a:t>エージェント</a:t>
-                      </a:r>
-                    </a:p>
-                  </a:txBody>
-                  <a:tcPr anchor="ctr">
-                    <a:solidFill>
-                      <a:schemeClr val="tx2">
-                        <a:lumMod val="20000"/>
-                        <a:lumOff val="80000"/>
-                      </a:schemeClr>
-                    </a:solidFill>
-                  </a:tcPr>
-                </a:tc>
-                <a:tc>
-                  <a:txBody>
-                    <a:bodyPr/>
-                    <a:lstStyle/>
-                    <a:p>
-                      <a:pPr algn="ctr"/>
-                      <a:r>
-                        <a:rPr kumimoji="1" lang="ja-JP" altLang="en-US" dirty="0">
-                          <a:solidFill>
-                            <a:schemeClr val="tx1"/>
-                          </a:solidFill>
-                        </a:rPr>
-                        <a:t>従来のシステム</a:t>
-                      </a:r>
-                    </a:p>
-                  </a:txBody>
-                  <a:tcPr anchor="ctr">
-                    <a:solidFill>
-                      <a:schemeClr val="tx2">
-                        <a:lumMod val="20000"/>
-                        <a:lumOff val="80000"/>
-                      </a:schemeClr>
-                    </a:solidFill>
-                  </a:tcPr>
-                </a:tc>
-                <a:extLst>
-                  <a:ext uri="{0D108BD9-81ED-4DB2-BD59-A6C34878D82A}">
-                    <a16:rowId xmlns:a16="http://schemas.microsoft.com/office/drawing/2014/main" val="350748018"/>
-                  </a:ext>
-                </a:extLst>
-              </a:tr>
-              <a:tr h="370840">
-                <a:tc>
-                  <a:txBody>
-                    <a:bodyPr/>
-                    <a:lstStyle/>
-                    <a:p>
-                      <a:r>
-                        <a:rPr kumimoji="1" lang="ja-JP" altLang="en-US" sz="1200" dirty="0"/>
-                        <a:t>出力の性質</a:t>
-                      </a:r>
-                    </a:p>
-                  </a:txBody>
-                  <a:tcPr>
-                    <a:solidFill>
-                      <a:schemeClr val="bg1">
-                        <a:lumMod val="95000"/>
-                      </a:schemeClr>
-                    </a:solidFill>
-                  </a:tcPr>
-                </a:tc>
-                <a:tc>
-                  <a:txBody>
-                    <a:bodyPr/>
-                    <a:lstStyle/>
-                    <a:p>
-                      <a:r>
-                        <a:rPr kumimoji="1" lang="ja-JP" altLang="en-US" sz="1200" dirty="0"/>
-                        <a:t>出力が曖昧で、同じ入力でも変動しうる</a:t>
-                      </a:r>
-                    </a:p>
-                  </a:txBody>
-                  <a:tcPr>
-                    <a:solidFill>
-                      <a:schemeClr val="accent3">
-                        <a:lumMod val="20000"/>
-                        <a:lumOff val="80000"/>
-                      </a:schemeClr>
-                    </a:solidFill>
-                  </a:tcPr>
-                </a:tc>
-                <a:tc>
-                  <a:txBody>
-                    <a:bodyPr/>
-                    <a:lstStyle/>
-                    <a:p>
-                      <a:r>
-                        <a:rPr lang="ja-JP" altLang="en-US" sz="1200" dirty="0"/>
-                        <a:t>入力に対して固定的な出力</a:t>
-                      </a:r>
-                      <a:endParaRPr kumimoji="1" lang="ja-JP" altLang="en-US" sz="1200" dirty="0"/>
-                    </a:p>
-                  </a:txBody>
-                  <a:tcPr>
-                    <a:solidFill>
-                      <a:schemeClr val="tx2">
-                        <a:lumMod val="20000"/>
-                        <a:lumOff val="80000"/>
-                      </a:schemeClr>
-                    </a:solidFill>
-                  </a:tcPr>
-                </a:tc>
-                <a:extLst>
-                  <a:ext uri="{0D108BD9-81ED-4DB2-BD59-A6C34878D82A}">
-                    <a16:rowId xmlns:a16="http://schemas.microsoft.com/office/drawing/2014/main" val="2901634374"/>
-                  </a:ext>
-                </a:extLst>
-              </a:tr>
-              <a:tr h="370840">
-                <a:tc>
-                  <a:txBody>
-                    <a:bodyPr/>
-                    <a:lstStyle/>
-                    <a:p>
-                      <a:r>
-                        <a:rPr kumimoji="1" lang="ja-JP" altLang="en-US" sz="1200" dirty="0"/>
-                        <a:t>正解の定義</a:t>
-                      </a:r>
-                    </a:p>
-                  </a:txBody>
-                  <a:tcPr>
-                    <a:solidFill>
-                      <a:schemeClr val="bg1">
-                        <a:lumMod val="95000"/>
-                      </a:schemeClr>
-                    </a:solidFill>
-                  </a:tcPr>
-                </a:tc>
-                <a:tc>
-                  <a:txBody>
-                    <a:bodyPr/>
-                    <a:lstStyle/>
-                    <a:p>
-                      <a:r>
-                        <a:rPr kumimoji="1" lang="ja-JP" altLang="en-US" sz="1200" dirty="0"/>
-                        <a:t>正解が複数存在しうるため、許容範囲の定義が必要</a:t>
-                      </a:r>
-                    </a:p>
-                  </a:txBody>
-                  <a:tcPr>
-                    <a:solidFill>
-                      <a:schemeClr val="accent3">
-                        <a:lumMod val="20000"/>
-                        <a:lumOff val="80000"/>
-                      </a:schemeClr>
-                    </a:solidFill>
-                  </a:tcPr>
-                </a:tc>
-                <a:tc>
-                  <a:txBody>
-                    <a:bodyPr/>
-                    <a:lstStyle/>
-                    <a:p>
-                      <a:r>
-                        <a:rPr kumimoji="1" lang="ja-JP" altLang="en-US" sz="1200" dirty="0"/>
-                        <a:t>明確な仕様に基づいた唯一の正解</a:t>
-                      </a:r>
-                    </a:p>
-                  </a:txBody>
-                  <a:tcPr>
-                    <a:solidFill>
-                      <a:schemeClr val="tx2">
-                        <a:lumMod val="20000"/>
-                        <a:lumOff val="80000"/>
-                      </a:schemeClr>
-                    </a:solidFill>
-                  </a:tcPr>
-                </a:tc>
-                <a:extLst>
-                  <a:ext uri="{0D108BD9-81ED-4DB2-BD59-A6C34878D82A}">
-                    <a16:rowId xmlns:a16="http://schemas.microsoft.com/office/drawing/2014/main" val="2008567322"/>
-                  </a:ext>
-                </a:extLst>
-              </a:tr>
-              <a:tr h="370840">
-                <a:tc>
-                  <a:txBody>
-                    <a:bodyPr/>
-                    <a:lstStyle/>
-                    <a:p>
-                      <a:r>
-                        <a:rPr kumimoji="1" lang="ja-JP" altLang="en-US" sz="1200" dirty="0"/>
-                        <a:t>入力の形式</a:t>
-                      </a:r>
-                    </a:p>
-                  </a:txBody>
-                  <a:tcPr>
-                    <a:solidFill>
-                      <a:schemeClr val="bg1">
-                        <a:lumMod val="95000"/>
-                      </a:schemeClr>
-                    </a:solidFill>
-                  </a:tcPr>
-                </a:tc>
-                <a:tc>
-                  <a:txBody>
-                    <a:bodyPr/>
-                    <a:lstStyle/>
-                    <a:p>
-                      <a:r>
-                        <a:rPr kumimoji="1" lang="ja-JP" altLang="en-US" sz="1200" dirty="0"/>
-                        <a:t>自然言語、曖昧表現、誤字脱字を含む入力</a:t>
-                      </a:r>
-                    </a:p>
-                  </a:txBody>
-                  <a:tcPr>
-                    <a:solidFill>
-                      <a:schemeClr val="accent3">
-                        <a:lumMod val="20000"/>
-                        <a:lumOff val="80000"/>
-                      </a:schemeClr>
-                    </a:solidFill>
-                  </a:tcPr>
-                </a:tc>
-                <a:tc>
-                  <a:txBody>
-                    <a:bodyPr/>
-                    <a:lstStyle/>
-                    <a:p>
-                      <a:r>
-                        <a:rPr kumimoji="1" lang="ja-JP" altLang="en-US" sz="1200" dirty="0"/>
-                        <a:t>フォーム入力、</a:t>
-                      </a:r>
-                      <a:r>
-                        <a:rPr kumimoji="1" lang="en-US" altLang="ja-JP" sz="1200" dirty="0"/>
-                        <a:t>API</a:t>
-                      </a:r>
-                      <a:r>
-                        <a:rPr kumimoji="1" lang="ja-JP" altLang="en-US" sz="1200" dirty="0"/>
-                        <a:t>リクエストなど構造化入力</a:t>
-                      </a:r>
-                    </a:p>
-                  </a:txBody>
-                  <a:tcPr>
-                    <a:solidFill>
-                      <a:schemeClr val="tx2">
-                        <a:lumMod val="20000"/>
-                        <a:lumOff val="80000"/>
-                      </a:schemeClr>
-                    </a:solidFill>
-                  </a:tcPr>
-                </a:tc>
-                <a:extLst>
-                  <a:ext uri="{0D108BD9-81ED-4DB2-BD59-A6C34878D82A}">
-                    <a16:rowId xmlns:a16="http://schemas.microsoft.com/office/drawing/2014/main" val="589471341"/>
-                  </a:ext>
-                </a:extLst>
-              </a:tr>
-              <a:tr h="370840">
-                <a:tc>
-                  <a:txBody>
-                    <a:bodyPr/>
-                    <a:lstStyle/>
-                    <a:p>
-                      <a:r>
-                        <a:rPr kumimoji="1" lang="ja-JP" altLang="en-US" sz="1200" b="1" dirty="0"/>
-                        <a:t>対話履歴の扱い</a:t>
-                      </a:r>
-                    </a:p>
-                  </a:txBody>
-                  <a:tcPr>
-                    <a:solidFill>
-                      <a:schemeClr val="bg1">
-                        <a:lumMod val="95000"/>
-                      </a:schemeClr>
-                    </a:solidFill>
-                  </a:tcPr>
-                </a:tc>
-                <a:tc>
-                  <a:txBody>
-                    <a:bodyPr/>
-                    <a:lstStyle/>
-                    <a:p>
-                      <a:r>
-                        <a:rPr kumimoji="1" lang="ja-JP" altLang="en-US" sz="1200" b="1" dirty="0"/>
-                        <a:t>文脈保持が必要、複数ターンにまたがる対話シナリオが重要</a:t>
-                      </a:r>
-                    </a:p>
-                  </a:txBody>
-                  <a:tcPr>
-                    <a:solidFill>
-                      <a:schemeClr val="accent3">
-                        <a:lumMod val="20000"/>
-                        <a:lumOff val="80000"/>
-                      </a:schemeClr>
-                    </a:solidFill>
-                  </a:tcPr>
-                </a:tc>
-                <a:tc>
-                  <a:txBody>
-                    <a:bodyPr/>
-                    <a:lstStyle/>
-                    <a:p>
-                      <a:r>
-                        <a:rPr kumimoji="1" lang="ja-JP" altLang="en-US" sz="1200" dirty="0"/>
-                        <a:t>基本は単発処理、状態を持たない</a:t>
-                      </a:r>
-                    </a:p>
-                  </a:txBody>
-                  <a:tcPr>
-                    <a:solidFill>
-                      <a:schemeClr val="tx2">
-                        <a:lumMod val="20000"/>
-                        <a:lumOff val="80000"/>
-                      </a:schemeClr>
-                    </a:solidFill>
-                  </a:tcPr>
-                </a:tc>
-                <a:extLst>
-                  <a:ext uri="{0D108BD9-81ED-4DB2-BD59-A6C34878D82A}">
-                    <a16:rowId xmlns:a16="http://schemas.microsoft.com/office/drawing/2014/main" val="2215133019"/>
-                  </a:ext>
-                </a:extLst>
-              </a:tr>
-            </a:tbl>
-          </a:graphicData>
-        </a:graphic>
-      </p:graphicFrame>
+          <p:cNvGrpSpPr/>
+          <p:nvPr/>
+        </p:nvGrpSpPr>
+        <p:grpSpPr>
+          <a:xfrm>
+            <a:off x="297470" y="2159484"/>
+            <a:ext cx="1109693" cy="1242589"/>
+            <a:chOff x="682442" y="1815710"/>
+            <a:chExt cx="1109693" cy="1242589"/>
+          </a:xfrm>
+        </p:grpSpPr>
+        <p:pic>
+          <p:nvPicPr>
+            <p:cNvPr id="8" name="図 7" descr="ウィンドウ, 記号, 挿絵 が含まれている画像&#10;&#10;自動的に生成された説明">
+              <a:extLst>
+                <a:ext uri="{FF2B5EF4-FFF2-40B4-BE49-F238E27FC236}">
+                  <a16:creationId xmlns:a16="http://schemas.microsoft.com/office/drawing/2014/main" id="{D9B414A2-C2E2-4AF7-11C4-1200845BA555}"/>
+                </a:ext>
+              </a:extLst>
+            </p:cNvPr>
+            <p:cNvPicPr>
+              <a:picLocks noChangeAspect="1"/>
+            </p:cNvPicPr>
+            <p:nvPr/>
+          </p:nvPicPr>
+          <p:blipFill>
+            <a:blip r:embed="rId2"/>
+            <a:stretch>
+              <a:fillRect/>
+            </a:stretch>
+          </p:blipFill>
+          <p:spPr>
+            <a:xfrm>
+              <a:off x="874713" y="1815710"/>
+              <a:ext cx="725152" cy="965590"/>
+            </a:xfrm>
+            <a:prstGeom prst="rect">
+              <a:avLst/>
+            </a:prstGeom>
+          </p:spPr>
+        </p:pic>
+        <p:sp>
+          <p:nvSpPr>
+            <p:cNvPr id="13" name="テキスト ボックス 12">
+              <a:extLst>
+                <a:ext uri="{FF2B5EF4-FFF2-40B4-BE49-F238E27FC236}">
+                  <a16:creationId xmlns:a16="http://schemas.microsoft.com/office/drawing/2014/main" id="{8FF3629B-B7CB-014A-C617-7E3565FDD648}"/>
+                </a:ext>
+              </a:extLst>
+            </p:cNvPr>
+            <p:cNvSpPr txBox="1"/>
+            <p:nvPr/>
+          </p:nvSpPr>
+          <p:spPr>
+            <a:xfrm>
+              <a:off x="682442" y="2781300"/>
+              <a:ext cx="1109693" cy="276999"/>
+            </a:xfrm>
+            <a:prstGeom prst="rect">
+              <a:avLst/>
+            </a:prstGeom>
+            <a:noFill/>
+          </p:spPr>
+          <p:txBody>
+            <a:bodyPr wrap="square" rtlCol="0">
+              <a:spAutoFit/>
+            </a:bodyPr>
+            <a:lstStyle/>
+            <a:p>
+              <a:pPr algn="ctr"/>
+              <a:r>
+                <a:rPr kumimoji="1" lang="ja-JP" altLang="en-US" sz="1200" dirty="0"/>
+                <a:t>ユーザ</a:t>
+              </a:r>
+            </a:p>
+          </p:txBody>
+        </p:sp>
+      </p:grpSp>
+      <p:pic>
+        <p:nvPicPr>
+          <p:cNvPr id="14" name="グラフィックス 13" descr="チャットの吹き出し 単色塗りつぶし">
+            <a:extLst>
+              <a:ext uri="{FF2B5EF4-FFF2-40B4-BE49-F238E27FC236}">
+                <a16:creationId xmlns:a16="http://schemas.microsoft.com/office/drawing/2014/main" id="{42DB07DB-AF8F-AC18-2976-DDF0D57CA228}"/>
+              </a:ext>
+            </a:extLst>
+          </p:cNvPr>
+          <p:cNvPicPr>
+            <a:picLocks noChangeAspect="1"/>
+          </p:cNvPicPr>
+          <p:nvPr/>
+        </p:nvPicPr>
+        <p:blipFill>
+          <a:blip r:embed="rId3">
+            <a:extLst>
+              <a:ext uri="{96DAC541-7B7A-43D3-8B79-37D633B846F1}">
+                <asvg:svgBlip xmlns:asvg="http://schemas.microsoft.com/office/drawing/2016/SVG/main" r:embed="rId4"/>
+              </a:ext>
+            </a:extLst>
+          </a:blip>
+          <a:stretch>
+            <a:fillRect/>
+          </a:stretch>
+        </p:blipFill>
+        <p:spPr>
+          <a:xfrm>
+            <a:off x="1093891" y="2044142"/>
+            <a:ext cx="638564" cy="638564"/>
+          </a:xfrm>
+          <a:prstGeom prst="rect">
+            <a:avLst/>
+          </a:prstGeom>
+        </p:spPr>
+      </p:pic>
       <p:sp>
         <p:nvSpPr>
-          <p:cNvPr id="6" name="矢印: 下 5">
+          <p:cNvPr id="15" name="矢印: 右 14">
             <a:extLst>
               <a:ext uri="{FF2B5EF4-FFF2-40B4-BE49-F238E27FC236}">
-                <a16:creationId xmlns:a16="http://schemas.microsoft.com/office/drawing/2014/main" id="{7CF6682F-5FA9-3750-8BC5-A89A0889499D}"/>
+                <a16:creationId xmlns:a16="http://schemas.microsoft.com/office/drawing/2014/main" id="{A91E18D3-AD51-8A3D-521B-883CC9DB71F2}"/>
               </a:ext>
             </a:extLst>
           </p:cNvPr>
@@ -9263,11 +9049,14 @@
         </p:nvSpPr>
         <p:spPr>
           <a:xfrm>
-            <a:off x="806825" y="1574074"/>
-            <a:ext cx="242046" cy="2570209"/>
+            <a:off x="1821565" y="2160375"/>
+            <a:ext cx="1085039" cy="367200"/>
           </a:xfrm>
-          <a:prstGeom prst="downArrow">
-            <a:avLst/>
+          <a:prstGeom prst="rightArrow">
+            <a:avLst>
+              <a:gd name="adj1" fmla="val 54948"/>
+              <a:gd name="adj2" fmla="val 54949"/>
+            </a:avLst>
           </a:prstGeom>
           <a:solidFill>
             <a:schemeClr val="accent1"/>
@@ -9295,7 +9084,7 @@
           <a:lstStyle/>
           <a:p>
             <a:pPr algn="ctr"/>
-            <a:endParaRPr kumimoji="1" lang="ja-JP" altLang="en-US">
+            <a:endParaRPr kumimoji="1" lang="ja-JP" altLang="en-US" dirty="0">
               <a:solidFill>
                 <a:schemeClr val="dk1"/>
               </a:solidFill>
@@ -9303,163 +9092,12 @@
           </a:p>
         </p:txBody>
       </p:sp>
-      <p:sp>
-        <p:nvSpPr>
-          <p:cNvPr id="10" name="テキスト ボックス 9">
+      <p:grpSp>
+        <p:nvGrpSpPr>
+          <p:cNvPr id="16" name="グループ化 15">
             <a:extLst>
               <a:ext uri="{FF2B5EF4-FFF2-40B4-BE49-F238E27FC236}">
-                <a16:creationId xmlns:a16="http://schemas.microsoft.com/office/drawing/2014/main" id="{46615CC3-22A6-75FB-B3C5-C7AD289D4150}"/>
-              </a:ext>
-            </a:extLst>
-          </p:cNvPr>
-          <p:cNvSpPr txBox="1"/>
-          <p:nvPr/>
-        </p:nvSpPr>
-        <p:spPr>
-          <a:xfrm>
-            <a:off x="345404" y="4151246"/>
-            <a:ext cx="11511634" cy="338554"/>
-          </a:xfrm>
-          <a:prstGeom prst="rect">
-            <a:avLst/>
-          </a:prstGeom>
-          <a:noFill/>
-        </p:spPr>
-        <p:txBody>
-          <a:bodyPr wrap="square" rtlCol="0">
-            <a:spAutoFit/>
-          </a:bodyPr>
-          <a:lstStyle/>
-          <a:p>
-            <a:r>
-              <a:rPr kumimoji="1" lang="en-US" altLang="ja-JP" sz="1600" b="1" dirty="0">
-                <a:solidFill>
-                  <a:srgbClr val="202569"/>
-                </a:solidFill>
-              </a:rPr>
-              <a:t>AI</a:t>
-            </a:r>
-            <a:r>
-              <a:rPr kumimoji="1" lang="ja-JP" altLang="en-US" sz="1600" b="1" dirty="0">
-                <a:solidFill>
-                  <a:srgbClr val="202569"/>
-                </a:solidFill>
-              </a:rPr>
-              <a:t>エージェントのシステムテスト</a:t>
-            </a:r>
-          </a:p>
-        </p:txBody>
-      </p:sp>
-      <p:sp>
-        <p:nvSpPr>
-          <p:cNvPr id="11" name="テキスト ボックス 10">
-            <a:extLst>
-              <a:ext uri="{FF2B5EF4-FFF2-40B4-BE49-F238E27FC236}">
-                <a16:creationId xmlns:a16="http://schemas.microsoft.com/office/drawing/2014/main" id="{134AC7FF-E10E-EFCB-4935-FD124B457F7F}"/>
-              </a:ext>
-            </a:extLst>
-          </p:cNvPr>
-          <p:cNvSpPr txBox="1"/>
-          <p:nvPr/>
-        </p:nvSpPr>
-        <p:spPr>
-          <a:xfrm>
-            <a:off x="675812" y="4414670"/>
-            <a:ext cx="6729035" cy="523220"/>
-          </a:xfrm>
-          <a:prstGeom prst="rect">
-            <a:avLst/>
-          </a:prstGeom>
-          <a:noFill/>
-        </p:spPr>
-        <p:txBody>
-          <a:bodyPr wrap="square">
-            <a:spAutoFit/>
-          </a:bodyPr>
-          <a:lstStyle/>
-          <a:p>
-            <a:r>
-              <a:rPr lang="en-US" altLang="ja-JP" sz="1400" dirty="0">
-                <a:solidFill>
-                  <a:schemeClr val="tx1">
-                    <a:lumMod val="95000"/>
-                    <a:lumOff val="5000"/>
-                  </a:schemeClr>
-                </a:solidFill>
-              </a:rPr>
-              <a:t>AI</a:t>
-            </a:r>
-            <a:r>
-              <a:rPr lang="ja-JP" altLang="en-US" sz="1400" dirty="0">
-                <a:solidFill>
-                  <a:schemeClr val="tx1">
-                    <a:lumMod val="95000"/>
-                    <a:lumOff val="5000"/>
-                  </a:schemeClr>
-                </a:solidFill>
-              </a:rPr>
-              <a:t>エージェントのシステムテストは、会話を繰り返したうえで</a:t>
-            </a:r>
-            <a:endParaRPr lang="en-US" altLang="ja-JP" sz="1400" dirty="0">
-              <a:solidFill>
-                <a:schemeClr val="tx1">
-                  <a:lumMod val="95000"/>
-                  <a:lumOff val="5000"/>
-                </a:schemeClr>
-              </a:solidFill>
-            </a:endParaRPr>
-          </a:p>
-          <a:p>
-            <a:r>
-              <a:rPr lang="ja-JP" altLang="en-US" sz="1400" b="1" dirty="0">
-                <a:solidFill>
-                  <a:schemeClr val="tx1">
-                    <a:lumMod val="95000"/>
-                    <a:lumOff val="5000"/>
-                  </a:schemeClr>
-                </a:solidFill>
-              </a:rPr>
-              <a:t>最終的に</a:t>
-            </a:r>
-            <a:r>
-              <a:rPr lang="en-US" altLang="ja-JP" sz="1400" b="1" dirty="0">
-                <a:solidFill>
-                  <a:schemeClr val="tx1">
-                    <a:lumMod val="95000"/>
-                    <a:lumOff val="5000"/>
-                  </a:schemeClr>
-                </a:solidFill>
-              </a:rPr>
-              <a:t>AI</a:t>
-            </a:r>
-            <a:r>
-              <a:rPr lang="ja-JP" altLang="en-US" sz="1400" b="1" dirty="0">
-                <a:solidFill>
-                  <a:schemeClr val="tx1">
-                    <a:lumMod val="95000"/>
-                    <a:lumOff val="5000"/>
-                  </a:schemeClr>
-                </a:solidFill>
-              </a:rPr>
-              <a:t>エージェントが期待する結果に沿う返答を行うかどうかが重要</a:t>
-            </a:r>
-            <a:endParaRPr lang="en-US" altLang="ja-JP" sz="1400" b="1" dirty="0">
-              <a:solidFill>
-                <a:schemeClr val="tx1">
-                  <a:lumMod val="95000"/>
-                  <a:lumOff val="5000"/>
-                </a:schemeClr>
-              </a:solidFill>
-            </a:endParaRPr>
-          </a:p>
-        </p:txBody>
-      </p:sp>
-      <p:grpSp>
-        <p:nvGrpSpPr>
-          <p:cNvPr id="12" name="グループ化 11">
-            <a:extLst>
-              <a:ext uri="{FF2B5EF4-FFF2-40B4-BE49-F238E27FC236}">
-                <a16:creationId xmlns:a16="http://schemas.microsoft.com/office/drawing/2014/main" id="{9399B4B0-2B08-A962-E1A0-A0F99CD7C5F3}"/>
+                <a16:creationId xmlns:a16="http://schemas.microsoft.com/office/drawing/2014/main" id="{15DDFE3F-5EA8-7F6F-F16B-DF1DD92CADE9}"/>
               </a:ext>
             </a:extLst>
           </p:cNvPr>
@@ -9468,88 +9106,215 @@
         </p:nvGrpSpPr>
         <p:grpSpPr>
           <a:xfrm>
-            <a:off x="7813086" y="4350045"/>
-            <a:ext cx="1324734" cy="1089053"/>
-            <a:chOff x="4730160" y="3810009"/>
-            <a:chExt cx="1579789" cy="1402485"/>
+            <a:off x="3022362" y="2088138"/>
+            <a:ext cx="2754986" cy="965672"/>
+            <a:chOff x="2954986" y="2286258"/>
+            <a:chExt cx="2754986" cy="965672"/>
           </a:xfrm>
         </p:grpSpPr>
-        <p:pic>
-          <p:nvPicPr>
-            <p:cNvPr id="17" name="図 16" descr="アイコン&#10;&#10;自動的に生成された説明">
+        <p:sp>
+          <p:nvSpPr>
+            <p:cNvPr id="28" name="四角形: 角を丸くする 27">
               <a:extLst>
                 <a:ext uri="{FF2B5EF4-FFF2-40B4-BE49-F238E27FC236}">
-                  <a16:creationId xmlns:a16="http://schemas.microsoft.com/office/drawing/2014/main" id="{3C4C6F0C-553F-E563-C681-968A08A98239}"/>
+                  <a16:creationId xmlns:a16="http://schemas.microsoft.com/office/drawing/2014/main" id="{BCC2377D-46C9-7FC4-1DA6-654A09080103}"/>
                 </a:ext>
               </a:extLst>
             </p:cNvPr>
-            <p:cNvPicPr>
-              <a:picLocks noChangeAspect="1"/>
-            </p:cNvPicPr>
-            <p:nvPr/>
-          </p:nvPicPr>
-          <p:blipFill>
-            <a:blip r:embed="rId2"/>
-            <a:stretch>
-              <a:fillRect/>
-            </a:stretch>
-          </p:blipFill>
-          <p:spPr>
-            <a:xfrm flipH="1">
-              <a:off x="5107610" y="3810009"/>
-              <a:ext cx="991511" cy="1013426"/>
-            </a:xfrm>
-            <a:prstGeom prst="rect">
-              <a:avLst/>
-            </a:prstGeom>
-          </p:spPr>
-        </p:pic>
-        <p:sp>
-          <p:nvSpPr>
-            <p:cNvPr id="18" name="テキスト ボックス 17">
-              <a:extLst>
-                <a:ext uri="{FF2B5EF4-FFF2-40B4-BE49-F238E27FC236}">
-                  <a16:creationId xmlns:a16="http://schemas.microsoft.com/office/drawing/2014/main" id="{005A1B90-E186-B503-E8FD-D6B8B73B061A}"/>
-                </a:ext>
-              </a:extLst>
-            </p:cNvPr>
-            <p:cNvSpPr txBox="1"/>
+            <p:cNvSpPr/>
             <p:nvPr/>
           </p:nvSpPr>
           <p:spPr>
             <a:xfrm>
-              <a:off x="4730160" y="4875592"/>
-              <a:ext cx="1579789" cy="336902"/>
+              <a:off x="3405463" y="2286258"/>
+              <a:ext cx="2304509" cy="952954"/>
             </a:xfrm>
-            <a:prstGeom prst="rect">
-              <a:avLst/>
+            <a:prstGeom prst="roundRect">
+              <a:avLst>
+                <a:gd name="adj" fmla="val 8949"/>
+              </a:avLst>
             </a:prstGeom>
-            <a:noFill/>
+            <a:solidFill>
+              <a:schemeClr val="accent5">
+                <a:lumMod val="20000"/>
+                <a:lumOff val="80000"/>
+              </a:schemeClr>
+            </a:solidFill>
+            <a:ln w="9525"/>
           </p:spPr>
+          <p:style>
+            <a:lnRef idx="2">
+              <a:schemeClr val="dk1"/>
+            </a:lnRef>
+            <a:fillRef idx="1">
+              <a:schemeClr val="lt1"/>
+            </a:fillRef>
+            <a:effectRef idx="0">
+              <a:schemeClr val="dk1"/>
+            </a:effectRef>
+            <a:fontRef idx="minor">
+              <a:schemeClr val="dk1"/>
+            </a:fontRef>
+          </p:style>
           <p:txBody>
-            <a:bodyPr wrap="square" rtlCol="0">
-              <a:spAutoFit/>
-            </a:bodyPr>
+            <a:bodyPr rtlCol="0" anchor="ctr"/>
+            <a:lstStyle/>
+            <a:p>
+              <a:pPr algn="ctr"/>
+              <a:endParaRPr kumimoji="1" lang="ja-JP" altLang="en-US" sz="1400">
+                <a:solidFill>
+                  <a:schemeClr val="dk1"/>
+                </a:solidFill>
+              </a:endParaRPr>
+            </a:p>
+          </p:txBody>
+        </p:sp>
+        <p:grpSp>
+          <p:nvGrpSpPr>
+            <p:cNvPr id="29" name="グループ化 28">
+              <a:extLst>
+                <a:ext uri="{FF2B5EF4-FFF2-40B4-BE49-F238E27FC236}">
+                  <a16:creationId xmlns:a16="http://schemas.microsoft.com/office/drawing/2014/main" id="{81336A76-C955-517B-90A0-45D59B32B6F5}"/>
+                </a:ext>
+              </a:extLst>
+            </p:cNvPr>
+            <p:cNvGrpSpPr/>
+            <p:nvPr/>
+          </p:nvGrpSpPr>
+          <p:grpSpPr>
+            <a:xfrm>
+              <a:off x="2954986" y="2355620"/>
+              <a:ext cx="2754548" cy="896310"/>
+              <a:chOff x="5302820" y="2054496"/>
+              <a:chExt cx="2754548" cy="896310"/>
+            </a:xfrm>
+          </p:grpSpPr>
+          <p:pic>
+            <p:nvPicPr>
+              <p:cNvPr id="31" name="図 30" descr="アイコン&#10;&#10;自動的に生成された説明">
+                <a:extLst>
+                  <a:ext uri="{FF2B5EF4-FFF2-40B4-BE49-F238E27FC236}">
+                    <a16:creationId xmlns:a16="http://schemas.microsoft.com/office/drawing/2014/main" id="{D92E9B47-0FD6-B370-A162-49FFBBC58835}"/>
+                  </a:ext>
+                </a:extLst>
+              </p:cNvPr>
+              <p:cNvPicPr>
+                <a:picLocks noChangeAspect="1"/>
+              </p:cNvPicPr>
+              <p:nvPr/>
+            </p:nvPicPr>
+            <p:blipFill>
+              <a:blip r:embed="rId5"/>
+              <a:srcRect l="24619" t="54203" r="20425"/>
+              <a:stretch/>
+            </p:blipFill>
+            <p:spPr>
+              <a:xfrm>
+                <a:off x="5302820" y="2054496"/>
+                <a:ext cx="935489" cy="761069"/>
+              </a:xfrm>
+              <a:prstGeom prst="rect">
+                <a:avLst/>
+              </a:prstGeom>
+            </p:spPr>
+          </p:pic>
+          <p:sp>
+            <p:nvSpPr>
+              <p:cNvPr id="32" name="テキスト ボックス 31">
+                <a:extLst>
+                  <a:ext uri="{FF2B5EF4-FFF2-40B4-BE49-F238E27FC236}">
+                    <a16:creationId xmlns:a16="http://schemas.microsoft.com/office/drawing/2014/main" id="{28E006AC-1A6A-E31E-9A68-8B4860D28E87}"/>
+                  </a:ext>
+                </a:extLst>
+              </p:cNvPr>
+              <p:cNvSpPr txBox="1"/>
+              <p:nvPr/>
+            </p:nvSpPr>
+            <p:spPr>
+              <a:xfrm>
+                <a:off x="5811192" y="2673807"/>
+                <a:ext cx="2246176" cy="276999"/>
+              </a:xfrm>
+              <a:prstGeom prst="rect">
+                <a:avLst/>
+              </a:prstGeom>
+              <a:noFill/>
+            </p:spPr>
+            <p:txBody>
+              <a:bodyPr wrap="square" rtlCol="0">
+                <a:spAutoFit/>
+              </a:bodyPr>
+              <a:lstStyle/>
+              <a:p>
+                <a:pPr algn="ctr"/>
+                <a:r>
+                  <a:rPr kumimoji="1" lang="en-US" altLang="ja-JP" sz="1200" b="1" dirty="0"/>
+                  <a:t>AI</a:t>
+                </a:r>
+                <a:r>
+                  <a:rPr kumimoji="1" lang="ja-JP" altLang="en-US" sz="1200" b="1" dirty="0"/>
+                  <a:t>エージェント</a:t>
+                </a:r>
+              </a:p>
+            </p:txBody>
+          </p:sp>
+        </p:grpSp>
+        <p:sp>
+          <p:nvSpPr>
+            <p:cNvPr id="30" name="四角形: 角を丸くする 29">
+              <a:extLst>
+                <a:ext uri="{FF2B5EF4-FFF2-40B4-BE49-F238E27FC236}">
+                  <a16:creationId xmlns:a16="http://schemas.microsoft.com/office/drawing/2014/main" id="{DE8263ED-23BE-B541-91D6-B5D91073A6F6}"/>
+                </a:ext>
+              </a:extLst>
+            </p:cNvPr>
+            <p:cNvSpPr/>
+            <p:nvPr/>
+          </p:nvSpPr>
+          <p:spPr>
+            <a:xfrm>
+              <a:off x="3936452" y="2492375"/>
+              <a:ext cx="1454284" cy="458806"/>
+            </a:xfrm>
+            <a:prstGeom prst="roundRect">
+              <a:avLst>
+                <a:gd name="adj" fmla="val 8949"/>
+              </a:avLst>
+            </a:prstGeom>
+            <a:ln w="9525">
+              <a:noFill/>
+            </a:ln>
+          </p:spPr>
+          <p:style>
+            <a:lnRef idx="2">
+              <a:schemeClr val="dk1"/>
+            </a:lnRef>
+            <a:fillRef idx="1">
+              <a:schemeClr val="lt1"/>
+            </a:fillRef>
+            <a:effectRef idx="0">
+              <a:schemeClr val="dk1"/>
+            </a:effectRef>
+            <a:fontRef idx="minor">
+              <a:schemeClr val="dk1"/>
+            </a:fontRef>
+          </p:style>
+          <p:txBody>
+            <a:bodyPr rtlCol="0" anchor="ctr"/>
             <a:lstStyle/>
             <a:p>
               <a:pPr algn="ctr"/>
               <a:r>
-                <a:rPr lang="ja-JP" altLang="en-US" sz="1100" dirty="0">
+                <a:rPr kumimoji="1" lang="en-US" altLang="ja-JP" sz="1200" dirty="0">
                   <a:solidFill>
-                    <a:schemeClr val="tx1">
-                      <a:lumMod val="65000"/>
-                      <a:lumOff val="35000"/>
-                    </a:schemeClr>
+                    <a:schemeClr val="dk1"/>
                   </a:solidFill>
                 </a:rPr>
-                <a:t>ユーザー</a:t>
+                <a:t>LLM</a:t>
               </a:r>
-              <a:endParaRPr lang="en-US" altLang="ja-JP" sz="1100" dirty="0">
+              <a:endParaRPr kumimoji="1" lang="ja-JP" altLang="en-US" sz="1200" dirty="0">
                 <a:solidFill>
-                  <a:schemeClr val="tx1">
-                    <a:lumMod val="65000"/>
-                    <a:lumOff val="35000"/>
-                  </a:schemeClr>
+                  <a:schemeClr val="dk1"/>
                 </a:solidFill>
               </a:endParaRPr>
             </a:p>
@@ -9558,10 +9323,10 @@
       </p:grpSp>
       <p:sp>
         <p:nvSpPr>
-          <p:cNvPr id="19" name="吹き出し: 円形 18">
+          <p:cNvPr id="34" name="矢印: 右 33">
             <a:extLst>
               <a:ext uri="{FF2B5EF4-FFF2-40B4-BE49-F238E27FC236}">
-                <a16:creationId xmlns:a16="http://schemas.microsoft.com/office/drawing/2014/main" id="{BEBBE959-70EE-7002-A29B-EB06D52C352D}"/>
+                <a16:creationId xmlns:a16="http://schemas.microsoft.com/office/drawing/2014/main" id="{7D1ED7A7-4647-7A5B-D50F-8147C5EE08A4}"/>
               </a:ext>
             </a:extLst>
           </p:cNvPr>
@@ -9569,457 +9334,18 @@
           <p:nvPr/>
         </p:nvSpPr>
         <p:spPr>
-          <a:xfrm>
-            <a:off x="9183041" y="4145384"/>
-            <a:ext cx="1106461" cy="443105"/>
+          <a:xfrm flipH="1">
+            <a:off x="1818900" y="2622027"/>
+            <a:ext cx="1085039" cy="367200"/>
           </a:xfrm>
-          <a:prstGeom prst="wedgeEllipseCallout">
+          <a:prstGeom prst="rightArrow">
             <a:avLst>
-              <a:gd name="adj1" fmla="val -49846"/>
-              <a:gd name="adj2" fmla="val 53719"/>
-            </a:avLst>
-          </a:prstGeom>
-          <a:ln w="9525"/>
-        </p:spPr>
-        <p:style>
-          <a:lnRef idx="2">
-            <a:schemeClr val="dk1"/>
-          </a:lnRef>
-          <a:fillRef idx="1">
-            <a:schemeClr val="lt1"/>
-          </a:fillRef>
-          <a:effectRef idx="0">
-            <a:schemeClr val="dk1"/>
-          </a:effectRef>
-          <a:fontRef idx="minor">
-            <a:schemeClr val="dk1"/>
-          </a:fontRef>
-        </p:style>
-        <p:txBody>
-          <a:bodyPr rtlCol="0" anchor="ctr"/>
-          <a:lstStyle/>
-          <a:p>
-            <a:pPr algn="ctr"/>
-            <a:endParaRPr kumimoji="1" lang="ja-JP" altLang="en-US">
-              <a:solidFill>
-                <a:schemeClr val="dk1"/>
-              </a:solidFill>
-            </a:endParaRPr>
-          </a:p>
-        </p:txBody>
-      </p:sp>
-      <p:sp>
-        <p:nvSpPr>
-          <p:cNvPr id="21" name="吹き出し: 円形 20">
-            <a:extLst>
-              <a:ext uri="{FF2B5EF4-FFF2-40B4-BE49-F238E27FC236}">
-                <a16:creationId xmlns:a16="http://schemas.microsoft.com/office/drawing/2014/main" id="{57E38A70-61C4-3D1A-DB07-160A00F916C0}"/>
-              </a:ext>
-            </a:extLst>
-          </p:cNvPr>
-          <p:cNvSpPr/>
-          <p:nvPr/>
-        </p:nvSpPr>
-        <p:spPr>
-          <a:xfrm>
-            <a:off x="9125599" y="4650581"/>
-            <a:ext cx="1106461" cy="443105"/>
-          </a:xfrm>
-          <a:prstGeom prst="wedgeEllipseCallout">
-            <a:avLst>
-              <a:gd name="adj1" fmla="val 58292"/>
-              <a:gd name="adj2" fmla="val -29703"/>
-            </a:avLst>
-          </a:prstGeom>
-          <a:ln w="9525"/>
-        </p:spPr>
-        <p:style>
-          <a:lnRef idx="2">
-            <a:schemeClr val="dk1"/>
-          </a:lnRef>
-          <a:fillRef idx="1">
-            <a:schemeClr val="lt1"/>
-          </a:fillRef>
-          <a:effectRef idx="0">
-            <a:schemeClr val="dk1"/>
-          </a:effectRef>
-          <a:fontRef idx="minor">
-            <a:schemeClr val="dk1"/>
-          </a:fontRef>
-        </p:style>
-        <p:txBody>
-          <a:bodyPr rtlCol="0" anchor="ctr"/>
-          <a:lstStyle/>
-          <a:p>
-            <a:pPr algn="ctr"/>
-            <a:endParaRPr kumimoji="1" lang="ja-JP" altLang="en-US">
-              <a:solidFill>
-                <a:schemeClr val="dk1"/>
-              </a:solidFill>
-            </a:endParaRPr>
-          </a:p>
-        </p:txBody>
-      </p:sp>
-      <p:grpSp>
-        <p:nvGrpSpPr>
-          <p:cNvPr id="22" name="グループ化 21">
-            <a:extLst>
-              <a:ext uri="{FF2B5EF4-FFF2-40B4-BE49-F238E27FC236}">
-                <a16:creationId xmlns:a16="http://schemas.microsoft.com/office/drawing/2014/main" id="{83831027-0AF2-0FDD-56AD-BFBB82701A9F}"/>
-              </a:ext>
-            </a:extLst>
-          </p:cNvPr>
-          <p:cNvGrpSpPr/>
-          <p:nvPr/>
-        </p:nvGrpSpPr>
-        <p:grpSpPr>
-          <a:xfrm>
-            <a:off x="10114735" y="4430352"/>
-            <a:ext cx="1168272" cy="1033714"/>
-            <a:chOff x="4646146" y="3647484"/>
-            <a:chExt cx="1744911" cy="1595214"/>
-          </a:xfrm>
-        </p:grpSpPr>
-        <p:pic>
-          <p:nvPicPr>
-            <p:cNvPr id="23" name="図 22" descr="アイコン&#10;&#10;自動的に生成された説明">
-              <a:extLst>
-                <a:ext uri="{FF2B5EF4-FFF2-40B4-BE49-F238E27FC236}">
-                  <a16:creationId xmlns:a16="http://schemas.microsoft.com/office/drawing/2014/main" id="{8FCBD6C4-DE5A-4B2A-2DDC-39570FDFDA8F}"/>
-                </a:ext>
-              </a:extLst>
-            </p:cNvPr>
-            <p:cNvPicPr>
-              <a:picLocks noChangeAspect="1"/>
-            </p:cNvPicPr>
-            <p:nvPr/>
-          </p:nvPicPr>
-          <p:blipFill>
-            <a:blip r:embed="rId3"/>
-            <a:srcRect l="24619" t="54203" r="20425"/>
-            <a:stretch/>
-          </p:blipFill>
-          <p:spPr>
-            <a:xfrm>
-              <a:off x="4946199" y="3647484"/>
-              <a:ext cx="1212346" cy="986305"/>
-            </a:xfrm>
-            <a:prstGeom prst="rect">
-              <a:avLst/>
-            </a:prstGeom>
-          </p:spPr>
-        </p:pic>
-        <p:sp>
-          <p:nvSpPr>
-            <p:cNvPr id="25" name="テキスト ボックス 24">
-              <a:extLst>
-                <a:ext uri="{FF2B5EF4-FFF2-40B4-BE49-F238E27FC236}">
-                  <a16:creationId xmlns:a16="http://schemas.microsoft.com/office/drawing/2014/main" id="{4112B701-0688-61A9-03C7-E8455988E32B}"/>
-                </a:ext>
-              </a:extLst>
-            </p:cNvPr>
-            <p:cNvSpPr txBox="1"/>
-            <p:nvPr/>
-          </p:nvSpPr>
-          <p:spPr>
-            <a:xfrm>
-              <a:off x="4646146" y="4838985"/>
-              <a:ext cx="1744911" cy="403713"/>
-            </a:xfrm>
-            <a:prstGeom prst="rect">
-              <a:avLst/>
-            </a:prstGeom>
-            <a:noFill/>
-          </p:spPr>
-          <p:txBody>
-            <a:bodyPr wrap="square" rtlCol="0">
-              <a:spAutoFit/>
-            </a:bodyPr>
-            <a:lstStyle/>
-            <a:p>
-              <a:pPr algn="ctr"/>
-              <a:r>
-                <a:rPr lang="ja-JP" altLang="en-US" sz="1100" dirty="0">
-                  <a:solidFill>
-                    <a:schemeClr val="tx1">
-                      <a:lumMod val="65000"/>
-                      <a:lumOff val="35000"/>
-                    </a:schemeClr>
-                  </a:solidFill>
-                </a:rPr>
-                <a:t>エージェント</a:t>
-              </a:r>
-              <a:endParaRPr lang="en-US" altLang="ja-JP" sz="1100" dirty="0">
-                <a:solidFill>
-                  <a:schemeClr val="tx1">
-                    <a:lumMod val="65000"/>
-                    <a:lumOff val="35000"/>
-                  </a:schemeClr>
-                </a:solidFill>
-              </a:endParaRPr>
-            </a:p>
-          </p:txBody>
-        </p:sp>
-      </p:grpSp>
-      <p:sp>
-        <p:nvSpPr>
-          <p:cNvPr id="26" name="テキスト ボックス 25">
-            <a:extLst>
-              <a:ext uri="{FF2B5EF4-FFF2-40B4-BE49-F238E27FC236}">
-                <a16:creationId xmlns:a16="http://schemas.microsoft.com/office/drawing/2014/main" id="{F4572FAB-014C-DA2F-CD3A-81F0E51032B6}"/>
-              </a:ext>
-            </a:extLst>
-          </p:cNvPr>
-          <p:cNvSpPr txBox="1"/>
-          <p:nvPr/>
-        </p:nvSpPr>
-        <p:spPr>
-          <a:xfrm>
-            <a:off x="345404" y="5100544"/>
-            <a:ext cx="5472690" cy="338554"/>
-          </a:xfrm>
-          <a:prstGeom prst="rect">
-            <a:avLst/>
-          </a:prstGeom>
-          <a:noFill/>
-        </p:spPr>
-        <p:txBody>
-          <a:bodyPr wrap="square" rtlCol="0">
-            <a:spAutoFit/>
-          </a:bodyPr>
-          <a:lstStyle/>
-          <a:p>
-            <a:r>
-              <a:rPr kumimoji="1" lang="ja-JP" altLang="en-US" sz="1600" b="1" dirty="0">
-                <a:solidFill>
-                  <a:srgbClr val="202569"/>
-                </a:solidFill>
-              </a:rPr>
-              <a:t>業務フローの本筋からテストシナリオの概略を構想する</a:t>
-            </a:r>
-          </a:p>
-        </p:txBody>
-      </p:sp>
-      <p:sp>
-        <p:nvSpPr>
-          <p:cNvPr id="27" name="テキスト ボックス 26">
-            <a:extLst>
-              <a:ext uri="{FF2B5EF4-FFF2-40B4-BE49-F238E27FC236}">
-                <a16:creationId xmlns:a16="http://schemas.microsoft.com/office/drawing/2014/main" id="{6671B5EA-16D9-CD3A-7D90-4EC873E6F2C5}"/>
-              </a:ext>
-            </a:extLst>
-          </p:cNvPr>
-          <p:cNvSpPr txBox="1"/>
-          <p:nvPr/>
-        </p:nvSpPr>
-        <p:spPr>
-          <a:xfrm>
-            <a:off x="675812" y="5386661"/>
-            <a:ext cx="7553788" cy="738664"/>
-          </a:xfrm>
-          <a:prstGeom prst="rect">
-            <a:avLst/>
-          </a:prstGeom>
-          <a:noFill/>
-        </p:spPr>
-        <p:txBody>
-          <a:bodyPr wrap="square">
-            <a:spAutoFit/>
-          </a:bodyPr>
-          <a:lstStyle/>
-          <a:p>
-            <a:r>
-              <a:rPr lang="ja-JP" altLang="en-US" sz="1400" dirty="0">
-                <a:solidFill>
-                  <a:schemeClr val="tx1">
-                    <a:lumMod val="95000"/>
-                    <a:lumOff val="5000"/>
-                  </a:schemeClr>
-                </a:solidFill>
-              </a:rPr>
-              <a:t>業務フローから</a:t>
-            </a:r>
-            <a:r>
-              <a:rPr lang="en-US" altLang="ja-JP" sz="1400" dirty="0">
-                <a:solidFill>
-                  <a:schemeClr val="tx1">
-                    <a:lumMod val="95000"/>
-                    <a:lumOff val="5000"/>
-                  </a:schemeClr>
-                </a:solidFill>
-              </a:rPr>
-              <a:t>AI</a:t>
-            </a:r>
-            <a:r>
-              <a:rPr lang="ja-JP" altLang="en-US" sz="1400" dirty="0">
-                <a:solidFill>
-                  <a:schemeClr val="tx1">
-                    <a:lumMod val="95000"/>
-                    <a:lumOff val="5000"/>
-                  </a:schemeClr>
-                </a:solidFill>
-              </a:rPr>
-              <a:t>エージェントに求める要件を深掘り・整理し、</a:t>
-            </a:r>
-            <a:endParaRPr lang="en-US" altLang="ja-JP" sz="1400" dirty="0">
-              <a:solidFill>
-                <a:schemeClr val="tx1">
-                  <a:lumMod val="95000"/>
-                  <a:lumOff val="5000"/>
-                </a:schemeClr>
-              </a:solidFill>
-            </a:endParaRPr>
-          </a:p>
-          <a:p>
-            <a:r>
-              <a:rPr lang="ja-JP" altLang="en-US" sz="1400" b="1" dirty="0">
-                <a:solidFill>
-                  <a:schemeClr val="tx1">
-                    <a:lumMod val="95000"/>
-                    <a:lumOff val="5000"/>
-                  </a:schemeClr>
-                </a:solidFill>
-              </a:rPr>
-              <a:t>ユーザーの</a:t>
-            </a:r>
-            <a:r>
-              <a:rPr lang="ja-JP" altLang="en-US" sz="1400" b="1" dirty="0">
-                <a:solidFill>
-                  <a:srgbClr val="C00000"/>
-                </a:solidFill>
-              </a:rPr>
-              <a:t>要求</a:t>
-            </a:r>
-            <a:r>
-              <a:rPr lang="ja-JP" altLang="en-US" sz="1400" b="1" dirty="0">
-                <a:solidFill>
-                  <a:schemeClr val="tx1">
-                    <a:lumMod val="95000"/>
-                    <a:lumOff val="5000"/>
-                  </a:schemeClr>
-                </a:solidFill>
-              </a:rPr>
-              <a:t>に対して、期待する結果としての</a:t>
-            </a:r>
-            <a:r>
-              <a:rPr lang="en-US" altLang="ja-JP" sz="1400" b="1" dirty="0">
-                <a:solidFill>
-                  <a:schemeClr val="tx1">
-                    <a:lumMod val="95000"/>
-                    <a:lumOff val="5000"/>
-                  </a:schemeClr>
-                </a:solidFill>
-              </a:rPr>
-              <a:t>AI</a:t>
-            </a:r>
-            <a:r>
-              <a:rPr lang="ja-JP" altLang="en-US" sz="1400" b="1" dirty="0">
-                <a:solidFill>
-                  <a:schemeClr val="tx1">
-                    <a:lumMod val="95000"/>
-                    <a:lumOff val="5000"/>
-                  </a:schemeClr>
-                </a:solidFill>
-              </a:rPr>
-              <a:t>エージェントの最終的な出力を構想</a:t>
-            </a:r>
-            <a:endParaRPr lang="en-US" altLang="ja-JP" sz="1400" b="1" dirty="0">
-              <a:solidFill>
-                <a:schemeClr val="tx1">
-                  <a:lumMod val="95000"/>
-                  <a:lumOff val="5000"/>
-                </a:schemeClr>
-              </a:solidFill>
-            </a:endParaRPr>
-          </a:p>
-          <a:p>
-            <a:r>
-              <a:rPr lang="en-US" altLang="ja-JP" sz="1400" dirty="0">
-                <a:solidFill>
-                  <a:srgbClr val="C00000"/>
-                </a:solidFill>
-              </a:rPr>
-              <a:t>※</a:t>
-            </a:r>
-            <a:r>
-              <a:rPr lang="ja-JP" altLang="en-US" sz="1400" dirty="0">
-                <a:solidFill>
-                  <a:srgbClr val="C00000"/>
-                </a:solidFill>
-              </a:rPr>
-              <a:t>複数パターンを箇条書きでピックアップ</a:t>
-            </a:r>
-            <a:endParaRPr lang="en-US" altLang="ja-JP" sz="1400" dirty="0">
-              <a:solidFill>
-                <a:srgbClr val="C00000"/>
-              </a:solidFill>
-            </a:endParaRPr>
-          </a:p>
-        </p:txBody>
-      </p:sp>
-    </p:spTree>
-    <p:extLst>
-      <p:ext uri="{BB962C8B-B14F-4D97-AF65-F5344CB8AC3E}">
-        <p14:creationId xmlns:p14="http://schemas.microsoft.com/office/powerpoint/2010/main" val="355309618"/>
-      </p:ext>
-    </p:extLst>
-  </p:cSld>
-  <p:clrMapOvr>
-    <a:masterClrMapping/>
-  </p:clrMapOvr>
-</p:sld>
-</file>
-
-<file path=ppt/slides/slide6.xml><?xml version="1.0" encoding="utf-8"?>
-<p:sld xmlns:a="http://schemas.openxmlformats.org/drawingml/2006/main" xmlns:r="http://schemas.openxmlformats.org/officeDocument/2006/relationships" xmlns:p="http://schemas.openxmlformats.org/presentationml/2006/main">
-  <p:cSld>
-    <p:spTree>
-      <p:nvGrpSpPr>
-        <p:cNvPr id="1" name="">
-          <a:extLst>
-            <a:ext uri="{FF2B5EF4-FFF2-40B4-BE49-F238E27FC236}">
-              <a16:creationId xmlns:a16="http://schemas.microsoft.com/office/drawing/2014/main" id="{D45D62E1-EF7A-80CD-0B9A-01C00B556699}"/>
-            </a:ext>
-          </a:extLst>
-        </p:cNvPr>
-        <p:cNvGrpSpPr/>
-        <p:nvPr/>
-      </p:nvGrpSpPr>
-      <p:grpSpPr>
-        <a:xfrm>
-          <a:off x="0" y="0"/>
-          <a:ext cx="0" cy="0"/>
-          <a:chOff x="0" y="0"/>
-          <a:chExt cx="0" cy="0"/>
-        </a:xfrm>
-      </p:grpSpPr>
-      <p:sp>
-        <p:nvSpPr>
-          <p:cNvPr id="5" name="四角形: 角を丸くする 4">
-            <a:extLst>
-              <a:ext uri="{FF2B5EF4-FFF2-40B4-BE49-F238E27FC236}">
-                <a16:creationId xmlns:a16="http://schemas.microsoft.com/office/drawing/2014/main" id="{2643D788-72CE-DB81-8536-0BC19445E359}"/>
-              </a:ext>
-            </a:extLst>
-          </p:cNvPr>
-          <p:cNvSpPr/>
-          <p:nvPr/>
-        </p:nvSpPr>
-        <p:spPr>
-          <a:xfrm>
-            <a:off x="667036" y="1329084"/>
-            <a:ext cx="10615971" cy="1590257"/>
-          </a:xfrm>
-          <a:prstGeom prst="roundRect">
-            <a:avLst>
-              <a:gd name="adj" fmla="val 2121"/>
+              <a:gd name="adj1" fmla="val 54948"/>
+              <a:gd name="adj2" fmla="val 54949"/>
             </a:avLst>
           </a:prstGeom>
           <a:solidFill>
-            <a:schemeClr val="accent1">
-              <a:lumMod val="20000"/>
-              <a:lumOff val="80000"/>
-            </a:schemeClr>
+            <a:schemeClr val="accent1"/>
           </a:solidFill>
           <a:ln w="9525">
             <a:noFill/>
@@ -10044,7 +9370,7 @@
           <a:lstStyle/>
           <a:p>
             <a:pPr algn="ctr"/>
-            <a:endParaRPr kumimoji="1" lang="ja-JP" altLang="en-US">
+            <a:endParaRPr kumimoji="1" lang="ja-JP" altLang="en-US" dirty="0">
               <a:solidFill>
                 <a:schemeClr val="dk1"/>
               </a:solidFill>
@@ -10052,333 +9378,171 @@
           </a:p>
         </p:txBody>
       </p:sp>
-      <p:sp>
-        <p:nvSpPr>
-          <p:cNvPr id="4" name="タイトル 1">
+      <p:pic>
+        <p:nvPicPr>
+          <p:cNvPr id="35" name="図 34" descr="アイコン&#10;&#10;自動的に生成された説明">
             <a:extLst>
               <a:ext uri="{FF2B5EF4-FFF2-40B4-BE49-F238E27FC236}">
-                <a16:creationId xmlns:a16="http://schemas.microsoft.com/office/drawing/2014/main" id="{362C9483-5B86-ADC3-299E-F88BD3CCAF89}"/>
+                <a16:creationId xmlns:a16="http://schemas.microsoft.com/office/drawing/2014/main" id="{D54A4AB6-11A1-F422-7313-890275A4C936}"/>
               </a:ext>
             </a:extLst>
           </p:cNvPr>
-          <p:cNvSpPr>
-            <a:spLocks noGrp="1"/>
-          </p:cNvSpPr>
-          <p:nvPr>
-            <p:ph type="title"/>
-          </p:nvPr>
-        </p:nvSpPr>
+          <p:cNvPicPr>
+            <a:picLocks noChangeAspect="1"/>
+          </p:cNvPicPr>
+          <p:nvPr/>
+        </p:nvPicPr>
+        <p:blipFill>
+          <a:blip r:embed="rId6"/>
+          <a:stretch>
+            <a:fillRect/>
+          </a:stretch>
+        </p:blipFill>
         <p:spPr>
           <a:xfrm>
-            <a:off x="345404" y="407406"/>
-            <a:ext cx="11512163" cy="388990"/>
-          </a:xfrm>
-        </p:spPr>
-        <p:txBody>
-          <a:bodyPr>
-            <a:normAutofit fontScale="90000"/>
-          </a:bodyPr>
-          <a:lstStyle/>
-          <a:p>
-            <a:r>
-              <a:rPr kumimoji="1" lang="ja-JP" altLang="en-US" dirty="0"/>
-              <a:t>テストシナリオ設計・作成</a:t>
-            </a:r>
-          </a:p>
-        </p:txBody>
-      </p:sp>
-      <p:sp>
-        <p:nvSpPr>
-          <p:cNvPr id="3" name="テキスト ボックス 2">
-            <a:extLst>
-              <a:ext uri="{FF2B5EF4-FFF2-40B4-BE49-F238E27FC236}">
-                <a16:creationId xmlns:a16="http://schemas.microsoft.com/office/drawing/2014/main" id="{CA3A8927-67BA-17E4-2C30-7F5BF3E0E5F6}"/>
-              </a:ext>
-            </a:extLst>
-          </p:cNvPr>
-          <p:cNvSpPr txBox="1"/>
-          <p:nvPr/>
-        </p:nvSpPr>
-        <p:spPr>
-          <a:xfrm>
-            <a:off x="345404" y="967873"/>
-            <a:ext cx="11511634" cy="338554"/>
+            <a:off x="4087172" y="2359184"/>
+            <a:ext cx="264237" cy="298946"/>
           </a:xfrm>
           <a:prstGeom prst="rect">
             <a:avLst/>
           </a:prstGeom>
-          <a:noFill/>
         </p:spPr>
-        <p:txBody>
-          <a:bodyPr wrap="square" rtlCol="0">
-            <a:spAutoFit/>
-          </a:bodyPr>
-          <a:lstStyle/>
-          <a:p>
-            <a:r>
-              <a:rPr kumimoji="1" lang="ja-JP" altLang="en-US" sz="1600" b="1" dirty="0">
-                <a:solidFill>
-                  <a:srgbClr val="202569"/>
-                </a:solidFill>
-              </a:rPr>
-              <a:t>テストシナリオを設計するにあたってのポイント</a:t>
-            </a:r>
-          </a:p>
-        </p:txBody>
-      </p:sp>
-      <p:sp>
-        <p:nvSpPr>
-          <p:cNvPr id="9" name="テキスト ボックス 8">
+      </p:pic>
+      <p:grpSp>
+        <p:nvGrpSpPr>
+          <p:cNvPr id="36" name="グループ化 35">
             <a:extLst>
               <a:ext uri="{FF2B5EF4-FFF2-40B4-BE49-F238E27FC236}">
-                <a16:creationId xmlns:a16="http://schemas.microsoft.com/office/drawing/2014/main" id="{2464DE71-4628-5418-568A-6635FE1C9297}"/>
+                <a16:creationId xmlns:a16="http://schemas.microsoft.com/office/drawing/2014/main" id="{4A7F7B06-83D9-976C-F36C-E88143ED6BED}"/>
               </a:ext>
             </a:extLst>
           </p:cNvPr>
-          <p:cNvSpPr txBox="1"/>
+          <p:cNvGrpSpPr/>
           <p:nvPr/>
-        </p:nvSpPr>
-        <p:spPr>
+        </p:nvGrpSpPr>
+        <p:grpSpPr>
           <a:xfrm>
-            <a:off x="675813" y="1457233"/>
-            <a:ext cx="5491906" cy="1169551"/>
+            <a:off x="885931" y="2884868"/>
+            <a:ext cx="3163866" cy="1301655"/>
+            <a:chOff x="8206678" y="13911"/>
+            <a:chExt cx="3163866" cy="1301655"/>
           </a:xfrm>
-          <a:prstGeom prst="rect">
-            <a:avLst/>
-          </a:prstGeom>
-          <a:noFill/>
-        </p:spPr>
-        <p:txBody>
-          <a:bodyPr wrap="square">
-            <a:spAutoFit/>
-          </a:bodyPr>
-          <a:lstStyle/>
-          <a:p>
-            <a:r>
-              <a:rPr lang="en-US" altLang="ja-JP" sz="1400" dirty="0">
-                <a:solidFill>
-                  <a:schemeClr val="tx1">
-                    <a:lumMod val="95000"/>
-                    <a:lumOff val="5000"/>
-                  </a:schemeClr>
-                </a:solidFill>
-              </a:rPr>
-              <a:t>AI</a:t>
-            </a:r>
-            <a:r>
-              <a:rPr lang="ja-JP" altLang="en-US" sz="1400" dirty="0">
-                <a:solidFill>
-                  <a:schemeClr val="tx1">
-                    <a:lumMod val="95000"/>
-                    <a:lumOff val="5000"/>
-                  </a:schemeClr>
-                </a:solidFill>
-              </a:rPr>
-              <a:t>エージェントの出力は、固定的な出力とならないケースが多い（例外は存在する）</a:t>
-            </a:r>
-            <a:endParaRPr lang="en-US" altLang="ja-JP" sz="1400" dirty="0">
-              <a:solidFill>
-                <a:schemeClr val="tx1">
-                  <a:lumMod val="95000"/>
-                  <a:lumOff val="5000"/>
-                </a:schemeClr>
-              </a:solidFill>
-            </a:endParaRPr>
-          </a:p>
-          <a:p>
-            <a:endParaRPr lang="en-US" altLang="ja-JP" sz="1400" dirty="0">
-              <a:solidFill>
-                <a:schemeClr val="tx1">
-                  <a:lumMod val="95000"/>
-                  <a:lumOff val="5000"/>
-                </a:schemeClr>
-              </a:solidFill>
-            </a:endParaRPr>
-          </a:p>
-          <a:p>
-            <a:r>
-              <a:rPr lang="ja-JP" altLang="en-US" sz="1400" dirty="0">
-                <a:solidFill>
-                  <a:schemeClr val="tx1">
-                    <a:lumMod val="95000"/>
-                    <a:lumOff val="5000"/>
-                  </a:schemeClr>
-                </a:solidFill>
-              </a:rPr>
-              <a:t>そのため、テストシナリオを設計するにあたって、</a:t>
-            </a:r>
-            <a:endParaRPr lang="en-US" altLang="ja-JP" sz="1400" dirty="0">
-              <a:solidFill>
-                <a:schemeClr val="tx1">
-                  <a:lumMod val="95000"/>
-                  <a:lumOff val="5000"/>
-                </a:schemeClr>
-              </a:solidFill>
-            </a:endParaRPr>
-          </a:p>
-          <a:p>
-            <a:r>
-              <a:rPr lang="en-US" altLang="ja-JP" sz="1400" b="1" dirty="0">
-                <a:solidFill>
-                  <a:schemeClr val="tx1">
-                    <a:lumMod val="95000"/>
-                    <a:lumOff val="5000"/>
-                  </a:schemeClr>
-                </a:solidFill>
-              </a:rPr>
-              <a:t>AI</a:t>
-            </a:r>
-            <a:r>
-              <a:rPr lang="ja-JP" altLang="en-US" sz="1400" b="1" dirty="0">
-                <a:solidFill>
-                  <a:schemeClr val="tx1">
-                    <a:lumMod val="95000"/>
-                    <a:lumOff val="5000"/>
-                  </a:schemeClr>
-                </a:solidFill>
-              </a:rPr>
-              <a:t>エージェントの出力結果に対して</a:t>
-            </a:r>
-            <a:r>
-              <a:rPr lang="en-US" altLang="ja-JP" sz="1400" b="1" dirty="0">
-                <a:solidFill>
-                  <a:schemeClr val="tx1">
-                    <a:lumMod val="95000"/>
-                    <a:lumOff val="5000"/>
-                  </a:schemeClr>
-                </a:solidFill>
-              </a:rPr>
-              <a:t>OK</a:t>
-            </a:r>
-            <a:r>
-              <a:rPr lang="ja-JP" altLang="en-US" sz="1400" b="1" dirty="0">
-                <a:solidFill>
-                  <a:schemeClr val="tx1">
-                    <a:lumMod val="95000"/>
-                    <a:lumOff val="5000"/>
-                  </a:schemeClr>
-                </a:solidFill>
-              </a:rPr>
-              <a:t>・</a:t>
-            </a:r>
-            <a:r>
-              <a:rPr lang="en-US" altLang="ja-JP" sz="1400" b="1" dirty="0">
-                <a:solidFill>
-                  <a:schemeClr val="tx1">
-                    <a:lumMod val="95000"/>
-                    <a:lumOff val="5000"/>
-                  </a:schemeClr>
-                </a:solidFill>
-              </a:rPr>
-              <a:t>NG</a:t>
-            </a:r>
-            <a:r>
-              <a:rPr lang="ja-JP" altLang="en-US" sz="1400" b="1" dirty="0">
-                <a:solidFill>
-                  <a:schemeClr val="tx1">
-                    <a:lumMod val="95000"/>
-                    <a:lumOff val="5000"/>
-                  </a:schemeClr>
-                </a:solidFill>
-              </a:rPr>
-              <a:t>基準を想定</a:t>
-            </a:r>
-            <a:r>
-              <a:rPr lang="ja-JP" altLang="en-US" sz="1400" dirty="0">
-                <a:solidFill>
-                  <a:schemeClr val="tx1">
-                    <a:lumMod val="95000"/>
-                    <a:lumOff val="5000"/>
-                  </a:schemeClr>
-                </a:solidFill>
-              </a:rPr>
-              <a:t>する</a:t>
-            </a:r>
-            <a:endParaRPr lang="en-US" altLang="ja-JP" sz="1400" dirty="0">
-              <a:solidFill>
-                <a:schemeClr val="tx1">
-                  <a:lumMod val="95000"/>
-                  <a:lumOff val="5000"/>
-                </a:schemeClr>
-              </a:solidFill>
-            </a:endParaRPr>
-          </a:p>
-        </p:txBody>
-      </p:sp>
+        </p:grpSpPr>
+        <p:pic>
+          <p:nvPicPr>
+            <p:cNvPr id="37" name="グラフィックス 36" descr="チャットの吹き出し 枠線">
+              <a:extLst>
+                <a:ext uri="{FF2B5EF4-FFF2-40B4-BE49-F238E27FC236}">
+                  <a16:creationId xmlns:a16="http://schemas.microsoft.com/office/drawing/2014/main" id="{3C88A975-F5B6-F1B0-3949-4094057C351B}"/>
+                </a:ext>
+              </a:extLst>
+            </p:cNvPr>
+            <p:cNvPicPr>
+              <a:picLocks noChangeAspect="1"/>
+            </p:cNvPicPr>
+            <p:nvPr/>
+          </p:nvPicPr>
+          <p:blipFill>
+            <a:blip r:embed="rId7">
+              <a:extLst>
+                <a:ext uri="{96DAC541-7B7A-43D3-8B79-37D633B846F1}">
+                  <asvg:svgBlip xmlns:asvg="http://schemas.microsoft.com/office/drawing/2016/SVG/main" r:embed="rId8"/>
+                </a:ext>
+              </a:extLst>
+            </a:blip>
+            <a:stretch>
+              <a:fillRect/>
+            </a:stretch>
+          </p:blipFill>
+          <p:spPr>
+            <a:xfrm>
+              <a:off x="9404873" y="13911"/>
+              <a:ext cx="767476" cy="767476"/>
+            </a:xfrm>
+            <a:prstGeom prst="rect">
+              <a:avLst/>
+            </a:prstGeom>
+          </p:spPr>
+        </p:pic>
+        <p:sp>
+          <p:nvSpPr>
+            <p:cNvPr id="38" name="テキスト ボックス 37">
+              <a:extLst>
+                <a:ext uri="{FF2B5EF4-FFF2-40B4-BE49-F238E27FC236}">
+                  <a16:creationId xmlns:a16="http://schemas.microsoft.com/office/drawing/2014/main" id="{5CE4071C-1959-4FFF-7350-D3684A7728C8}"/>
+                </a:ext>
+              </a:extLst>
+            </p:cNvPr>
+            <p:cNvSpPr txBox="1"/>
+            <p:nvPr/>
+          </p:nvSpPr>
+          <p:spPr>
+            <a:xfrm>
+              <a:off x="8206678" y="757518"/>
+              <a:ext cx="3163866" cy="307777"/>
+            </a:xfrm>
+            <a:prstGeom prst="rect">
+              <a:avLst/>
+            </a:prstGeom>
+            <a:noFill/>
+          </p:spPr>
+          <p:txBody>
+            <a:bodyPr wrap="square" rtlCol="0">
+              <a:spAutoFit/>
+            </a:bodyPr>
+            <a:lstStyle/>
+            <a:p>
+              <a:pPr algn="ctr"/>
+              <a:r>
+                <a:rPr kumimoji="1" lang="ja-JP" altLang="en-US" sz="1400" b="1" dirty="0"/>
+                <a:t>チャット</a:t>
+              </a:r>
+            </a:p>
+          </p:txBody>
+        </p:sp>
+        <p:sp>
+          <p:nvSpPr>
+            <p:cNvPr id="39" name="テキスト ボックス 38">
+              <a:extLst>
+                <a:ext uri="{FF2B5EF4-FFF2-40B4-BE49-F238E27FC236}">
+                  <a16:creationId xmlns:a16="http://schemas.microsoft.com/office/drawing/2014/main" id="{6A802D49-0730-1578-917C-EF438684BB2E}"/>
+                </a:ext>
+              </a:extLst>
+            </p:cNvPr>
+            <p:cNvSpPr txBox="1"/>
+            <p:nvPr/>
+          </p:nvSpPr>
+          <p:spPr>
+            <a:xfrm>
+              <a:off x="8206678" y="1007789"/>
+              <a:ext cx="3163866" cy="307777"/>
+            </a:xfrm>
+            <a:prstGeom prst="rect">
+              <a:avLst/>
+            </a:prstGeom>
+            <a:noFill/>
+          </p:spPr>
+          <p:txBody>
+            <a:bodyPr wrap="square" rtlCol="0">
+              <a:spAutoFit/>
+            </a:bodyPr>
+            <a:lstStyle/>
+            <a:p>
+              <a:pPr algn="ctr"/>
+              <a:r>
+                <a:rPr kumimoji="1" lang="ja-JP" altLang="en-US" sz="1400" dirty="0"/>
+                <a:t>ユーザとやりとりする</a:t>
+              </a:r>
+            </a:p>
+          </p:txBody>
+        </p:sp>
+      </p:grpSp>
       <p:sp>
         <p:nvSpPr>
-          <p:cNvPr id="20" name="フッター プレースホルダー 3">
+          <p:cNvPr id="40" name="正方形/長方形 39">
             <a:extLst>
               <a:ext uri="{FF2B5EF4-FFF2-40B4-BE49-F238E27FC236}">
-                <a16:creationId xmlns:a16="http://schemas.microsoft.com/office/drawing/2014/main" id="{31E9474D-AEE6-F636-E664-81518FC391F5}"/>
-              </a:ext>
-            </a:extLst>
-          </p:cNvPr>
-          <p:cNvSpPr>
-            <a:spLocks noGrp="1"/>
-          </p:cNvSpPr>
-          <p:nvPr>
-            <p:ph type="ftr" sz="quarter" idx="11"/>
-          </p:nvPr>
-        </p:nvSpPr>
-        <p:spPr>
-          <a:xfrm>
-            <a:off x="8444093" y="6519334"/>
-            <a:ext cx="3747911" cy="365125"/>
-          </a:xfrm>
-        </p:spPr>
-        <p:txBody>
-          <a:bodyPr/>
-          <a:lstStyle/>
-          <a:p>
-            <a:r>
-              <a:rPr lang="en-US" altLang="ja-JP" dirty="0"/>
-              <a:t>Copyright (C) 2025 dbE.inc All Rights Reserved.</a:t>
-            </a:r>
-            <a:endParaRPr lang="ja-JP" altLang="en-US" dirty="0"/>
-          </a:p>
-        </p:txBody>
-      </p:sp>
-      <p:sp>
-        <p:nvSpPr>
-          <p:cNvPr id="24" name="スライド番号プレースホルダー 3">
-            <a:extLst>
-              <a:ext uri="{FF2B5EF4-FFF2-40B4-BE49-F238E27FC236}">
-                <a16:creationId xmlns:a16="http://schemas.microsoft.com/office/drawing/2014/main" id="{4E51AD34-884E-5C10-78EC-E5BD079E11E1}"/>
-              </a:ext>
-            </a:extLst>
-          </p:cNvPr>
-          <p:cNvSpPr>
-            <a:spLocks noGrp="1"/>
-          </p:cNvSpPr>
-          <p:nvPr>
-            <p:ph type="sldNum" sz="quarter" idx="12"/>
-          </p:nvPr>
-        </p:nvSpPr>
-        <p:spPr>
-          <a:xfrm>
-            <a:off x="5252699" y="6550754"/>
-            <a:ext cx="1783644" cy="307247"/>
-          </a:xfrm>
-        </p:spPr>
-        <p:txBody>
-          <a:bodyPr/>
-          <a:lstStyle/>
-          <a:p>
-            <a:fld id="{0AF7E18D-A281-EF4E-83EF-D7811667EA6C}" type="slidenum">
-              <a:rPr kumimoji="1" lang="ja-JP" altLang="en-US" smtClean="0"/>
-              <a:t>6</a:t>
-            </a:fld>
-            <a:endParaRPr kumimoji="1" lang="ja-JP" altLang="en-US"/>
-          </a:p>
-        </p:txBody>
-      </p:sp>
-      <p:sp>
-        <p:nvSpPr>
-          <p:cNvPr id="14" name="正方形/長方形 13">
-            <a:extLst>
-              <a:ext uri="{FF2B5EF4-FFF2-40B4-BE49-F238E27FC236}">
-                <a16:creationId xmlns:a16="http://schemas.microsoft.com/office/drawing/2014/main" id="{4E3631BB-B597-E892-42FB-CE8654D56D14}"/>
+                <a16:creationId xmlns:a16="http://schemas.microsoft.com/office/drawing/2014/main" id="{83810FE4-CF41-248A-E484-646CE8009FBC}"/>
               </a:ext>
             </a:extLst>
           </p:cNvPr>
@@ -10387,8 +9551,8 @@
         </p:nvSpPr>
         <p:spPr>
           <a:xfrm>
-            <a:off x="6176495" y="1442717"/>
-            <a:ext cx="4950838" cy="1346413"/>
+            <a:off x="361090" y="993967"/>
+            <a:ext cx="5747924" cy="850448"/>
           </a:xfrm>
           <a:prstGeom prst="rect">
             <a:avLst/>
@@ -10413,173 +9577,1131 @@
           <a:bodyPr rtlCol="0" anchor="t"/>
           <a:lstStyle/>
           <a:p>
-            <a:pPr>
-              <a:spcBef>
-                <a:spcPts val="600"/>
-              </a:spcBef>
-              <a:spcAft>
-                <a:spcPts val="600"/>
-              </a:spcAft>
-            </a:pPr>
-            <a:r>
-              <a:rPr lang="ja-JP" altLang="en-US" sz="1200" dirty="0">
+            <a:r>
+              <a:rPr kumimoji="1" lang="en-US" altLang="ja-JP" sz="1400" b="1" dirty="0">
                 <a:solidFill>
-                  <a:schemeClr val="tx1">
-                    <a:lumMod val="95000"/>
-                    <a:lumOff val="5000"/>
-                  </a:schemeClr>
+                  <a:schemeClr val="dk1"/>
                 </a:solidFill>
               </a:rPr>
-              <a:t>「〇〇の内容について必ず言及していること」</a:t>
-            </a:r>
-            <a:endParaRPr lang="en-US" altLang="ja-JP" sz="1200" dirty="0">
+              <a:t>AI</a:t>
+            </a:r>
+            <a:r>
+              <a:rPr kumimoji="1" lang="ja-JP" altLang="en-US" sz="1400" b="1" dirty="0">
+                <a:solidFill>
+                  <a:schemeClr val="dk1"/>
+                </a:solidFill>
+              </a:rPr>
+              <a:t>エージェントとは</a:t>
+            </a:r>
+            <a:endParaRPr kumimoji="1" lang="en-US" altLang="ja-JP" sz="1400" b="1" dirty="0">
               <a:solidFill>
-                <a:schemeClr val="tx1">
-                  <a:lumMod val="95000"/>
-                  <a:lumOff val="5000"/>
+                <a:schemeClr val="dk1"/>
+              </a:solidFill>
+            </a:endParaRPr>
+          </a:p>
+          <a:p>
+            <a:r>
+              <a:rPr lang="ja-JP" altLang="en-US" sz="1400" dirty="0"/>
+              <a:t>　事前設定</a:t>
+            </a:r>
+            <a:r>
+              <a:rPr lang="en-US" altLang="ja-JP" sz="1400" dirty="0"/>
+              <a:t>(</a:t>
+            </a:r>
+            <a:r>
+              <a:rPr lang="ja-JP" altLang="en-US" sz="1400" dirty="0"/>
+              <a:t>事前プロンプト</a:t>
+            </a:r>
+            <a:r>
+              <a:rPr lang="en-US" altLang="ja-JP" sz="1400" dirty="0"/>
+              <a:t>)</a:t>
+            </a:r>
+            <a:r>
+              <a:rPr lang="ja-JP" altLang="en-US" sz="1400" dirty="0"/>
+              <a:t>に基づき、ユーザと対話をしながら</a:t>
+            </a:r>
+            <a:endParaRPr lang="en-US" altLang="ja-JP" sz="1400" dirty="0"/>
+          </a:p>
+          <a:p>
+            <a:r>
+              <a:rPr lang="ja-JP" altLang="en-US" sz="1400" dirty="0"/>
+              <a:t>　ツールを活用し、問題解決を図る仕組みです。</a:t>
+            </a:r>
+            <a:endParaRPr lang="en-US" altLang="ja-JP" sz="1400" dirty="0"/>
+          </a:p>
+        </p:txBody>
+      </p:sp>
+      <p:grpSp>
+        <p:nvGrpSpPr>
+          <p:cNvPr id="41" name="グループ化 40">
+            <a:extLst>
+              <a:ext uri="{FF2B5EF4-FFF2-40B4-BE49-F238E27FC236}">
+                <a16:creationId xmlns:a16="http://schemas.microsoft.com/office/drawing/2014/main" id="{DB4ACEAD-D2B8-B714-875E-E86C0E48E2CC}"/>
+              </a:ext>
+            </a:extLst>
+          </p:cNvPr>
+          <p:cNvGrpSpPr/>
+          <p:nvPr/>
+        </p:nvGrpSpPr>
+        <p:grpSpPr>
+          <a:xfrm>
+            <a:off x="7730942" y="1193261"/>
+            <a:ext cx="3903972" cy="2263455"/>
+            <a:chOff x="8035742" y="2442262"/>
+            <a:chExt cx="3903972" cy="2263455"/>
+          </a:xfrm>
+        </p:grpSpPr>
+        <p:sp>
+          <p:nvSpPr>
+            <p:cNvPr id="42" name="四角形: 角を丸くする 41">
+              <a:extLst>
+                <a:ext uri="{FF2B5EF4-FFF2-40B4-BE49-F238E27FC236}">
+                  <a16:creationId xmlns:a16="http://schemas.microsoft.com/office/drawing/2014/main" id="{4EBFAB83-AC8C-85DE-A708-EE05D210DC73}"/>
+                </a:ext>
+              </a:extLst>
+            </p:cNvPr>
+            <p:cNvSpPr/>
+            <p:nvPr/>
+          </p:nvSpPr>
+          <p:spPr>
+            <a:xfrm>
+              <a:off x="8212933" y="2442262"/>
+              <a:ext cx="3724301" cy="2263455"/>
+            </a:xfrm>
+            <a:prstGeom prst="roundRect">
+              <a:avLst>
+                <a:gd name="adj" fmla="val 5199"/>
+              </a:avLst>
+            </a:prstGeom>
+            <a:ln w="9525"/>
+          </p:spPr>
+          <p:style>
+            <a:lnRef idx="2">
+              <a:schemeClr val="dk1"/>
+            </a:lnRef>
+            <a:fillRef idx="1">
+              <a:schemeClr val="lt1"/>
+            </a:fillRef>
+            <a:effectRef idx="0">
+              <a:schemeClr val="dk1"/>
+            </a:effectRef>
+            <a:fontRef idx="minor">
+              <a:schemeClr val="dk1"/>
+            </a:fontRef>
+          </p:style>
+          <p:txBody>
+            <a:bodyPr rtlCol="0" anchor="ctr"/>
+            <a:lstStyle/>
+            <a:p>
+              <a:pPr algn="ctr"/>
+              <a:endParaRPr kumimoji="1" lang="ja-JP" altLang="en-US">
+                <a:solidFill>
+                  <a:schemeClr val="dk1"/>
+                </a:solidFill>
+              </a:endParaRPr>
+            </a:p>
+          </p:txBody>
+        </p:sp>
+        <p:sp>
+          <p:nvSpPr>
+            <p:cNvPr id="43" name="正方形/長方形 42">
+              <a:extLst>
+                <a:ext uri="{FF2B5EF4-FFF2-40B4-BE49-F238E27FC236}">
+                  <a16:creationId xmlns:a16="http://schemas.microsoft.com/office/drawing/2014/main" id="{5C7D4D09-DA8B-269A-2AD5-F86EA4A654BD}"/>
+                </a:ext>
+              </a:extLst>
+            </p:cNvPr>
+            <p:cNvSpPr/>
+            <p:nvPr/>
+          </p:nvSpPr>
+          <p:spPr>
+            <a:xfrm>
+              <a:off x="8129902" y="3077194"/>
+              <a:ext cx="308973" cy="861173"/>
+            </a:xfrm>
+            <a:prstGeom prst="rect">
+              <a:avLst/>
+            </a:prstGeom>
+            <a:ln w="9525">
+              <a:noFill/>
+            </a:ln>
+          </p:spPr>
+          <p:style>
+            <a:lnRef idx="2">
+              <a:schemeClr val="dk1"/>
+            </a:lnRef>
+            <a:fillRef idx="1">
+              <a:schemeClr val="lt1"/>
+            </a:fillRef>
+            <a:effectRef idx="0">
+              <a:schemeClr val="dk1"/>
+            </a:effectRef>
+            <a:fontRef idx="minor">
+              <a:schemeClr val="dk1"/>
+            </a:fontRef>
+          </p:style>
+          <p:txBody>
+            <a:bodyPr rtlCol="0" anchor="ctr"/>
+            <a:lstStyle/>
+            <a:p>
+              <a:pPr algn="ctr"/>
+              <a:endParaRPr kumimoji="1" lang="ja-JP" altLang="en-US">
+                <a:solidFill>
+                  <a:schemeClr val="dk1"/>
+                </a:solidFill>
+              </a:endParaRPr>
+            </a:p>
+          </p:txBody>
+        </p:sp>
+        <p:pic>
+          <p:nvPicPr>
+            <p:cNvPr id="44" name="グラフィックス 43" descr="採鉱用工具 単色塗りつぶし">
+              <a:extLst>
+                <a:ext uri="{FF2B5EF4-FFF2-40B4-BE49-F238E27FC236}">
+                  <a16:creationId xmlns:a16="http://schemas.microsoft.com/office/drawing/2014/main" id="{E7517EE5-EFFC-6E5F-C75F-69E039B210C2}"/>
+                </a:ext>
+              </a:extLst>
+            </p:cNvPr>
+            <p:cNvPicPr>
+              <a:picLocks noChangeAspect="1"/>
+            </p:cNvPicPr>
+            <p:nvPr/>
+          </p:nvPicPr>
+          <p:blipFill>
+            <a:blip r:embed="rId9">
+              <a:extLst>
+                <a:ext uri="{96DAC541-7B7A-43D3-8B79-37D633B846F1}">
+                  <asvg:svgBlip xmlns:asvg="http://schemas.microsoft.com/office/drawing/2016/SVG/main" r:embed="rId10"/>
+                </a:ext>
+              </a:extLst>
+            </a:blip>
+            <a:stretch>
+              <a:fillRect/>
+            </a:stretch>
+          </p:blipFill>
+          <p:spPr>
+            <a:xfrm>
+              <a:off x="8035742" y="3147634"/>
+              <a:ext cx="649783" cy="693668"/>
+            </a:xfrm>
+            <a:prstGeom prst="rect">
+              <a:avLst/>
+            </a:prstGeom>
+          </p:spPr>
+        </p:pic>
+        <p:sp>
+          <p:nvSpPr>
+            <p:cNvPr id="45" name="テキスト ボックス 44">
+              <a:extLst>
+                <a:ext uri="{FF2B5EF4-FFF2-40B4-BE49-F238E27FC236}">
+                  <a16:creationId xmlns:a16="http://schemas.microsoft.com/office/drawing/2014/main" id="{5500C0C5-C35F-A949-8642-04A732C1CA09}"/>
+                </a:ext>
+              </a:extLst>
+            </p:cNvPr>
+            <p:cNvSpPr txBox="1"/>
+            <p:nvPr/>
+          </p:nvSpPr>
+          <p:spPr>
+            <a:xfrm>
+              <a:off x="8713106" y="2516315"/>
+              <a:ext cx="2554196" cy="307777"/>
+            </a:xfrm>
+            <a:prstGeom prst="rect">
+              <a:avLst/>
+            </a:prstGeom>
+            <a:noFill/>
+          </p:spPr>
+          <p:txBody>
+            <a:bodyPr wrap="square" rtlCol="0">
+              <a:spAutoFit/>
+            </a:bodyPr>
+            <a:lstStyle/>
+            <a:p>
+              <a:pPr algn="ctr"/>
+              <a:r>
+                <a:rPr kumimoji="1" lang="ja-JP" altLang="en-US" sz="1400" b="1" dirty="0"/>
+                <a:t>ツール</a:t>
+              </a:r>
+            </a:p>
+          </p:txBody>
+        </p:sp>
+        <p:sp>
+          <p:nvSpPr>
+            <p:cNvPr id="46" name="テキスト ボックス 45">
+              <a:extLst>
+                <a:ext uri="{FF2B5EF4-FFF2-40B4-BE49-F238E27FC236}">
+                  <a16:creationId xmlns:a16="http://schemas.microsoft.com/office/drawing/2014/main" id="{60B45045-2A91-E465-D532-FA3671B649FE}"/>
+                </a:ext>
+              </a:extLst>
+            </p:cNvPr>
+            <p:cNvSpPr txBox="1"/>
+            <p:nvPr/>
+          </p:nvSpPr>
+          <p:spPr>
+            <a:xfrm>
+              <a:off x="8515785" y="2771486"/>
+              <a:ext cx="3423929" cy="523220"/>
+            </a:xfrm>
+            <a:prstGeom prst="rect">
+              <a:avLst/>
+            </a:prstGeom>
+            <a:noFill/>
+          </p:spPr>
+          <p:txBody>
+            <a:bodyPr wrap="square" rtlCol="0">
+              <a:spAutoFit/>
+            </a:bodyPr>
+            <a:lstStyle/>
+            <a:p>
+              <a:pPr algn="ctr"/>
+              <a:r>
+                <a:rPr kumimoji="1" lang="ja-JP" altLang="en-US" sz="1400" dirty="0"/>
+                <a:t>事前に設定したワークフローを</a:t>
+              </a:r>
+              <a:endParaRPr kumimoji="1" lang="en-US" altLang="ja-JP" sz="1400" dirty="0"/>
+            </a:p>
+            <a:p>
+              <a:pPr algn="ctr"/>
+              <a:r>
+                <a:rPr kumimoji="1" lang="ja-JP" altLang="en-US" sz="1400" dirty="0"/>
+                <a:t>ツールとして呼び出す</a:t>
+              </a:r>
+            </a:p>
+          </p:txBody>
+        </p:sp>
+        <p:grpSp>
+          <p:nvGrpSpPr>
+            <p:cNvPr id="47" name="グループ化 46">
+              <a:extLst>
+                <a:ext uri="{FF2B5EF4-FFF2-40B4-BE49-F238E27FC236}">
+                  <a16:creationId xmlns:a16="http://schemas.microsoft.com/office/drawing/2014/main" id="{804745D0-7029-E701-C4D6-CC77A617AA55}"/>
+                </a:ext>
+              </a:extLst>
+            </p:cNvPr>
+            <p:cNvGrpSpPr/>
+            <p:nvPr/>
+          </p:nvGrpSpPr>
+          <p:grpSpPr>
+            <a:xfrm>
+              <a:off x="8703207" y="3381430"/>
+              <a:ext cx="3036291" cy="1160045"/>
+              <a:chOff x="7751763" y="4558536"/>
+              <a:chExt cx="3863975" cy="1351375"/>
+            </a:xfrm>
+          </p:grpSpPr>
+          <p:sp>
+            <p:nvSpPr>
+              <p:cNvPr id="48" name="四角形: 角を丸くする 47">
+                <a:extLst>
+                  <a:ext uri="{FF2B5EF4-FFF2-40B4-BE49-F238E27FC236}">
+                    <a16:creationId xmlns:a16="http://schemas.microsoft.com/office/drawing/2014/main" id="{A6145012-CD5A-A66B-B7BE-0F52692338A7}"/>
+                  </a:ext>
+                </a:extLst>
+              </p:cNvPr>
+              <p:cNvSpPr/>
+              <p:nvPr/>
+            </p:nvSpPr>
+            <p:spPr>
+              <a:xfrm>
+                <a:off x="7751763" y="4558536"/>
+                <a:ext cx="3863975" cy="1351375"/>
+              </a:xfrm>
+              <a:prstGeom prst="roundRect">
+                <a:avLst>
+                  <a:gd name="adj" fmla="val 8949"/>
+                </a:avLst>
+              </a:prstGeom>
+              <a:solidFill>
+                <a:schemeClr val="accent3">
+                  <a:lumMod val="20000"/>
+                  <a:lumOff val="80000"/>
                 </a:schemeClr>
               </a:solidFill>
-            </a:endParaRPr>
-          </a:p>
-          <a:p>
-            <a:pPr>
-              <a:spcBef>
-                <a:spcPts val="600"/>
-              </a:spcBef>
-              <a:spcAft>
-                <a:spcPts val="600"/>
-              </a:spcAft>
-            </a:pPr>
-            <a:r>
-              <a:rPr lang="ja-JP" altLang="en-US" sz="1200" dirty="0">
-                <a:solidFill>
-                  <a:schemeClr val="tx1">
-                    <a:lumMod val="95000"/>
-                    <a:lumOff val="5000"/>
-                  </a:schemeClr>
-                </a:solidFill>
-              </a:rPr>
-              <a:t>「</a:t>
-            </a:r>
-            <a:r>
-              <a:rPr lang="en-US" altLang="ja-JP" sz="1200" dirty="0">
-                <a:solidFill>
-                  <a:schemeClr val="tx1">
-                    <a:lumMod val="95000"/>
-                    <a:lumOff val="5000"/>
-                  </a:schemeClr>
-                </a:solidFill>
-              </a:rPr>
-              <a:t>API</a:t>
-            </a:r>
-            <a:r>
-              <a:rPr lang="ja-JP" altLang="en-US" sz="1200" dirty="0">
-                <a:solidFill>
-                  <a:schemeClr val="tx1">
-                    <a:lumMod val="95000"/>
-                    <a:lumOff val="5000"/>
-                  </a:schemeClr>
-                </a:solidFill>
-              </a:rPr>
-              <a:t>で取得可能なデータ（顧客情報等）が正しく出力されること」</a:t>
-            </a:r>
-            <a:endParaRPr lang="en-US" altLang="ja-JP" sz="1200" dirty="0">
-              <a:solidFill>
-                <a:schemeClr val="tx1">
-                  <a:lumMod val="95000"/>
-                  <a:lumOff val="5000"/>
-                </a:schemeClr>
-              </a:solidFill>
-            </a:endParaRPr>
-          </a:p>
-          <a:p>
-            <a:pPr>
-              <a:spcBef>
-                <a:spcPts val="600"/>
-              </a:spcBef>
-              <a:spcAft>
-                <a:spcPts val="600"/>
-              </a:spcAft>
-            </a:pPr>
-            <a:r>
-              <a:rPr lang="ja-JP" altLang="en-US" sz="1200" dirty="0">
-                <a:solidFill>
-                  <a:schemeClr val="tx1">
-                    <a:lumMod val="95000"/>
-                    <a:lumOff val="5000"/>
-                  </a:schemeClr>
-                </a:solidFill>
-              </a:rPr>
-              <a:t>「（顧客情報の出力に際して）顧客のパスワードは表示しないこと」</a:t>
-            </a:r>
-            <a:endParaRPr lang="en-US" altLang="ja-JP" sz="1200" dirty="0">
-              <a:solidFill>
-                <a:schemeClr val="tx1">
-                  <a:lumMod val="95000"/>
-                  <a:lumOff val="5000"/>
-                </a:schemeClr>
-              </a:solidFill>
-            </a:endParaRPr>
-          </a:p>
-          <a:p>
-            <a:pPr>
-              <a:spcBef>
-                <a:spcPts val="600"/>
-              </a:spcBef>
-              <a:spcAft>
-                <a:spcPts val="600"/>
-              </a:spcAft>
-            </a:pPr>
-            <a:r>
-              <a:rPr lang="ja-JP" altLang="en-US" sz="1200" dirty="0">
-                <a:solidFill>
-                  <a:schemeClr val="tx1">
-                    <a:lumMod val="95000"/>
-                    <a:lumOff val="5000"/>
-                  </a:schemeClr>
-                </a:solidFill>
-              </a:rPr>
-              <a:t>「資材</a:t>
-            </a:r>
-            <a:r>
-              <a:rPr lang="en-US" altLang="ja-JP" sz="1200" dirty="0">
-                <a:solidFill>
-                  <a:schemeClr val="tx1">
-                    <a:lumMod val="95000"/>
-                    <a:lumOff val="5000"/>
-                  </a:schemeClr>
-                </a:solidFill>
-              </a:rPr>
-              <a:t>A</a:t>
-            </a:r>
-            <a:r>
-              <a:rPr lang="ja-JP" altLang="en-US" sz="1200" dirty="0">
-                <a:solidFill>
-                  <a:schemeClr val="tx1">
-                    <a:lumMod val="95000"/>
-                    <a:lumOff val="5000"/>
-                  </a:schemeClr>
-                </a:solidFill>
-              </a:rPr>
-              <a:t>に含まれていない情報を出力しないこと」</a:t>
-            </a:r>
-            <a:endParaRPr lang="en-US" altLang="ja-JP" sz="1200" dirty="0">
-              <a:solidFill>
-                <a:schemeClr val="tx1">
-                  <a:lumMod val="95000"/>
-                  <a:lumOff val="5000"/>
-                </a:schemeClr>
-              </a:solidFill>
-            </a:endParaRPr>
-          </a:p>
-        </p:txBody>
-      </p:sp>
+              <a:ln w="9525"/>
+            </p:spPr>
+            <p:style>
+              <a:lnRef idx="2">
+                <a:schemeClr val="dk1"/>
+              </a:lnRef>
+              <a:fillRef idx="1">
+                <a:schemeClr val="lt1"/>
+              </a:fillRef>
+              <a:effectRef idx="0">
+                <a:schemeClr val="dk1"/>
+              </a:effectRef>
+              <a:fontRef idx="minor">
+                <a:schemeClr val="dk1"/>
+              </a:fontRef>
+            </p:style>
+            <p:txBody>
+              <a:bodyPr rtlCol="0" anchor="ctr"/>
+              <a:lstStyle/>
+              <a:p>
+                <a:pPr algn="ctr"/>
+                <a:endParaRPr kumimoji="1" lang="ja-JP" altLang="en-US" sz="1100" dirty="0">
+                  <a:solidFill>
+                    <a:schemeClr val="dk1"/>
+                  </a:solidFill>
+                </a:endParaRPr>
+              </a:p>
+            </p:txBody>
+          </p:sp>
+          <p:grpSp>
+            <p:nvGrpSpPr>
+              <p:cNvPr id="49" name="グループ化 48">
+                <a:extLst>
+                  <a:ext uri="{FF2B5EF4-FFF2-40B4-BE49-F238E27FC236}">
+                    <a16:creationId xmlns:a16="http://schemas.microsoft.com/office/drawing/2014/main" id="{516FAEFA-2F5E-9C0C-FB34-51FEAEDC2CE3}"/>
+                  </a:ext>
+                </a:extLst>
+              </p:cNvPr>
+              <p:cNvGrpSpPr/>
+              <p:nvPr/>
+            </p:nvGrpSpPr>
+            <p:grpSpPr>
+              <a:xfrm>
+                <a:off x="7987836" y="4892804"/>
+                <a:ext cx="861859" cy="360000"/>
+                <a:chOff x="3003099" y="3917482"/>
+                <a:chExt cx="1742156" cy="548554"/>
+              </a:xfrm>
+            </p:grpSpPr>
+            <p:sp>
+              <p:nvSpPr>
+                <p:cNvPr id="67" name="四角形: 角を丸くする 66">
+                  <a:extLst>
+                    <a:ext uri="{FF2B5EF4-FFF2-40B4-BE49-F238E27FC236}">
+                      <a16:creationId xmlns:a16="http://schemas.microsoft.com/office/drawing/2014/main" id="{0C94D323-4020-A55C-D6BC-6EB038CE1942}"/>
+                    </a:ext>
+                  </a:extLst>
+                </p:cNvPr>
+                <p:cNvSpPr/>
+                <p:nvPr/>
+              </p:nvSpPr>
+              <p:spPr>
+                <a:xfrm>
+                  <a:off x="3003099" y="3917482"/>
+                  <a:ext cx="1742156" cy="548554"/>
+                </a:xfrm>
+                <a:prstGeom prst="roundRect">
+                  <a:avLst>
+                    <a:gd name="adj" fmla="val 8949"/>
+                  </a:avLst>
+                </a:prstGeom>
+                <a:ln w="9525"/>
+              </p:spPr>
+              <p:style>
+                <a:lnRef idx="2">
+                  <a:schemeClr val="dk1"/>
+                </a:lnRef>
+                <a:fillRef idx="1">
+                  <a:schemeClr val="lt1"/>
+                </a:fillRef>
+                <a:effectRef idx="0">
+                  <a:schemeClr val="dk1"/>
+                </a:effectRef>
+                <a:fontRef idx="minor">
+                  <a:schemeClr val="dk1"/>
+                </a:fontRef>
+              </p:style>
+              <p:txBody>
+                <a:bodyPr rtlCol="0" anchor="ctr"/>
+                <a:lstStyle/>
+                <a:p>
+                  <a:pPr algn="ctr"/>
+                  <a:endParaRPr kumimoji="1" lang="ja-JP" altLang="en-US" sz="1100">
+                    <a:solidFill>
+                      <a:schemeClr val="dk1"/>
+                    </a:solidFill>
+                  </a:endParaRPr>
+                </a:p>
+              </p:txBody>
+            </p:sp>
+            <p:pic>
+              <p:nvPicPr>
+                <p:cNvPr id="68" name="図 67" descr="時計 が含まれている画像&#10;&#10;自動的に生成された説明">
+                  <a:extLst>
+                    <a:ext uri="{FF2B5EF4-FFF2-40B4-BE49-F238E27FC236}">
+                      <a16:creationId xmlns:a16="http://schemas.microsoft.com/office/drawing/2014/main" id="{1D8D93F5-5027-879B-8D1F-86B0645BC02D}"/>
+                    </a:ext>
+                  </a:extLst>
+                </p:cNvPr>
+                <p:cNvPicPr>
+                  <a:picLocks noChangeAspect="1"/>
+                </p:cNvPicPr>
+                <p:nvPr/>
+              </p:nvPicPr>
+              <p:blipFill>
+                <a:blip r:embed="rId11"/>
+                <a:stretch>
+                  <a:fillRect/>
+                </a:stretch>
+              </p:blipFill>
+              <p:spPr>
+                <a:xfrm>
+                  <a:off x="3133216" y="4018745"/>
+                  <a:ext cx="378455" cy="346027"/>
+                </a:xfrm>
+                <a:prstGeom prst="rect">
+                  <a:avLst/>
+                </a:prstGeom>
+              </p:spPr>
+            </p:pic>
+            <p:sp>
+              <p:nvSpPr>
+                <p:cNvPr id="69" name="テキスト ボックス 68">
+                  <a:extLst>
+                    <a:ext uri="{FF2B5EF4-FFF2-40B4-BE49-F238E27FC236}">
+                      <a16:creationId xmlns:a16="http://schemas.microsoft.com/office/drawing/2014/main" id="{E4D16B84-CFE7-625B-CB35-CAB6C63D5756}"/>
+                    </a:ext>
+                  </a:extLst>
+                </p:cNvPr>
+                <p:cNvSpPr txBox="1"/>
+                <p:nvPr/>
+              </p:nvSpPr>
+              <p:spPr>
+                <a:xfrm>
+                  <a:off x="3501405" y="3993132"/>
+                  <a:ext cx="1164974" cy="409745"/>
+                </a:xfrm>
+                <a:prstGeom prst="rect">
+                  <a:avLst/>
+                </a:prstGeom>
+                <a:noFill/>
+              </p:spPr>
+              <p:txBody>
+                <a:bodyPr wrap="square" rtlCol="0">
+                  <a:spAutoFit/>
+                </a:bodyPr>
+                <a:lstStyle/>
+                <a:p>
+                  <a:pPr algn="ctr"/>
+                  <a:r>
+                    <a:rPr lang="en-US" altLang="ja-JP" sz="900" dirty="0"/>
+                    <a:t>LLM</a:t>
+                  </a:r>
+                  <a:endParaRPr kumimoji="1" lang="en-US" altLang="ja-JP" sz="900" dirty="0"/>
+                </a:p>
+              </p:txBody>
+            </p:sp>
+          </p:grpSp>
+          <p:grpSp>
+            <p:nvGrpSpPr>
+              <p:cNvPr id="50" name="グループ化 49">
+                <a:extLst>
+                  <a:ext uri="{FF2B5EF4-FFF2-40B4-BE49-F238E27FC236}">
+                    <a16:creationId xmlns:a16="http://schemas.microsoft.com/office/drawing/2014/main" id="{A69A903B-C0E6-D04E-8865-B406C2B1F9D3}"/>
+                  </a:ext>
+                </a:extLst>
+              </p:cNvPr>
+              <p:cNvGrpSpPr/>
+              <p:nvPr/>
+            </p:nvGrpSpPr>
+            <p:grpSpPr>
+              <a:xfrm>
+                <a:off x="9303419" y="4892800"/>
+                <a:ext cx="861859" cy="359999"/>
+                <a:chOff x="3003099" y="3917476"/>
+                <a:chExt cx="1742156" cy="548553"/>
+              </a:xfrm>
+            </p:grpSpPr>
+            <p:sp>
+              <p:nvSpPr>
+                <p:cNvPr id="65" name="四角形: 角を丸くする 64">
+                  <a:extLst>
+                    <a:ext uri="{FF2B5EF4-FFF2-40B4-BE49-F238E27FC236}">
+                      <a16:creationId xmlns:a16="http://schemas.microsoft.com/office/drawing/2014/main" id="{7A775083-AA4A-5748-105E-8BE3281C94EE}"/>
+                    </a:ext>
+                  </a:extLst>
+                </p:cNvPr>
+                <p:cNvSpPr/>
+                <p:nvPr/>
+              </p:nvSpPr>
+              <p:spPr>
+                <a:xfrm>
+                  <a:off x="3003099" y="3917476"/>
+                  <a:ext cx="1742156" cy="548553"/>
+                </a:xfrm>
+                <a:prstGeom prst="roundRect">
+                  <a:avLst>
+                    <a:gd name="adj" fmla="val 8949"/>
+                  </a:avLst>
+                </a:prstGeom>
+                <a:ln w="9525"/>
+              </p:spPr>
+              <p:style>
+                <a:lnRef idx="2">
+                  <a:schemeClr val="dk1"/>
+                </a:lnRef>
+                <a:fillRef idx="1">
+                  <a:schemeClr val="lt1"/>
+                </a:fillRef>
+                <a:effectRef idx="0">
+                  <a:schemeClr val="dk1"/>
+                </a:effectRef>
+                <a:fontRef idx="minor">
+                  <a:schemeClr val="dk1"/>
+                </a:fontRef>
+              </p:style>
+              <p:txBody>
+                <a:bodyPr rtlCol="0" anchor="ctr"/>
+                <a:lstStyle/>
+                <a:p>
+                  <a:pPr algn="ctr"/>
+                  <a:endParaRPr kumimoji="1" lang="ja-JP" altLang="en-US" sz="1100">
+                    <a:solidFill>
+                      <a:schemeClr val="dk1"/>
+                    </a:solidFill>
+                  </a:endParaRPr>
+                </a:p>
+              </p:txBody>
+            </p:sp>
+            <p:sp>
+              <p:nvSpPr>
+                <p:cNvPr id="66" name="テキスト ボックス 65">
+                  <a:extLst>
+                    <a:ext uri="{FF2B5EF4-FFF2-40B4-BE49-F238E27FC236}">
+                      <a16:creationId xmlns:a16="http://schemas.microsoft.com/office/drawing/2014/main" id="{03ED1A72-C542-C27F-2785-928F68D7CE26}"/>
+                    </a:ext>
+                  </a:extLst>
+                </p:cNvPr>
+                <p:cNvSpPr txBox="1"/>
+                <p:nvPr/>
+              </p:nvSpPr>
+              <p:spPr>
+                <a:xfrm>
+                  <a:off x="3200941" y="4027614"/>
+                  <a:ext cx="1544314" cy="327797"/>
+                </a:xfrm>
+                <a:prstGeom prst="rect">
+                  <a:avLst/>
+                </a:prstGeom>
+                <a:noFill/>
+              </p:spPr>
+              <p:txBody>
+                <a:bodyPr wrap="square" rtlCol="0">
+                  <a:spAutoFit/>
+                </a:bodyPr>
+                <a:lstStyle/>
+                <a:p>
+                  <a:pPr algn="ctr"/>
+                  <a:r>
+                    <a:rPr kumimoji="1" lang="ja-JP" altLang="en-US" sz="600" dirty="0"/>
+                    <a:t>プログラム</a:t>
+                  </a:r>
+                  <a:endParaRPr kumimoji="1" lang="en-US" altLang="ja-JP" sz="600" dirty="0"/>
+                </a:p>
+              </p:txBody>
+            </p:sp>
+          </p:grpSp>
+          <p:cxnSp>
+            <p:nvCxnSpPr>
+              <p:cNvPr id="51" name="直線コネクタ 50">
+                <a:extLst>
+                  <a:ext uri="{FF2B5EF4-FFF2-40B4-BE49-F238E27FC236}">
+                    <a16:creationId xmlns:a16="http://schemas.microsoft.com/office/drawing/2014/main" id="{8EC65142-E643-BEC3-8D91-AB27373B76A0}"/>
+                  </a:ext>
+                </a:extLst>
+              </p:cNvPr>
+              <p:cNvCxnSpPr>
+                <a:cxnSpLocks/>
+                <a:stCxn id="67" idx="3"/>
+                <a:endCxn id="65" idx="1"/>
+              </p:cNvCxnSpPr>
+              <p:nvPr/>
+            </p:nvCxnSpPr>
+            <p:spPr>
+              <a:xfrm>
+                <a:off x="8849695" y="5072800"/>
+                <a:ext cx="453724" cy="0"/>
+              </a:xfrm>
+              <a:prstGeom prst="line">
+                <a:avLst/>
+              </a:prstGeom>
+              <a:ln w="38100">
+                <a:headEnd type="oval"/>
+                <a:tailEnd type="triangle" w="med" len="med"/>
+              </a:ln>
+              <a:effectLst/>
+            </p:spPr>
+            <p:style>
+              <a:lnRef idx="2">
+                <a:schemeClr val="accent1"/>
+              </a:lnRef>
+              <a:fillRef idx="0">
+                <a:schemeClr val="accent1"/>
+              </a:fillRef>
+              <a:effectRef idx="1">
+                <a:schemeClr val="accent1"/>
+              </a:effectRef>
+              <a:fontRef idx="minor">
+                <a:schemeClr val="tx1"/>
+              </a:fontRef>
+            </p:style>
+          </p:cxnSp>
+          <p:cxnSp>
+            <p:nvCxnSpPr>
+              <p:cNvPr id="52" name="直線コネクタ 51">
+                <a:extLst>
+                  <a:ext uri="{FF2B5EF4-FFF2-40B4-BE49-F238E27FC236}">
+                    <a16:creationId xmlns:a16="http://schemas.microsoft.com/office/drawing/2014/main" id="{AC84D0AB-92F2-4FA6-53A7-DE2C7025041E}"/>
+                  </a:ext>
+                </a:extLst>
+              </p:cNvPr>
+              <p:cNvCxnSpPr>
+                <a:cxnSpLocks/>
+                <a:stCxn id="65" idx="3"/>
+                <a:endCxn id="63" idx="1"/>
+              </p:cNvCxnSpPr>
+              <p:nvPr/>
+            </p:nvCxnSpPr>
+            <p:spPr>
+              <a:xfrm>
+                <a:off x="10165278" y="5072800"/>
+                <a:ext cx="405790" cy="0"/>
+              </a:xfrm>
+              <a:prstGeom prst="line">
+                <a:avLst/>
+              </a:prstGeom>
+              <a:ln w="38100">
+                <a:headEnd type="oval"/>
+                <a:tailEnd type="triangle" w="med" len="med"/>
+              </a:ln>
+              <a:effectLst/>
+            </p:spPr>
+            <p:style>
+              <a:lnRef idx="2">
+                <a:schemeClr val="accent1"/>
+              </a:lnRef>
+              <a:fillRef idx="0">
+                <a:schemeClr val="accent1"/>
+              </a:fillRef>
+              <a:effectRef idx="1">
+                <a:schemeClr val="accent1"/>
+              </a:effectRef>
+              <a:fontRef idx="minor">
+                <a:schemeClr val="tx1"/>
+              </a:fontRef>
+            </p:style>
+          </p:cxnSp>
+          <p:grpSp>
+            <p:nvGrpSpPr>
+              <p:cNvPr id="53" name="グループ化 52">
+                <a:extLst>
+                  <a:ext uri="{FF2B5EF4-FFF2-40B4-BE49-F238E27FC236}">
+                    <a16:creationId xmlns:a16="http://schemas.microsoft.com/office/drawing/2014/main" id="{40B136FE-A679-9B64-7015-F44784E12226}"/>
+                  </a:ext>
+                </a:extLst>
+              </p:cNvPr>
+              <p:cNvGrpSpPr/>
+              <p:nvPr/>
+            </p:nvGrpSpPr>
+            <p:grpSpPr>
+              <a:xfrm>
+                <a:off x="10571068" y="4892804"/>
+                <a:ext cx="861859" cy="360000"/>
+                <a:chOff x="10571068" y="4748425"/>
+                <a:chExt cx="861859" cy="360000"/>
+              </a:xfrm>
+            </p:grpSpPr>
+            <p:grpSp>
+              <p:nvGrpSpPr>
+                <p:cNvPr id="61" name="グループ化 60">
+                  <a:extLst>
+                    <a:ext uri="{FF2B5EF4-FFF2-40B4-BE49-F238E27FC236}">
+                      <a16:creationId xmlns:a16="http://schemas.microsoft.com/office/drawing/2014/main" id="{5FC71678-1C53-02E1-F603-356AE4BA447A}"/>
+                    </a:ext>
+                  </a:extLst>
+                </p:cNvPr>
+                <p:cNvGrpSpPr/>
+                <p:nvPr/>
+              </p:nvGrpSpPr>
+              <p:grpSpPr>
+                <a:xfrm>
+                  <a:off x="10571068" y="4748425"/>
+                  <a:ext cx="861859" cy="360000"/>
+                  <a:chOff x="3003099" y="3917482"/>
+                  <a:chExt cx="1742156" cy="548554"/>
+                </a:xfrm>
+              </p:grpSpPr>
+              <p:sp>
+                <p:nvSpPr>
+                  <p:cNvPr id="63" name="四角形: 角を丸くする 62">
+                    <a:extLst>
+                      <a:ext uri="{FF2B5EF4-FFF2-40B4-BE49-F238E27FC236}">
+                        <a16:creationId xmlns:a16="http://schemas.microsoft.com/office/drawing/2014/main" id="{F375FD84-68C0-3BC4-E970-C30DD781B2CA}"/>
+                      </a:ext>
+                    </a:extLst>
+                  </p:cNvPr>
+                  <p:cNvSpPr/>
+                  <p:nvPr/>
+                </p:nvSpPr>
+                <p:spPr>
+                  <a:xfrm>
+                    <a:off x="3003099" y="3917482"/>
+                    <a:ext cx="1742156" cy="548554"/>
+                  </a:xfrm>
+                  <a:prstGeom prst="roundRect">
+                    <a:avLst>
+                      <a:gd name="adj" fmla="val 8949"/>
+                    </a:avLst>
+                  </a:prstGeom>
+                  <a:ln w="9525"/>
+                </p:spPr>
+                <p:style>
+                  <a:lnRef idx="2">
+                    <a:schemeClr val="dk1"/>
+                  </a:lnRef>
+                  <a:fillRef idx="1">
+                    <a:schemeClr val="lt1"/>
+                  </a:fillRef>
+                  <a:effectRef idx="0">
+                    <a:schemeClr val="dk1"/>
+                  </a:effectRef>
+                  <a:fontRef idx="minor">
+                    <a:schemeClr val="dk1"/>
+                  </a:fontRef>
+                </p:style>
+                <p:txBody>
+                  <a:bodyPr rtlCol="0" anchor="ctr"/>
+                  <a:lstStyle/>
+                  <a:p>
+                    <a:pPr algn="ctr"/>
+                    <a:endParaRPr kumimoji="1" lang="ja-JP" altLang="en-US" sz="1100">
+                      <a:solidFill>
+                        <a:schemeClr val="dk1"/>
+                      </a:solidFill>
+                    </a:endParaRPr>
+                  </a:p>
+                </p:txBody>
+              </p:sp>
+              <p:sp>
+                <p:nvSpPr>
+                  <p:cNvPr id="64" name="テキスト ボックス 63">
+                    <a:extLst>
+                      <a:ext uri="{FF2B5EF4-FFF2-40B4-BE49-F238E27FC236}">
+                        <a16:creationId xmlns:a16="http://schemas.microsoft.com/office/drawing/2014/main" id="{F1FF9106-461A-7D0D-EAA2-5E05CB005E96}"/>
+                      </a:ext>
+                    </a:extLst>
+                  </p:cNvPr>
+                  <p:cNvSpPr txBox="1"/>
+                  <p:nvPr/>
+                </p:nvSpPr>
+                <p:spPr>
+                  <a:xfrm>
+                    <a:off x="3501405" y="4011167"/>
+                    <a:ext cx="1164974" cy="409745"/>
+                  </a:xfrm>
+                  <a:prstGeom prst="rect">
+                    <a:avLst/>
+                  </a:prstGeom>
+                  <a:noFill/>
+                </p:spPr>
+                <p:txBody>
+                  <a:bodyPr wrap="square" rtlCol="0">
+                    <a:spAutoFit/>
+                  </a:bodyPr>
+                  <a:lstStyle/>
+                  <a:p>
+                    <a:pPr algn="ctr"/>
+                    <a:r>
+                      <a:rPr lang="en-US" altLang="ja-JP" sz="900" dirty="0"/>
+                      <a:t>LLM</a:t>
+                    </a:r>
+                    <a:endParaRPr kumimoji="1" lang="en-US" altLang="ja-JP" sz="900" dirty="0"/>
+                  </a:p>
+                </p:txBody>
+              </p:sp>
+            </p:grpSp>
+            <p:pic>
+              <p:nvPicPr>
+                <p:cNvPr id="62" name="図 61" descr="アイコン&#10;&#10;自動的に生成された説明">
+                  <a:extLst>
+                    <a:ext uri="{FF2B5EF4-FFF2-40B4-BE49-F238E27FC236}">
+                      <a16:creationId xmlns:a16="http://schemas.microsoft.com/office/drawing/2014/main" id="{B891C4F4-74AA-8826-400A-98E0954A6125}"/>
+                    </a:ext>
+                  </a:extLst>
+                </p:cNvPr>
+                <p:cNvPicPr>
+                  <a:picLocks noChangeAspect="1"/>
+                </p:cNvPicPr>
+                <p:nvPr/>
+              </p:nvPicPr>
+              <p:blipFill>
+                <a:blip r:embed="rId12"/>
+                <a:stretch>
+                  <a:fillRect/>
+                </a:stretch>
+              </p:blipFill>
+              <p:spPr>
+                <a:xfrm>
+                  <a:off x="10668944" y="4812772"/>
+                  <a:ext cx="200418" cy="226800"/>
+                </a:xfrm>
+                <a:prstGeom prst="rect">
+                  <a:avLst/>
+                </a:prstGeom>
+              </p:spPr>
+            </p:pic>
+          </p:grpSp>
+          <p:sp>
+            <p:nvSpPr>
+              <p:cNvPr id="54" name="テキスト ボックス 53">
+                <a:extLst>
+                  <a:ext uri="{FF2B5EF4-FFF2-40B4-BE49-F238E27FC236}">
+                    <a16:creationId xmlns:a16="http://schemas.microsoft.com/office/drawing/2014/main" id="{0FA1D99C-E0F6-255B-7DCD-8C958E0035F9}"/>
+                  </a:ext>
+                </a:extLst>
+              </p:cNvPr>
+              <p:cNvSpPr txBox="1"/>
+              <p:nvPr/>
+            </p:nvSpPr>
+            <p:spPr>
+              <a:xfrm>
+                <a:off x="8101817" y="4587859"/>
+                <a:ext cx="3163866" cy="295795"/>
+              </a:xfrm>
+              <a:prstGeom prst="rect">
+                <a:avLst/>
+              </a:prstGeom>
+              <a:noFill/>
+            </p:spPr>
+            <p:txBody>
+              <a:bodyPr wrap="square" rtlCol="0">
+                <a:spAutoFit/>
+              </a:bodyPr>
+              <a:lstStyle/>
+              <a:p>
+                <a:pPr algn="ctr"/>
+                <a:r>
+                  <a:rPr kumimoji="1" lang="ja-JP" altLang="en-US" sz="1000" b="1" dirty="0"/>
+                  <a:t>ワークフロー</a:t>
+                </a:r>
+              </a:p>
+            </p:txBody>
+          </p:sp>
+          <p:grpSp>
+            <p:nvGrpSpPr>
+              <p:cNvPr id="55" name="グループ化 54">
+                <a:extLst>
+                  <a:ext uri="{FF2B5EF4-FFF2-40B4-BE49-F238E27FC236}">
+                    <a16:creationId xmlns:a16="http://schemas.microsoft.com/office/drawing/2014/main" id="{283B6D9E-89C6-DBD6-B796-BEC4C6C68596}"/>
+                  </a:ext>
+                </a:extLst>
+              </p:cNvPr>
+              <p:cNvGrpSpPr/>
+              <p:nvPr/>
+            </p:nvGrpSpPr>
+            <p:grpSpPr>
+              <a:xfrm>
+                <a:off x="9303419" y="5434975"/>
+                <a:ext cx="934534" cy="360000"/>
+                <a:chOff x="3003099" y="3917476"/>
+                <a:chExt cx="1889059" cy="548553"/>
+              </a:xfrm>
+            </p:grpSpPr>
+            <p:sp>
+              <p:nvSpPr>
+                <p:cNvPr id="59" name="四角形: 角を丸くする 58">
+                  <a:extLst>
+                    <a:ext uri="{FF2B5EF4-FFF2-40B4-BE49-F238E27FC236}">
+                      <a16:creationId xmlns:a16="http://schemas.microsoft.com/office/drawing/2014/main" id="{4832DD76-E889-F9E7-CB8D-B1E51F4B6724}"/>
+                    </a:ext>
+                  </a:extLst>
+                </p:cNvPr>
+                <p:cNvSpPr/>
+                <p:nvPr/>
+              </p:nvSpPr>
+              <p:spPr>
+                <a:xfrm>
+                  <a:off x="3003099" y="3917476"/>
+                  <a:ext cx="1742156" cy="548553"/>
+                </a:xfrm>
+                <a:prstGeom prst="roundRect">
+                  <a:avLst>
+                    <a:gd name="adj" fmla="val 8949"/>
+                  </a:avLst>
+                </a:prstGeom>
+                <a:ln w="9525"/>
+              </p:spPr>
+              <p:style>
+                <a:lnRef idx="2">
+                  <a:schemeClr val="dk1"/>
+                </a:lnRef>
+                <a:fillRef idx="1">
+                  <a:schemeClr val="lt1"/>
+                </a:fillRef>
+                <a:effectRef idx="0">
+                  <a:schemeClr val="dk1"/>
+                </a:effectRef>
+                <a:fontRef idx="minor">
+                  <a:schemeClr val="dk1"/>
+                </a:fontRef>
+              </p:style>
+              <p:txBody>
+                <a:bodyPr rtlCol="0" anchor="ctr"/>
+                <a:lstStyle/>
+                <a:p>
+                  <a:pPr algn="ctr"/>
+                  <a:endParaRPr kumimoji="1" lang="ja-JP" altLang="en-US" sz="1100">
+                    <a:solidFill>
+                      <a:schemeClr val="dk1"/>
+                    </a:solidFill>
+                  </a:endParaRPr>
+                </a:p>
+              </p:txBody>
+            </p:sp>
+            <p:sp>
+              <p:nvSpPr>
+                <p:cNvPr id="60" name="テキスト ボックス 59">
+                  <a:extLst>
+                    <a:ext uri="{FF2B5EF4-FFF2-40B4-BE49-F238E27FC236}">
+                      <a16:creationId xmlns:a16="http://schemas.microsoft.com/office/drawing/2014/main" id="{90F97760-A778-535C-1011-3F25B14AD981}"/>
+                    </a:ext>
+                  </a:extLst>
+                </p:cNvPr>
+                <p:cNvSpPr txBox="1"/>
+                <p:nvPr/>
+              </p:nvSpPr>
+              <p:spPr>
+                <a:xfrm>
+                  <a:off x="3322025" y="4027614"/>
+                  <a:ext cx="1570133" cy="327797"/>
+                </a:xfrm>
+                <a:prstGeom prst="rect">
+                  <a:avLst/>
+                </a:prstGeom>
+                <a:noFill/>
+              </p:spPr>
+              <p:txBody>
+                <a:bodyPr wrap="square" rtlCol="0">
+                  <a:spAutoFit/>
+                </a:bodyPr>
+                <a:lstStyle/>
+                <a:p>
+                  <a:pPr algn="ctr"/>
+                  <a:r>
+                    <a:rPr kumimoji="1" lang="ja-JP" altLang="en-US" sz="600" dirty="0"/>
+                    <a:t>プログラム</a:t>
+                  </a:r>
+                  <a:endParaRPr kumimoji="1" lang="en-US" altLang="ja-JP" sz="600" dirty="0"/>
+                </a:p>
+              </p:txBody>
+            </p:sp>
+          </p:grpSp>
+          <p:cxnSp>
+            <p:nvCxnSpPr>
+              <p:cNvPr id="56" name="直線コネクタ 55">
+                <a:extLst>
+                  <a:ext uri="{FF2B5EF4-FFF2-40B4-BE49-F238E27FC236}">
+                    <a16:creationId xmlns:a16="http://schemas.microsoft.com/office/drawing/2014/main" id="{D1F77930-84E2-4F9D-814C-7AEFADE511C3}"/>
+                  </a:ext>
+                </a:extLst>
+              </p:cNvPr>
+              <p:cNvCxnSpPr>
+                <a:cxnSpLocks/>
+                <a:stCxn id="67" idx="3"/>
+                <a:endCxn id="59" idx="1"/>
+              </p:cNvCxnSpPr>
+              <p:nvPr/>
+            </p:nvCxnSpPr>
+            <p:spPr>
+              <a:xfrm>
+                <a:off x="8849695" y="5072800"/>
+                <a:ext cx="453723" cy="542168"/>
+              </a:xfrm>
+              <a:prstGeom prst="line">
+                <a:avLst/>
+              </a:prstGeom>
+              <a:ln w="38100">
+                <a:headEnd type="oval"/>
+                <a:tailEnd type="triangle" w="med" len="med"/>
+              </a:ln>
+              <a:effectLst/>
+            </p:spPr>
+            <p:style>
+              <a:lnRef idx="2">
+                <a:schemeClr val="accent1"/>
+              </a:lnRef>
+              <a:fillRef idx="0">
+                <a:schemeClr val="accent1"/>
+              </a:fillRef>
+              <a:effectRef idx="1">
+                <a:schemeClr val="accent1"/>
+              </a:effectRef>
+              <a:fontRef idx="minor">
+                <a:schemeClr val="tx1"/>
+              </a:fontRef>
+            </p:style>
+          </p:cxnSp>
+          <p:pic>
+            <p:nvPicPr>
+              <p:cNvPr id="57" name="図 56" descr="アイコン&#10;&#10;自動的に生成された説明">
+                <a:extLst>
+                  <a:ext uri="{FF2B5EF4-FFF2-40B4-BE49-F238E27FC236}">
+                    <a16:creationId xmlns:a16="http://schemas.microsoft.com/office/drawing/2014/main" id="{3AE5411D-D391-072F-4E8D-39A81DEA1552}"/>
+                  </a:ext>
+                </a:extLst>
+              </p:cNvPr>
+              <p:cNvPicPr>
+                <a:picLocks noChangeAspect="1"/>
+              </p:cNvPicPr>
+              <p:nvPr/>
+            </p:nvPicPr>
+            <p:blipFill>
+              <a:blip r:embed="rId13"/>
+              <a:stretch>
+                <a:fillRect/>
+              </a:stretch>
+            </p:blipFill>
+            <p:spPr>
+              <a:xfrm>
+                <a:off x="9376092" y="4977624"/>
+                <a:ext cx="164910" cy="164910"/>
+              </a:xfrm>
+              <a:prstGeom prst="rect">
+                <a:avLst/>
+              </a:prstGeom>
+            </p:spPr>
+          </p:pic>
+          <p:pic>
+            <p:nvPicPr>
+              <p:cNvPr id="58" name="図 57" descr="アイコン&#10;&#10;自動的に生成された説明">
+                <a:extLst>
+                  <a:ext uri="{FF2B5EF4-FFF2-40B4-BE49-F238E27FC236}">
+                    <a16:creationId xmlns:a16="http://schemas.microsoft.com/office/drawing/2014/main" id="{C7D87073-09B9-E13C-A3B7-D1AEE169A604}"/>
+                  </a:ext>
+                </a:extLst>
+              </p:cNvPr>
+              <p:cNvPicPr>
+                <a:picLocks noChangeAspect="1"/>
+              </p:cNvPicPr>
+              <p:nvPr/>
+            </p:nvPicPr>
+            <p:blipFill>
+              <a:blip r:embed="rId13"/>
+              <a:stretch>
+                <a:fillRect/>
+              </a:stretch>
+            </p:blipFill>
+            <p:spPr>
+              <a:xfrm>
+                <a:off x="9376092" y="5532511"/>
+                <a:ext cx="164910" cy="164910"/>
+              </a:xfrm>
+              <a:prstGeom prst="rect">
+                <a:avLst/>
+              </a:prstGeom>
+            </p:spPr>
+          </p:pic>
+        </p:grpSp>
+      </p:grpSp>
       <p:sp>
         <p:nvSpPr>
-          <p:cNvPr id="47" name="四角形: 角を丸くする 46">
+          <p:cNvPr id="70" name="矢印: 右 69">
             <a:extLst>
               <a:ext uri="{FF2B5EF4-FFF2-40B4-BE49-F238E27FC236}">
-                <a16:creationId xmlns:a16="http://schemas.microsoft.com/office/drawing/2014/main" id="{B163DBF8-FF07-7706-A19E-FC7EB2A0913C}"/>
+                <a16:creationId xmlns:a16="http://schemas.microsoft.com/office/drawing/2014/main" id="{9558D2FF-BF70-1585-9A8D-258269B2C524}"/>
               </a:ext>
             </a:extLst>
           </p:cNvPr>
@@ -10588,19 +10710,17 @@
         </p:nvSpPr>
         <p:spPr>
           <a:xfrm>
-            <a:off x="667035" y="3059597"/>
-            <a:ext cx="10615971" cy="3329526"/>
+            <a:off x="6267126" y="2148348"/>
+            <a:ext cx="1085039" cy="367200"/>
           </a:xfrm>
-          <a:prstGeom prst="roundRect">
+          <a:prstGeom prst="rightArrow">
             <a:avLst>
-              <a:gd name="adj" fmla="val 2121"/>
+              <a:gd name="adj1" fmla="val 54948"/>
+              <a:gd name="adj2" fmla="val 54949"/>
             </a:avLst>
           </a:prstGeom>
           <a:solidFill>
-            <a:schemeClr val="accent1">
-              <a:lumMod val="20000"/>
-              <a:lumOff val="80000"/>
-            </a:schemeClr>
+            <a:schemeClr val="accent1"/>
           </a:solidFill>
           <a:ln w="9525">
             <a:noFill/>
@@ -10635,162 +10755,56 @@
       </p:sp>
       <p:sp>
         <p:nvSpPr>
-          <p:cNvPr id="48" name="テキスト ボックス 47">
+          <p:cNvPr id="71" name="矢印: 右 70">
             <a:extLst>
               <a:ext uri="{FF2B5EF4-FFF2-40B4-BE49-F238E27FC236}">
-                <a16:creationId xmlns:a16="http://schemas.microsoft.com/office/drawing/2014/main" id="{FAAA4B13-43AD-11AF-D7A8-22331E24ADB5}"/>
+                <a16:creationId xmlns:a16="http://schemas.microsoft.com/office/drawing/2014/main" id="{BDA804B2-0B74-AB00-B27D-ECF9147E9522}"/>
               </a:ext>
             </a:extLst>
           </p:cNvPr>
-          <p:cNvSpPr txBox="1"/>
+          <p:cNvSpPr/>
           <p:nvPr/>
         </p:nvSpPr>
         <p:spPr>
-          <a:xfrm>
-            <a:off x="684590" y="3207352"/>
-            <a:ext cx="3846136" cy="1600438"/>
+          <a:xfrm flipH="1">
+            <a:off x="6264461" y="2610000"/>
+            <a:ext cx="1085039" cy="367200"/>
           </a:xfrm>
-          <a:prstGeom prst="rect">
-            <a:avLst/>
+          <a:prstGeom prst="rightArrow">
+            <a:avLst>
+              <a:gd name="adj1" fmla="val 54948"/>
+              <a:gd name="adj2" fmla="val 54949"/>
+            </a:avLst>
           </a:prstGeom>
-          <a:noFill/>
+          <a:solidFill>
+            <a:schemeClr val="accent1"/>
+          </a:solidFill>
+          <a:ln w="9525">
+            <a:noFill/>
+          </a:ln>
         </p:spPr>
+        <p:style>
+          <a:lnRef idx="2">
+            <a:schemeClr val="dk1"/>
+          </a:lnRef>
+          <a:fillRef idx="1">
+            <a:schemeClr val="lt1"/>
+          </a:fillRef>
+          <a:effectRef idx="0">
+            <a:schemeClr val="dk1"/>
+          </a:effectRef>
+          <a:fontRef idx="minor">
+            <a:schemeClr val="dk1"/>
+          </a:fontRef>
+        </p:style>
         <p:txBody>
-          <a:bodyPr wrap="square">
-            <a:spAutoFit/>
-          </a:bodyPr>
+          <a:bodyPr rtlCol="0" anchor="ctr"/>
           <a:lstStyle/>
           <a:p>
-            <a:r>
-              <a:rPr lang="en-US" altLang="ja-JP" sz="1400" dirty="0">
-                <a:solidFill>
-                  <a:schemeClr val="tx1">
-                    <a:lumMod val="95000"/>
-                    <a:lumOff val="5000"/>
-                  </a:schemeClr>
-                </a:solidFill>
-              </a:rPr>
-              <a:t>section 4 </a:t>
-            </a:r>
-            <a:r>
-              <a:rPr lang="ja-JP" altLang="en-US" sz="1400" dirty="0">
-                <a:solidFill>
-                  <a:schemeClr val="tx1">
-                    <a:lumMod val="95000"/>
-                    <a:lumOff val="5000"/>
-                  </a:schemeClr>
-                </a:solidFill>
-              </a:rPr>
-              <a:t>で作成したシーケンス図に、</a:t>
-            </a:r>
-            <a:endParaRPr lang="en-US" altLang="ja-JP" sz="1400" dirty="0">
+            <a:pPr algn="ctr"/>
+            <a:endParaRPr kumimoji="1" lang="ja-JP" altLang="en-US" dirty="0">
               <a:solidFill>
-                <a:schemeClr val="tx1">
-                  <a:lumMod val="95000"/>
-                  <a:lumOff val="5000"/>
-                </a:schemeClr>
-              </a:solidFill>
-            </a:endParaRPr>
-          </a:p>
-          <a:p>
-            <a:endParaRPr lang="en-US" altLang="ja-JP" sz="1400" b="1" dirty="0">
-              <a:solidFill>
-                <a:schemeClr val="tx1">
-                  <a:lumMod val="95000"/>
-                  <a:lumOff val="5000"/>
-                </a:schemeClr>
-              </a:solidFill>
-            </a:endParaRPr>
-          </a:p>
-          <a:p>
-            <a:pPr marL="285750" indent="-285750">
-              <a:buFont typeface="Arial" panose="020B0604020202020204" pitchFamily="34" charset="0"/>
-              <a:buChar char="•"/>
-            </a:pPr>
-            <a:r>
-              <a:rPr lang="ja-JP" altLang="en-US" sz="1400" b="1" dirty="0">
-                <a:solidFill>
-                  <a:schemeClr val="tx1">
-                    <a:lumMod val="95000"/>
-                    <a:lumOff val="5000"/>
-                  </a:schemeClr>
-                </a:solidFill>
-              </a:rPr>
-              <a:t>ユーザーの入力内容</a:t>
-            </a:r>
-            <a:endParaRPr lang="en-US" altLang="ja-JP" sz="1400" b="1" dirty="0">
-              <a:solidFill>
-                <a:schemeClr val="tx1">
-                  <a:lumMod val="95000"/>
-                  <a:lumOff val="5000"/>
-                </a:schemeClr>
-              </a:solidFill>
-            </a:endParaRPr>
-          </a:p>
-          <a:p>
-            <a:pPr marL="285750" indent="-285750">
-              <a:buFont typeface="Arial" panose="020B0604020202020204" pitchFamily="34" charset="0"/>
-              <a:buChar char="•"/>
-            </a:pPr>
-            <a:r>
-              <a:rPr lang="en-US" altLang="ja-JP" sz="1400" b="1" dirty="0">
-                <a:solidFill>
-                  <a:schemeClr val="tx1">
-                    <a:lumMod val="95000"/>
-                    <a:lumOff val="5000"/>
-                  </a:schemeClr>
-                </a:solidFill>
-              </a:rPr>
-              <a:t>AI</a:t>
-            </a:r>
-            <a:r>
-              <a:rPr lang="ja-JP" altLang="en-US" sz="1400" b="1" dirty="0">
-                <a:solidFill>
-                  <a:schemeClr val="tx1">
-                    <a:lumMod val="95000"/>
-                    <a:lumOff val="5000"/>
-                  </a:schemeClr>
-                </a:solidFill>
-              </a:rPr>
-              <a:t>エージェントの想定出力例</a:t>
-            </a:r>
-            <a:endParaRPr lang="en-US" altLang="ja-JP" sz="1400" b="1" dirty="0">
-              <a:solidFill>
-                <a:schemeClr val="tx1">
-                  <a:lumMod val="95000"/>
-                  <a:lumOff val="5000"/>
-                </a:schemeClr>
-              </a:solidFill>
-            </a:endParaRPr>
-          </a:p>
-          <a:p>
-            <a:endParaRPr lang="en-US" altLang="ja-JP" sz="1400" b="1" dirty="0">
-              <a:solidFill>
-                <a:schemeClr val="tx1">
-                  <a:lumMod val="95000"/>
-                  <a:lumOff val="5000"/>
-                </a:schemeClr>
-              </a:solidFill>
-            </a:endParaRPr>
-          </a:p>
-          <a:p>
-            <a:r>
-              <a:rPr lang="ja-JP" altLang="en-US" sz="1400" dirty="0">
-                <a:solidFill>
-                  <a:schemeClr val="tx1">
-                    <a:lumMod val="95000"/>
-                    <a:lumOff val="5000"/>
-                  </a:schemeClr>
-                </a:solidFill>
-              </a:rPr>
-              <a:t>等を書き込み、シナリオの要点における想定出力を整理する</a:t>
-            </a:r>
-            <a:endParaRPr lang="en-US" altLang="ja-JP" sz="1400" dirty="0">
-              <a:solidFill>
-                <a:schemeClr val="tx1">
-                  <a:lumMod val="95000"/>
-                  <a:lumOff val="5000"/>
-                </a:schemeClr>
+                <a:schemeClr val="dk1"/>
               </a:solidFill>
             </a:endParaRPr>
           </a:p>
@@ -10798,10 +10812,10 @@
       </p:sp>
       <p:grpSp>
         <p:nvGrpSpPr>
-          <p:cNvPr id="55" name="グループ化 54">
+          <p:cNvPr id="73" name="グループ化 72">
             <a:extLst>
               <a:ext uri="{FF2B5EF4-FFF2-40B4-BE49-F238E27FC236}">
-                <a16:creationId xmlns:a16="http://schemas.microsoft.com/office/drawing/2014/main" id="{16D15013-78FB-4DF1-9CF1-4CA3CACCBD26}"/>
+                <a16:creationId xmlns:a16="http://schemas.microsoft.com/office/drawing/2014/main" id="{9B596847-1820-E27F-254D-A415D54624E2}"/>
               </a:ext>
             </a:extLst>
           </p:cNvPr>
@@ -10810,48 +10824,18 @@
         </p:nvGrpSpPr>
         <p:grpSpPr>
           <a:xfrm>
-            <a:off x="5764758" y="3207352"/>
-            <a:ext cx="5153025" cy="3019425"/>
-            <a:chOff x="5974308" y="3207352"/>
-            <a:chExt cx="5153025" cy="3019425"/>
+            <a:off x="7730942" y="3904102"/>
+            <a:ext cx="3903972" cy="2263455"/>
+            <a:chOff x="8035742" y="2442262"/>
+            <a:chExt cx="3903972" cy="2263455"/>
           </a:xfrm>
         </p:grpSpPr>
-        <p:pic>
-          <p:nvPicPr>
-            <p:cNvPr id="51" name="図 50" descr="ダイアグラム&#10;&#10;AI によって生成されたコンテンツは間違っている可能性があります。">
+        <p:sp>
+          <p:nvSpPr>
+            <p:cNvPr id="74" name="四角形: 角を丸くする 73">
               <a:extLst>
                 <a:ext uri="{FF2B5EF4-FFF2-40B4-BE49-F238E27FC236}">
-                  <a16:creationId xmlns:a16="http://schemas.microsoft.com/office/drawing/2014/main" id="{612A5CCA-2D8F-82D6-813F-34D496D7E35A}"/>
-                </a:ext>
-              </a:extLst>
-            </p:cNvPr>
-            <p:cNvPicPr>
-              <a:picLocks noChangeAspect="1"/>
-            </p:cNvPicPr>
-            <p:nvPr/>
-          </p:nvPicPr>
-          <p:blipFill>
-            <a:blip r:embed="rId2"/>
-            <a:stretch>
-              <a:fillRect/>
-            </a:stretch>
-          </p:blipFill>
-          <p:spPr>
-            <a:xfrm>
-              <a:off x="5974308" y="3207352"/>
-              <a:ext cx="5153025" cy="3019425"/>
-            </a:xfrm>
-            <a:prstGeom prst="rect">
-              <a:avLst/>
-            </a:prstGeom>
-          </p:spPr>
-        </p:pic>
-        <p:sp>
-          <p:nvSpPr>
-            <p:cNvPr id="52" name="吹き出し: 線 51">
-              <a:extLst>
-                <a:ext uri="{FF2B5EF4-FFF2-40B4-BE49-F238E27FC236}">
-                  <a16:creationId xmlns:a16="http://schemas.microsoft.com/office/drawing/2014/main" id="{68C0D7BA-FC1C-0BFA-5856-DCC6097F3E6D}"/>
+                  <a16:creationId xmlns:a16="http://schemas.microsoft.com/office/drawing/2014/main" id="{15B4E862-751F-4764-8F5B-274354808E2C}"/>
                 </a:ext>
               </a:extLst>
             </p:cNvPr>
@@ -10860,24 +10844,65 @@
           </p:nvSpPr>
           <p:spPr>
             <a:xfrm>
-              <a:off x="8388387" y="3467409"/>
-              <a:ext cx="1701763" cy="387041"/>
+              <a:off x="8212933" y="2442262"/>
+              <a:ext cx="3724301" cy="2263455"/>
             </a:xfrm>
-            <a:prstGeom prst="borderCallout1">
+            <a:prstGeom prst="roundRect">
               <a:avLst>
-                <a:gd name="adj1" fmla="val 18750"/>
-                <a:gd name="adj2" fmla="val -8333"/>
-                <a:gd name="adj3" fmla="val 68658"/>
-                <a:gd name="adj4" fmla="val -36217"/>
+                <a:gd name="adj" fmla="val 5199"/>
               </a:avLst>
             </a:prstGeom>
-            <a:solidFill>
-              <a:srgbClr val="FFFF00"/>
-            </a:solidFill>
+            <a:ln w="9525"/>
+          </p:spPr>
+          <p:style>
+            <a:lnRef idx="2">
+              <a:schemeClr val="dk1"/>
+            </a:lnRef>
+            <a:fillRef idx="1">
+              <a:schemeClr val="lt1"/>
+            </a:fillRef>
+            <a:effectRef idx="0">
+              <a:schemeClr val="dk1"/>
+            </a:effectRef>
+            <a:fontRef idx="minor">
+              <a:schemeClr val="dk1"/>
+            </a:fontRef>
+          </p:style>
+          <p:txBody>
+            <a:bodyPr rtlCol="0" anchor="ctr"/>
+            <a:lstStyle/>
+            <a:p>
+              <a:pPr algn="ctr"/>
+              <a:endParaRPr kumimoji="1" lang="ja-JP" altLang="en-US">
+                <a:solidFill>
+                  <a:schemeClr val="dk1"/>
+                </a:solidFill>
+              </a:endParaRPr>
+            </a:p>
+          </p:txBody>
+        </p:sp>
+        <p:sp>
+          <p:nvSpPr>
+            <p:cNvPr id="75" name="正方形/長方形 74">
+              <a:extLst>
+                <a:ext uri="{FF2B5EF4-FFF2-40B4-BE49-F238E27FC236}">
+                  <a16:creationId xmlns:a16="http://schemas.microsoft.com/office/drawing/2014/main" id="{C8E2A7AF-14D5-DC41-E604-F99233D91941}"/>
+                </a:ext>
+              </a:extLst>
+            </p:cNvPr>
+            <p:cNvSpPr/>
+            <p:nvPr/>
+          </p:nvSpPr>
+          <p:spPr>
+            <a:xfrm>
+              <a:off x="8129902" y="3077194"/>
+              <a:ext cx="308973" cy="861173"/>
+            </a:xfrm>
+            <a:prstGeom prst="rect">
+              <a:avLst/>
+            </a:prstGeom>
             <a:ln w="9525">
-              <a:solidFill>
-                <a:srgbClr val="C00000"/>
-              </a:solidFill>
+              <a:noFill/>
             </a:ln>
           </p:spPr>
           <p:style>
@@ -10898,37 +10923,8 @@
             <a:bodyPr rtlCol="0" anchor="ctr"/>
             <a:lstStyle/>
             <a:p>
-              <a:r>
-                <a:rPr kumimoji="1" lang="en-US" altLang="ja-JP" sz="700" dirty="0">
-                  <a:solidFill>
-                    <a:schemeClr val="dk1"/>
-                  </a:solidFill>
-                </a:rPr>
-                <a:t>&lt;</a:t>
-              </a:r>
-              <a:r>
-                <a:rPr kumimoji="1" lang="ja-JP" altLang="en-US" sz="700" dirty="0">
-                  <a:solidFill>
-                    <a:schemeClr val="dk1"/>
-                  </a:solidFill>
-                </a:rPr>
-                <a:t>入力内容</a:t>
-              </a:r>
-              <a:r>
-                <a:rPr kumimoji="1" lang="en-US" altLang="ja-JP" sz="700" dirty="0">
-                  <a:solidFill>
-                    <a:schemeClr val="dk1"/>
-                  </a:solidFill>
-                </a:rPr>
-                <a:t>&gt;</a:t>
-              </a:r>
-            </a:p>
-            <a:p>
-              <a:r>
-                <a:rPr lang="ja-JP" altLang="en-US" sz="700" dirty="0"/>
-                <a:t>端末の初期設定がうまくいきません。資料から設置手順を確認してください。</a:t>
-              </a:r>
-              <a:endParaRPr kumimoji="1" lang="ja-JP" altLang="en-US" sz="800" dirty="0">
+              <a:pPr algn="ctr"/>
+              <a:endParaRPr kumimoji="1" lang="ja-JP" altLang="en-US">
                 <a:solidFill>
                   <a:schemeClr val="dk1"/>
                 </a:solidFill>
@@ -10936,12 +10932,133 @@
             </a:p>
           </p:txBody>
         </p:sp>
+        <p:pic>
+          <p:nvPicPr>
+            <p:cNvPr id="76" name="グラフィックス 75" descr="採鉱用工具 単色塗りつぶし">
+              <a:extLst>
+                <a:ext uri="{FF2B5EF4-FFF2-40B4-BE49-F238E27FC236}">
+                  <a16:creationId xmlns:a16="http://schemas.microsoft.com/office/drawing/2014/main" id="{9D4A1679-7384-F64A-E70E-7141689F9DEE}"/>
+                </a:ext>
+              </a:extLst>
+            </p:cNvPr>
+            <p:cNvPicPr>
+              <a:picLocks noChangeAspect="1"/>
+            </p:cNvPicPr>
+            <p:nvPr/>
+          </p:nvPicPr>
+          <p:blipFill>
+            <a:blip r:embed="rId9">
+              <a:extLst>
+                <a:ext uri="{96DAC541-7B7A-43D3-8B79-37D633B846F1}">
+                  <asvg:svgBlip xmlns:asvg="http://schemas.microsoft.com/office/drawing/2016/SVG/main" r:embed="rId10"/>
+                </a:ext>
+              </a:extLst>
+            </a:blip>
+            <a:stretch>
+              <a:fillRect/>
+            </a:stretch>
+          </p:blipFill>
+          <p:spPr>
+            <a:xfrm>
+              <a:off x="8035742" y="3147634"/>
+              <a:ext cx="649783" cy="693668"/>
+            </a:xfrm>
+            <a:prstGeom prst="rect">
+              <a:avLst/>
+            </a:prstGeom>
+          </p:spPr>
+        </p:pic>
         <p:sp>
           <p:nvSpPr>
-            <p:cNvPr id="53" name="吹き出し: 線 52">
+            <p:cNvPr id="77" name="テキスト ボックス 76">
               <a:extLst>
                 <a:ext uri="{FF2B5EF4-FFF2-40B4-BE49-F238E27FC236}">
-                  <a16:creationId xmlns:a16="http://schemas.microsoft.com/office/drawing/2014/main" id="{8C4CDFBD-9F0C-4DC3-E416-8030D8588085}"/>
+                  <a16:creationId xmlns:a16="http://schemas.microsoft.com/office/drawing/2014/main" id="{17F4D389-78A0-36E2-FEB6-024C630B7794}"/>
+                </a:ext>
+              </a:extLst>
+            </p:cNvPr>
+            <p:cNvSpPr txBox="1"/>
+            <p:nvPr/>
+          </p:nvSpPr>
+          <p:spPr>
+            <a:xfrm>
+              <a:off x="8713106" y="2516315"/>
+              <a:ext cx="2554196" cy="307777"/>
+            </a:xfrm>
+            <a:prstGeom prst="rect">
+              <a:avLst/>
+            </a:prstGeom>
+            <a:noFill/>
+          </p:spPr>
+          <p:txBody>
+            <a:bodyPr wrap="square" rtlCol="0">
+              <a:spAutoFit/>
+            </a:bodyPr>
+            <a:lstStyle/>
+            <a:p>
+              <a:pPr algn="ctr"/>
+              <a:r>
+                <a:rPr kumimoji="1" lang="ja-JP" altLang="en-US" sz="1400" b="1" dirty="0"/>
+                <a:t>外部ツール</a:t>
+              </a:r>
+            </a:p>
+          </p:txBody>
+        </p:sp>
+        <p:sp>
+          <p:nvSpPr>
+            <p:cNvPr id="78" name="テキスト ボックス 77">
+              <a:extLst>
+                <a:ext uri="{FF2B5EF4-FFF2-40B4-BE49-F238E27FC236}">
+                  <a16:creationId xmlns:a16="http://schemas.microsoft.com/office/drawing/2014/main" id="{F0633E75-75D8-66E1-301F-068E92EB6837}"/>
+                </a:ext>
+              </a:extLst>
+            </p:cNvPr>
+            <p:cNvSpPr txBox="1"/>
+            <p:nvPr/>
+          </p:nvSpPr>
+          <p:spPr>
+            <a:xfrm>
+              <a:off x="8515785" y="2771486"/>
+              <a:ext cx="3423929" cy="523220"/>
+            </a:xfrm>
+            <a:prstGeom prst="rect">
+              <a:avLst/>
+            </a:prstGeom>
+            <a:noFill/>
+          </p:spPr>
+          <p:txBody>
+            <a:bodyPr wrap="square" rtlCol="0">
+              <a:spAutoFit/>
+            </a:bodyPr>
+            <a:lstStyle/>
+            <a:p>
+              <a:pPr algn="ctr"/>
+              <a:r>
+                <a:rPr kumimoji="1" lang="en-US" altLang="ja-JP" sz="1400" dirty="0"/>
+                <a:t>API</a:t>
+              </a:r>
+              <a:r>
+                <a:rPr kumimoji="1" lang="ja-JP" altLang="en-US" sz="1400" dirty="0"/>
+                <a:t>経由で外部ツールに</a:t>
+              </a:r>
+              <a:endParaRPr kumimoji="1" lang="en-US" altLang="ja-JP" sz="1400" dirty="0"/>
+            </a:p>
+            <a:p>
+              <a:pPr algn="ctr"/>
+              <a:r>
+                <a:rPr lang="ja-JP" altLang="en-US" sz="1400" dirty="0"/>
+                <a:t>アクセスする</a:t>
+              </a:r>
+              <a:endParaRPr kumimoji="1" lang="ja-JP" altLang="en-US" sz="1400" dirty="0"/>
+            </a:p>
+          </p:txBody>
+        </p:sp>
+        <p:sp>
+          <p:nvSpPr>
+            <p:cNvPr id="80" name="四角形: 角を丸くする 79">
+              <a:extLst>
+                <a:ext uri="{FF2B5EF4-FFF2-40B4-BE49-F238E27FC236}">
+                  <a16:creationId xmlns:a16="http://schemas.microsoft.com/office/drawing/2014/main" id="{312EA48C-7828-D10A-C229-DE7A053357EF}"/>
                 </a:ext>
               </a:extLst>
             </p:cNvPr>
@@ -10950,25 +11067,21 @@
           </p:nvSpPr>
           <p:spPr>
             <a:xfrm>
-              <a:off x="8115499" y="4388238"/>
-              <a:ext cx="1568251" cy="568545"/>
+              <a:off x="8703207" y="3381437"/>
+              <a:ext cx="3036291" cy="1160047"/>
             </a:xfrm>
-            <a:prstGeom prst="borderCallout1">
+            <a:prstGeom prst="roundRect">
               <a:avLst>
-                <a:gd name="adj1" fmla="val 18750"/>
-                <a:gd name="adj2" fmla="val -8333"/>
-                <a:gd name="adj3" fmla="val 145727"/>
-                <a:gd name="adj4" fmla="val -35030"/>
+                <a:gd name="adj" fmla="val 8949"/>
               </a:avLst>
             </a:prstGeom>
             <a:solidFill>
-              <a:srgbClr val="FFFF00"/>
+              <a:schemeClr val="accent3">
+                <a:lumMod val="20000"/>
+                <a:lumOff val="80000"/>
+              </a:schemeClr>
             </a:solidFill>
-            <a:ln w="9525">
-              <a:solidFill>
-                <a:srgbClr val="C00000"/>
-              </a:solidFill>
-            </a:ln>
+            <a:ln w="9525"/>
           </p:spPr>
           <p:style>
             <a:lnRef idx="2">
@@ -10988,192 +11101,8 @@
             <a:bodyPr rtlCol="0" anchor="ctr"/>
             <a:lstStyle/>
             <a:p>
-              <a:r>
-                <a:rPr kumimoji="1" lang="en-US" altLang="ja-JP" sz="700" dirty="0">
-                  <a:solidFill>
-                    <a:schemeClr val="dk1"/>
-                  </a:solidFill>
-                </a:rPr>
-                <a:t>&lt;</a:t>
-              </a:r>
-              <a:r>
-                <a:rPr kumimoji="1" lang="ja-JP" altLang="en-US" sz="700" dirty="0">
-                  <a:solidFill>
-                    <a:schemeClr val="dk1"/>
-                  </a:solidFill>
-                </a:rPr>
-                <a:t>想定出力例</a:t>
-              </a:r>
-              <a:r>
-                <a:rPr kumimoji="1" lang="en-US" altLang="ja-JP" sz="700" dirty="0">
-                  <a:solidFill>
-                    <a:schemeClr val="dk1"/>
-                  </a:solidFill>
-                </a:rPr>
-                <a:t>&gt;</a:t>
-              </a:r>
-            </a:p>
-            <a:p>
-              <a:r>
-                <a:rPr kumimoji="1" lang="ja-JP" altLang="en-US" sz="700" dirty="0">
-                  <a:solidFill>
-                    <a:schemeClr val="dk1"/>
-                  </a:solidFill>
-                </a:rPr>
-                <a:t>端末の設置手順は下記の通りです。</a:t>
-              </a:r>
-              <a:endParaRPr kumimoji="1" lang="en-US" altLang="ja-JP" sz="700" dirty="0">
-                <a:solidFill>
-                  <a:schemeClr val="dk1"/>
-                </a:solidFill>
-              </a:endParaRPr>
-            </a:p>
-            <a:p>
-              <a:pPr marL="228600" indent="-228600">
-                <a:buAutoNum type="arabicPeriod"/>
-              </a:pPr>
-              <a:r>
-                <a:rPr lang="ja-JP" altLang="en-US" sz="700" dirty="0"/>
-                <a:t>〇〇</a:t>
-              </a:r>
-              <a:endParaRPr lang="en-US" altLang="ja-JP" sz="700" dirty="0"/>
-            </a:p>
-            <a:p>
-              <a:pPr marL="228600" indent="-228600">
-                <a:buAutoNum type="arabicPeriod"/>
-              </a:pPr>
-              <a:r>
-                <a:rPr kumimoji="1" lang="ja-JP" altLang="en-US" sz="700" dirty="0">
-                  <a:solidFill>
-                    <a:schemeClr val="dk1"/>
-                  </a:solidFill>
-                </a:rPr>
-                <a:t>◇◇</a:t>
-              </a:r>
-              <a:endParaRPr kumimoji="1" lang="en-US" altLang="ja-JP" sz="700" dirty="0">
-                <a:solidFill>
-                  <a:schemeClr val="dk1"/>
-                </a:solidFill>
-              </a:endParaRPr>
-            </a:p>
-            <a:p>
-              <a:pPr marL="228600" indent="-228600">
-                <a:buAutoNum type="arabicPeriod"/>
-              </a:pPr>
-              <a:r>
-                <a:rPr kumimoji="1" lang="ja-JP" altLang="en-US" sz="700" dirty="0">
-                  <a:solidFill>
-                    <a:schemeClr val="dk1"/>
-                  </a:solidFill>
-                </a:rPr>
-                <a:t>△△</a:t>
-              </a:r>
-              <a:endParaRPr kumimoji="1" lang="en-US" altLang="ja-JP" sz="700" dirty="0">
-                <a:solidFill>
-                  <a:schemeClr val="dk1"/>
-                </a:solidFill>
-              </a:endParaRPr>
-            </a:p>
-          </p:txBody>
-        </p:sp>
-        <p:sp>
-          <p:nvSpPr>
-            <p:cNvPr id="54" name="吹き出し: 線 53">
-              <a:extLst>
-                <a:ext uri="{FF2B5EF4-FFF2-40B4-BE49-F238E27FC236}">
-                  <a16:creationId xmlns:a16="http://schemas.microsoft.com/office/drawing/2014/main" id="{9A20C3CC-BF89-EB49-6EA5-F5BA5B1F3548}"/>
-                </a:ext>
-              </a:extLst>
-            </p:cNvPr>
-            <p:cNvSpPr/>
-            <p:nvPr/>
-          </p:nvSpPr>
-          <p:spPr>
-            <a:xfrm>
-              <a:off x="8245514" y="5398259"/>
-              <a:ext cx="1568251" cy="387041"/>
-            </a:xfrm>
-            <a:prstGeom prst="borderCallout1">
-              <a:avLst>
-                <a:gd name="adj1" fmla="val 18750"/>
-                <a:gd name="adj2" fmla="val -8333"/>
-                <a:gd name="adj3" fmla="val 119623"/>
-                <a:gd name="adj4" fmla="val -33006"/>
-              </a:avLst>
-            </a:prstGeom>
-            <a:solidFill>
-              <a:srgbClr val="FFFF00"/>
-            </a:solidFill>
-            <a:ln w="9525">
-              <a:solidFill>
-                <a:srgbClr val="C00000"/>
-              </a:solidFill>
-            </a:ln>
-          </p:spPr>
-          <p:style>
-            <a:lnRef idx="2">
-              <a:schemeClr val="dk1"/>
-            </a:lnRef>
-            <a:fillRef idx="1">
-              <a:schemeClr val="lt1"/>
-            </a:fillRef>
-            <a:effectRef idx="0">
-              <a:schemeClr val="dk1"/>
-            </a:effectRef>
-            <a:fontRef idx="minor">
-              <a:schemeClr val="dk1"/>
-            </a:fontRef>
-          </p:style>
-          <p:txBody>
-            <a:bodyPr rtlCol="0" anchor="ctr"/>
-            <a:lstStyle/>
-            <a:p>
-              <a:r>
-                <a:rPr kumimoji="1" lang="en-US" altLang="ja-JP" sz="700" dirty="0">
-                  <a:solidFill>
-                    <a:schemeClr val="dk1"/>
-                  </a:solidFill>
-                </a:rPr>
-                <a:t>&lt;</a:t>
-              </a:r>
-              <a:r>
-                <a:rPr kumimoji="1" lang="ja-JP" altLang="en-US" sz="700" dirty="0">
-                  <a:solidFill>
-                    <a:schemeClr val="dk1"/>
-                  </a:solidFill>
-                </a:rPr>
-                <a:t>入力内容</a:t>
-              </a:r>
-              <a:r>
-                <a:rPr kumimoji="1" lang="en-US" altLang="ja-JP" sz="700" dirty="0">
-                  <a:solidFill>
-                    <a:schemeClr val="dk1"/>
-                  </a:solidFill>
-                </a:rPr>
-                <a:t>&gt;</a:t>
-              </a:r>
-            </a:p>
-            <a:p>
-              <a:r>
-                <a:rPr kumimoji="1" lang="ja-JP" altLang="en-US" sz="700" dirty="0">
-                  <a:solidFill>
-                    <a:schemeClr val="dk1"/>
-                  </a:solidFill>
-                </a:rPr>
-                <a:t>与えられた手順で解決しました。</a:t>
-              </a:r>
-              <a:endParaRPr kumimoji="1" lang="en-US" altLang="ja-JP" sz="700" dirty="0">
-                <a:solidFill>
-                  <a:schemeClr val="dk1"/>
-                </a:solidFill>
-              </a:endParaRPr>
-            </a:p>
-            <a:p>
-              <a:r>
-                <a:rPr lang="ja-JP" altLang="en-US" sz="700" dirty="0"/>
-                <a:t>事例を登録してください。</a:t>
-              </a:r>
-              <a:endParaRPr kumimoji="1" lang="en-US" altLang="ja-JP" sz="700" dirty="0">
+              <a:pPr algn="ctr"/>
+              <a:endParaRPr kumimoji="1" lang="ja-JP" altLang="en-US" sz="1100" dirty="0">
                 <a:solidFill>
                   <a:schemeClr val="dk1"/>
                 </a:solidFill>
@@ -11184,10 +11113,67 @@
       </p:grpSp>
       <p:pic>
         <p:nvPicPr>
-          <p:cNvPr id="56" name="図 55" descr="ロゴ が含まれている画像&#10;&#10;自動的に生成された説明">
+          <p:cNvPr id="102" name="Picture 2">
             <a:extLst>
               <a:ext uri="{FF2B5EF4-FFF2-40B4-BE49-F238E27FC236}">
-                <a16:creationId xmlns:a16="http://schemas.microsoft.com/office/drawing/2014/main" id="{8DA17A4F-4DE4-9181-0D24-FE3C64D6A724}"/>
+                <a16:creationId xmlns:a16="http://schemas.microsoft.com/office/drawing/2014/main" id="{39293B5B-EA21-B265-F186-D8106CBD9E2A}"/>
+              </a:ext>
+            </a:extLst>
+          </p:cNvPr>
+          <p:cNvPicPr>
+            <a:picLocks noChangeAspect="1" noChangeArrowheads="1"/>
+          </p:cNvPicPr>
+          <p:nvPr/>
+        </p:nvPicPr>
+        <p:blipFill>
+          <a:blip r:embed="rId14">
+            <a:clrChange>
+              <a:clrFrom>
+                <a:srgbClr val="FFFFFF"/>
+              </a:clrFrom>
+              <a:clrTo>
+                <a:srgbClr val="FFFFFF">
+                  <a:alpha val="0"/>
+                </a:srgbClr>
+              </a:clrTo>
+            </a:clrChange>
+            <a:extLst>
+              <a:ext uri="{28A0092B-C50C-407E-A947-70E740481C1C}">
+                <a14:useLocalDpi xmlns:a14="http://schemas.microsoft.com/office/drawing/2010/main" val="0"/>
+              </a:ext>
+            </a:extLst>
+          </a:blip>
+          <a:srcRect/>
+          <a:stretch>
+            <a:fillRect/>
+          </a:stretch>
+        </p:blipFill>
+        <p:spPr bwMode="auto">
+          <a:xfrm>
+            <a:off x="8870999" y="5152382"/>
+            <a:ext cx="312044" cy="290616"/>
+          </a:xfrm>
+          <a:prstGeom prst="rect">
+            <a:avLst/>
+          </a:prstGeom>
+          <a:noFill/>
+          <a:extLst>
+            <a:ext uri="{909E8E84-426E-40DD-AFC4-6F175D3DCCD1}">
+              <a14:hiddenFill xmlns:a14="http://schemas.microsoft.com/office/drawing/2010/main">
+                <a:solidFill>
+                  <a:srgbClr val="FFFFFF"/>
+                </a:solidFill>
+              </a14:hiddenFill>
+            </a:ext>
+          </a:extLst>
+        </p:spPr>
+      </p:pic>
+      <p:pic>
+        <p:nvPicPr>
+          <p:cNvPr id="103" name="図 102">
+            <a:extLst>
+              <a:ext uri="{FF2B5EF4-FFF2-40B4-BE49-F238E27FC236}">
+                <a16:creationId xmlns:a16="http://schemas.microsoft.com/office/drawing/2014/main" id="{2CBABDB3-88E6-09CA-3338-ED48B313B467}"/>
               </a:ext>
             </a:extLst>
           </p:cNvPr>
@@ -11197,171 +11183,37 @@
           <p:nvPr/>
         </p:nvPicPr>
         <p:blipFill>
-          <a:blip r:embed="rId3"/>
-          <a:stretch>
-            <a:fillRect/>
-          </a:stretch>
+          <a:blip r:embed="rId15">
+            <a:clrChange>
+              <a:clrFrom>
+                <a:srgbClr val="FFFFFF"/>
+              </a:clrFrom>
+              <a:clrTo>
+                <a:srgbClr val="FFFFFF">
+                  <a:alpha val="0"/>
+                </a:srgbClr>
+              </a:clrTo>
+            </a:clrChange>
+          </a:blip>
+          <a:srcRect l="3125" t="33054" r="69905" b="37225"/>
+          <a:stretch/>
         </p:blipFill>
         <p:spPr>
           <a:xfrm>
-            <a:off x="3586965" y="4809713"/>
-            <a:ext cx="1728449" cy="1362043"/>
+            <a:off x="8752977" y="5494698"/>
+            <a:ext cx="970088" cy="337593"/>
           </a:xfrm>
           <a:prstGeom prst="rect">
             <a:avLst/>
           </a:prstGeom>
         </p:spPr>
       </p:pic>
-    </p:spTree>
-    <p:extLst>
-      <p:ext uri="{BB962C8B-B14F-4D97-AF65-F5344CB8AC3E}">
-        <p14:creationId xmlns:p14="http://schemas.microsoft.com/office/powerpoint/2010/main" val="580825824"/>
-      </p:ext>
-    </p:extLst>
-  </p:cSld>
-  <p:clrMapOvr>
-    <a:masterClrMapping/>
-  </p:clrMapOvr>
-</p:sld>
-</file>
-
-<file path=ppt/slides/slide7.xml><?xml version="1.0" encoding="utf-8"?>
-<p:sld xmlns:a="http://schemas.openxmlformats.org/drawingml/2006/main" xmlns:r="http://schemas.openxmlformats.org/officeDocument/2006/relationships" xmlns:p="http://schemas.openxmlformats.org/presentationml/2006/main">
-  <p:cSld>
-    <p:spTree>
-      <p:nvGrpSpPr>
-        <p:cNvPr id="1" name="">
-          <a:extLst>
-            <a:ext uri="{FF2B5EF4-FFF2-40B4-BE49-F238E27FC236}">
-              <a16:creationId xmlns:a16="http://schemas.microsoft.com/office/drawing/2014/main" id="{E0084C7F-AAFF-A680-C6D1-1E75F9CB6B15}"/>
-            </a:ext>
-          </a:extLst>
-        </p:cNvPr>
-        <p:cNvGrpSpPr/>
-        <p:nvPr/>
-      </p:nvGrpSpPr>
-      <p:grpSpPr>
-        <a:xfrm>
-          <a:off x="0" y="0"/>
-          <a:ext cx="0" cy="0"/>
-          <a:chOff x="0" y="0"/>
-          <a:chExt cx="0" cy="0"/>
-        </a:xfrm>
-      </p:grpSpPr>
-      <p:sp>
-        <p:nvSpPr>
-          <p:cNvPr id="4" name="タイトル 1">
+      <p:pic>
+        <p:nvPicPr>
+          <p:cNvPr id="108" name="図 107" descr="アイコン&#10;&#10;AI によって生成されたコンテンツは間違っている可能性があります。">
             <a:extLst>
               <a:ext uri="{FF2B5EF4-FFF2-40B4-BE49-F238E27FC236}">
-                <a16:creationId xmlns:a16="http://schemas.microsoft.com/office/drawing/2014/main" id="{BB321CE4-911B-F04C-5371-6300E013480E}"/>
-              </a:ext>
-            </a:extLst>
-          </p:cNvPr>
-          <p:cNvSpPr>
-            <a:spLocks noGrp="1"/>
-          </p:cNvSpPr>
-          <p:nvPr>
-            <p:ph type="title"/>
-          </p:nvPr>
-        </p:nvSpPr>
-        <p:spPr>
-          <a:xfrm>
-            <a:off x="345404" y="407406"/>
-            <a:ext cx="11512163" cy="388990"/>
-          </a:xfrm>
-        </p:spPr>
-        <p:txBody>
-          <a:bodyPr>
-            <a:normAutofit fontScale="90000"/>
-          </a:bodyPr>
-          <a:lstStyle/>
-          <a:p>
-            <a:r>
-              <a:rPr kumimoji="1" lang="ja-JP" altLang="en-US" dirty="0"/>
-              <a:t>テストシナリオ</a:t>
-            </a:r>
-            <a:r>
-              <a:rPr lang="ja-JP" altLang="en-US" dirty="0"/>
-              <a:t>のイメージ</a:t>
-            </a:r>
-            <a:endParaRPr kumimoji="1" lang="ja-JP" altLang="en-US" dirty="0"/>
-          </a:p>
-        </p:txBody>
-      </p:sp>
-      <p:sp>
-        <p:nvSpPr>
-          <p:cNvPr id="20" name="フッター プレースホルダー 3">
-            <a:extLst>
-              <a:ext uri="{FF2B5EF4-FFF2-40B4-BE49-F238E27FC236}">
-                <a16:creationId xmlns:a16="http://schemas.microsoft.com/office/drawing/2014/main" id="{D82F7C91-1192-BDA9-ED1C-24725A58F9A1}"/>
-              </a:ext>
-            </a:extLst>
-          </p:cNvPr>
-          <p:cNvSpPr>
-            <a:spLocks noGrp="1"/>
-          </p:cNvSpPr>
-          <p:nvPr>
-            <p:ph type="ftr" sz="quarter" idx="11"/>
-          </p:nvPr>
-        </p:nvSpPr>
-        <p:spPr>
-          <a:xfrm>
-            <a:off x="8444093" y="6519334"/>
-            <a:ext cx="3747911" cy="365125"/>
-          </a:xfrm>
-        </p:spPr>
-        <p:txBody>
-          <a:bodyPr/>
-          <a:lstStyle/>
-          <a:p>
-            <a:r>
-              <a:rPr lang="en-US" altLang="ja-JP" dirty="0"/>
-              <a:t>Copyright (C) 2025 dbE.inc All Rights Reserved.</a:t>
-            </a:r>
-            <a:endParaRPr lang="ja-JP" altLang="en-US" dirty="0"/>
-          </a:p>
-        </p:txBody>
-      </p:sp>
-      <p:sp>
-        <p:nvSpPr>
-          <p:cNvPr id="24" name="スライド番号プレースホルダー 3">
-            <a:extLst>
-              <a:ext uri="{FF2B5EF4-FFF2-40B4-BE49-F238E27FC236}">
-                <a16:creationId xmlns:a16="http://schemas.microsoft.com/office/drawing/2014/main" id="{F3CB4FF0-F2A6-F528-9159-BDEE7FDF7BB0}"/>
-              </a:ext>
-            </a:extLst>
-          </p:cNvPr>
-          <p:cNvSpPr>
-            <a:spLocks noGrp="1"/>
-          </p:cNvSpPr>
-          <p:nvPr>
-            <p:ph type="sldNum" sz="quarter" idx="12"/>
-          </p:nvPr>
-        </p:nvSpPr>
-        <p:spPr>
-          <a:xfrm>
-            <a:off x="5252699" y="6550754"/>
-            <a:ext cx="1783644" cy="307247"/>
-          </a:xfrm>
-        </p:spPr>
-        <p:txBody>
-          <a:bodyPr/>
-          <a:lstStyle/>
-          <a:p>
-            <a:fld id="{0AF7E18D-A281-EF4E-83EF-D7811667EA6C}" type="slidenum">
-              <a:rPr kumimoji="1" lang="ja-JP" altLang="en-US" smtClean="0"/>
-              <a:t>7</a:t>
-            </a:fld>
-            <a:endParaRPr kumimoji="1" lang="ja-JP" altLang="en-US"/>
-          </a:p>
-        </p:txBody>
-      </p:sp>
-      <p:pic>
-        <p:nvPicPr>
-          <p:cNvPr id="7" name="図 6" descr="グラフィカル ユーザー インターフェイス, テーブル&#10;&#10;AI によって生成されたコンテンツは間違っている可能性があります。">
-            <a:extLst>
-              <a:ext uri="{FF2B5EF4-FFF2-40B4-BE49-F238E27FC236}">
-                <a16:creationId xmlns:a16="http://schemas.microsoft.com/office/drawing/2014/main" id="{F31A5455-AB59-68F8-37E5-629BB6EB7392}"/>
+                <a16:creationId xmlns:a16="http://schemas.microsoft.com/office/drawing/2014/main" id="{CA4B6ED2-994A-A05B-CFC5-59AF1654D272}"/>
               </a:ext>
             </a:extLst>
           </p:cNvPr>
@@ -11371,15 +11223,21 @@
           <p:nvPr/>
         </p:nvPicPr>
         <p:blipFill>
-          <a:blip r:embed="rId2"/>
+          <a:blip r:embed="rId16">
+            <a:extLst>
+              <a:ext uri="{837473B0-CC2E-450A-ABE3-18F120FF3D39}">
+                <a1611:picAttrSrcUrl xmlns:a1611="http://schemas.microsoft.com/office/drawing/2016/11/main" r:id="rId17"/>
+              </a:ext>
+            </a:extLst>
+          </a:blip>
           <a:stretch>
             <a:fillRect/>
           </a:stretch>
         </p:blipFill>
         <p:spPr>
           <a:xfrm>
-            <a:off x="1512990" y="1047939"/>
-            <a:ext cx="9263062" cy="5033773"/>
+            <a:off x="10213339" y="5149624"/>
+            <a:ext cx="290616" cy="290616"/>
           </a:xfrm>
           <a:prstGeom prst="rect">
             <a:avLst/>
@@ -11388,10 +11246,10 @@
       </p:pic>
       <p:sp>
         <p:nvSpPr>
-          <p:cNvPr id="8" name="正方形/長方形 7">
+          <p:cNvPr id="111" name="四角形: 角を丸くする 110">
             <a:extLst>
               <a:ext uri="{FF2B5EF4-FFF2-40B4-BE49-F238E27FC236}">
-                <a16:creationId xmlns:a16="http://schemas.microsoft.com/office/drawing/2014/main" id="{B32C310C-0057-7A28-D647-E6CFFFEA66C9}"/>
+                <a16:creationId xmlns:a16="http://schemas.microsoft.com/office/drawing/2014/main" id="{5739FC61-CD37-858A-70FE-C0D90236F20E}"/>
               </a:ext>
             </a:extLst>
           </p:cNvPr>
@@ -11400,8 +11258,121 @@
         </p:nvSpPr>
         <p:spPr>
           <a:xfrm>
-            <a:off x="1790700" y="1790700"/>
-            <a:ext cx="2809875" cy="4291012"/>
+            <a:off x="10213339" y="5508980"/>
+            <a:ext cx="677245" cy="309031"/>
+          </a:xfrm>
+          <a:prstGeom prst="roundRect">
+            <a:avLst>
+              <a:gd name="adj" fmla="val 8949"/>
+            </a:avLst>
+          </a:prstGeom>
+          <a:ln w="9525"/>
+        </p:spPr>
+        <p:style>
+          <a:lnRef idx="2">
+            <a:schemeClr val="dk1"/>
+          </a:lnRef>
+          <a:fillRef idx="1">
+            <a:schemeClr val="lt1"/>
+          </a:fillRef>
+          <a:effectRef idx="0">
+            <a:schemeClr val="dk1"/>
+          </a:effectRef>
+          <a:fontRef idx="minor">
+            <a:schemeClr val="dk1"/>
+          </a:fontRef>
+        </p:style>
+        <p:txBody>
+          <a:bodyPr rtlCol="0" anchor="ctr"/>
+          <a:lstStyle/>
+          <a:p>
+            <a:pPr algn="ctr"/>
+            <a:r>
+              <a:rPr kumimoji="1" lang="ja-JP" altLang="en-US" sz="700" dirty="0">
+                <a:solidFill>
+                  <a:schemeClr val="dk1"/>
+                </a:solidFill>
+              </a:rPr>
+              <a:t>独自アプリ</a:t>
+            </a:r>
+          </a:p>
+        </p:txBody>
+      </p:sp>
+      <p:sp>
+        <p:nvSpPr>
+          <p:cNvPr id="112" name="正方形/長方形 111">
+            <a:extLst>
+              <a:ext uri="{FF2B5EF4-FFF2-40B4-BE49-F238E27FC236}">
+                <a16:creationId xmlns:a16="http://schemas.microsoft.com/office/drawing/2014/main" id="{E7BA89E0-1457-084D-8DBD-B09038BBFA12}"/>
+              </a:ext>
+            </a:extLst>
+          </p:cNvPr>
+          <p:cNvSpPr/>
+          <p:nvPr/>
+        </p:nvSpPr>
+        <p:spPr>
+          <a:xfrm>
+            <a:off x="292883" y="5942134"/>
+            <a:ext cx="3983282" cy="388437"/>
+          </a:xfrm>
+          <a:prstGeom prst="rect">
+            <a:avLst/>
+          </a:prstGeom>
+          <a:ln w="9525">
+            <a:noFill/>
+          </a:ln>
+        </p:spPr>
+        <p:style>
+          <a:lnRef idx="2">
+            <a:schemeClr val="dk1"/>
+          </a:lnRef>
+          <a:fillRef idx="1">
+            <a:schemeClr val="lt1"/>
+          </a:fillRef>
+          <a:effectRef idx="0">
+            <a:schemeClr val="dk1"/>
+          </a:effectRef>
+          <a:fontRef idx="minor">
+            <a:schemeClr val="dk1"/>
+          </a:fontRef>
+        </p:style>
+        <p:txBody>
+          <a:bodyPr rtlCol="0" anchor="t"/>
+          <a:lstStyle/>
+          <a:p>
+            <a:r>
+              <a:rPr lang="ja-JP" altLang="en-US" sz="1050" dirty="0"/>
+              <a:t>エージェント詳細は公式ドキュメントを参照のこと</a:t>
+            </a:r>
+            <a:endParaRPr lang="en-US" altLang="ja-JP" sz="1050" dirty="0"/>
+          </a:p>
+          <a:p>
+            <a:r>
+              <a:rPr lang="en-US" altLang="ja-JP" sz="1050" dirty="0">
+                <a:hlinkClick r:id="rId18"/>
+              </a:rPr>
+              <a:t>https://docs.dify.ai/guides/application-orchestrate/agent</a:t>
+            </a:r>
+            <a:endParaRPr lang="en-US" altLang="ja-JP" sz="1050" dirty="0"/>
+          </a:p>
+        </p:txBody>
+      </p:sp>
+      <p:sp>
+        <p:nvSpPr>
+          <p:cNvPr id="113" name="正方形/長方形 112">
+            <a:extLst>
+              <a:ext uri="{FF2B5EF4-FFF2-40B4-BE49-F238E27FC236}">
+                <a16:creationId xmlns:a16="http://schemas.microsoft.com/office/drawing/2014/main" id="{D33FCA66-2140-BF54-7929-68DAEAF48419}"/>
+              </a:ext>
+            </a:extLst>
+          </p:cNvPr>
+          <p:cNvSpPr/>
+          <p:nvPr/>
+        </p:nvSpPr>
+        <p:spPr>
+          <a:xfrm>
+            <a:off x="3022362" y="1994573"/>
+            <a:ext cx="2829914" cy="1136921"/>
           </a:xfrm>
           <a:prstGeom prst="rect">
             <a:avLst/>
@@ -11432,7 +11403,7 @@
           <a:lstStyle/>
           <a:p>
             <a:pPr algn="ctr"/>
-            <a:endParaRPr kumimoji="1" lang="ja-JP" altLang="en-US" dirty="0">
+            <a:endParaRPr kumimoji="1" lang="ja-JP" altLang="en-US">
               <a:solidFill>
                 <a:schemeClr val="dk1"/>
               </a:solidFill>
@@ -11442,10 +11413,10 @@
       </p:sp>
       <p:sp>
         <p:nvSpPr>
-          <p:cNvPr id="10" name="吹き出し: 線 9">
+          <p:cNvPr id="115" name="吹き出し: 角を丸めた四角形 114">
             <a:extLst>
               <a:ext uri="{FF2B5EF4-FFF2-40B4-BE49-F238E27FC236}">
-                <a16:creationId xmlns:a16="http://schemas.microsoft.com/office/drawing/2014/main" id="{B78CC713-53A3-E381-EC2C-45C2B9B3EBCE}"/>
+                <a16:creationId xmlns:a16="http://schemas.microsoft.com/office/drawing/2014/main" id="{54E8FD87-D53D-733C-4106-0E227AC2E1A3}"/>
               </a:ext>
             </a:extLst>
           </p:cNvPr>
@@ -11454,25 +11425,23 @@
         </p:nvSpPr>
         <p:spPr>
           <a:xfrm>
-            <a:off x="5038348" y="1150531"/>
-            <a:ext cx="1572002" cy="388990"/>
+            <a:off x="3624436" y="3495008"/>
+            <a:ext cx="1898756" cy="1044026"/>
           </a:xfrm>
-          <a:prstGeom prst="borderCallout1">
+          <a:prstGeom prst="wedgeRoundRectCallout">
             <a:avLst>
-              <a:gd name="adj1" fmla="val 18750"/>
-              <a:gd name="adj2" fmla="val -8333"/>
-              <a:gd name="adj3" fmla="val 142443"/>
-              <a:gd name="adj4" fmla="val -41275"/>
+              <a:gd name="adj1" fmla="val -35100"/>
+              <a:gd name="adj2" fmla="val -78820"/>
+              <a:gd name="adj3" fmla="val 16667"/>
             </a:avLst>
           </a:prstGeom>
           <a:solidFill>
-            <a:srgbClr val="FFFF00"/>
+            <a:schemeClr val="accent6">
+              <a:lumMod val="20000"/>
+              <a:lumOff val="80000"/>
+            </a:schemeClr>
           </a:solidFill>
-          <a:ln w="9525">
-            <a:solidFill>
-              <a:srgbClr val="C00000"/>
-            </a:solidFill>
-          </a:ln>
+          <a:ln w="9525"/>
         </p:spPr>
         <p:style>
           <a:lnRef idx="2">
@@ -11492,32 +11461,68 @@
           <a:bodyPr rtlCol="0" anchor="ctr"/>
           <a:lstStyle/>
           <a:p>
-            <a:pPr algn="ctr"/>
-            <a:r>
-              <a:rPr kumimoji="1" lang="en-US" altLang="ja-JP" sz="1000" dirty="0">
+            <a:r>
+              <a:rPr kumimoji="1" lang="ja-JP" altLang="en-US" sz="1100" dirty="0">
                 <a:solidFill>
                   <a:schemeClr val="dk1"/>
                 </a:solidFill>
               </a:rPr>
-              <a:t>AI</a:t>
-            </a:r>
-            <a:r>
-              <a:rPr kumimoji="1" lang="ja-JP" altLang="en-US" sz="1000" dirty="0">
+              <a:t>作成いただく</a:t>
+            </a:r>
+            <a:endParaRPr kumimoji="1" lang="en-US" altLang="ja-JP" sz="1100" dirty="0">
+              <a:solidFill>
+                <a:schemeClr val="dk1"/>
+              </a:solidFill>
+            </a:endParaRPr>
+          </a:p>
+          <a:p>
+            <a:r>
+              <a:rPr lang="ja-JP" altLang="en-US" sz="1100" dirty="0"/>
+              <a:t>・システムプロンプト</a:t>
+            </a:r>
+            <a:endParaRPr lang="en-US" altLang="ja-JP" sz="1100" dirty="0"/>
+          </a:p>
+          <a:p>
+            <a:r>
+              <a:rPr kumimoji="1" lang="ja-JP" altLang="en-US" sz="1100" dirty="0">
                 <a:solidFill>
                   <a:schemeClr val="dk1"/>
                 </a:solidFill>
               </a:rPr>
-              <a:t>エージェントの想定出力例を記載</a:t>
-            </a:r>
+              <a:t>・ツール連結</a:t>
+            </a:r>
+            <a:endParaRPr kumimoji="1" lang="en-US" altLang="ja-JP" sz="1100" dirty="0">
+              <a:solidFill>
+                <a:schemeClr val="dk1"/>
+              </a:solidFill>
+            </a:endParaRPr>
+          </a:p>
+          <a:p>
+            <a:r>
+              <a:rPr lang="ja-JP" altLang="en-US" sz="1100" dirty="0"/>
+              <a:t>・外部ツール連結</a:t>
+            </a:r>
+            <a:endParaRPr kumimoji="1" lang="en-US" altLang="ja-JP" sz="1100" dirty="0">
+              <a:solidFill>
+                <a:schemeClr val="dk1"/>
+              </a:solidFill>
+            </a:endParaRPr>
+          </a:p>
+          <a:p>
+            <a:endParaRPr kumimoji="1" lang="ja-JP" altLang="en-US" sz="1100" dirty="0">
+              <a:solidFill>
+                <a:schemeClr val="dk1"/>
+              </a:solidFill>
+            </a:endParaRPr>
           </a:p>
         </p:txBody>
       </p:sp>
       <p:sp>
         <p:nvSpPr>
-          <p:cNvPr id="11" name="吹き出し: 線 10">
+          <p:cNvPr id="116" name="正方形/長方形 115">
             <a:extLst>
               <a:ext uri="{FF2B5EF4-FFF2-40B4-BE49-F238E27FC236}">
-                <a16:creationId xmlns:a16="http://schemas.microsoft.com/office/drawing/2014/main" id="{275BE39D-7F0F-C270-A423-B85123807E30}"/>
+                <a16:creationId xmlns:a16="http://schemas.microsoft.com/office/drawing/2014/main" id="{F41C4F0B-7A67-1335-E7A2-A22082D4AA17}"/>
               </a:ext>
             </a:extLst>
           </p:cNvPr>
@@ -11526,153 +11531,8 @@
         </p:nvSpPr>
         <p:spPr>
           <a:xfrm>
-            <a:off x="7333873" y="1150531"/>
-            <a:ext cx="1572002" cy="388990"/>
-          </a:xfrm>
-          <a:prstGeom prst="borderCallout1">
-            <a:avLst>
-              <a:gd name="adj1" fmla="val 18750"/>
-              <a:gd name="adj2" fmla="val -8333"/>
-              <a:gd name="adj3" fmla="val 379962"/>
-              <a:gd name="adj4" fmla="val -61270"/>
-            </a:avLst>
-          </a:prstGeom>
-          <a:solidFill>
-            <a:srgbClr val="FFFF00"/>
-          </a:solidFill>
-          <a:ln w="9525">
-            <a:solidFill>
-              <a:srgbClr val="C00000"/>
-            </a:solidFill>
-          </a:ln>
-        </p:spPr>
-        <p:style>
-          <a:lnRef idx="2">
-            <a:schemeClr val="dk1"/>
-          </a:lnRef>
-          <a:fillRef idx="1">
-            <a:schemeClr val="lt1"/>
-          </a:fillRef>
-          <a:effectRef idx="0">
-            <a:schemeClr val="dk1"/>
-          </a:effectRef>
-          <a:fontRef idx="minor">
-            <a:schemeClr val="dk1"/>
-          </a:fontRef>
-        </p:style>
-        <p:txBody>
-          <a:bodyPr rtlCol="0" anchor="ctr"/>
-          <a:lstStyle/>
-          <a:p>
-            <a:pPr algn="ctr"/>
-            <a:r>
-              <a:rPr kumimoji="1" lang="ja-JP" altLang="en-US" sz="1000" dirty="0">
-                <a:solidFill>
-                  <a:schemeClr val="dk1"/>
-                </a:solidFill>
-              </a:rPr>
-              <a:t>システムテスト時に</a:t>
-            </a:r>
-            <a:endParaRPr kumimoji="1" lang="en-US" altLang="ja-JP" sz="1000" dirty="0">
-              <a:solidFill>
-                <a:schemeClr val="dk1"/>
-              </a:solidFill>
-            </a:endParaRPr>
-          </a:p>
-          <a:p>
-            <a:pPr algn="ctr"/>
-            <a:r>
-              <a:rPr lang="ja-JP" altLang="en-US" sz="1000" dirty="0"/>
-              <a:t>実際の出力を記載</a:t>
-            </a:r>
-            <a:endParaRPr kumimoji="1" lang="ja-JP" altLang="en-US" sz="1000" dirty="0">
-              <a:solidFill>
-                <a:schemeClr val="dk1"/>
-              </a:solidFill>
-            </a:endParaRPr>
-          </a:p>
-        </p:txBody>
-      </p:sp>
-      <p:sp>
-        <p:nvSpPr>
-          <p:cNvPr id="12" name="吹き出し: 線 11">
-            <a:extLst>
-              <a:ext uri="{FF2B5EF4-FFF2-40B4-BE49-F238E27FC236}">
-                <a16:creationId xmlns:a16="http://schemas.microsoft.com/office/drawing/2014/main" id="{55F4A954-BB0B-3521-6CEE-12BBD9ACD076}"/>
-              </a:ext>
-            </a:extLst>
-          </p:cNvPr>
-          <p:cNvSpPr/>
-          <p:nvPr/>
-        </p:nvSpPr>
-        <p:spPr>
-          <a:xfrm>
-            <a:off x="9565812" y="1249539"/>
-            <a:ext cx="1572002" cy="388990"/>
-          </a:xfrm>
-          <a:prstGeom prst="borderCallout1">
-            <a:avLst>
-              <a:gd name="adj1" fmla="val 18750"/>
-              <a:gd name="adj2" fmla="val -8333"/>
-              <a:gd name="adj3" fmla="val 113059"/>
-              <a:gd name="adj4" fmla="val -24915"/>
-            </a:avLst>
-          </a:prstGeom>
-          <a:solidFill>
-            <a:srgbClr val="FFFF00"/>
-          </a:solidFill>
-          <a:ln w="9525">
-            <a:solidFill>
-              <a:srgbClr val="C00000"/>
-            </a:solidFill>
-          </a:ln>
-        </p:spPr>
-        <p:style>
-          <a:lnRef idx="2">
-            <a:schemeClr val="dk1"/>
-          </a:lnRef>
-          <a:fillRef idx="1">
-            <a:schemeClr val="lt1"/>
-          </a:fillRef>
-          <a:effectRef idx="0">
-            <a:schemeClr val="dk1"/>
-          </a:effectRef>
-          <a:fontRef idx="minor">
-            <a:schemeClr val="dk1"/>
-          </a:fontRef>
-        </p:style>
-        <p:txBody>
-          <a:bodyPr rtlCol="0" anchor="ctr"/>
-          <a:lstStyle/>
-          <a:p>
-            <a:pPr algn="ctr"/>
-            <a:r>
-              <a:rPr kumimoji="1" lang="ja-JP" altLang="en-US" sz="1000" dirty="0">
-                <a:solidFill>
-                  <a:schemeClr val="dk1"/>
-                </a:solidFill>
-              </a:rPr>
-              <a:t>ユーザーの入力内容を記載</a:t>
-            </a:r>
-          </a:p>
-        </p:txBody>
-      </p:sp>
-      <p:sp>
-        <p:nvSpPr>
-          <p:cNvPr id="13" name="正方形/長方形 12">
-            <a:extLst>
-              <a:ext uri="{FF2B5EF4-FFF2-40B4-BE49-F238E27FC236}">
-                <a16:creationId xmlns:a16="http://schemas.microsoft.com/office/drawing/2014/main" id="{6D5A967B-C06A-E0B0-7AC2-1064541467FF}"/>
-              </a:ext>
-            </a:extLst>
-          </p:cNvPr>
-          <p:cNvSpPr/>
-          <p:nvPr/>
-        </p:nvSpPr>
-        <p:spPr>
-          <a:xfrm>
-            <a:off x="8119875" y="1741121"/>
-            <a:ext cx="2281426" cy="4291012"/>
+            <a:off x="7612063" y="1117834"/>
+            <a:ext cx="4141787" cy="2389707"/>
           </a:xfrm>
           <a:prstGeom prst="rect">
             <a:avLst/>
@@ -11703,7 +11563,193 @@
           <a:lstStyle/>
           <a:p>
             <a:pPr algn="ctr"/>
-            <a:endParaRPr kumimoji="1" lang="ja-JP" altLang="en-US" dirty="0">
+            <a:endParaRPr kumimoji="1" lang="ja-JP" altLang="en-US">
+              <a:solidFill>
+                <a:schemeClr val="dk1"/>
+              </a:solidFill>
+            </a:endParaRPr>
+          </a:p>
+        </p:txBody>
+      </p:sp>
+      <p:sp>
+        <p:nvSpPr>
+          <p:cNvPr id="117" name="吹き出し: 角を丸めた四角形 116">
+            <a:extLst>
+              <a:ext uri="{FF2B5EF4-FFF2-40B4-BE49-F238E27FC236}">
+                <a16:creationId xmlns:a16="http://schemas.microsoft.com/office/drawing/2014/main" id="{F75BE8CB-372D-CEF5-3B3B-CBA7E497C5F3}"/>
+              </a:ext>
+            </a:extLst>
+          </p:cNvPr>
+          <p:cNvSpPr/>
+          <p:nvPr/>
+        </p:nvSpPr>
+        <p:spPr>
+          <a:xfrm>
+            <a:off x="6721387" y="3625609"/>
+            <a:ext cx="1995942" cy="425224"/>
+          </a:xfrm>
+          <a:prstGeom prst="wedgeRoundRectCallout">
+            <a:avLst>
+              <a:gd name="adj1" fmla="val -7030"/>
+              <a:gd name="adj2" fmla="val -99573"/>
+              <a:gd name="adj3" fmla="val 16667"/>
+            </a:avLst>
+          </a:prstGeom>
+          <a:solidFill>
+            <a:schemeClr val="accent6">
+              <a:lumMod val="20000"/>
+              <a:lumOff val="80000"/>
+            </a:schemeClr>
+          </a:solidFill>
+          <a:ln w="9525"/>
+        </p:spPr>
+        <p:style>
+          <a:lnRef idx="2">
+            <a:schemeClr val="dk1"/>
+          </a:lnRef>
+          <a:fillRef idx="1">
+            <a:schemeClr val="lt1"/>
+          </a:fillRef>
+          <a:effectRef idx="0">
+            <a:schemeClr val="dk1"/>
+          </a:effectRef>
+          <a:fontRef idx="minor">
+            <a:schemeClr val="dk1"/>
+          </a:fontRef>
+        </p:style>
+        <p:txBody>
+          <a:bodyPr rtlCol="0" anchor="ctr"/>
+          <a:lstStyle/>
+          <a:p>
+            <a:r>
+              <a:rPr kumimoji="1" lang="ja-JP" altLang="en-US" sz="1100" dirty="0">
+                <a:solidFill>
+                  <a:schemeClr val="dk1"/>
+                </a:solidFill>
+              </a:rPr>
+              <a:t>必要に応じて作成いただく</a:t>
+            </a:r>
+            <a:endParaRPr kumimoji="1" lang="en-US" altLang="ja-JP" sz="1100" dirty="0">
+              <a:solidFill>
+                <a:schemeClr val="dk1"/>
+              </a:solidFill>
+            </a:endParaRPr>
+          </a:p>
+        </p:txBody>
+      </p:sp>
+      <p:sp>
+        <p:nvSpPr>
+          <p:cNvPr id="118" name="正方形/長方形 117">
+            <a:extLst>
+              <a:ext uri="{FF2B5EF4-FFF2-40B4-BE49-F238E27FC236}">
+                <a16:creationId xmlns:a16="http://schemas.microsoft.com/office/drawing/2014/main" id="{67923A20-40F2-8C5D-D550-AE646483148B}"/>
+              </a:ext>
+            </a:extLst>
+          </p:cNvPr>
+          <p:cNvSpPr/>
+          <p:nvPr/>
+        </p:nvSpPr>
+        <p:spPr>
+          <a:xfrm>
+            <a:off x="10192702" y="5483117"/>
+            <a:ext cx="721997" cy="361272"/>
+          </a:xfrm>
+          <a:prstGeom prst="rect">
+            <a:avLst/>
+          </a:prstGeom>
+          <a:noFill/>
+          <a:ln w="28575">
+            <a:solidFill>
+              <a:srgbClr val="C00000"/>
+            </a:solidFill>
+          </a:ln>
+        </p:spPr>
+        <p:style>
+          <a:lnRef idx="2">
+            <a:schemeClr val="dk1"/>
+          </a:lnRef>
+          <a:fillRef idx="1">
+            <a:schemeClr val="lt1"/>
+          </a:fillRef>
+          <a:effectRef idx="0">
+            <a:schemeClr val="dk1"/>
+          </a:effectRef>
+          <a:fontRef idx="minor">
+            <a:schemeClr val="dk1"/>
+          </a:fontRef>
+        </p:style>
+        <p:txBody>
+          <a:bodyPr rtlCol="0" anchor="ctr"/>
+          <a:lstStyle/>
+          <a:p>
+            <a:pPr algn="ctr"/>
+            <a:endParaRPr kumimoji="1" lang="ja-JP" altLang="en-US">
+              <a:solidFill>
+                <a:schemeClr val="dk1"/>
+              </a:solidFill>
+            </a:endParaRPr>
+          </a:p>
+        </p:txBody>
+      </p:sp>
+      <p:sp>
+        <p:nvSpPr>
+          <p:cNvPr id="119" name="吹き出し: 角を丸めた四角形 118">
+            <a:extLst>
+              <a:ext uri="{FF2B5EF4-FFF2-40B4-BE49-F238E27FC236}">
+                <a16:creationId xmlns:a16="http://schemas.microsoft.com/office/drawing/2014/main" id="{7E82EF76-3415-62E0-676D-3B4559B48542}"/>
+              </a:ext>
+            </a:extLst>
+          </p:cNvPr>
+          <p:cNvSpPr/>
+          <p:nvPr/>
+        </p:nvSpPr>
+        <p:spPr>
+          <a:xfrm>
+            <a:off x="8501157" y="5998311"/>
+            <a:ext cx="1953211" cy="425224"/>
+          </a:xfrm>
+          <a:prstGeom prst="wedgeRoundRectCallout">
+            <a:avLst>
+              <a:gd name="adj1" fmla="val 35852"/>
+              <a:gd name="adj2" fmla="val -82707"/>
+              <a:gd name="adj3" fmla="val 16667"/>
+            </a:avLst>
+          </a:prstGeom>
+          <a:solidFill>
+            <a:schemeClr val="accent6">
+              <a:lumMod val="20000"/>
+              <a:lumOff val="80000"/>
+            </a:schemeClr>
+          </a:solidFill>
+          <a:ln w="9525"/>
+        </p:spPr>
+        <p:style>
+          <a:lnRef idx="2">
+            <a:schemeClr val="dk1"/>
+          </a:lnRef>
+          <a:fillRef idx="1">
+            <a:schemeClr val="lt1"/>
+          </a:fillRef>
+          <a:effectRef idx="0">
+            <a:schemeClr val="dk1"/>
+          </a:effectRef>
+          <a:fontRef idx="minor">
+            <a:schemeClr val="dk1"/>
+          </a:fontRef>
+        </p:style>
+        <p:txBody>
+          <a:bodyPr rtlCol="0" anchor="ctr"/>
+          <a:lstStyle/>
+          <a:p>
+            <a:r>
+              <a:rPr kumimoji="1" lang="ja-JP" altLang="en-US" sz="1100" dirty="0">
+                <a:solidFill>
+                  <a:schemeClr val="dk1"/>
+                </a:solidFill>
+              </a:rPr>
+              <a:t>必要に応じて作成いただく</a:t>
+            </a:r>
+            <a:endParaRPr kumimoji="1" lang="en-US" altLang="ja-JP" sz="1100" dirty="0">
               <a:solidFill>
                 <a:schemeClr val="dk1"/>
               </a:solidFill>
@@ -11714,7 +11760,906 @@
     </p:spTree>
     <p:extLst>
       <p:ext uri="{BB962C8B-B14F-4D97-AF65-F5344CB8AC3E}">
-        <p14:creationId xmlns:p14="http://schemas.microsoft.com/office/powerpoint/2010/main" val="2769335103"/>
+        <p14:creationId xmlns:p14="http://schemas.microsoft.com/office/powerpoint/2010/main" val="355309618"/>
+      </p:ext>
+    </p:extLst>
+  </p:cSld>
+  <p:clrMapOvr>
+    <a:masterClrMapping/>
+  </p:clrMapOvr>
+</p:sld>
+</file>
+
+<file path=ppt/slides/slide6.xml><?xml version="1.0" encoding="utf-8"?>
+<p:sld xmlns:a="http://schemas.openxmlformats.org/drawingml/2006/main" xmlns:r="http://schemas.openxmlformats.org/officeDocument/2006/relationships" xmlns:p="http://schemas.openxmlformats.org/presentationml/2006/main">
+  <p:cSld>
+    <p:spTree>
+      <p:nvGrpSpPr>
+        <p:cNvPr id="1" name="">
+          <a:extLst>
+            <a:ext uri="{FF2B5EF4-FFF2-40B4-BE49-F238E27FC236}">
+              <a16:creationId xmlns:a16="http://schemas.microsoft.com/office/drawing/2014/main" id="{863BC367-5088-4084-D20C-D0A9A3E45A16}"/>
+            </a:ext>
+          </a:extLst>
+        </p:cNvPr>
+        <p:cNvGrpSpPr/>
+        <p:nvPr/>
+      </p:nvGrpSpPr>
+      <p:grpSpPr>
+        <a:xfrm>
+          <a:off x="0" y="0"/>
+          <a:ext cx="0" cy="0"/>
+          <a:chOff x="0" y="0"/>
+          <a:chExt cx="0" cy="0"/>
+        </a:xfrm>
+      </p:grpSpPr>
+      <p:sp>
+        <p:nvSpPr>
+          <p:cNvPr id="4" name="タイトル 1">
+            <a:extLst>
+              <a:ext uri="{FF2B5EF4-FFF2-40B4-BE49-F238E27FC236}">
+                <a16:creationId xmlns:a16="http://schemas.microsoft.com/office/drawing/2014/main" id="{25AB80EC-845E-5F65-5E75-4458F695E98F}"/>
+              </a:ext>
+            </a:extLst>
+          </p:cNvPr>
+          <p:cNvSpPr>
+            <a:spLocks noGrp="1"/>
+          </p:cNvSpPr>
+          <p:nvPr>
+            <p:ph type="title"/>
+          </p:nvPr>
+        </p:nvSpPr>
+        <p:spPr>
+          <a:xfrm>
+            <a:off x="345404" y="407406"/>
+            <a:ext cx="11512163" cy="388990"/>
+          </a:xfrm>
+        </p:spPr>
+        <p:txBody>
+          <a:bodyPr>
+            <a:normAutofit fontScale="90000"/>
+          </a:bodyPr>
+          <a:lstStyle/>
+          <a:p>
+            <a:r>
+              <a:rPr lang="ja-JP" altLang="en-US" dirty="0"/>
+              <a:t>システムプロンプト作成・ツール連結</a:t>
+            </a:r>
+            <a:endParaRPr kumimoji="1" lang="ja-JP" altLang="en-US" dirty="0"/>
+          </a:p>
+        </p:txBody>
+      </p:sp>
+      <p:sp>
+        <p:nvSpPr>
+          <p:cNvPr id="20" name="フッター プレースホルダー 3">
+            <a:extLst>
+              <a:ext uri="{FF2B5EF4-FFF2-40B4-BE49-F238E27FC236}">
+                <a16:creationId xmlns:a16="http://schemas.microsoft.com/office/drawing/2014/main" id="{A83A595A-1B61-0966-882F-FB69D9896C5C}"/>
+              </a:ext>
+            </a:extLst>
+          </p:cNvPr>
+          <p:cNvSpPr>
+            <a:spLocks noGrp="1"/>
+          </p:cNvSpPr>
+          <p:nvPr>
+            <p:ph type="ftr" sz="quarter" idx="11"/>
+          </p:nvPr>
+        </p:nvSpPr>
+        <p:spPr>
+          <a:xfrm>
+            <a:off x="8444093" y="6519334"/>
+            <a:ext cx="3747911" cy="365125"/>
+          </a:xfrm>
+        </p:spPr>
+        <p:txBody>
+          <a:bodyPr/>
+          <a:lstStyle/>
+          <a:p>
+            <a:r>
+              <a:rPr lang="en-US" altLang="ja-JP" dirty="0"/>
+              <a:t>Copyright (C) 2025 dbE.inc All Rights Reserved.</a:t>
+            </a:r>
+            <a:endParaRPr lang="ja-JP" altLang="en-US" dirty="0"/>
+          </a:p>
+        </p:txBody>
+      </p:sp>
+      <p:sp>
+        <p:nvSpPr>
+          <p:cNvPr id="24" name="スライド番号プレースホルダー 3">
+            <a:extLst>
+              <a:ext uri="{FF2B5EF4-FFF2-40B4-BE49-F238E27FC236}">
+                <a16:creationId xmlns:a16="http://schemas.microsoft.com/office/drawing/2014/main" id="{7943E224-0A44-EE51-3EF8-6D7421E29579}"/>
+              </a:ext>
+            </a:extLst>
+          </p:cNvPr>
+          <p:cNvSpPr>
+            <a:spLocks noGrp="1"/>
+          </p:cNvSpPr>
+          <p:nvPr>
+            <p:ph type="sldNum" sz="quarter" idx="12"/>
+          </p:nvPr>
+        </p:nvSpPr>
+        <p:spPr>
+          <a:xfrm>
+            <a:off x="5252699" y="6550754"/>
+            <a:ext cx="1783644" cy="307247"/>
+          </a:xfrm>
+        </p:spPr>
+        <p:txBody>
+          <a:bodyPr/>
+          <a:lstStyle/>
+          <a:p>
+            <a:fld id="{0AF7E18D-A281-EF4E-83EF-D7811667EA6C}" type="slidenum">
+              <a:rPr kumimoji="1" lang="ja-JP" altLang="en-US" smtClean="0"/>
+              <a:t>6</a:t>
+            </a:fld>
+            <a:endParaRPr kumimoji="1" lang="ja-JP" altLang="en-US"/>
+          </a:p>
+        </p:txBody>
+      </p:sp>
+      <p:pic>
+        <p:nvPicPr>
+          <p:cNvPr id="3" name="図 2">
+            <a:extLst>
+              <a:ext uri="{FF2B5EF4-FFF2-40B4-BE49-F238E27FC236}">
+                <a16:creationId xmlns:a16="http://schemas.microsoft.com/office/drawing/2014/main" id="{51159696-2C26-C0C4-FAB2-E7D3B682A0AB}"/>
+              </a:ext>
+            </a:extLst>
+          </p:cNvPr>
+          <p:cNvPicPr>
+            <a:picLocks noChangeAspect="1"/>
+          </p:cNvPicPr>
+          <p:nvPr/>
+        </p:nvPicPr>
+        <p:blipFill>
+          <a:blip r:embed="rId2"/>
+          <a:srcRect/>
+          <a:stretch/>
+        </p:blipFill>
+        <p:spPr>
+          <a:xfrm>
+            <a:off x="434109" y="1009398"/>
+            <a:ext cx="11423458" cy="5455891"/>
+          </a:xfrm>
+          <a:prstGeom prst="rect">
+            <a:avLst/>
+          </a:prstGeom>
+        </p:spPr>
+      </p:pic>
+      <p:sp>
+        <p:nvSpPr>
+          <p:cNvPr id="5" name="フローチャート: 処理 4">
+            <a:extLst>
+              <a:ext uri="{FF2B5EF4-FFF2-40B4-BE49-F238E27FC236}">
+                <a16:creationId xmlns:a16="http://schemas.microsoft.com/office/drawing/2014/main" id="{45D9375D-D665-6F16-F94A-1FF40796385C}"/>
+              </a:ext>
+            </a:extLst>
+          </p:cNvPr>
+          <p:cNvSpPr/>
+          <p:nvPr/>
+        </p:nvSpPr>
+        <p:spPr>
+          <a:xfrm>
+            <a:off x="1845408" y="1648662"/>
+            <a:ext cx="4825980" cy="1855698"/>
+          </a:xfrm>
+          <a:prstGeom prst="flowChartProcess">
+            <a:avLst/>
+          </a:prstGeom>
+          <a:noFill/>
+          <a:ln w="28575">
+            <a:solidFill>
+              <a:srgbClr val="C00000"/>
+            </a:solidFill>
+          </a:ln>
+        </p:spPr>
+        <p:style>
+          <a:lnRef idx="2">
+            <a:schemeClr val="dk1"/>
+          </a:lnRef>
+          <a:fillRef idx="1">
+            <a:schemeClr val="lt1"/>
+          </a:fillRef>
+          <a:effectRef idx="0">
+            <a:schemeClr val="dk1"/>
+          </a:effectRef>
+          <a:fontRef idx="minor">
+            <a:schemeClr val="dk1"/>
+          </a:fontRef>
+        </p:style>
+        <p:txBody>
+          <a:bodyPr rtlCol="0" anchor="ctr"/>
+          <a:lstStyle/>
+          <a:p>
+            <a:pPr algn="ctr"/>
+            <a:endParaRPr kumimoji="1" lang="ja-JP" altLang="en-US">
+              <a:solidFill>
+                <a:schemeClr val="dk1"/>
+              </a:solidFill>
+            </a:endParaRPr>
+          </a:p>
+        </p:txBody>
+      </p:sp>
+      <p:sp>
+        <p:nvSpPr>
+          <p:cNvPr id="6" name="吹き出し: 線 5">
+            <a:extLst>
+              <a:ext uri="{FF2B5EF4-FFF2-40B4-BE49-F238E27FC236}">
+                <a16:creationId xmlns:a16="http://schemas.microsoft.com/office/drawing/2014/main" id="{87EF2EC5-E7AB-342D-1834-20A70D3A345C}"/>
+              </a:ext>
+            </a:extLst>
+          </p:cNvPr>
+          <p:cNvSpPr/>
+          <p:nvPr/>
+        </p:nvSpPr>
+        <p:spPr>
+          <a:xfrm>
+            <a:off x="345404" y="3504360"/>
+            <a:ext cx="1295631" cy="1254598"/>
+          </a:xfrm>
+          <a:prstGeom prst="borderCallout1">
+            <a:avLst>
+              <a:gd name="adj1" fmla="val -11758"/>
+              <a:gd name="adj2" fmla="val 85355"/>
+              <a:gd name="adj3" fmla="val -53431"/>
+              <a:gd name="adj4" fmla="val 110334"/>
+            </a:avLst>
+          </a:prstGeom>
+          <a:solidFill>
+            <a:srgbClr val="FFFF00"/>
+          </a:solidFill>
+          <a:ln w="19050">
+            <a:solidFill>
+              <a:srgbClr val="C00000"/>
+            </a:solidFill>
+          </a:ln>
+        </p:spPr>
+        <p:style>
+          <a:lnRef idx="2">
+            <a:schemeClr val="dk1"/>
+          </a:lnRef>
+          <a:fillRef idx="1">
+            <a:schemeClr val="lt1"/>
+          </a:fillRef>
+          <a:effectRef idx="0">
+            <a:schemeClr val="dk1"/>
+          </a:effectRef>
+          <a:fontRef idx="minor">
+            <a:schemeClr val="dk1"/>
+          </a:fontRef>
+        </p:style>
+        <p:txBody>
+          <a:bodyPr rtlCol="0" anchor="ctr"/>
+          <a:lstStyle/>
+          <a:p>
+            <a:r>
+              <a:rPr lang="ja-JP" altLang="en-US" sz="900" dirty="0"/>
+              <a:t>システムプロンプトを記述</a:t>
+            </a:r>
+            <a:endParaRPr lang="en-US" altLang="ja-JP" sz="900" dirty="0"/>
+          </a:p>
+          <a:p>
+            <a:endParaRPr kumimoji="1" lang="en-US" altLang="ja-JP" sz="900" dirty="0">
+              <a:solidFill>
+                <a:schemeClr val="dk1"/>
+              </a:solidFill>
+            </a:endParaRPr>
+          </a:p>
+          <a:p>
+            <a:r>
+              <a:rPr lang="en-US" altLang="ja-JP" sz="900" dirty="0"/>
+              <a:t>&lt;</a:t>
+            </a:r>
+            <a:r>
+              <a:rPr lang="ja-JP" altLang="en-US" sz="900" dirty="0"/>
+              <a:t>ポイント</a:t>
+            </a:r>
+            <a:r>
+              <a:rPr lang="en-US" altLang="ja-JP" sz="900" dirty="0"/>
+              <a:t>&gt;</a:t>
+            </a:r>
+          </a:p>
+          <a:p>
+            <a:pPr marL="171450" indent="-171450">
+              <a:buFontTx/>
+              <a:buChar char="-"/>
+            </a:pPr>
+            <a:r>
+              <a:rPr kumimoji="1" lang="ja-JP" altLang="en-US" sz="900" dirty="0">
+                <a:solidFill>
+                  <a:schemeClr val="dk1"/>
+                </a:solidFill>
+              </a:rPr>
+              <a:t>単純且つ簡潔に</a:t>
+            </a:r>
+            <a:endParaRPr kumimoji="1" lang="en-US" altLang="ja-JP" sz="900" dirty="0">
+              <a:solidFill>
+                <a:schemeClr val="dk1"/>
+              </a:solidFill>
+            </a:endParaRPr>
+          </a:p>
+          <a:p>
+            <a:pPr marL="171450" indent="-171450">
+              <a:buFontTx/>
+              <a:buChar char="-"/>
+            </a:pPr>
+            <a:r>
+              <a:rPr lang="ja-JP" altLang="en-US" sz="900" dirty="0"/>
+              <a:t>文字数を少なめに</a:t>
+            </a:r>
+            <a:endParaRPr lang="en-US" altLang="ja-JP" sz="900" dirty="0"/>
+          </a:p>
+          <a:p>
+            <a:pPr marL="171450" indent="-171450">
+              <a:buFontTx/>
+              <a:buChar char="-"/>
+            </a:pPr>
+            <a:r>
+              <a:rPr kumimoji="1" lang="ja-JP" altLang="en-US" sz="900" dirty="0">
+                <a:solidFill>
+                  <a:schemeClr val="dk1"/>
+                </a:solidFill>
+              </a:rPr>
+              <a:t>主語や動詞、目的語を明確に</a:t>
+            </a:r>
+          </a:p>
+        </p:txBody>
+      </p:sp>
+      <p:sp>
+        <p:nvSpPr>
+          <p:cNvPr id="7" name="吹き出し: 線 6">
+            <a:extLst>
+              <a:ext uri="{FF2B5EF4-FFF2-40B4-BE49-F238E27FC236}">
+                <a16:creationId xmlns:a16="http://schemas.microsoft.com/office/drawing/2014/main" id="{20B4EEB7-81DA-DA22-6EB0-9DAE2E6CEC7B}"/>
+              </a:ext>
+            </a:extLst>
+          </p:cNvPr>
+          <p:cNvSpPr/>
+          <p:nvPr/>
+        </p:nvSpPr>
+        <p:spPr>
+          <a:xfrm>
+            <a:off x="7213825" y="4461617"/>
+            <a:ext cx="2258788" cy="766929"/>
+          </a:xfrm>
+          <a:prstGeom prst="borderCallout1">
+            <a:avLst>
+              <a:gd name="adj1" fmla="val 5607"/>
+              <a:gd name="adj2" fmla="val -2366"/>
+              <a:gd name="adj3" fmla="val 47133"/>
+              <a:gd name="adj4" fmla="val -19901"/>
+            </a:avLst>
+          </a:prstGeom>
+          <a:solidFill>
+            <a:srgbClr val="FFFF00"/>
+          </a:solidFill>
+          <a:ln w="19050">
+            <a:solidFill>
+              <a:srgbClr val="C00000"/>
+            </a:solidFill>
+          </a:ln>
+        </p:spPr>
+        <p:style>
+          <a:lnRef idx="2">
+            <a:schemeClr val="dk1"/>
+          </a:lnRef>
+          <a:fillRef idx="1">
+            <a:schemeClr val="lt1"/>
+          </a:fillRef>
+          <a:effectRef idx="0">
+            <a:schemeClr val="dk1"/>
+          </a:effectRef>
+          <a:fontRef idx="minor">
+            <a:schemeClr val="dk1"/>
+          </a:fontRef>
+        </p:style>
+        <p:txBody>
+          <a:bodyPr rtlCol="0" anchor="ctr"/>
+          <a:lstStyle/>
+          <a:p>
+            <a:r>
+              <a:rPr kumimoji="1" lang="en-US" altLang="ja-JP" sz="900" dirty="0">
+                <a:solidFill>
+                  <a:schemeClr val="dk1"/>
+                </a:solidFill>
+              </a:rPr>
+              <a:t>AI</a:t>
+            </a:r>
+            <a:r>
+              <a:rPr kumimoji="1" lang="ja-JP" altLang="en-US" sz="900" dirty="0">
+                <a:solidFill>
+                  <a:schemeClr val="dk1"/>
+                </a:solidFill>
+              </a:rPr>
+              <a:t>エージェントが利用するツールを設定</a:t>
+            </a:r>
+            <a:endParaRPr kumimoji="1" lang="en-US" altLang="ja-JP" sz="900" dirty="0">
+              <a:solidFill>
+                <a:schemeClr val="dk1"/>
+              </a:solidFill>
+            </a:endParaRPr>
+          </a:p>
+          <a:p>
+            <a:endParaRPr lang="en-US" altLang="ja-JP" sz="900" dirty="0"/>
+          </a:p>
+          <a:p>
+            <a:r>
+              <a:rPr kumimoji="1" lang="en-US" altLang="ja-JP" sz="900" dirty="0">
+                <a:solidFill>
+                  <a:schemeClr val="dk1"/>
+                </a:solidFill>
+              </a:rPr>
+              <a:t>&lt;</a:t>
+            </a:r>
+            <a:r>
+              <a:rPr kumimoji="1" lang="ja-JP" altLang="en-US" sz="900" dirty="0">
+                <a:solidFill>
+                  <a:schemeClr val="dk1"/>
+                </a:solidFill>
+              </a:rPr>
+              <a:t>ポイント</a:t>
+            </a:r>
+            <a:r>
+              <a:rPr kumimoji="1" lang="en-US" altLang="ja-JP" sz="900" dirty="0">
+                <a:solidFill>
+                  <a:schemeClr val="dk1"/>
+                </a:solidFill>
+              </a:rPr>
+              <a:t>&gt;</a:t>
+            </a:r>
+          </a:p>
+          <a:p>
+            <a:pPr marL="171450" indent="-171450">
+              <a:buFontTx/>
+              <a:buChar char="-"/>
+            </a:pPr>
+            <a:r>
+              <a:rPr kumimoji="1" lang="ja-JP" altLang="en-US" sz="900" dirty="0">
+                <a:solidFill>
+                  <a:schemeClr val="dk1"/>
+                </a:solidFill>
+              </a:rPr>
+              <a:t>ツールの使用タイミングを</a:t>
+            </a:r>
+            <a:br>
+              <a:rPr lang="en-US" altLang="ja-JP" sz="900" dirty="0"/>
+            </a:br>
+            <a:r>
+              <a:rPr kumimoji="1" lang="ja-JP" altLang="en-US" sz="900" dirty="0">
+                <a:solidFill>
+                  <a:schemeClr val="dk1"/>
+                </a:solidFill>
+              </a:rPr>
+              <a:t>オーケストレーションで明記</a:t>
+            </a:r>
+          </a:p>
+        </p:txBody>
+      </p:sp>
+      <p:sp>
+        <p:nvSpPr>
+          <p:cNvPr id="8" name="フローチャート: 処理 7">
+            <a:extLst>
+              <a:ext uri="{FF2B5EF4-FFF2-40B4-BE49-F238E27FC236}">
+                <a16:creationId xmlns:a16="http://schemas.microsoft.com/office/drawing/2014/main" id="{39BAC719-2B03-1CC0-200D-E1B8DCD6F246}"/>
+              </a:ext>
+            </a:extLst>
+          </p:cNvPr>
+          <p:cNvSpPr/>
+          <p:nvPr/>
+        </p:nvSpPr>
+        <p:spPr>
+          <a:xfrm>
+            <a:off x="1845408" y="4845082"/>
+            <a:ext cx="4825980" cy="633829"/>
+          </a:xfrm>
+          <a:prstGeom prst="flowChartProcess">
+            <a:avLst/>
+          </a:prstGeom>
+          <a:noFill/>
+          <a:ln w="28575">
+            <a:solidFill>
+              <a:srgbClr val="C00000"/>
+            </a:solidFill>
+          </a:ln>
+        </p:spPr>
+        <p:style>
+          <a:lnRef idx="2">
+            <a:schemeClr val="dk1"/>
+          </a:lnRef>
+          <a:fillRef idx="1">
+            <a:schemeClr val="lt1"/>
+          </a:fillRef>
+          <a:effectRef idx="0">
+            <a:schemeClr val="dk1"/>
+          </a:effectRef>
+          <a:fontRef idx="minor">
+            <a:schemeClr val="dk1"/>
+          </a:fontRef>
+        </p:style>
+        <p:txBody>
+          <a:bodyPr rtlCol="0" anchor="ctr"/>
+          <a:lstStyle/>
+          <a:p>
+            <a:pPr algn="ctr"/>
+            <a:endParaRPr kumimoji="1" lang="ja-JP" altLang="en-US">
+              <a:solidFill>
+                <a:schemeClr val="dk1"/>
+              </a:solidFill>
+            </a:endParaRPr>
+          </a:p>
+        </p:txBody>
+      </p:sp>
+      <p:sp>
+        <p:nvSpPr>
+          <p:cNvPr id="9" name="正方形/長方形 8">
+            <a:extLst>
+              <a:ext uri="{FF2B5EF4-FFF2-40B4-BE49-F238E27FC236}">
+                <a16:creationId xmlns:a16="http://schemas.microsoft.com/office/drawing/2014/main" id="{6184862C-6C2E-F65F-14B7-BB56083B41B1}"/>
+              </a:ext>
+            </a:extLst>
+          </p:cNvPr>
+          <p:cNvSpPr/>
+          <p:nvPr/>
+        </p:nvSpPr>
+        <p:spPr>
+          <a:xfrm>
+            <a:off x="8343219" y="350235"/>
+            <a:ext cx="3541059" cy="388991"/>
+          </a:xfrm>
+          <a:prstGeom prst="rect">
+            <a:avLst/>
+          </a:prstGeom>
+          <a:solidFill>
+            <a:srgbClr val="FFFF00"/>
+          </a:solidFill>
+          <a:ln w="19050">
+            <a:solidFill>
+              <a:srgbClr val="C00000"/>
+            </a:solidFill>
+          </a:ln>
+        </p:spPr>
+        <p:style>
+          <a:lnRef idx="2">
+            <a:schemeClr val="dk1"/>
+          </a:lnRef>
+          <a:fillRef idx="1">
+            <a:schemeClr val="lt1"/>
+          </a:fillRef>
+          <a:effectRef idx="0">
+            <a:schemeClr val="dk1"/>
+          </a:effectRef>
+          <a:fontRef idx="minor">
+            <a:schemeClr val="dk1"/>
+          </a:fontRef>
+        </p:style>
+        <p:txBody>
+          <a:bodyPr rtlCol="0" anchor="ctr"/>
+          <a:lstStyle/>
+          <a:p>
+            <a:r>
+              <a:rPr kumimoji="1" lang="ja-JP" altLang="en-US" sz="900" dirty="0">
+                <a:solidFill>
+                  <a:schemeClr val="dk1"/>
+                </a:solidFill>
+              </a:rPr>
+              <a:t>エージェント作成詳細については公式ドキュメントを参照のこと</a:t>
+            </a:r>
+            <a:endParaRPr kumimoji="1" lang="en-US" altLang="ja-JP" sz="900" dirty="0">
+              <a:solidFill>
+                <a:schemeClr val="dk1"/>
+              </a:solidFill>
+            </a:endParaRPr>
+          </a:p>
+          <a:p>
+            <a:r>
+              <a:rPr kumimoji="1" lang="en-US" altLang="ja-JP" sz="900" dirty="0">
+                <a:solidFill>
+                  <a:schemeClr val="dk1"/>
+                </a:solidFill>
+                <a:hlinkClick r:id="rId3"/>
+              </a:rPr>
+              <a:t>https://docs.dify.ai/guides/application-orchestrate/agent</a:t>
+            </a:r>
+            <a:endParaRPr kumimoji="1" lang="ja-JP" altLang="en-US" sz="900" dirty="0">
+              <a:solidFill>
+                <a:schemeClr val="dk1"/>
+              </a:solidFill>
+            </a:endParaRPr>
+          </a:p>
+        </p:txBody>
+      </p:sp>
+    </p:spTree>
+    <p:extLst>
+      <p:ext uri="{BB962C8B-B14F-4D97-AF65-F5344CB8AC3E}">
+        <p14:creationId xmlns:p14="http://schemas.microsoft.com/office/powerpoint/2010/main" val="3433810205"/>
+      </p:ext>
+    </p:extLst>
+  </p:cSld>
+  <p:clrMapOvr>
+    <a:masterClrMapping/>
+  </p:clrMapOvr>
+</p:sld>
+</file>
+
+<file path=ppt/slides/slide7.xml><?xml version="1.0" encoding="utf-8"?>
+<p:sld xmlns:a="http://schemas.openxmlformats.org/drawingml/2006/main" xmlns:r="http://schemas.openxmlformats.org/officeDocument/2006/relationships" xmlns:p="http://schemas.openxmlformats.org/presentationml/2006/main">
+  <p:cSld>
+    <p:spTree>
+      <p:nvGrpSpPr>
+        <p:cNvPr id="1" name="">
+          <a:extLst>
+            <a:ext uri="{FF2B5EF4-FFF2-40B4-BE49-F238E27FC236}">
+              <a16:creationId xmlns:a16="http://schemas.microsoft.com/office/drawing/2014/main" id="{9052CA3E-0B26-3681-96D5-E626ED0C011A}"/>
+            </a:ext>
+          </a:extLst>
+        </p:cNvPr>
+        <p:cNvGrpSpPr/>
+        <p:nvPr/>
+      </p:nvGrpSpPr>
+      <p:grpSpPr>
+        <a:xfrm>
+          <a:off x="0" y="0"/>
+          <a:ext cx="0" cy="0"/>
+          <a:chOff x="0" y="0"/>
+          <a:chExt cx="0" cy="0"/>
+        </a:xfrm>
+      </p:grpSpPr>
+      <p:sp>
+        <p:nvSpPr>
+          <p:cNvPr id="4" name="タイトル 1">
+            <a:extLst>
+              <a:ext uri="{FF2B5EF4-FFF2-40B4-BE49-F238E27FC236}">
+                <a16:creationId xmlns:a16="http://schemas.microsoft.com/office/drawing/2014/main" id="{5B7EEA45-C99D-0977-76C5-161800C74F79}"/>
+              </a:ext>
+            </a:extLst>
+          </p:cNvPr>
+          <p:cNvSpPr>
+            <a:spLocks noGrp="1"/>
+          </p:cNvSpPr>
+          <p:nvPr>
+            <p:ph type="title"/>
+          </p:nvPr>
+        </p:nvSpPr>
+        <p:spPr>
+          <a:xfrm>
+            <a:off x="345404" y="407406"/>
+            <a:ext cx="11512163" cy="388990"/>
+          </a:xfrm>
+        </p:spPr>
+        <p:txBody>
+          <a:bodyPr>
+            <a:normAutofit fontScale="90000"/>
+          </a:bodyPr>
+          <a:lstStyle/>
+          <a:p>
+            <a:r>
+              <a:rPr lang="ja-JP" altLang="en-US" dirty="0"/>
+              <a:t>ワークフロー開発・ツール化</a:t>
+            </a:r>
+            <a:endParaRPr kumimoji="1" lang="ja-JP" altLang="en-US" dirty="0"/>
+          </a:p>
+        </p:txBody>
+      </p:sp>
+      <p:sp>
+        <p:nvSpPr>
+          <p:cNvPr id="20" name="フッター プレースホルダー 3">
+            <a:extLst>
+              <a:ext uri="{FF2B5EF4-FFF2-40B4-BE49-F238E27FC236}">
+                <a16:creationId xmlns:a16="http://schemas.microsoft.com/office/drawing/2014/main" id="{4674DAF4-5E77-B07E-85BC-A38D4136F057}"/>
+              </a:ext>
+            </a:extLst>
+          </p:cNvPr>
+          <p:cNvSpPr>
+            <a:spLocks noGrp="1"/>
+          </p:cNvSpPr>
+          <p:nvPr>
+            <p:ph type="ftr" sz="quarter" idx="11"/>
+          </p:nvPr>
+        </p:nvSpPr>
+        <p:spPr>
+          <a:xfrm>
+            <a:off x="8444093" y="6519334"/>
+            <a:ext cx="3747911" cy="365125"/>
+          </a:xfrm>
+        </p:spPr>
+        <p:txBody>
+          <a:bodyPr/>
+          <a:lstStyle/>
+          <a:p>
+            <a:r>
+              <a:rPr lang="en-US" altLang="ja-JP" dirty="0"/>
+              <a:t>Copyright (C) 2025 dbE.inc All Rights Reserved.</a:t>
+            </a:r>
+            <a:endParaRPr lang="ja-JP" altLang="en-US" dirty="0"/>
+          </a:p>
+        </p:txBody>
+      </p:sp>
+      <p:sp>
+        <p:nvSpPr>
+          <p:cNvPr id="24" name="スライド番号プレースホルダー 3">
+            <a:extLst>
+              <a:ext uri="{FF2B5EF4-FFF2-40B4-BE49-F238E27FC236}">
+                <a16:creationId xmlns:a16="http://schemas.microsoft.com/office/drawing/2014/main" id="{FAD72466-7BE9-3285-843C-C04C61AAD27F}"/>
+              </a:ext>
+            </a:extLst>
+          </p:cNvPr>
+          <p:cNvSpPr>
+            <a:spLocks noGrp="1"/>
+          </p:cNvSpPr>
+          <p:nvPr>
+            <p:ph type="sldNum" sz="quarter" idx="12"/>
+          </p:nvPr>
+        </p:nvSpPr>
+        <p:spPr>
+          <a:xfrm>
+            <a:off x="5252699" y="6550754"/>
+            <a:ext cx="1783644" cy="307247"/>
+          </a:xfrm>
+        </p:spPr>
+        <p:txBody>
+          <a:bodyPr/>
+          <a:lstStyle/>
+          <a:p>
+            <a:fld id="{0AF7E18D-A281-EF4E-83EF-D7811667EA6C}" type="slidenum">
+              <a:rPr kumimoji="1" lang="ja-JP" altLang="en-US" smtClean="0"/>
+              <a:t>7</a:t>
+            </a:fld>
+            <a:endParaRPr kumimoji="1" lang="ja-JP" altLang="en-US"/>
+          </a:p>
+        </p:txBody>
+      </p:sp>
+    </p:spTree>
+    <p:extLst>
+      <p:ext uri="{BB962C8B-B14F-4D97-AF65-F5344CB8AC3E}">
+        <p14:creationId xmlns:p14="http://schemas.microsoft.com/office/powerpoint/2010/main" val="2287172286"/>
+      </p:ext>
+    </p:extLst>
+  </p:cSld>
+  <p:clrMapOvr>
+    <a:masterClrMapping/>
+  </p:clrMapOvr>
+</p:sld>
+</file>
+
+<file path=ppt/slides/slide8.xml><?xml version="1.0" encoding="utf-8"?>
+<p:sld xmlns:a="http://schemas.openxmlformats.org/drawingml/2006/main" xmlns:r="http://schemas.openxmlformats.org/officeDocument/2006/relationships" xmlns:p="http://schemas.openxmlformats.org/presentationml/2006/main">
+  <p:cSld>
+    <p:spTree>
+      <p:nvGrpSpPr>
+        <p:cNvPr id="1" name="">
+          <a:extLst>
+            <a:ext uri="{FF2B5EF4-FFF2-40B4-BE49-F238E27FC236}">
+              <a16:creationId xmlns:a16="http://schemas.microsoft.com/office/drawing/2014/main" id="{CC6788C4-AAE9-8AFF-D77D-A1BEC3E46DBD}"/>
+            </a:ext>
+          </a:extLst>
+        </p:cNvPr>
+        <p:cNvGrpSpPr/>
+        <p:nvPr/>
+      </p:nvGrpSpPr>
+      <p:grpSpPr>
+        <a:xfrm>
+          <a:off x="0" y="0"/>
+          <a:ext cx="0" cy="0"/>
+          <a:chOff x="0" y="0"/>
+          <a:chExt cx="0" cy="0"/>
+        </a:xfrm>
+      </p:grpSpPr>
+      <p:sp>
+        <p:nvSpPr>
+          <p:cNvPr id="4" name="タイトル 1">
+            <a:extLst>
+              <a:ext uri="{FF2B5EF4-FFF2-40B4-BE49-F238E27FC236}">
+                <a16:creationId xmlns:a16="http://schemas.microsoft.com/office/drawing/2014/main" id="{FE74095E-9E66-6B77-4508-5B81F44402AA}"/>
+              </a:ext>
+            </a:extLst>
+          </p:cNvPr>
+          <p:cNvSpPr>
+            <a:spLocks noGrp="1"/>
+          </p:cNvSpPr>
+          <p:nvPr>
+            <p:ph type="title"/>
+          </p:nvPr>
+        </p:nvSpPr>
+        <p:spPr>
+          <a:xfrm>
+            <a:off x="345404" y="407406"/>
+            <a:ext cx="11512163" cy="388990"/>
+          </a:xfrm>
+        </p:spPr>
+        <p:txBody>
+          <a:bodyPr>
+            <a:normAutofit fontScale="90000"/>
+          </a:bodyPr>
+          <a:lstStyle/>
+          <a:p>
+            <a:r>
+              <a:rPr lang="ja-JP" altLang="en-US" dirty="0"/>
+              <a:t>外部</a:t>
+            </a:r>
+            <a:r>
+              <a:rPr lang="en-US" altLang="ja-JP" dirty="0"/>
+              <a:t>API</a:t>
+            </a:r>
+            <a:r>
+              <a:rPr lang="ja-JP" altLang="en-US" dirty="0"/>
+              <a:t>接続・ツール化</a:t>
+            </a:r>
+            <a:endParaRPr kumimoji="1" lang="ja-JP" altLang="en-US" dirty="0"/>
+          </a:p>
+        </p:txBody>
+      </p:sp>
+      <p:sp>
+        <p:nvSpPr>
+          <p:cNvPr id="20" name="フッター プレースホルダー 3">
+            <a:extLst>
+              <a:ext uri="{FF2B5EF4-FFF2-40B4-BE49-F238E27FC236}">
+                <a16:creationId xmlns:a16="http://schemas.microsoft.com/office/drawing/2014/main" id="{D7E334BD-7B28-52BC-D7E2-80403357B2A5}"/>
+              </a:ext>
+            </a:extLst>
+          </p:cNvPr>
+          <p:cNvSpPr>
+            <a:spLocks noGrp="1"/>
+          </p:cNvSpPr>
+          <p:nvPr>
+            <p:ph type="ftr" sz="quarter" idx="11"/>
+          </p:nvPr>
+        </p:nvSpPr>
+        <p:spPr>
+          <a:xfrm>
+            <a:off x="8444093" y="6519334"/>
+            <a:ext cx="3747911" cy="365125"/>
+          </a:xfrm>
+        </p:spPr>
+        <p:txBody>
+          <a:bodyPr/>
+          <a:lstStyle/>
+          <a:p>
+            <a:r>
+              <a:rPr lang="en-US" altLang="ja-JP" dirty="0"/>
+              <a:t>Copyright (C) 2025 dbE.inc All Rights Reserved.</a:t>
+            </a:r>
+            <a:endParaRPr lang="ja-JP" altLang="en-US" dirty="0"/>
+          </a:p>
+        </p:txBody>
+      </p:sp>
+      <p:sp>
+        <p:nvSpPr>
+          <p:cNvPr id="24" name="スライド番号プレースホルダー 3">
+            <a:extLst>
+              <a:ext uri="{FF2B5EF4-FFF2-40B4-BE49-F238E27FC236}">
+                <a16:creationId xmlns:a16="http://schemas.microsoft.com/office/drawing/2014/main" id="{2CCE1D10-008E-5CC9-39EF-78C8B1019AD6}"/>
+              </a:ext>
+            </a:extLst>
+          </p:cNvPr>
+          <p:cNvSpPr>
+            <a:spLocks noGrp="1"/>
+          </p:cNvSpPr>
+          <p:nvPr>
+            <p:ph type="sldNum" sz="quarter" idx="12"/>
+          </p:nvPr>
+        </p:nvSpPr>
+        <p:spPr>
+          <a:xfrm>
+            <a:off x="5252699" y="6550754"/>
+            <a:ext cx="1783644" cy="307247"/>
+          </a:xfrm>
+        </p:spPr>
+        <p:txBody>
+          <a:bodyPr/>
+          <a:lstStyle/>
+          <a:p>
+            <a:fld id="{0AF7E18D-A281-EF4E-83EF-D7811667EA6C}" type="slidenum">
+              <a:rPr kumimoji="1" lang="ja-JP" altLang="en-US" smtClean="0"/>
+              <a:t>8</a:t>
+            </a:fld>
+            <a:endParaRPr kumimoji="1" lang="ja-JP" altLang="en-US"/>
+          </a:p>
+        </p:txBody>
+      </p:sp>
+    </p:spTree>
+    <p:extLst>
+      <p:ext uri="{BB962C8B-B14F-4D97-AF65-F5344CB8AC3E}">
+        <p14:creationId xmlns:p14="http://schemas.microsoft.com/office/powerpoint/2010/main" val="2834614541"/>
       </p:ext>
     </p:extLst>
   </p:cSld>
@@ -12635,18 +13580,18 @@
 </file>
 
 <file path=customXml/item1.xml><?xml version="1.0" encoding="utf-8"?>
-<p:properties xmlns:p="http://schemas.microsoft.com/office/2006/metadata/properties" xmlns:xsi="http://www.w3.org/2001/XMLSchema-instance" xmlns:pc="http://schemas.microsoft.com/office/infopath/2007/PartnerControls">
-  <documentManagement/>
-</p:properties>
-</file>
-
-<file path=customXml/item2.xml><?xml version="1.0" encoding="utf-8"?>
 <?mso-contentType ?>
 <FormTemplates xmlns="http://schemas.microsoft.com/sharepoint/v3/contenttype/forms">
   <Display>DocumentLibraryForm</Display>
   <Edit>DocumentLibraryForm</Edit>
   <New>DocumentLibraryForm</New>
 </FormTemplates>
+</file>
+
+<file path=customXml/item2.xml><?xml version="1.0" encoding="utf-8"?>
+<p:properties xmlns:p="http://schemas.microsoft.com/office/2006/metadata/properties" xmlns:xsi="http://www.w3.org/2001/XMLSchema-instance" xmlns:pc="http://schemas.microsoft.com/office/infopath/2007/PartnerControls">
+  <documentManagement/>
+</p:properties>
 </file>
 
 <file path=customXml/item3.xml><?xml version="1.0" encoding="utf-8"?>
@@ -12794,6 +13739,14 @@
 </file>
 
 <file path=customXml/itemProps1.xml><?xml version="1.0" encoding="utf-8"?>
+<ds:datastoreItem xmlns:ds="http://schemas.openxmlformats.org/officeDocument/2006/customXml" ds:itemID="{ABFB7C19-F97A-4630-909C-04462F044E44}">
+  <ds:schemaRefs>
+    <ds:schemaRef ds:uri="http://schemas.microsoft.com/sharepoint/v3/contenttype/forms"/>
+  </ds:schemaRefs>
+</ds:datastoreItem>
+</file>
+
+<file path=customXml/itemProps2.xml><?xml version="1.0" encoding="utf-8"?>
 <ds:datastoreItem xmlns:ds="http://schemas.openxmlformats.org/officeDocument/2006/customXml" ds:itemID="{600DF4B1-B8DA-4F77-88EA-AB9843936E94}">
   <ds:schemaRefs>
     <ds:schemaRef ds:uri="http://purl.org/dc/elements/1.1/"/>
@@ -12805,14 +13758,6 @@
     <ds:schemaRef ds:uri="http://schemas.microsoft.com/office/2006/documentManagement/types"/>
     <ds:schemaRef ds:uri="http://schemas.microsoft.com/office/infopath/2007/PartnerControls"/>
     <ds:schemaRef ds:uri="http://schemas.microsoft.com/office/2006/metadata/properties"/>
-  </ds:schemaRefs>
-</ds:datastoreItem>
-</file>
-
-<file path=customXml/itemProps2.xml><?xml version="1.0" encoding="utf-8"?>
-<ds:datastoreItem xmlns:ds="http://schemas.openxmlformats.org/officeDocument/2006/customXml" ds:itemID="{ABFB7C19-F97A-4630-909C-04462F044E44}">
-  <ds:schemaRefs>
-    <ds:schemaRef ds:uri="http://schemas.microsoft.com/sharepoint/v3/contenttype/forms"/>
   </ds:schemaRefs>
 </ds:datastoreItem>
 </file>

--- a/20250502イノベーションマネジメント様講座資料.pptx
+++ b/20250502イノベーションマネジメント様講座資料.pptx
@@ -5,10 +5,10 @@
     <p:sldMasterId id="2147483648" r:id="rId4"/>
   </p:sldMasterIdLst>
   <p:notesMasterIdLst>
-    <p:notesMasterId r:id="rId13"/>
+    <p:notesMasterId r:id="rId15"/>
   </p:notesMasterIdLst>
   <p:handoutMasterIdLst>
-    <p:handoutMasterId r:id="rId14"/>
+    <p:handoutMasterId r:id="rId16"/>
   </p:handoutMasterIdLst>
   <p:sldIdLst>
     <p:sldId id="2007" r:id="rId5"/>
@@ -18,7 +18,9 @@
     <p:sldId id="2544" r:id="rId9"/>
     <p:sldId id="2547" r:id="rId10"/>
     <p:sldId id="2548" r:id="rId11"/>
-    <p:sldId id="2549" r:id="rId12"/>
+    <p:sldId id="2550" r:id="rId12"/>
+    <p:sldId id="2549" r:id="rId13"/>
+    <p:sldId id="2551" r:id="rId14"/>
   </p:sldIdLst>
   <p:sldSz cx="12192000" cy="6858000"/>
   <p:notesSz cx="6888163" cy="10020300"/>
@@ -260,7 +262,7 @@
           <a:p>
             <a:fld id="{3A089510-536A-DD44-92E4-B2DC30CD140D}" type="datetimeFigureOut">
               <a:rPr kumimoji="1" lang="ja-JP" altLang="en-US" smtClean="0"/>
-              <a:t>2025/4/11</a:t>
+              <a:t>2025/4/14</a:t>
             </a:fld>
             <a:endParaRPr kumimoji="1" lang="ja-JP" altLang="en-US"/>
           </a:p>
@@ -426,7 +428,7 @@
           <a:p>
             <a:fld id="{EFAEC2CE-88BD-8D4C-8283-9E9B5B3A950B}" type="datetimeFigureOut">
               <a:rPr kumimoji="1" lang="ja-JP" altLang="en-US" smtClean="0"/>
-              <a:t>2025/4/11</a:t>
+              <a:t>2025/4/14</a:t>
             </a:fld>
             <a:endParaRPr kumimoji="1" lang="ja-JP" altLang="en-US"/>
           </a:p>
@@ -969,7 +971,7 @@
           <a:effectLst/>
           <a:extLst>
             <a:ext uri="{91240B29-F687-4f45-9708-019B960494DF}">
-              <a14:hiddenLine xmlns="" xmlns:a14="http://schemas.microsoft.com/office/drawing/2010/main" w="12700" algn="ctr">
+              <a14:hiddenLine xmlns:a14="http://schemas.microsoft.com/office/drawing/2010/main" xmlns="" w="12700" algn="ctr">
                 <a:solidFill>
                   <a:schemeClr val="tx1"/>
                 </a:solidFill>
@@ -979,7 +981,7 @@
               </a14:hiddenLine>
             </a:ext>
             <a:ext uri="{AF507438-7753-43e0-B8FC-AC1667EBCBE1}">
-              <a14:hiddenEffects xmlns="" xmlns:a14="http://schemas.microsoft.com/office/drawing/2010/main">
+              <a14:hiddenEffects xmlns:a14="http://schemas.microsoft.com/office/drawing/2010/main" xmlns="">
                 <a:effectLst>
                   <a:outerShdw dist="35921" dir="2700000" algn="ctr" rotWithShape="0">
                     <a:schemeClr val="bg2"/>
@@ -1321,7 +1323,7 @@
           <a:effectLst/>
           <a:extLst>
             <a:ext uri="{91240B29-F687-4f45-9708-019B960494DF}">
-              <a14:hiddenLine xmlns="" xmlns:a14="http://schemas.microsoft.com/office/drawing/2010/main" w="12700" algn="ctr">
+              <a14:hiddenLine xmlns:a14="http://schemas.microsoft.com/office/drawing/2010/main" xmlns="" w="12700" algn="ctr">
                 <a:solidFill>
                   <a:schemeClr val="tx1"/>
                 </a:solidFill>
@@ -1331,7 +1333,7 @@
               </a14:hiddenLine>
             </a:ext>
             <a:ext uri="{AF507438-7753-43e0-B8FC-AC1667EBCBE1}">
-              <a14:hiddenEffects xmlns="" xmlns:a14="http://schemas.microsoft.com/office/drawing/2010/main">
+              <a14:hiddenEffects xmlns:a14="http://schemas.microsoft.com/office/drawing/2010/main" xmlns="">
                 <a:effectLst>
                   <a:outerShdw dist="35921" dir="2700000" algn="ctr" rotWithShape="0">
                     <a:schemeClr val="bg2"/>
@@ -5006,6 +5008,818 @@
 </p:sld>
 </file>
 
+<file path=ppt/slides/slide10.xml><?xml version="1.0" encoding="utf-8"?>
+<p:sld xmlns:a="http://schemas.openxmlformats.org/drawingml/2006/main" xmlns:r="http://schemas.openxmlformats.org/officeDocument/2006/relationships" xmlns:p="http://schemas.openxmlformats.org/presentationml/2006/main">
+  <p:cSld>
+    <p:spTree>
+      <p:nvGrpSpPr>
+        <p:cNvPr id="1" name="">
+          <a:extLst>
+            <a:ext uri="{FF2B5EF4-FFF2-40B4-BE49-F238E27FC236}">
+              <a16:creationId xmlns:a16="http://schemas.microsoft.com/office/drawing/2014/main" id="{3559D303-F8D1-7644-C1DE-4E57939D53EC}"/>
+            </a:ext>
+          </a:extLst>
+        </p:cNvPr>
+        <p:cNvGrpSpPr/>
+        <p:nvPr/>
+      </p:nvGrpSpPr>
+      <p:grpSpPr>
+        <a:xfrm>
+          <a:off x="0" y="0"/>
+          <a:ext cx="0" cy="0"/>
+          <a:chOff x="0" y="0"/>
+          <a:chExt cx="0" cy="0"/>
+        </a:xfrm>
+      </p:grpSpPr>
+      <p:sp>
+        <p:nvSpPr>
+          <p:cNvPr id="4" name="タイトル 1">
+            <a:extLst>
+              <a:ext uri="{FF2B5EF4-FFF2-40B4-BE49-F238E27FC236}">
+                <a16:creationId xmlns:a16="http://schemas.microsoft.com/office/drawing/2014/main" id="{A60D8DDC-C811-D393-3098-CF5046AC6C08}"/>
+              </a:ext>
+            </a:extLst>
+          </p:cNvPr>
+          <p:cNvSpPr>
+            <a:spLocks noGrp="1"/>
+          </p:cNvSpPr>
+          <p:nvPr>
+            <p:ph type="title"/>
+          </p:nvPr>
+        </p:nvSpPr>
+        <p:spPr>
+          <a:xfrm>
+            <a:off x="345404" y="407406"/>
+            <a:ext cx="11512163" cy="388990"/>
+          </a:xfrm>
+        </p:spPr>
+        <p:txBody>
+          <a:bodyPr>
+            <a:normAutofit fontScale="90000"/>
+          </a:bodyPr>
+          <a:lstStyle/>
+          <a:p>
+            <a:r>
+              <a:rPr lang="ja-JP" altLang="en-US" dirty="0"/>
+              <a:t>外部</a:t>
+            </a:r>
+            <a:r>
+              <a:rPr lang="en-US" altLang="ja-JP" dirty="0"/>
+              <a:t>API</a:t>
+            </a:r>
+            <a:r>
+              <a:rPr lang="ja-JP" altLang="en-US" dirty="0"/>
+              <a:t>接続・ツール化（ワークフロー）</a:t>
+            </a:r>
+            <a:endParaRPr kumimoji="1" lang="ja-JP" altLang="en-US" dirty="0"/>
+          </a:p>
+        </p:txBody>
+      </p:sp>
+      <p:sp>
+        <p:nvSpPr>
+          <p:cNvPr id="20" name="フッター プレースホルダー 3">
+            <a:extLst>
+              <a:ext uri="{FF2B5EF4-FFF2-40B4-BE49-F238E27FC236}">
+                <a16:creationId xmlns:a16="http://schemas.microsoft.com/office/drawing/2014/main" id="{73BC8A1F-8692-BAA5-7269-8F87F7F3CAD7}"/>
+              </a:ext>
+            </a:extLst>
+          </p:cNvPr>
+          <p:cNvSpPr>
+            <a:spLocks noGrp="1"/>
+          </p:cNvSpPr>
+          <p:nvPr>
+            <p:ph type="ftr" sz="quarter" idx="11"/>
+          </p:nvPr>
+        </p:nvSpPr>
+        <p:spPr>
+          <a:xfrm>
+            <a:off x="8444093" y="6519334"/>
+            <a:ext cx="3747911" cy="365125"/>
+          </a:xfrm>
+        </p:spPr>
+        <p:txBody>
+          <a:bodyPr/>
+          <a:lstStyle/>
+          <a:p>
+            <a:r>
+              <a:rPr lang="en-US" altLang="ja-JP" dirty="0"/>
+              <a:t>Copyright (C) 2025 dbE.inc All Rights Reserved.</a:t>
+            </a:r>
+            <a:endParaRPr lang="ja-JP" altLang="en-US" dirty="0"/>
+          </a:p>
+        </p:txBody>
+      </p:sp>
+      <p:sp>
+        <p:nvSpPr>
+          <p:cNvPr id="24" name="スライド番号プレースホルダー 3">
+            <a:extLst>
+              <a:ext uri="{FF2B5EF4-FFF2-40B4-BE49-F238E27FC236}">
+                <a16:creationId xmlns:a16="http://schemas.microsoft.com/office/drawing/2014/main" id="{7A6ACE71-8F30-483A-0839-9557E40111B4}"/>
+              </a:ext>
+            </a:extLst>
+          </p:cNvPr>
+          <p:cNvSpPr>
+            <a:spLocks noGrp="1"/>
+          </p:cNvSpPr>
+          <p:nvPr>
+            <p:ph type="sldNum" sz="quarter" idx="12"/>
+          </p:nvPr>
+        </p:nvSpPr>
+        <p:spPr>
+          <a:xfrm>
+            <a:off x="5252699" y="6550754"/>
+            <a:ext cx="1783644" cy="307247"/>
+          </a:xfrm>
+        </p:spPr>
+        <p:txBody>
+          <a:bodyPr/>
+          <a:lstStyle/>
+          <a:p>
+            <a:fld id="{0AF7E18D-A281-EF4E-83EF-D7811667EA6C}" type="slidenum">
+              <a:rPr kumimoji="1" lang="ja-JP" altLang="en-US" smtClean="0"/>
+              <a:t>10</a:t>
+            </a:fld>
+            <a:endParaRPr kumimoji="1" lang="ja-JP" altLang="en-US"/>
+          </a:p>
+        </p:txBody>
+      </p:sp>
+      <p:pic>
+        <p:nvPicPr>
+          <p:cNvPr id="2" name="図 1">
+            <a:extLst>
+              <a:ext uri="{FF2B5EF4-FFF2-40B4-BE49-F238E27FC236}">
+                <a16:creationId xmlns:a16="http://schemas.microsoft.com/office/drawing/2014/main" id="{8FA72062-7242-14A7-C3DE-E344F13EFEF9}"/>
+              </a:ext>
+            </a:extLst>
+          </p:cNvPr>
+          <p:cNvPicPr>
+            <a:picLocks noChangeAspect="1"/>
+          </p:cNvPicPr>
+          <p:nvPr/>
+        </p:nvPicPr>
+        <p:blipFill>
+          <a:blip r:embed="rId2"/>
+          <a:srcRect/>
+          <a:stretch/>
+        </p:blipFill>
+        <p:spPr>
+          <a:xfrm>
+            <a:off x="446540" y="1009398"/>
+            <a:ext cx="11398594" cy="5455889"/>
+          </a:xfrm>
+          <a:prstGeom prst="rect">
+            <a:avLst/>
+          </a:prstGeom>
+        </p:spPr>
+      </p:pic>
+      <p:sp>
+        <p:nvSpPr>
+          <p:cNvPr id="3" name="フローチャート: 処理 2">
+            <a:extLst>
+              <a:ext uri="{FF2B5EF4-FFF2-40B4-BE49-F238E27FC236}">
+                <a16:creationId xmlns:a16="http://schemas.microsoft.com/office/drawing/2014/main" id="{7C94E43A-1E7B-9D35-F20D-624CE7AEAE9F}"/>
+              </a:ext>
+            </a:extLst>
+          </p:cNvPr>
+          <p:cNvSpPr/>
+          <p:nvPr/>
+        </p:nvSpPr>
+        <p:spPr>
+          <a:xfrm>
+            <a:off x="4236180" y="2275049"/>
+            <a:ext cx="1422914" cy="812238"/>
+          </a:xfrm>
+          <a:prstGeom prst="flowChartProcess">
+            <a:avLst/>
+          </a:prstGeom>
+          <a:noFill/>
+          <a:ln w="28575">
+            <a:solidFill>
+              <a:srgbClr val="C00000"/>
+            </a:solidFill>
+          </a:ln>
+        </p:spPr>
+        <p:style>
+          <a:lnRef idx="2">
+            <a:schemeClr val="dk1"/>
+          </a:lnRef>
+          <a:fillRef idx="1">
+            <a:schemeClr val="lt1"/>
+          </a:fillRef>
+          <a:effectRef idx="0">
+            <a:schemeClr val="dk1"/>
+          </a:effectRef>
+          <a:fontRef idx="minor">
+            <a:schemeClr val="dk1"/>
+          </a:fontRef>
+        </p:style>
+        <p:txBody>
+          <a:bodyPr rtlCol="0" anchor="ctr"/>
+          <a:lstStyle/>
+          <a:p>
+            <a:pPr algn="ctr"/>
+            <a:endParaRPr kumimoji="1" lang="ja-JP" altLang="en-US">
+              <a:solidFill>
+                <a:schemeClr val="dk1"/>
+              </a:solidFill>
+            </a:endParaRPr>
+          </a:p>
+        </p:txBody>
+      </p:sp>
+      <p:pic>
+        <p:nvPicPr>
+          <p:cNvPr id="17" name="図 16">
+            <a:extLst>
+              <a:ext uri="{FF2B5EF4-FFF2-40B4-BE49-F238E27FC236}">
+                <a16:creationId xmlns:a16="http://schemas.microsoft.com/office/drawing/2014/main" id="{F52106E7-C1C2-B3CC-7FAF-38252FA821CB}"/>
+              </a:ext>
+            </a:extLst>
+          </p:cNvPr>
+          <p:cNvPicPr>
+            <a:picLocks noChangeAspect="1"/>
+          </p:cNvPicPr>
+          <p:nvPr/>
+        </p:nvPicPr>
+        <p:blipFill>
+          <a:blip r:embed="rId3"/>
+          <a:srcRect/>
+          <a:stretch/>
+        </p:blipFill>
+        <p:spPr>
+          <a:xfrm>
+            <a:off x="4288699" y="4307217"/>
+            <a:ext cx="3572954" cy="1866768"/>
+          </a:xfrm>
+          <a:prstGeom prst="rect">
+            <a:avLst/>
+          </a:prstGeom>
+        </p:spPr>
+      </p:pic>
+      <p:sp>
+        <p:nvSpPr>
+          <p:cNvPr id="18" name="フローチャート: 処理 17">
+            <a:extLst>
+              <a:ext uri="{FF2B5EF4-FFF2-40B4-BE49-F238E27FC236}">
+                <a16:creationId xmlns:a16="http://schemas.microsoft.com/office/drawing/2014/main" id="{C233A78B-FB60-6A7E-6D94-A39BB60D5877}"/>
+              </a:ext>
+            </a:extLst>
+          </p:cNvPr>
+          <p:cNvSpPr/>
+          <p:nvPr/>
+        </p:nvSpPr>
+        <p:spPr>
+          <a:xfrm>
+            <a:off x="4288699" y="4307217"/>
+            <a:ext cx="3572954" cy="1866768"/>
+          </a:xfrm>
+          <a:prstGeom prst="flowChartProcess">
+            <a:avLst/>
+          </a:prstGeom>
+          <a:noFill/>
+          <a:ln w="28575">
+            <a:solidFill>
+              <a:srgbClr val="C00000"/>
+            </a:solidFill>
+          </a:ln>
+        </p:spPr>
+        <p:style>
+          <a:lnRef idx="2">
+            <a:schemeClr val="dk1"/>
+          </a:lnRef>
+          <a:fillRef idx="1">
+            <a:schemeClr val="lt1"/>
+          </a:fillRef>
+          <a:effectRef idx="0">
+            <a:schemeClr val="dk1"/>
+          </a:effectRef>
+          <a:fontRef idx="minor">
+            <a:schemeClr val="dk1"/>
+          </a:fontRef>
+        </p:style>
+        <p:txBody>
+          <a:bodyPr rtlCol="0" anchor="ctr"/>
+          <a:lstStyle/>
+          <a:p>
+            <a:pPr algn="ctr"/>
+            <a:endParaRPr kumimoji="1" lang="ja-JP" altLang="en-US">
+              <a:solidFill>
+                <a:schemeClr val="dk1"/>
+              </a:solidFill>
+            </a:endParaRPr>
+          </a:p>
+        </p:txBody>
+      </p:sp>
+      <p:sp>
+        <p:nvSpPr>
+          <p:cNvPr id="19" name="正方形/長方形 18">
+            <a:extLst>
+              <a:ext uri="{FF2B5EF4-FFF2-40B4-BE49-F238E27FC236}">
+                <a16:creationId xmlns:a16="http://schemas.microsoft.com/office/drawing/2014/main" id="{7B947BCF-6EF2-9912-28AA-0E5B1FAB25B6}"/>
+              </a:ext>
+            </a:extLst>
+          </p:cNvPr>
+          <p:cNvSpPr/>
+          <p:nvPr/>
+        </p:nvSpPr>
+        <p:spPr>
+          <a:xfrm>
+            <a:off x="5969322" y="5651413"/>
+            <a:ext cx="1689394" cy="394377"/>
+          </a:xfrm>
+          <a:prstGeom prst="rect">
+            <a:avLst/>
+          </a:prstGeom>
+          <a:solidFill>
+            <a:srgbClr val="FFFF00"/>
+          </a:solidFill>
+          <a:ln w="19050">
+            <a:solidFill>
+              <a:srgbClr val="C00000"/>
+            </a:solidFill>
+          </a:ln>
+        </p:spPr>
+        <p:style>
+          <a:lnRef idx="2">
+            <a:schemeClr val="dk1"/>
+          </a:lnRef>
+          <a:fillRef idx="1">
+            <a:schemeClr val="lt1"/>
+          </a:fillRef>
+          <a:effectRef idx="0">
+            <a:schemeClr val="dk1"/>
+          </a:effectRef>
+          <a:fontRef idx="minor">
+            <a:schemeClr val="dk1"/>
+          </a:fontRef>
+        </p:style>
+        <p:txBody>
+          <a:bodyPr rtlCol="0" anchor="ctr"/>
+          <a:lstStyle/>
+          <a:p>
+            <a:r>
+              <a:rPr kumimoji="1" lang="ja-JP" altLang="en-US" sz="900" dirty="0">
+                <a:solidFill>
+                  <a:schemeClr val="dk1"/>
+                </a:solidFill>
+              </a:rPr>
+              <a:t>任意の外部ツールを設定して</a:t>
+            </a:r>
+            <a:endParaRPr kumimoji="1" lang="en-US" altLang="ja-JP" sz="900" dirty="0">
+              <a:solidFill>
+                <a:schemeClr val="dk1"/>
+              </a:solidFill>
+            </a:endParaRPr>
+          </a:p>
+          <a:p>
+            <a:r>
+              <a:rPr lang="ja-JP" altLang="en-US" sz="900" dirty="0"/>
+              <a:t>エンドポイントを公開</a:t>
+            </a:r>
+            <a:endParaRPr kumimoji="1" lang="en-US" altLang="ja-JP" sz="900" dirty="0">
+              <a:solidFill>
+                <a:schemeClr val="dk1"/>
+              </a:solidFill>
+            </a:endParaRPr>
+          </a:p>
+        </p:txBody>
+      </p:sp>
+      <p:cxnSp>
+        <p:nvCxnSpPr>
+          <p:cNvPr id="21" name="直線矢印コネクタ 20">
+            <a:extLst>
+              <a:ext uri="{FF2B5EF4-FFF2-40B4-BE49-F238E27FC236}">
+                <a16:creationId xmlns:a16="http://schemas.microsoft.com/office/drawing/2014/main" id="{B7FBAFB6-7BA6-5F71-AFA2-021DDB8E794A}"/>
+              </a:ext>
+            </a:extLst>
+          </p:cNvPr>
+          <p:cNvCxnSpPr>
+            <a:cxnSpLocks/>
+            <a:stCxn id="9" idx="1"/>
+            <a:endCxn id="17" idx="3"/>
+          </p:cNvCxnSpPr>
+          <p:nvPr/>
+        </p:nvCxnSpPr>
+        <p:spPr>
+          <a:xfrm flipH="1">
+            <a:off x="7861653" y="4036934"/>
+            <a:ext cx="1413913" cy="1203667"/>
+          </a:xfrm>
+          <a:prstGeom prst="straightConnector1">
+            <a:avLst/>
+          </a:prstGeom>
+          <a:ln w="28575">
+            <a:solidFill>
+              <a:srgbClr val="C00000"/>
+            </a:solidFill>
+            <a:tailEnd type="triangle"/>
+          </a:ln>
+          <a:effectLst/>
+        </p:spPr>
+        <p:style>
+          <a:lnRef idx="2">
+            <a:schemeClr val="accent1"/>
+          </a:lnRef>
+          <a:fillRef idx="0">
+            <a:schemeClr val="accent1"/>
+          </a:fillRef>
+          <a:effectRef idx="1">
+            <a:schemeClr val="accent1"/>
+          </a:effectRef>
+          <a:fontRef idx="minor">
+            <a:schemeClr val="tx1"/>
+          </a:fontRef>
+        </p:style>
+      </p:cxnSp>
+      <p:sp>
+        <p:nvSpPr>
+          <p:cNvPr id="28" name="正方形/長方形 27">
+            <a:extLst>
+              <a:ext uri="{FF2B5EF4-FFF2-40B4-BE49-F238E27FC236}">
+                <a16:creationId xmlns:a16="http://schemas.microsoft.com/office/drawing/2014/main" id="{816E7A41-075F-F1AC-F664-CF54B1B4DF4B}"/>
+              </a:ext>
+            </a:extLst>
+          </p:cNvPr>
+          <p:cNvSpPr/>
+          <p:nvPr/>
+        </p:nvSpPr>
+        <p:spPr>
+          <a:xfrm>
+            <a:off x="8248108" y="4371973"/>
+            <a:ext cx="718197" cy="394377"/>
+          </a:xfrm>
+          <a:prstGeom prst="rect">
+            <a:avLst/>
+          </a:prstGeom>
+          <a:solidFill>
+            <a:srgbClr val="FFFF00"/>
+          </a:solidFill>
+          <a:ln w="19050">
+            <a:solidFill>
+              <a:srgbClr val="C00000"/>
+            </a:solidFill>
+          </a:ln>
+        </p:spPr>
+        <p:style>
+          <a:lnRef idx="2">
+            <a:schemeClr val="dk1"/>
+          </a:lnRef>
+          <a:fillRef idx="1">
+            <a:schemeClr val="lt1"/>
+          </a:fillRef>
+          <a:effectRef idx="0">
+            <a:schemeClr val="dk1"/>
+          </a:effectRef>
+          <a:fontRef idx="minor">
+            <a:schemeClr val="dk1"/>
+          </a:fontRef>
+        </p:style>
+        <p:txBody>
+          <a:bodyPr rtlCol="0" anchor="ctr"/>
+          <a:lstStyle/>
+          <a:p>
+            <a:pPr algn="ctr"/>
+            <a:r>
+              <a:rPr kumimoji="1" lang="en-US" altLang="ja-JP" sz="900" dirty="0">
+                <a:solidFill>
+                  <a:schemeClr val="dk1"/>
+                </a:solidFill>
+              </a:rPr>
+              <a:t>API</a:t>
+            </a:r>
+            <a:r>
+              <a:rPr kumimoji="1" lang="ja-JP" altLang="en-US" sz="900" dirty="0">
+                <a:solidFill>
+                  <a:schemeClr val="dk1"/>
+                </a:solidFill>
+              </a:rPr>
+              <a:t>接続</a:t>
+            </a:r>
+            <a:endParaRPr kumimoji="1" lang="en-US" altLang="ja-JP" sz="900" dirty="0">
+              <a:solidFill>
+                <a:schemeClr val="dk1"/>
+              </a:solidFill>
+            </a:endParaRPr>
+          </a:p>
+        </p:txBody>
+      </p:sp>
+      <p:sp>
+        <p:nvSpPr>
+          <p:cNvPr id="9" name="フローチャート: 処理 8">
+            <a:extLst>
+              <a:ext uri="{FF2B5EF4-FFF2-40B4-BE49-F238E27FC236}">
+                <a16:creationId xmlns:a16="http://schemas.microsoft.com/office/drawing/2014/main" id="{E6560F19-A49A-281B-E51F-32F32ED7D11B}"/>
+              </a:ext>
+            </a:extLst>
+          </p:cNvPr>
+          <p:cNvSpPr/>
+          <p:nvPr/>
+        </p:nvSpPr>
+        <p:spPr>
+          <a:xfrm>
+            <a:off x="9275566" y="1680688"/>
+            <a:ext cx="2469893" cy="4712492"/>
+          </a:xfrm>
+          <a:prstGeom prst="flowChartProcess">
+            <a:avLst/>
+          </a:prstGeom>
+          <a:noFill/>
+          <a:ln w="28575">
+            <a:solidFill>
+              <a:srgbClr val="C00000"/>
+            </a:solidFill>
+          </a:ln>
+        </p:spPr>
+        <p:style>
+          <a:lnRef idx="2">
+            <a:schemeClr val="dk1"/>
+          </a:lnRef>
+          <a:fillRef idx="1">
+            <a:schemeClr val="lt1"/>
+          </a:fillRef>
+          <a:effectRef idx="0">
+            <a:schemeClr val="dk1"/>
+          </a:effectRef>
+          <a:fontRef idx="minor">
+            <a:schemeClr val="dk1"/>
+          </a:fontRef>
+        </p:style>
+        <p:txBody>
+          <a:bodyPr rtlCol="0" anchor="ctr"/>
+          <a:lstStyle/>
+          <a:p>
+            <a:pPr algn="ctr"/>
+            <a:endParaRPr kumimoji="1" lang="ja-JP" altLang="en-US">
+              <a:solidFill>
+                <a:schemeClr val="dk1"/>
+              </a:solidFill>
+            </a:endParaRPr>
+          </a:p>
+        </p:txBody>
+      </p:sp>
+      <p:cxnSp>
+        <p:nvCxnSpPr>
+          <p:cNvPr id="10" name="直線矢印コネクタ 9">
+            <a:extLst>
+              <a:ext uri="{FF2B5EF4-FFF2-40B4-BE49-F238E27FC236}">
+                <a16:creationId xmlns:a16="http://schemas.microsoft.com/office/drawing/2014/main" id="{3C5F286A-EFFC-DF0A-E73B-F95AFE2970D6}"/>
+              </a:ext>
+            </a:extLst>
+          </p:cNvPr>
+          <p:cNvCxnSpPr>
+            <a:cxnSpLocks/>
+          </p:cNvCxnSpPr>
+          <p:nvPr/>
+        </p:nvCxnSpPr>
+        <p:spPr>
+          <a:xfrm>
+            <a:off x="5659094" y="2682240"/>
+            <a:ext cx="3615537" cy="1333675"/>
+          </a:xfrm>
+          <a:prstGeom prst="straightConnector1">
+            <a:avLst/>
+          </a:prstGeom>
+          <a:ln w="28575">
+            <a:solidFill>
+              <a:srgbClr val="C00000"/>
+            </a:solidFill>
+            <a:tailEnd type="triangle"/>
+          </a:ln>
+          <a:effectLst/>
+        </p:spPr>
+        <p:style>
+          <a:lnRef idx="2">
+            <a:schemeClr val="accent1"/>
+          </a:lnRef>
+          <a:fillRef idx="0">
+            <a:schemeClr val="accent1"/>
+          </a:fillRef>
+          <a:effectRef idx="1">
+            <a:schemeClr val="accent1"/>
+          </a:effectRef>
+          <a:fontRef idx="minor">
+            <a:schemeClr val="tx1"/>
+          </a:fontRef>
+        </p:style>
+      </p:cxnSp>
+      <p:sp>
+        <p:nvSpPr>
+          <p:cNvPr id="22" name="正方形/長方形 21">
+            <a:extLst>
+              <a:ext uri="{FF2B5EF4-FFF2-40B4-BE49-F238E27FC236}">
+                <a16:creationId xmlns:a16="http://schemas.microsoft.com/office/drawing/2014/main" id="{87BE7EAA-BE92-7446-E582-58B085745A7C}"/>
+              </a:ext>
+            </a:extLst>
+          </p:cNvPr>
+          <p:cNvSpPr/>
+          <p:nvPr/>
+        </p:nvSpPr>
+        <p:spPr>
+          <a:xfrm>
+            <a:off x="9626096" y="5370207"/>
+            <a:ext cx="2042678" cy="926308"/>
+          </a:xfrm>
+          <a:prstGeom prst="rect">
+            <a:avLst/>
+          </a:prstGeom>
+          <a:solidFill>
+            <a:srgbClr val="FFFF00"/>
+          </a:solidFill>
+          <a:ln w="19050">
+            <a:solidFill>
+              <a:srgbClr val="C00000"/>
+            </a:solidFill>
+          </a:ln>
+        </p:spPr>
+        <p:style>
+          <a:lnRef idx="2">
+            <a:schemeClr val="dk1"/>
+          </a:lnRef>
+          <a:fillRef idx="1">
+            <a:schemeClr val="lt1"/>
+          </a:fillRef>
+          <a:effectRef idx="0">
+            <a:schemeClr val="dk1"/>
+          </a:effectRef>
+          <a:fontRef idx="minor">
+            <a:schemeClr val="dk1"/>
+          </a:fontRef>
+        </p:style>
+        <p:txBody>
+          <a:bodyPr rtlCol="0" anchor="ctr"/>
+          <a:lstStyle/>
+          <a:p>
+            <a:r>
+              <a:rPr kumimoji="1" lang="ja-JP" altLang="en-US" sz="900" dirty="0">
+                <a:solidFill>
+                  <a:schemeClr val="dk1"/>
+                </a:solidFill>
+              </a:rPr>
+              <a:t>ワークフローから</a:t>
+            </a:r>
+            <a:r>
+              <a:rPr kumimoji="1" lang="en-US" altLang="ja-JP" sz="900" dirty="0">
+                <a:solidFill>
+                  <a:schemeClr val="dk1"/>
+                </a:solidFill>
+              </a:rPr>
+              <a:t>HTTP</a:t>
+            </a:r>
+            <a:r>
+              <a:rPr kumimoji="1" lang="ja-JP" altLang="en-US" sz="900" dirty="0">
+                <a:solidFill>
+                  <a:schemeClr val="dk1"/>
+                </a:solidFill>
+              </a:rPr>
+              <a:t>リクエストノードを利用することでも</a:t>
+            </a:r>
+            <a:endParaRPr kumimoji="1" lang="en-US" altLang="ja-JP" sz="900" dirty="0">
+              <a:solidFill>
+                <a:schemeClr val="dk1"/>
+              </a:solidFill>
+            </a:endParaRPr>
+          </a:p>
+          <a:p>
+            <a:r>
+              <a:rPr kumimoji="1" lang="ja-JP" altLang="en-US" sz="900" dirty="0">
+                <a:solidFill>
+                  <a:schemeClr val="dk1"/>
+                </a:solidFill>
+              </a:rPr>
+              <a:t>外部ツールへのアクセスが可能</a:t>
+            </a:r>
+            <a:endParaRPr kumimoji="1" lang="en-US" altLang="ja-JP" sz="900" dirty="0">
+              <a:solidFill>
+                <a:schemeClr val="dk1"/>
+              </a:solidFill>
+            </a:endParaRPr>
+          </a:p>
+          <a:p>
+            <a:endParaRPr lang="en-US" altLang="ja-JP" sz="900" dirty="0"/>
+          </a:p>
+          <a:p>
+            <a:r>
+              <a:rPr kumimoji="1" lang="ja-JP" altLang="en-US" sz="900" dirty="0">
+                <a:solidFill>
+                  <a:schemeClr val="dk1"/>
+                </a:solidFill>
+              </a:rPr>
+              <a:t>外部ツール実行後の処理を具体的に</a:t>
+            </a:r>
+            <a:endParaRPr kumimoji="1" lang="en-US" altLang="ja-JP" sz="900" dirty="0">
+              <a:solidFill>
+                <a:schemeClr val="dk1"/>
+              </a:solidFill>
+            </a:endParaRPr>
+          </a:p>
+          <a:p>
+            <a:r>
+              <a:rPr kumimoji="1" lang="ja-JP" altLang="en-US" sz="900" dirty="0">
+                <a:solidFill>
+                  <a:schemeClr val="dk1"/>
+                </a:solidFill>
+              </a:rPr>
+              <a:t>明記可能</a:t>
+            </a:r>
+            <a:endParaRPr kumimoji="1" lang="en-US" altLang="ja-JP" sz="900" dirty="0">
+              <a:solidFill>
+                <a:schemeClr val="dk1"/>
+              </a:solidFill>
+            </a:endParaRPr>
+          </a:p>
+        </p:txBody>
+      </p:sp>
+      <p:sp>
+        <p:nvSpPr>
+          <p:cNvPr id="23" name="正方形/長方形 22">
+            <a:extLst>
+              <a:ext uri="{FF2B5EF4-FFF2-40B4-BE49-F238E27FC236}">
+                <a16:creationId xmlns:a16="http://schemas.microsoft.com/office/drawing/2014/main" id="{51B98B68-0C6D-0A14-16D4-9E1DA086C282}"/>
+              </a:ext>
+            </a:extLst>
+          </p:cNvPr>
+          <p:cNvSpPr/>
+          <p:nvPr/>
+        </p:nvSpPr>
+        <p:spPr>
+          <a:xfrm>
+            <a:off x="8343219" y="350235"/>
+            <a:ext cx="3541059" cy="388991"/>
+          </a:xfrm>
+          <a:prstGeom prst="rect">
+            <a:avLst/>
+          </a:prstGeom>
+          <a:solidFill>
+            <a:srgbClr val="FFFF00"/>
+          </a:solidFill>
+          <a:ln w="19050">
+            <a:solidFill>
+              <a:srgbClr val="C00000"/>
+            </a:solidFill>
+          </a:ln>
+        </p:spPr>
+        <p:style>
+          <a:lnRef idx="2">
+            <a:schemeClr val="dk1"/>
+          </a:lnRef>
+          <a:fillRef idx="1">
+            <a:schemeClr val="lt1"/>
+          </a:fillRef>
+          <a:effectRef idx="0">
+            <a:schemeClr val="dk1"/>
+          </a:effectRef>
+          <a:fontRef idx="minor">
+            <a:schemeClr val="dk1"/>
+          </a:fontRef>
+        </p:style>
+        <p:txBody>
+          <a:bodyPr rtlCol="0" anchor="ctr"/>
+          <a:lstStyle/>
+          <a:p>
+            <a:r>
+              <a:rPr kumimoji="1" lang="ja-JP" altLang="en-US" sz="900" dirty="0">
+                <a:solidFill>
+                  <a:schemeClr val="dk1"/>
+                </a:solidFill>
+              </a:rPr>
+              <a:t>ワークフロー作成詳細については公式ドキュメントを参照のこと</a:t>
+            </a:r>
+            <a:endParaRPr kumimoji="1" lang="en-US" altLang="ja-JP" sz="900" dirty="0">
+              <a:solidFill>
+                <a:schemeClr val="dk1"/>
+              </a:solidFill>
+            </a:endParaRPr>
+          </a:p>
+          <a:p>
+            <a:r>
+              <a:rPr kumimoji="1" lang="en-US" altLang="ja-JP" sz="900" dirty="0">
+                <a:solidFill>
+                  <a:schemeClr val="dk1"/>
+                </a:solidFill>
+                <a:hlinkClick r:id="rId4"/>
+              </a:rPr>
+              <a:t>https://docs.dify.ai/guides/workflow</a:t>
+            </a:r>
+            <a:endParaRPr kumimoji="1" lang="ja-JP" altLang="en-US" sz="900" dirty="0">
+              <a:solidFill>
+                <a:schemeClr val="dk1"/>
+              </a:solidFill>
+            </a:endParaRPr>
+          </a:p>
+        </p:txBody>
+      </p:sp>
+    </p:spTree>
+    <p:extLst>
+      <p:ext uri="{BB962C8B-B14F-4D97-AF65-F5344CB8AC3E}">
+        <p14:creationId xmlns:p14="http://schemas.microsoft.com/office/powerpoint/2010/main" val="2628779675"/>
+      </p:ext>
+    </p:extLst>
+  </p:cSld>
+  <p:clrMapOvr>
+    <a:masterClrMapping/>
+  </p:clrMapOvr>
+</p:sld>
+</file>
+
 <file path=ppt/slides/slide2.xml><?xml version="1.0" encoding="utf-8"?>
 <p:sld xmlns:a="http://schemas.openxmlformats.org/drawingml/2006/main" xmlns:r="http://schemas.openxmlformats.org/officeDocument/2006/relationships" xmlns:p="http://schemas.openxmlformats.org/presentationml/2006/main">
   <p:cSld>
@@ -5075,7 +5889,7 @@
         <p:spPr>
           <a:xfrm>
             <a:off x="345405" y="927300"/>
-            <a:ext cx="11270334" cy="5093702"/>
+            <a:ext cx="11270334" cy="5324535"/>
           </a:xfrm>
           <a:prstGeom prst="rect">
             <a:avLst/>
@@ -5305,6 +6119,18 @@
               </a:rPr>
               <a:t>での受け渡しを予定</a:t>
             </a:r>
+            <a:endParaRPr lang="en-US" altLang="ja-JP" sz="1400" dirty="0">
+              <a:solidFill>
+                <a:srgbClr val="202569"/>
+              </a:solidFill>
+            </a:endParaRPr>
+          </a:p>
+          <a:p>
+            <a:pPr>
+              <a:lnSpc>
+                <a:spcPts val="1800"/>
+              </a:lnSpc>
+            </a:pPr>
             <a:endParaRPr lang="en-US" altLang="ja-JP" sz="1400" dirty="0">
               <a:solidFill>
                 <a:srgbClr val="202569"/>
@@ -5550,14 +6376,14 @@
           <p:nvPr>
             <p:extLst>
               <p:ext uri="{D42A27DB-BD31-4B8C-83A1-F6EECF244321}">
-                <p14:modId xmlns:p14="http://schemas.microsoft.com/office/powerpoint/2010/main" val="641693607"/>
+                <p14:modId xmlns:p14="http://schemas.microsoft.com/office/powerpoint/2010/main" val="2038603962"/>
               </p:ext>
             </p:extLst>
           </p:nvPr>
         </p:nvGraphicFramePr>
         <p:xfrm>
           <a:off x="746096" y="3474151"/>
-          <a:ext cx="10309086" cy="1742440"/>
+          <a:ext cx="10309086" cy="1925320"/>
         </p:xfrm>
         <a:graphic>
           <a:graphicData uri="http://schemas.openxmlformats.org/drawingml/2006/table">
@@ -5668,15 +6494,7 @@
                     <a:p>
                       <a:r>
                         <a:rPr kumimoji="1" lang="ja-JP" altLang="en-US" sz="1200" dirty="0"/>
-                        <a:t>ユーザーの</a:t>
-                      </a:r>
-                      <a:r>
-                        <a:rPr kumimoji="1" lang="ja-JP" altLang="en-US" sz="1200" b="1" dirty="0"/>
-                        <a:t>要求</a:t>
-                      </a:r>
-                      <a:r>
-                        <a:rPr kumimoji="1" lang="ja-JP" altLang="en-US" sz="1200" dirty="0"/>
-                        <a:t>に対する</a:t>
+                        <a:t>テストシナリオに沿って</a:t>
                       </a:r>
                       <a:r>
                         <a:rPr kumimoji="1" lang="en-US" altLang="ja-JP" sz="1200" dirty="0"/>
@@ -5684,7 +6502,7 @@
                       </a:r>
                       <a:r>
                         <a:rPr kumimoji="1" lang="ja-JP" altLang="en-US" sz="1200" dirty="0"/>
-                        <a:t>エージェントの最終出力を決定する</a:t>
+                        <a:t>エージェントのシステムプロンプトを作成する</a:t>
                       </a:r>
                     </a:p>
                   </a:txBody>
@@ -5701,7 +6519,7 @@
                       </a:r>
                       <a:r>
                         <a:rPr lang="ja-JP" altLang="en-US" sz="1200" dirty="0"/>
-                        <a:t>要件の深掘りとテストシナリオの概略</a:t>
+                        <a:t>システムプロンプト作成・ツール連結</a:t>
                       </a:r>
                       <a:r>
                         <a:rPr kumimoji="1" lang="ja-JP" altLang="en-US" sz="1200" dirty="0"/>
@@ -5709,7 +6527,7 @@
                       </a:r>
                       <a:r>
                         <a:rPr kumimoji="1" lang="en-US" altLang="ja-JP" sz="1200" dirty="0"/>
-                        <a:t>Section5</a:t>
+                        <a:t>Section6</a:t>
                       </a:r>
                       <a:r>
                         <a:rPr kumimoji="1" lang="ja-JP" altLang="en-US" sz="1200" dirty="0"/>
@@ -5725,15 +6543,26 @@
                     <a:lstStyle/>
                     <a:p>
                       <a:r>
+                        <a:rPr kumimoji="1" lang="en-US" altLang="ja-JP" sz="1200" dirty="0" err="1"/>
+                        <a:t>Dify</a:t>
+                      </a:r>
+                      <a:r>
                         <a:rPr kumimoji="1" lang="ja-JP" altLang="en-US" sz="1200" dirty="0"/>
-                        <a:t>「要求」と「最終出力」の箇条書きリスト</a:t>
+                        <a:t>上で作成</a:t>
                       </a:r>
                       <a:endParaRPr kumimoji="1" lang="en-US" altLang="ja-JP" sz="1200" dirty="0"/>
                     </a:p>
                     <a:p>
                       <a:r>
                         <a:rPr kumimoji="1" lang="ja-JP" altLang="en-US" sz="1200" dirty="0"/>
-                        <a:t>（複数ケース）</a:t>
+                        <a:t>ツールの連結はスタブを作成して対応し、</a:t>
+                      </a:r>
+                      <a:endParaRPr kumimoji="1" lang="en-US" altLang="ja-JP" sz="1200" dirty="0"/>
+                    </a:p>
+                    <a:p>
+                      <a:r>
+                        <a:rPr kumimoji="1" lang="ja-JP" altLang="en-US" sz="1200" dirty="0"/>
+                        <a:t>テストシナリオの流れを実行可能にする</a:t>
                       </a:r>
                       <a:endParaRPr kumimoji="1" lang="en-US" altLang="ja-JP" sz="1200" dirty="0"/>
                     </a:p>
@@ -5770,36 +6599,12 @@
                         <a:defRPr/>
                       </a:pPr>
                       <a:r>
-                        <a:rPr kumimoji="1" lang="ja-JP" altLang="en-US" sz="1200" dirty="0"/>
-                        <a:t>シーケンス図にユーザーの入力内容、</a:t>
-                      </a:r>
-                      <a:endParaRPr kumimoji="1" lang="en-US" altLang="ja-JP" sz="1200"/>
-                    </a:p>
-                    <a:p>
-                      <a:pPr marL="0" marR="0" lvl="0" indent="0" algn="l" defTabSz="457200" rtl="0" eaLnBrk="1" fontAlgn="auto" latinLnBrk="0" hangingPunct="1">
-                        <a:lnSpc>
-                          <a:spcPct val="100000"/>
-                        </a:lnSpc>
-                        <a:spcBef>
-                          <a:spcPts val="0"/>
-                        </a:spcBef>
-                        <a:spcAft>
-                          <a:spcPts val="0"/>
-                        </a:spcAft>
-                        <a:buClrTx/>
-                        <a:buSzTx/>
-                        <a:buFontTx/>
-                        <a:buNone/>
-                        <a:tabLst/>
-                        <a:defRPr/>
-                      </a:pPr>
-                      <a:r>
-                        <a:rPr kumimoji="1" lang="en-US" altLang="ja-JP" sz="1200"/>
+                        <a:rPr kumimoji="1" lang="en-US" altLang="ja-JP" sz="1200" dirty="0"/>
                         <a:t>AI</a:t>
                       </a:r>
                       <a:r>
                         <a:rPr kumimoji="1" lang="ja-JP" altLang="en-US" sz="1200" dirty="0"/>
-                        <a:t>エージェントの想定出力を記載する</a:t>
+                        <a:t>エージェントが呼び出すワークフローを作成する</a:t>
                       </a:r>
                     </a:p>
                   </a:txBody>
@@ -5816,7 +6621,7 @@
                       </a:r>
                       <a:r>
                         <a:rPr lang="ja-JP" altLang="en-US" sz="1200" dirty="0"/>
-                        <a:t>テストシナリオ設計・作成</a:t>
+                        <a:t>ワークフロー開発・ツール化</a:t>
                       </a:r>
                     </a:p>
                     <a:p>
@@ -5826,7 +6631,7 @@
                       </a:r>
                       <a:r>
                         <a:rPr kumimoji="1" lang="en-US" altLang="ja-JP" sz="1200" dirty="0"/>
-                        <a:t>Section5</a:t>
+                        <a:t>Section6</a:t>
                       </a:r>
                       <a:r>
                         <a:rPr kumimoji="1" lang="ja-JP" altLang="en-US" sz="1200" dirty="0"/>
@@ -5859,32 +6664,12 @@
                         <a:defRPr/>
                       </a:pPr>
                       <a:r>
-                        <a:rPr kumimoji="1" lang="ja-JP" altLang="en-US" sz="1200" dirty="0"/>
-                        <a:t>「入力内容」と「想定出力」が記載された</a:t>
+                        <a:rPr kumimoji="1" lang="en-US" altLang="ja-JP" sz="1200" dirty="0" err="1"/>
+                        <a:t>Dify</a:t>
                       </a:r>
-                      <a:endParaRPr kumimoji="1" lang="en-US" altLang="ja-JP" sz="1200" dirty="0"/>
-                    </a:p>
-                    <a:p>
-                      <a:pPr marL="0" marR="0" lvl="0" indent="0" algn="l" defTabSz="457200" rtl="0" eaLnBrk="1" fontAlgn="auto" latinLnBrk="0" hangingPunct="1">
-                        <a:lnSpc>
-                          <a:spcPct val="100000"/>
-                        </a:lnSpc>
-                        <a:spcBef>
-                          <a:spcPts val="0"/>
-                        </a:spcBef>
-                        <a:spcAft>
-                          <a:spcPts val="0"/>
-                        </a:spcAft>
-                        <a:buClrTx/>
-                        <a:buSzTx/>
-                        <a:buFontTx/>
-                        <a:buNone/>
-                        <a:tabLst/>
-                        <a:defRPr/>
-                      </a:pPr>
                       <a:r>
                         <a:rPr kumimoji="1" lang="ja-JP" altLang="en-US" sz="1200" dirty="0"/>
-                        <a:t>シーケンス図</a:t>
+                        <a:t>上で作成</a:t>
                       </a:r>
                     </a:p>
                   </a:txBody>
@@ -5904,7 +6689,7 @@
                     <a:p>
                       <a:r>
                         <a:rPr kumimoji="1" lang="ja-JP" altLang="en-US" sz="1200" dirty="0"/>
-                        <a:t>テストシナリオを作成する</a:t>
+                        <a:t>外部ツールを作成する</a:t>
                       </a:r>
                     </a:p>
                   </a:txBody>
@@ -5938,7 +6723,15 @@
                       </a:r>
                       <a:r>
                         <a:rPr lang="ja-JP" altLang="en-US" sz="1200" dirty="0"/>
-                        <a:t>テストシナリオ設計・作成</a:t>
+                        <a:t>外部</a:t>
+                      </a:r>
+                      <a:r>
+                        <a:rPr lang="en-US" altLang="ja-JP" sz="1200" dirty="0"/>
+                        <a:t>API</a:t>
+                      </a:r>
+                      <a:r>
+                        <a:rPr lang="ja-JP" altLang="en-US" sz="1200" dirty="0"/>
+                        <a:t>接続・ツール化</a:t>
                       </a:r>
                     </a:p>
                     <a:p>
@@ -5965,7 +6758,7 @@
                       </a:r>
                       <a:r>
                         <a:rPr kumimoji="1" lang="en-US" altLang="ja-JP" sz="1200" dirty="0"/>
-                        <a:t>Section5</a:t>
+                        <a:t>Section6</a:t>
                       </a:r>
                       <a:r>
                         <a:rPr kumimoji="1" lang="ja-JP" altLang="en-US" sz="1200" dirty="0"/>
@@ -5982,15 +6775,20 @@
                     <a:p>
                       <a:r>
                         <a:rPr kumimoji="1" lang="ja-JP" altLang="en-US" sz="1200" dirty="0"/>
-                        <a:t>会話ベースのテストシナリオ</a:t>
+                        <a:t>外部ツールでエンドポイントを公開</a:t>
                       </a:r>
                       <a:endParaRPr kumimoji="1" lang="en-US" altLang="ja-JP" sz="1200" dirty="0"/>
                     </a:p>
                     <a:p>
                       <a:r>
+                        <a:rPr kumimoji="1" lang="en-US" altLang="ja-JP" sz="1200" dirty="0" err="1"/>
+                        <a:t>Dify</a:t>
+                      </a:r>
+                      <a:r>
                         <a:rPr kumimoji="1" lang="ja-JP" altLang="en-US" sz="1200" dirty="0"/>
-                        <a:t>（複数ケース）</a:t>
+                        <a:t>上で呼び出しツールを作成</a:t>
                       </a:r>
+                      <a:endParaRPr kumimoji="1" lang="en-US" altLang="ja-JP" sz="1200" dirty="0"/>
                     </a:p>
                   </a:txBody>
                   <a:tcPr/>
@@ -6005,123 +6803,6 @@
           </a:graphicData>
         </a:graphic>
       </p:graphicFrame>
-      <p:sp>
-        <p:nvSpPr>
-          <p:cNvPr id="3" name="正方形/長方形 2">
-            <a:extLst>
-              <a:ext uri="{FF2B5EF4-FFF2-40B4-BE49-F238E27FC236}">
-                <a16:creationId xmlns:a16="http://schemas.microsoft.com/office/drawing/2014/main" id="{89A63466-DB98-6544-6BBE-FC6CF6122E1B}"/>
-              </a:ext>
-            </a:extLst>
-          </p:cNvPr>
-          <p:cNvSpPr/>
-          <p:nvPr/>
-        </p:nvSpPr>
-        <p:spPr>
-          <a:xfrm>
-            <a:off x="658149" y="3429000"/>
-            <a:ext cx="10484980" cy="1878106"/>
-          </a:xfrm>
-          <a:prstGeom prst="rect">
-            <a:avLst/>
-          </a:prstGeom>
-          <a:noFill/>
-          <a:ln w="28575">
-            <a:solidFill>
-              <a:srgbClr val="C00000"/>
-            </a:solidFill>
-          </a:ln>
-        </p:spPr>
-        <p:style>
-          <a:lnRef idx="2">
-            <a:schemeClr val="dk1"/>
-          </a:lnRef>
-          <a:fillRef idx="1">
-            <a:schemeClr val="lt1"/>
-          </a:fillRef>
-          <a:effectRef idx="0">
-            <a:schemeClr val="dk1"/>
-          </a:effectRef>
-          <a:fontRef idx="minor">
-            <a:schemeClr val="dk1"/>
-          </a:fontRef>
-        </p:style>
-        <p:txBody>
-          <a:bodyPr rtlCol="0" anchor="ctr"/>
-          <a:lstStyle/>
-          <a:p>
-            <a:pPr algn="ctr"/>
-            <a:endParaRPr kumimoji="1" lang="ja-JP" altLang="en-US">
-              <a:solidFill>
-                <a:schemeClr val="dk1"/>
-              </a:solidFill>
-            </a:endParaRPr>
-          </a:p>
-        </p:txBody>
-      </p:sp>
-      <p:sp>
-        <p:nvSpPr>
-          <p:cNvPr id="5" name="吹き出し: 線 4">
-            <a:extLst>
-              <a:ext uri="{FF2B5EF4-FFF2-40B4-BE49-F238E27FC236}">
-                <a16:creationId xmlns:a16="http://schemas.microsoft.com/office/drawing/2014/main" id="{73EF4D36-F7E8-56F9-2E86-3A134A6B2363}"/>
-              </a:ext>
-            </a:extLst>
-          </p:cNvPr>
-          <p:cNvSpPr/>
-          <p:nvPr/>
-        </p:nvSpPr>
-        <p:spPr>
-          <a:xfrm>
-            <a:off x="10758496" y="2709787"/>
-            <a:ext cx="769265" cy="424622"/>
-          </a:xfrm>
-          <a:prstGeom prst="borderCallout1">
-            <a:avLst>
-              <a:gd name="adj1" fmla="val 18750"/>
-              <a:gd name="adj2" fmla="val -8333"/>
-              <a:gd name="adj3" fmla="val 152613"/>
-              <a:gd name="adj4" fmla="val -66302"/>
-            </a:avLst>
-          </a:prstGeom>
-          <a:solidFill>
-            <a:srgbClr val="FFFF00"/>
-          </a:solidFill>
-          <a:ln w="28575">
-            <a:solidFill>
-              <a:srgbClr val="C00000"/>
-            </a:solidFill>
-          </a:ln>
-        </p:spPr>
-        <p:style>
-          <a:lnRef idx="2">
-            <a:schemeClr val="dk1"/>
-          </a:lnRef>
-          <a:fillRef idx="1">
-            <a:schemeClr val="lt1"/>
-          </a:fillRef>
-          <a:effectRef idx="0">
-            <a:schemeClr val="dk1"/>
-          </a:effectRef>
-          <a:fontRef idx="minor">
-            <a:schemeClr val="dk1"/>
-          </a:fontRef>
-        </p:style>
-        <p:txBody>
-          <a:bodyPr rtlCol="0" anchor="ctr"/>
-          <a:lstStyle/>
-          <a:p>
-            <a:r>
-              <a:rPr kumimoji="1" lang="ja-JP" altLang="en-US" sz="900" dirty="0">
-                <a:solidFill>
-                  <a:schemeClr val="dk1"/>
-                </a:solidFill>
-              </a:rPr>
-              <a:t>後ほど着手</a:t>
-            </a:r>
-          </a:p>
-        </p:txBody>
-      </p:sp>
     </p:spTree>
     <p:extLst>
       <p:ext uri="{BB962C8B-B14F-4D97-AF65-F5344CB8AC3E}">
@@ -12230,7 +12911,7 @@
                   <a:schemeClr val="dk1"/>
                 </a:solidFill>
               </a:rPr>
-              <a:t>オーケストレーションで明記</a:t>
+              <a:t>オーケストレーションで明記する</a:t>
             </a:r>
           </a:p>
         </p:txBody>
@@ -12434,7 +13115,7 @@
           <a:p>
             <a:r>
               <a:rPr lang="ja-JP" altLang="en-US" dirty="0"/>
-              <a:t>ワークフロー開発・ツール化</a:t>
+              <a:t>ワークフロー開発</a:t>
             </a:r>
             <a:endParaRPr kumimoji="1" lang="ja-JP" altLang="en-US" dirty="0"/>
           </a:p>
@@ -12508,6 +13189,700 @@
           </a:p>
         </p:txBody>
       </p:sp>
+      <p:pic>
+        <p:nvPicPr>
+          <p:cNvPr id="2" name="図 1">
+            <a:extLst>
+              <a:ext uri="{FF2B5EF4-FFF2-40B4-BE49-F238E27FC236}">
+                <a16:creationId xmlns:a16="http://schemas.microsoft.com/office/drawing/2014/main" id="{2869480B-336B-1219-ADD9-17CA2C87A7D5}"/>
+              </a:ext>
+            </a:extLst>
+          </p:cNvPr>
+          <p:cNvPicPr>
+            <a:picLocks noChangeAspect="1"/>
+          </p:cNvPicPr>
+          <p:nvPr/>
+        </p:nvPicPr>
+        <p:blipFill>
+          <a:blip r:embed="rId2"/>
+          <a:srcRect/>
+          <a:stretch/>
+        </p:blipFill>
+        <p:spPr>
+          <a:xfrm>
+            <a:off x="446539" y="1009398"/>
+            <a:ext cx="11398597" cy="5455891"/>
+          </a:xfrm>
+          <a:prstGeom prst="rect">
+            <a:avLst/>
+          </a:prstGeom>
+        </p:spPr>
+      </p:pic>
+      <p:sp>
+        <p:nvSpPr>
+          <p:cNvPr id="3" name="フローチャート: 処理 2">
+            <a:extLst>
+              <a:ext uri="{FF2B5EF4-FFF2-40B4-BE49-F238E27FC236}">
+                <a16:creationId xmlns:a16="http://schemas.microsoft.com/office/drawing/2014/main" id="{24629BE6-735A-43AF-6E72-1D426956983A}"/>
+              </a:ext>
+            </a:extLst>
+          </p:cNvPr>
+          <p:cNvSpPr/>
+          <p:nvPr/>
+        </p:nvSpPr>
+        <p:spPr>
+          <a:xfrm>
+            <a:off x="2100637" y="2160126"/>
+            <a:ext cx="1125614" cy="352080"/>
+          </a:xfrm>
+          <a:prstGeom prst="flowChartProcess">
+            <a:avLst/>
+          </a:prstGeom>
+          <a:noFill/>
+          <a:ln w="28575">
+            <a:solidFill>
+              <a:srgbClr val="C00000"/>
+            </a:solidFill>
+          </a:ln>
+        </p:spPr>
+        <p:style>
+          <a:lnRef idx="2">
+            <a:schemeClr val="dk1"/>
+          </a:lnRef>
+          <a:fillRef idx="1">
+            <a:schemeClr val="lt1"/>
+          </a:fillRef>
+          <a:effectRef idx="0">
+            <a:schemeClr val="dk1"/>
+          </a:effectRef>
+          <a:fontRef idx="minor">
+            <a:schemeClr val="dk1"/>
+          </a:fontRef>
+        </p:style>
+        <p:txBody>
+          <a:bodyPr rtlCol="0" anchor="ctr"/>
+          <a:lstStyle/>
+          <a:p>
+            <a:pPr algn="ctr"/>
+            <a:endParaRPr kumimoji="1" lang="ja-JP" altLang="en-US">
+              <a:solidFill>
+                <a:schemeClr val="dk1"/>
+              </a:solidFill>
+            </a:endParaRPr>
+          </a:p>
+        </p:txBody>
+      </p:sp>
+      <p:sp>
+        <p:nvSpPr>
+          <p:cNvPr id="5" name="吹き出し: 線 4">
+            <a:extLst>
+              <a:ext uri="{FF2B5EF4-FFF2-40B4-BE49-F238E27FC236}">
+                <a16:creationId xmlns:a16="http://schemas.microsoft.com/office/drawing/2014/main" id="{755F49EC-DA53-8D95-074B-D893AE21562A}"/>
+              </a:ext>
+            </a:extLst>
+          </p:cNvPr>
+          <p:cNvSpPr/>
+          <p:nvPr/>
+        </p:nvSpPr>
+        <p:spPr>
+          <a:xfrm>
+            <a:off x="470293" y="2928726"/>
+            <a:ext cx="1413546" cy="808617"/>
+          </a:xfrm>
+          <a:prstGeom prst="borderCallout1">
+            <a:avLst>
+              <a:gd name="adj1" fmla="val -11758"/>
+              <a:gd name="adj2" fmla="val 85355"/>
+              <a:gd name="adj3" fmla="val -53431"/>
+              <a:gd name="adj4" fmla="val 110334"/>
+            </a:avLst>
+          </a:prstGeom>
+          <a:solidFill>
+            <a:srgbClr val="FFFF00"/>
+          </a:solidFill>
+          <a:ln w="19050">
+            <a:solidFill>
+              <a:srgbClr val="C00000"/>
+            </a:solidFill>
+          </a:ln>
+        </p:spPr>
+        <p:style>
+          <a:lnRef idx="2">
+            <a:schemeClr val="dk1"/>
+          </a:lnRef>
+          <a:fillRef idx="1">
+            <a:schemeClr val="lt1"/>
+          </a:fillRef>
+          <a:effectRef idx="0">
+            <a:schemeClr val="dk1"/>
+          </a:effectRef>
+          <a:fontRef idx="minor">
+            <a:schemeClr val="dk1"/>
+          </a:fontRef>
+        </p:style>
+        <p:txBody>
+          <a:bodyPr rtlCol="0" anchor="ctr"/>
+          <a:lstStyle/>
+          <a:p>
+            <a:r>
+              <a:rPr kumimoji="1" lang="ja-JP" altLang="en-US" sz="900" dirty="0">
+                <a:solidFill>
+                  <a:schemeClr val="dk1"/>
+                </a:solidFill>
+              </a:rPr>
+              <a:t>開始ノード</a:t>
+            </a:r>
+            <a:endParaRPr kumimoji="1" lang="en-US" altLang="ja-JP" sz="900" dirty="0">
+              <a:solidFill>
+                <a:schemeClr val="dk1"/>
+              </a:solidFill>
+            </a:endParaRPr>
+          </a:p>
+          <a:p>
+            <a:endParaRPr kumimoji="1" lang="en-US" altLang="ja-JP" sz="900" dirty="0">
+              <a:solidFill>
+                <a:schemeClr val="dk1"/>
+              </a:solidFill>
+            </a:endParaRPr>
+          </a:p>
+          <a:p>
+            <a:r>
+              <a:rPr lang="ja-JP" altLang="en-US" sz="900" dirty="0"/>
+              <a:t>開始ノードから</a:t>
+            </a:r>
+            <a:br>
+              <a:rPr lang="en-US" altLang="ja-JP" sz="900" dirty="0"/>
+            </a:br>
+            <a:r>
+              <a:rPr lang="ja-JP" altLang="en-US" sz="900" dirty="0"/>
+              <a:t>終了ノードまでのノードを接続順に実行</a:t>
+            </a:r>
+            <a:endParaRPr kumimoji="1" lang="en-US" altLang="ja-JP" sz="900" dirty="0">
+              <a:solidFill>
+                <a:schemeClr val="dk1"/>
+              </a:solidFill>
+            </a:endParaRPr>
+          </a:p>
+        </p:txBody>
+      </p:sp>
+      <p:sp>
+        <p:nvSpPr>
+          <p:cNvPr id="6" name="吹き出し: 線 5">
+            <a:extLst>
+              <a:ext uri="{FF2B5EF4-FFF2-40B4-BE49-F238E27FC236}">
+                <a16:creationId xmlns:a16="http://schemas.microsoft.com/office/drawing/2014/main" id="{18BE65F9-102C-54A4-D359-795EFDE4822E}"/>
+              </a:ext>
+            </a:extLst>
+          </p:cNvPr>
+          <p:cNvSpPr/>
+          <p:nvPr/>
+        </p:nvSpPr>
+        <p:spPr>
+          <a:xfrm>
+            <a:off x="3036857" y="3962330"/>
+            <a:ext cx="1841275" cy="766929"/>
+          </a:xfrm>
+          <a:prstGeom prst="borderCallout1">
+            <a:avLst>
+              <a:gd name="adj1" fmla="val 5607"/>
+              <a:gd name="adj2" fmla="val -2366"/>
+              <a:gd name="adj3" fmla="val -51396"/>
+              <a:gd name="adj4" fmla="val -23556"/>
+            </a:avLst>
+          </a:prstGeom>
+          <a:solidFill>
+            <a:srgbClr val="FFFF00"/>
+          </a:solidFill>
+          <a:ln w="19050">
+            <a:solidFill>
+              <a:srgbClr val="C00000"/>
+            </a:solidFill>
+          </a:ln>
+        </p:spPr>
+        <p:style>
+          <a:lnRef idx="2">
+            <a:schemeClr val="dk1"/>
+          </a:lnRef>
+          <a:fillRef idx="1">
+            <a:schemeClr val="lt1"/>
+          </a:fillRef>
+          <a:effectRef idx="0">
+            <a:schemeClr val="dk1"/>
+          </a:effectRef>
+          <a:fontRef idx="minor">
+            <a:schemeClr val="dk1"/>
+          </a:fontRef>
+        </p:style>
+        <p:txBody>
+          <a:bodyPr rtlCol="0" anchor="ctr"/>
+          <a:lstStyle/>
+          <a:p>
+            <a:r>
+              <a:rPr kumimoji="1" lang="ja-JP" altLang="en-US" sz="900" dirty="0">
+                <a:solidFill>
+                  <a:schemeClr val="dk1"/>
+                </a:solidFill>
+              </a:rPr>
+              <a:t>コメントブロック</a:t>
+            </a:r>
+            <a:endParaRPr kumimoji="1" lang="en-US" altLang="ja-JP" sz="900" dirty="0">
+              <a:solidFill>
+                <a:schemeClr val="dk1"/>
+              </a:solidFill>
+            </a:endParaRPr>
+          </a:p>
+          <a:p>
+            <a:endParaRPr lang="en-US" altLang="ja-JP" sz="900" dirty="0"/>
+          </a:p>
+          <a:p>
+            <a:r>
+              <a:rPr kumimoji="1" lang="ja-JP" altLang="en-US" sz="900" dirty="0">
+                <a:solidFill>
+                  <a:schemeClr val="dk1"/>
+                </a:solidFill>
+              </a:rPr>
+              <a:t>必要に応じてブロックを配置し、</a:t>
+            </a:r>
+            <a:endParaRPr kumimoji="1" lang="en-US" altLang="ja-JP" sz="900" dirty="0">
+              <a:solidFill>
+                <a:schemeClr val="dk1"/>
+              </a:solidFill>
+            </a:endParaRPr>
+          </a:p>
+          <a:p>
+            <a:r>
+              <a:rPr lang="ja-JP" altLang="en-US" sz="900" dirty="0"/>
+              <a:t>コメントの</a:t>
+            </a:r>
+            <a:r>
+              <a:rPr kumimoji="1" lang="ja-JP" altLang="en-US" sz="900" dirty="0">
+                <a:solidFill>
+                  <a:schemeClr val="dk1"/>
+                </a:solidFill>
+              </a:rPr>
+              <a:t>記述が可能</a:t>
+            </a:r>
+          </a:p>
+        </p:txBody>
+      </p:sp>
+      <p:sp>
+        <p:nvSpPr>
+          <p:cNvPr id="7" name="フローチャート: 処理 6">
+            <a:extLst>
+              <a:ext uri="{FF2B5EF4-FFF2-40B4-BE49-F238E27FC236}">
+                <a16:creationId xmlns:a16="http://schemas.microsoft.com/office/drawing/2014/main" id="{90098494-9604-045B-E7C9-612D653F9EAD}"/>
+              </a:ext>
+            </a:extLst>
+          </p:cNvPr>
+          <p:cNvSpPr/>
+          <p:nvPr/>
+        </p:nvSpPr>
+        <p:spPr>
+          <a:xfrm>
+            <a:off x="2113830" y="2752866"/>
+            <a:ext cx="1099229" cy="759340"/>
+          </a:xfrm>
+          <a:prstGeom prst="flowChartProcess">
+            <a:avLst/>
+          </a:prstGeom>
+          <a:noFill/>
+          <a:ln w="28575">
+            <a:solidFill>
+              <a:srgbClr val="C00000"/>
+            </a:solidFill>
+          </a:ln>
+        </p:spPr>
+        <p:style>
+          <a:lnRef idx="2">
+            <a:schemeClr val="dk1"/>
+          </a:lnRef>
+          <a:fillRef idx="1">
+            <a:schemeClr val="lt1"/>
+          </a:fillRef>
+          <a:effectRef idx="0">
+            <a:schemeClr val="dk1"/>
+          </a:effectRef>
+          <a:fontRef idx="minor">
+            <a:schemeClr val="dk1"/>
+          </a:fontRef>
+        </p:style>
+        <p:txBody>
+          <a:bodyPr rtlCol="0" anchor="ctr"/>
+          <a:lstStyle/>
+          <a:p>
+            <a:pPr algn="ctr"/>
+            <a:endParaRPr kumimoji="1" lang="ja-JP" altLang="en-US">
+              <a:solidFill>
+                <a:schemeClr val="dk1"/>
+              </a:solidFill>
+            </a:endParaRPr>
+          </a:p>
+        </p:txBody>
+      </p:sp>
+      <p:sp>
+        <p:nvSpPr>
+          <p:cNvPr id="8" name="正方形/長方形 7">
+            <a:extLst>
+              <a:ext uri="{FF2B5EF4-FFF2-40B4-BE49-F238E27FC236}">
+                <a16:creationId xmlns:a16="http://schemas.microsoft.com/office/drawing/2014/main" id="{1995CF4B-9853-928B-9518-38E89B45043A}"/>
+              </a:ext>
+            </a:extLst>
+          </p:cNvPr>
+          <p:cNvSpPr/>
+          <p:nvPr/>
+        </p:nvSpPr>
+        <p:spPr>
+          <a:xfrm>
+            <a:off x="8343219" y="350235"/>
+            <a:ext cx="3541059" cy="388991"/>
+          </a:xfrm>
+          <a:prstGeom prst="rect">
+            <a:avLst/>
+          </a:prstGeom>
+          <a:solidFill>
+            <a:srgbClr val="FFFF00"/>
+          </a:solidFill>
+          <a:ln w="19050">
+            <a:solidFill>
+              <a:srgbClr val="C00000"/>
+            </a:solidFill>
+          </a:ln>
+        </p:spPr>
+        <p:style>
+          <a:lnRef idx="2">
+            <a:schemeClr val="dk1"/>
+          </a:lnRef>
+          <a:fillRef idx="1">
+            <a:schemeClr val="lt1"/>
+          </a:fillRef>
+          <a:effectRef idx="0">
+            <a:schemeClr val="dk1"/>
+          </a:effectRef>
+          <a:fontRef idx="minor">
+            <a:schemeClr val="dk1"/>
+          </a:fontRef>
+        </p:style>
+        <p:txBody>
+          <a:bodyPr rtlCol="0" anchor="ctr"/>
+          <a:lstStyle/>
+          <a:p>
+            <a:r>
+              <a:rPr kumimoji="1" lang="ja-JP" altLang="en-US" sz="900" dirty="0">
+                <a:solidFill>
+                  <a:schemeClr val="dk1"/>
+                </a:solidFill>
+              </a:rPr>
+              <a:t>ワークフロー作成詳細については公式ドキュメントを参照のこと</a:t>
+            </a:r>
+            <a:endParaRPr kumimoji="1" lang="en-US" altLang="ja-JP" sz="900" dirty="0">
+              <a:solidFill>
+                <a:schemeClr val="dk1"/>
+              </a:solidFill>
+            </a:endParaRPr>
+          </a:p>
+          <a:p>
+            <a:r>
+              <a:rPr kumimoji="1" lang="en-US" altLang="ja-JP" sz="900" dirty="0">
+                <a:solidFill>
+                  <a:schemeClr val="dk1"/>
+                </a:solidFill>
+                <a:hlinkClick r:id="rId3"/>
+              </a:rPr>
+              <a:t>https://docs.dify.ai/guides/workflow</a:t>
+            </a:r>
+            <a:endParaRPr kumimoji="1" lang="ja-JP" altLang="en-US" sz="900" dirty="0">
+              <a:solidFill>
+                <a:schemeClr val="dk1"/>
+              </a:solidFill>
+            </a:endParaRPr>
+          </a:p>
+        </p:txBody>
+      </p:sp>
+      <p:pic>
+        <p:nvPicPr>
+          <p:cNvPr id="10" name="図 9" descr="グラフィカル ユーザー インターフェイス, アプリケーション&#10;&#10;AI によって生成されたコンテンツは間違っている可能性があります。">
+            <a:extLst>
+              <a:ext uri="{FF2B5EF4-FFF2-40B4-BE49-F238E27FC236}">
+                <a16:creationId xmlns:a16="http://schemas.microsoft.com/office/drawing/2014/main" id="{24245842-83DA-BE00-065F-8A7A9A3AD43A}"/>
+              </a:ext>
+            </a:extLst>
+          </p:cNvPr>
+          <p:cNvPicPr>
+            <a:picLocks noChangeAspect="1"/>
+          </p:cNvPicPr>
+          <p:nvPr/>
+        </p:nvPicPr>
+        <p:blipFill>
+          <a:blip r:embed="rId4"/>
+          <a:stretch>
+            <a:fillRect/>
+          </a:stretch>
+        </p:blipFill>
+        <p:spPr>
+          <a:xfrm>
+            <a:off x="7702550" y="3277095"/>
+            <a:ext cx="1129619" cy="3086439"/>
+          </a:xfrm>
+          <a:prstGeom prst="rect">
+            <a:avLst/>
+          </a:prstGeom>
+        </p:spPr>
+      </p:pic>
+      <p:sp>
+        <p:nvSpPr>
+          <p:cNvPr id="11" name="フローチャート: 処理 10">
+            <a:extLst>
+              <a:ext uri="{FF2B5EF4-FFF2-40B4-BE49-F238E27FC236}">
+                <a16:creationId xmlns:a16="http://schemas.microsoft.com/office/drawing/2014/main" id="{01F6E983-22C1-965F-876B-476489E4DAFF}"/>
+              </a:ext>
+            </a:extLst>
+          </p:cNvPr>
+          <p:cNvSpPr/>
+          <p:nvPr/>
+        </p:nvSpPr>
+        <p:spPr>
+          <a:xfrm>
+            <a:off x="7680563" y="3250040"/>
+            <a:ext cx="1173591" cy="3140547"/>
+          </a:xfrm>
+          <a:prstGeom prst="flowChartProcess">
+            <a:avLst/>
+          </a:prstGeom>
+          <a:noFill/>
+          <a:ln w="28575">
+            <a:solidFill>
+              <a:srgbClr val="C00000"/>
+            </a:solidFill>
+          </a:ln>
+        </p:spPr>
+        <p:style>
+          <a:lnRef idx="2">
+            <a:schemeClr val="dk1"/>
+          </a:lnRef>
+          <a:fillRef idx="1">
+            <a:schemeClr val="lt1"/>
+          </a:fillRef>
+          <a:effectRef idx="0">
+            <a:schemeClr val="dk1"/>
+          </a:effectRef>
+          <a:fontRef idx="minor">
+            <a:schemeClr val="dk1"/>
+          </a:fontRef>
+        </p:style>
+        <p:txBody>
+          <a:bodyPr rtlCol="0" anchor="ctr"/>
+          <a:lstStyle/>
+          <a:p>
+            <a:pPr algn="ctr"/>
+            <a:endParaRPr kumimoji="1" lang="ja-JP" altLang="en-US">
+              <a:solidFill>
+                <a:schemeClr val="dk1"/>
+              </a:solidFill>
+            </a:endParaRPr>
+          </a:p>
+        </p:txBody>
+      </p:sp>
+      <p:sp>
+        <p:nvSpPr>
+          <p:cNvPr id="12" name="吹き出し: 線 11">
+            <a:extLst>
+              <a:ext uri="{FF2B5EF4-FFF2-40B4-BE49-F238E27FC236}">
+                <a16:creationId xmlns:a16="http://schemas.microsoft.com/office/drawing/2014/main" id="{DCFD0841-B505-CC4B-76A6-C72791449B4F}"/>
+              </a:ext>
+            </a:extLst>
+          </p:cNvPr>
+          <p:cNvSpPr/>
+          <p:nvPr/>
+        </p:nvSpPr>
+        <p:spPr>
+          <a:xfrm>
+            <a:off x="5643760" y="5745142"/>
+            <a:ext cx="1841275" cy="645445"/>
+          </a:xfrm>
+          <a:prstGeom prst="borderCallout1">
+            <a:avLst>
+              <a:gd name="adj1" fmla="val -12608"/>
+              <a:gd name="adj2" fmla="val 94887"/>
+              <a:gd name="adj3" fmla="val -84515"/>
+              <a:gd name="adj4" fmla="val 105770"/>
+            </a:avLst>
+          </a:prstGeom>
+          <a:solidFill>
+            <a:srgbClr val="FFFF00"/>
+          </a:solidFill>
+          <a:ln w="19050">
+            <a:solidFill>
+              <a:srgbClr val="C00000"/>
+            </a:solidFill>
+          </a:ln>
+        </p:spPr>
+        <p:style>
+          <a:lnRef idx="2">
+            <a:schemeClr val="dk1"/>
+          </a:lnRef>
+          <a:fillRef idx="1">
+            <a:schemeClr val="lt1"/>
+          </a:fillRef>
+          <a:effectRef idx="0">
+            <a:schemeClr val="dk1"/>
+          </a:effectRef>
+          <a:fontRef idx="minor">
+            <a:schemeClr val="dk1"/>
+          </a:fontRef>
+        </p:style>
+        <p:txBody>
+          <a:bodyPr rtlCol="0" anchor="ctr"/>
+          <a:lstStyle/>
+          <a:p>
+            <a:r>
+              <a:rPr lang="ja-JP" altLang="en-US" sz="900" dirty="0"/>
+              <a:t>ブロック選択ダイアログ</a:t>
+            </a:r>
+            <a:endParaRPr lang="en-US" altLang="ja-JP" sz="900" dirty="0"/>
+          </a:p>
+          <a:p>
+            <a:endParaRPr lang="en-US" altLang="ja-JP" sz="900" dirty="0"/>
+          </a:p>
+          <a:p>
+            <a:r>
+              <a:rPr lang="ja-JP" altLang="en-US" sz="900" dirty="0"/>
+              <a:t>リストからブロックを選択し、</a:t>
+            </a:r>
+            <a:endParaRPr lang="en-US" altLang="ja-JP" sz="900" dirty="0"/>
+          </a:p>
+          <a:p>
+            <a:r>
+              <a:rPr lang="ja-JP" altLang="en-US" sz="900" dirty="0"/>
+              <a:t>ノードとして配置する</a:t>
+            </a:r>
+            <a:endParaRPr lang="en-US" altLang="ja-JP" sz="900" dirty="0"/>
+          </a:p>
+        </p:txBody>
+      </p:sp>
+      <p:sp>
+        <p:nvSpPr>
+          <p:cNvPr id="13" name="フローチャート: 処理 12">
+            <a:extLst>
+              <a:ext uri="{FF2B5EF4-FFF2-40B4-BE49-F238E27FC236}">
+                <a16:creationId xmlns:a16="http://schemas.microsoft.com/office/drawing/2014/main" id="{3D7A30FF-BA1B-B99D-E075-5F9CCE7E532C}"/>
+              </a:ext>
+            </a:extLst>
+          </p:cNvPr>
+          <p:cNvSpPr/>
+          <p:nvPr/>
+        </p:nvSpPr>
+        <p:spPr>
+          <a:xfrm>
+            <a:off x="9309726" y="1679766"/>
+            <a:ext cx="2484023" cy="4710821"/>
+          </a:xfrm>
+          <a:prstGeom prst="flowChartProcess">
+            <a:avLst/>
+          </a:prstGeom>
+          <a:noFill/>
+          <a:ln w="28575">
+            <a:solidFill>
+              <a:srgbClr val="C00000"/>
+            </a:solidFill>
+          </a:ln>
+        </p:spPr>
+        <p:style>
+          <a:lnRef idx="2">
+            <a:schemeClr val="dk1"/>
+          </a:lnRef>
+          <a:fillRef idx="1">
+            <a:schemeClr val="lt1"/>
+          </a:fillRef>
+          <a:effectRef idx="0">
+            <a:schemeClr val="dk1"/>
+          </a:effectRef>
+          <a:fontRef idx="minor">
+            <a:schemeClr val="dk1"/>
+          </a:fontRef>
+        </p:style>
+        <p:txBody>
+          <a:bodyPr rtlCol="0" anchor="ctr"/>
+          <a:lstStyle/>
+          <a:p>
+            <a:pPr algn="ctr"/>
+            <a:endParaRPr kumimoji="1" lang="ja-JP" altLang="en-US">
+              <a:solidFill>
+                <a:schemeClr val="dk1"/>
+              </a:solidFill>
+            </a:endParaRPr>
+          </a:p>
+        </p:txBody>
+      </p:sp>
+      <p:sp>
+        <p:nvSpPr>
+          <p:cNvPr id="14" name="吹き出し: 線 13">
+            <a:extLst>
+              <a:ext uri="{FF2B5EF4-FFF2-40B4-BE49-F238E27FC236}">
+                <a16:creationId xmlns:a16="http://schemas.microsoft.com/office/drawing/2014/main" id="{393E8292-FF94-2C19-63EC-AD89307D1100}"/>
+              </a:ext>
+            </a:extLst>
+          </p:cNvPr>
+          <p:cNvSpPr/>
+          <p:nvPr/>
+        </p:nvSpPr>
+        <p:spPr>
+          <a:xfrm>
+            <a:off x="6990894" y="1484274"/>
+            <a:ext cx="1841275" cy="645445"/>
+          </a:xfrm>
+          <a:prstGeom prst="borderCallout1">
+            <a:avLst>
+              <a:gd name="adj1" fmla="val 6281"/>
+              <a:gd name="adj2" fmla="val 106061"/>
+              <a:gd name="adj3" fmla="val 45349"/>
+              <a:gd name="adj4" fmla="val 123152"/>
+            </a:avLst>
+          </a:prstGeom>
+          <a:solidFill>
+            <a:srgbClr val="FFFF00"/>
+          </a:solidFill>
+          <a:ln w="19050">
+            <a:solidFill>
+              <a:srgbClr val="C00000"/>
+            </a:solidFill>
+          </a:ln>
+        </p:spPr>
+        <p:style>
+          <a:lnRef idx="2">
+            <a:schemeClr val="dk1"/>
+          </a:lnRef>
+          <a:fillRef idx="1">
+            <a:schemeClr val="lt1"/>
+          </a:fillRef>
+          <a:effectRef idx="0">
+            <a:schemeClr val="dk1"/>
+          </a:effectRef>
+          <a:fontRef idx="minor">
+            <a:schemeClr val="dk1"/>
+          </a:fontRef>
+        </p:style>
+        <p:txBody>
+          <a:bodyPr rtlCol="0" anchor="ctr"/>
+          <a:lstStyle/>
+          <a:p>
+            <a:r>
+              <a:rPr lang="ja-JP" altLang="en-US" sz="900" dirty="0"/>
+              <a:t>ノード編集ダイアログ</a:t>
+            </a:r>
+            <a:endParaRPr lang="en-US" altLang="ja-JP" sz="900" dirty="0"/>
+          </a:p>
+          <a:p>
+            <a:endParaRPr lang="en-US" altLang="ja-JP" sz="900" dirty="0"/>
+          </a:p>
+          <a:p>
+            <a:r>
+              <a:rPr lang="ja-JP" altLang="en-US" sz="900" dirty="0"/>
+              <a:t>選択中のノードのパラメータを設定・変更する</a:t>
+            </a:r>
+            <a:endParaRPr lang="en-US" altLang="ja-JP" sz="900" dirty="0"/>
+          </a:p>
+        </p:txBody>
+      </p:sp>
     </p:spTree>
     <p:extLst>
       <p:ext uri="{BB962C8B-B14F-4D97-AF65-F5344CB8AC3E}">
@@ -12522,6 +13897,668 @@
 </file>
 
 <file path=ppt/slides/slide8.xml><?xml version="1.0" encoding="utf-8"?>
+<p:sld xmlns:a="http://schemas.openxmlformats.org/drawingml/2006/main" xmlns:r="http://schemas.openxmlformats.org/officeDocument/2006/relationships" xmlns:p="http://schemas.openxmlformats.org/presentationml/2006/main">
+  <p:cSld>
+    <p:spTree>
+      <p:nvGrpSpPr>
+        <p:cNvPr id="1" name="">
+          <a:extLst>
+            <a:ext uri="{FF2B5EF4-FFF2-40B4-BE49-F238E27FC236}">
+              <a16:creationId xmlns:a16="http://schemas.microsoft.com/office/drawing/2014/main" id="{F70F9E6F-CA70-5505-4673-56E4130AA3B3}"/>
+            </a:ext>
+          </a:extLst>
+        </p:cNvPr>
+        <p:cNvGrpSpPr/>
+        <p:nvPr/>
+      </p:nvGrpSpPr>
+      <p:grpSpPr>
+        <a:xfrm>
+          <a:off x="0" y="0"/>
+          <a:ext cx="0" cy="0"/>
+          <a:chOff x="0" y="0"/>
+          <a:chExt cx="0" cy="0"/>
+        </a:xfrm>
+      </p:grpSpPr>
+      <p:sp>
+        <p:nvSpPr>
+          <p:cNvPr id="4" name="タイトル 1">
+            <a:extLst>
+              <a:ext uri="{FF2B5EF4-FFF2-40B4-BE49-F238E27FC236}">
+                <a16:creationId xmlns:a16="http://schemas.microsoft.com/office/drawing/2014/main" id="{0C84C56D-A460-5CEA-5906-73DD06DBA40D}"/>
+              </a:ext>
+            </a:extLst>
+          </p:cNvPr>
+          <p:cNvSpPr>
+            <a:spLocks noGrp="1"/>
+          </p:cNvSpPr>
+          <p:nvPr>
+            <p:ph type="title"/>
+          </p:nvPr>
+        </p:nvSpPr>
+        <p:spPr>
+          <a:xfrm>
+            <a:off x="345404" y="407406"/>
+            <a:ext cx="11512163" cy="388990"/>
+          </a:xfrm>
+        </p:spPr>
+        <p:txBody>
+          <a:bodyPr>
+            <a:normAutofit fontScale="90000"/>
+          </a:bodyPr>
+          <a:lstStyle/>
+          <a:p>
+            <a:r>
+              <a:rPr lang="ja-JP" altLang="en-US" dirty="0"/>
+              <a:t>ワークフローツール化</a:t>
+            </a:r>
+            <a:endParaRPr kumimoji="1" lang="ja-JP" altLang="en-US" dirty="0"/>
+          </a:p>
+        </p:txBody>
+      </p:sp>
+      <p:sp>
+        <p:nvSpPr>
+          <p:cNvPr id="20" name="フッター プレースホルダー 3">
+            <a:extLst>
+              <a:ext uri="{FF2B5EF4-FFF2-40B4-BE49-F238E27FC236}">
+                <a16:creationId xmlns:a16="http://schemas.microsoft.com/office/drawing/2014/main" id="{058EF48E-5AE9-456F-DF41-9B53238B345C}"/>
+              </a:ext>
+            </a:extLst>
+          </p:cNvPr>
+          <p:cNvSpPr>
+            <a:spLocks noGrp="1"/>
+          </p:cNvSpPr>
+          <p:nvPr>
+            <p:ph type="ftr" sz="quarter" idx="11"/>
+          </p:nvPr>
+        </p:nvSpPr>
+        <p:spPr>
+          <a:xfrm>
+            <a:off x="8444093" y="6519334"/>
+            <a:ext cx="3747911" cy="365125"/>
+          </a:xfrm>
+        </p:spPr>
+        <p:txBody>
+          <a:bodyPr/>
+          <a:lstStyle/>
+          <a:p>
+            <a:r>
+              <a:rPr lang="en-US" altLang="ja-JP" dirty="0"/>
+              <a:t>Copyright (C) 2025 dbE.inc All Rights Reserved.</a:t>
+            </a:r>
+            <a:endParaRPr lang="ja-JP" altLang="en-US" dirty="0"/>
+          </a:p>
+        </p:txBody>
+      </p:sp>
+      <p:sp>
+        <p:nvSpPr>
+          <p:cNvPr id="24" name="スライド番号プレースホルダー 3">
+            <a:extLst>
+              <a:ext uri="{FF2B5EF4-FFF2-40B4-BE49-F238E27FC236}">
+                <a16:creationId xmlns:a16="http://schemas.microsoft.com/office/drawing/2014/main" id="{B4B43EA0-95E2-D7F7-D5CA-65C183F6FA53}"/>
+              </a:ext>
+            </a:extLst>
+          </p:cNvPr>
+          <p:cNvSpPr>
+            <a:spLocks noGrp="1"/>
+          </p:cNvSpPr>
+          <p:nvPr>
+            <p:ph type="sldNum" sz="quarter" idx="12"/>
+          </p:nvPr>
+        </p:nvSpPr>
+        <p:spPr>
+          <a:xfrm>
+            <a:off x="5252699" y="6550754"/>
+            <a:ext cx="1783644" cy="307247"/>
+          </a:xfrm>
+        </p:spPr>
+        <p:txBody>
+          <a:bodyPr/>
+          <a:lstStyle/>
+          <a:p>
+            <a:fld id="{0AF7E18D-A281-EF4E-83EF-D7811667EA6C}" type="slidenum">
+              <a:rPr kumimoji="1" lang="ja-JP" altLang="en-US" smtClean="0"/>
+              <a:t>8</a:t>
+            </a:fld>
+            <a:endParaRPr kumimoji="1" lang="ja-JP" altLang="en-US"/>
+          </a:p>
+        </p:txBody>
+      </p:sp>
+      <p:pic>
+        <p:nvPicPr>
+          <p:cNvPr id="2" name="図 1">
+            <a:extLst>
+              <a:ext uri="{FF2B5EF4-FFF2-40B4-BE49-F238E27FC236}">
+                <a16:creationId xmlns:a16="http://schemas.microsoft.com/office/drawing/2014/main" id="{89164691-A135-7C8A-DF59-941FA67ED08C}"/>
+              </a:ext>
+            </a:extLst>
+          </p:cNvPr>
+          <p:cNvPicPr>
+            <a:picLocks noChangeAspect="1"/>
+          </p:cNvPicPr>
+          <p:nvPr/>
+        </p:nvPicPr>
+        <p:blipFill>
+          <a:blip r:embed="rId2"/>
+          <a:srcRect/>
+          <a:stretch/>
+        </p:blipFill>
+        <p:spPr>
+          <a:xfrm>
+            <a:off x="446539" y="1009398"/>
+            <a:ext cx="11398597" cy="5455890"/>
+          </a:xfrm>
+          <a:prstGeom prst="rect">
+            <a:avLst/>
+          </a:prstGeom>
+        </p:spPr>
+      </p:pic>
+      <p:sp>
+        <p:nvSpPr>
+          <p:cNvPr id="5" name="吹き出し: 線 4">
+            <a:extLst>
+              <a:ext uri="{FF2B5EF4-FFF2-40B4-BE49-F238E27FC236}">
+                <a16:creationId xmlns:a16="http://schemas.microsoft.com/office/drawing/2014/main" id="{ACAA56E1-72A3-4D2C-B194-6A6B86D34E66}"/>
+              </a:ext>
+            </a:extLst>
+          </p:cNvPr>
+          <p:cNvSpPr/>
+          <p:nvPr/>
+        </p:nvSpPr>
+        <p:spPr>
+          <a:xfrm>
+            <a:off x="2872741" y="4747984"/>
+            <a:ext cx="2202180" cy="1241336"/>
+          </a:xfrm>
+          <a:prstGeom prst="borderCallout1">
+            <a:avLst>
+              <a:gd name="adj1" fmla="val -11758"/>
+              <a:gd name="adj2" fmla="val 85355"/>
+              <a:gd name="adj3" fmla="val -53431"/>
+              <a:gd name="adj4" fmla="val 105788"/>
+            </a:avLst>
+          </a:prstGeom>
+          <a:solidFill>
+            <a:srgbClr val="FFFF00"/>
+          </a:solidFill>
+          <a:ln w="19050">
+            <a:solidFill>
+              <a:srgbClr val="C00000"/>
+            </a:solidFill>
+          </a:ln>
+        </p:spPr>
+        <p:style>
+          <a:lnRef idx="2">
+            <a:schemeClr val="dk1"/>
+          </a:lnRef>
+          <a:fillRef idx="1">
+            <a:schemeClr val="lt1"/>
+          </a:fillRef>
+          <a:effectRef idx="0">
+            <a:schemeClr val="dk1"/>
+          </a:effectRef>
+          <a:fontRef idx="minor">
+            <a:schemeClr val="dk1"/>
+          </a:fontRef>
+        </p:style>
+        <p:txBody>
+          <a:bodyPr rtlCol="0" anchor="ctr"/>
+          <a:lstStyle/>
+          <a:p>
+            <a:r>
+              <a:rPr kumimoji="1" lang="ja-JP" altLang="en-US" sz="900" dirty="0">
+                <a:solidFill>
+                  <a:schemeClr val="dk1"/>
+                </a:solidFill>
+              </a:rPr>
+              <a:t>ツール設定ダイアログ</a:t>
+            </a:r>
+            <a:endParaRPr kumimoji="1" lang="en-US" altLang="ja-JP" sz="900" dirty="0">
+              <a:solidFill>
+                <a:schemeClr val="dk1"/>
+              </a:solidFill>
+            </a:endParaRPr>
+          </a:p>
+          <a:p>
+            <a:endParaRPr kumimoji="1" lang="en-US" altLang="ja-JP" sz="900" dirty="0">
+              <a:solidFill>
+                <a:schemeClr val="dk1"/>
+              </a:solidFill>
+            </a:endParaRPr>
+          </a:p>
+          <a:p>
+            <a:r>
+              <a:rPr lang="ja-JP" altLang="en-US" sz="900" dirty="0"/>
+              <a:t>・ツールコールの名前</a:t>
+            </a:r>
+            <a:endParaRPr lang="en-US" altLang="ja-JP" sz="900" dirty="0"/>
+          </a:p>
+          <a:p>
+            <a:r>
+              <a:rPr lang="ja-JP" altLang="en-US" sz="900" dirty="0"/>
+              <a:t>・ツールの説明</a:t>
+            </a:r>
+            <a:endParaRPr lang="en-US" altLang="ja-JP" sz="900" dirty="0"/>
+          </a:p>
+          <a:p>
+            <a:r>
+              <a:rPr lang="ja-JP" altLang="en-US" sz="900" dirty="0"/>
+              <a:t>・ツール入力</a:t>
+            </a:r>
+            <a:endParaRPr lang="en-US" altLang="ja-JP" sz="900" dirty="0"/>
+          </a:p>
+          <a:p>
+            <a:endParaRPr lang="en-US" altLang="ja-JP" sz="900" dirty="0"/>
+          </a:p>
+          <a:p>
+            <a:r>
+              <a:rPr lang="ja-JP" altLang="en-US" sz="900" dirty="0"/>
+              <a:t>を設定し、保存・公開することで</a:t>
+            </a:r>
+            <a:endParaRPr lang="en-US" altLang="ja-JP" sz="900" dirty="0"/>
+          </a:p>
+          <a:p>
+            <a:r>
+              <a:rPr kumimoji="1" lang="en-US" altLang="ja-JP" sz="900" dirty="0">
+                <a:solidFill>
+                  <a:schemeClr val="dk1"/>
+                </a:solidFill>
+              </a:rPr>
+              <a:t>AI</a:t>
+            </a:r>
+            <a:r>
+              <a:rPr kumimoji="1" lang="ja-JP" altLang="en-US" sz="900" dirty="0">
+                <a:solidFill>
+                  <a:schemeClr val="dk1"/>
+                </a:solidFill>
+              </a:rPr>
+              <a:t>エージェントから呼出し可能になる</a:t>
+            </a:r>
+            <a:endParaRPr kumimoji="1" lang="en-US" altLang="ja-JP" sz="900" dirty="0">
+              <a:solidFill>
+                <a:schemeClr val="dk1"/>
+              </a:solidFill>
+            </a:endParaRPr>
+          </a:p>
+        </p:txBody>
+      </p:sp>
+      <p:sp>
+        <p:nvSpPr>
+          <p:cNvPr id="8" name="正方形/長方形 7">
+            <a:extLst>
+              <a:ext uri="{FF2B5EF4-FFF2-40B4-BE49-F238E27FC236}">
+                <a16:creationId xmlns:a16="http://schemas.microsoft.com/office/drawing/2014/main" id="{AD931BA4-729A-D91A-8D08-C0F7BA64C316}"/>
+              </a:ext>
+            </a:extLst>
+          </p:cNvPr>
+          <p:cNvSpPr/>
+          <p:nvPr/>
+        </p:nvSpPr>
+        <p:spPr>
+          <a:xfrm>
+            <a:off x="8343219" y="350235"/>
+            <a:ext cx="3541059" cy="388991"/>
+          </a:xfrm>
+          <a:prstGeom prst="rect">
+            <a:avLst/>
+          </a:prstGeom>
+          <a:solidFill>
+            <a:srgbClr val="FFFF00"/>
+          </a:solidFill>
+          <a:ln w="19050">
+            <a:solidFill>
+              <a:srgbClr val="C00000"/>
+            </a:solidFill>
+          </a:ln>
+        </p:spPr>
+        <p:style>
+          <a:lnRef idx="2">
+            <a:schemeClr val="dk1"/>
+          </a:lnRef>
+          <a:fillRef idx="1">
+            <a:schemeClr val="lt1"/>
+          </a:fillRef>
+          <a:effectRef idx="0">
+            <a:schemeClr val="dk1"/>
+          </a:effectRef>
+          <a:fontRef idx="minor">
+            <a:schemeClr val="dk1"/>
+          </a:fontRef>
+        </p:style>
+        <p:txBody>
+          <a:bodyPr rtlCol="0" anchor="ctr"/>
+          <a:lstStyle/>
+          <a:p>
+            <a:r>
+              <a:rPr kumimoji="1" lang="ja-JP" altLang="en-US" sz="900" dirty="0">
+                <a:solidFill>
+                  <a:schemeClr val="dk1"/>
+                </a:solidFill>
+              </a:rPr>
+              <a:t>ワークフロー作成詳細については公式ドキュメントを参照のこと</a:t>
+            </a:r>
+            <a:endParaRPr kumimoji="1" lang="en-US" altLang="ja-JP" sz="900" dirty="0">
+              <a:solidFill>
+                <a:schemeClr val="dk1"/>
+              </a:solidFill>
+            </a:endParaRPr>
+          </a:p>
+          <a:p>
+            <a:r>
+              <a:rPr kumimoji="1" lang="en-US" altLang="ja-JP" sz="900" dirty="0">
+                <a:solidFill>
+                  <a:schemeClr val="dk1"/>
+                </a:solidFill>
+                <a:hlinkClick r:id="rId3"/>
+              </a:rPr>
+              <a:t>https://docs.dify.ai/guides/workflow</a:t>
+            </a:r>
+            <a:endParaRPr kumimoji="1" lang="ja-JP" altLang="en-US" sz="900" dirty="0">
+              <a:solidFill>
+                <a:schemeClr val="dk1"/>
+              </a:solidFill>
+            </a:endParaRPr>
+          </a:p>
+        </p:txBody>
+      </p:sp>
+      <p:sp>
+        <p:nvSpPr>
+          <p:cNvPr id="13" name="フローチャート: 処理 12">
+            <a:extLst>
+              <a:ext uri="{FF2B5EF4-FFF2-40B4-BE49-F238E27FC236}">
+                <a16:creationId xmlns:a16="http://schemas.microsoft.com/office/drawing/2014/main" id="{FEFF6783-CF78-F771-9CFA-FA2885BD1C48}"/>
+              </a:ext>
+            </a:extLst>
+          </p:cNvPr>
+          <p:cNvSpPr/>
+          <p:nvPr/>
+        </p:nvSpPr>
+        <p:spPr>
+          <a:xfrm>
+            <a:off x="9788562" y="3520950"/>
+            <a:ext cx="798757" cy="189481"/>
+          </a:xfrm>
+          <a:prstGeom prst="flowChartProcess">
+            <a:avLst/>
+          </a:prstGeom>
+          <a:noFill/>
+          <a:ln w="28575">
+            <a:solidFill>
+              <a:srgbClr val="C00000"/>
+            </a:solidFill>
+          </a:ln>
+        </p:spPr>
+        <p:style>
+          <a:lnRef idx="2">
+            <a:schemeClr val="dk1"/>
+          </a:lnRef>
+          <a:fillRef idx="1">
+            <a:schemeClr val="lt1"/>
+          </a:fillRef>
+          <a:effectRef idx="0">
+            <a:schemeClr val="dk1"/>
+          </a:effectRef>
+          <a:fontRef idx="minor">
+            <a:schemeClr val="dk1"/>
+          </a:fontRef>
+        </p:style>
+        <p:txBody>
+          <a:bodyPr rtlCol="0" anchor="ctr"/>
+          <a:lstStyle/>
+          <a:p>
+            <a:pPr algn="ctr"/>
+            <a:endParaRPr kumimoji="1" lang="ja-JP" altLang="en-US">
+              <a:solidFill>
+                <a:schemeClr val="dk1"/>
+              </a:solidFill>
+            </a:endParaRPr>
+          </a:p>
+        </p:txBody>
+      </p:sp>
+      <p:pic>
+        <p:nvPicPr>
+          <p:cNvPr id="19" name="図 18" descr="グラフィカル ユーザー インターフェイス, アプリケーション&#10;&#10;AI によって生成されたコンテンツは間違っている可能性があります。">
+            <a:extLst>
+              <a:ext uri="{FF2B5EF4-FFF2-40B4-BE49-F238E27FC236}">
+                <a16:creationId xmlns:a16="http://schemas.microsoft.com/office/drawing/2014/main" id="{9F183F79-893C-F7A6-0FAB-1AC54FD96C4B}"/>
+              </a:ext>
+            </a:extLst>
+          </p:cNvPr>
+          <p:cNvPicPr>
+            <a:picLocks noChangeAspect="1"/>
+          </p:cNvPicPr>
+          <p:nvPr/>
+        </p:nvPicPr>
+        <p:blipFill>
+          <a:blip r:embed="rId4"/>
+          <a:stretch>
+            <a:fillRect/>
+          </a:stretch>
+        </p:blipFill>
+        <p:spPr>
+          <a:xfrm>
+            <a:off x="5252699" y="1348649"/>
+            <a:ext cx="3572954" cy="5036911"/>
+          </a:xfrm>
+          <a:prstGeom prst="rect">
+            <a:avLst/>
+          </a:prstGeom>
+        </p:spPr>
+      </p:pic>
+      <p:sp>
+        <p:nvSpPr>
+          <p:cNvPr id="21" name="フローチャート: 処理 20">
+            <a:extLst>
+              <a:ext uri="{FF2B5EF4-FFF2-40B4-BE49-F238E27FC236}">
+                <a16:creationId xmlns:a16="http://schemas.microsoft.com/office/drawing/2014/main" id="{6793CDA2-BE29-6226-CE15-3652200B2E95}"/>
+              </a:ext>
+            </a:extLst>
+          </p:cNvPr>
+          <p:cNvSpPr/>
+          <p:nvPr/>
+        </p:nvSpPr>
+        <p:spPr>
+          <a:xfrm>
+            <a:off x="11041380" y="1408305"/>
+            <a:ext cx="489000" cy="193290"/>
+          </a:xfrm>
+          <a:prstGeom prst="flowChartProcess">
+            <a:avLst/>
+          </a:prstGeom>
+          <a:noFill/>
+          <a:ln w="28575">
+            <a:solidFill>
+              <a:srgbClr val="C00000"/>
+            </a:solidFill>
+          </a:ln>
+        </p:spPr>
+        <p:style>
+          <a:lnRef idx="2">
+            <a:schemeClr val="dk1"/>
+          </a:lnRef>
+          <a:fillRef idx="1">
+            <a:schemeClr val="lt1"/>
+          </a:fillRef>
+          <a:effectRef idx="0">
+            <a:schemeClr val="dk1"/>
+          </a:effectRef>
+          <a:fontRef idx="minor">
+            <a:schemeClr val="dk1"/>
+          </a:fontRef>
+        </p:style>
+        <p:txBody>
+          <a:bodyPr rtlCol="0" anchor="ctr"/>
+          <a:lstStyle/>
+          <a:p>
+            <a:pPr algn="ctr"/>
+            <a:endParaRPr kumimoji="1" lang="ja-JP" altLang="en-US">
+              <a:solidFill>
+                <a:schemeClr val="dk1"/>
+              </a:solidFill>
+            </a:endParaRPr>
+          </a:p>
+        </p:txBody>
+      </p:sp>
+      <p:sp>
+        <p:nvSpPr>
+          <p:cNvPr id="3" name="フローチャート: 処理 2">
+            <a:extLst>
+              <a:ext uri="{FF2B5EF4-FFF2-40B4-BE49-F238E27FC236}">
+                <a16:creationId xmlns:a16="http://schemas.microsoft.com/office/drawing/2014/main" id="{01242DC0-58BF-31AB-87AD-1EB354449F2D}"/>
+              </a:ext>
+            </a:extLst>
+          </p:cNvPr>
+          <p:cNvSpPr/>
+          <p:nvPr/>
+        </p:nvSpPr>
+        <p:spPr>
+          <a:xfrm>
+            <a:off x="5252699" y="1359462"/>
+            <a:ext cx="3572954" cy="5091132"/>
+          </a:xfrm>
+          <a:prstGeom prst="flowChartProcess">
+            <a:avLst/>
+          </a:prstGeom>
+          <a:noFill/>
+          <a:ln w="28575">
+            <a:solidFill>
+              <a:srgbClr val="C00000"/>
+            </a:solidFill>
+          </a:ln>
+        </p:spPr>
+        <p:style>
+          <a:lnRef idx="2">
+            <a:schemeClr val="dk1"/>
+          </a:lnRef>
+          <a:fillRef idx="1">
+            <a:schemeClr val="lt1"/>
+          </a:fillRef>
+          <a:effectRef idx="0">
+            <a:schemeClr val="dk1"/>
+          </a:effectRef>
+          <a:fontRef idx="minor">
+            <a:schemeClr val="dk1"/>
+          </a:fontRef>
+        </p:style>
+        <p:txBody>
+          <a:bodyPr rtlCol="0" anchor="ctr"/>
+          <a:lstStyle/>
+          <a:p>
+            <a:pPr algn="ctr"/>
+            <a:endParaRPr kumimoji="1" lang="ja-JP" altLang="en-US">
+              <a:solidFill>
+                <a:schemeClr val="dk1"/>
+              </a:solidFill>
+            </a:endParaRPr>
+          </a:p>
+        </p:txBody>
+      </p:sp>
+      <p:cxnSp>
+        <p:nvCxnSpPr>
+          <p:cNvPr id="27" name="直線矢印コネクタ 26">
+            <a:extLst>
+              <a:ext uri="{FF2B5EF4-FFF2-40B4-BE49-F238E27FC236}">
+                <a16:creationId xmlns:a16="http://schemas.microsoft.com/office/drawing/2014/main" id="{0B7F554A-A6BA-0540-BE65-A89EBCBFEFD3}"/>
+              </a:ext>
+            </a:extLst>
+          </p:cNvPr>
+          <p:cNvCxnSpPr>
+            <a:stCxn id="13" idx="1"/>
+            <a:endCxn id="3" idx="3"/>
+          </p:cNvCxnSpPr>
+          <p:nvPr/>
+        </p:nvCxnSpPr>
+        <p:spPr>
+          <a:xfrm flipH="1">
+            <a:off x="8825653" y="3615691"/>
+            <a:ext cx="962909" cy="289337"/>
+          </a:xfrm>
+          <a:prstGeom prst="straightConnector1">
+            <a:avLst/>
+          </a:prstGeom>
+          <a:ln w="28575">
+            <a:solidFill>
+              <a:srgbClr val="C00000"/>
+            </a:solidFill>
+            <a:tailEnd type="triangle"/>
+          </a:ln>
+          <a:effectLst/>
+        </p:spPr>
+        <p:style>
+          <a:lnRef idx="2">
+            <a:schemeClr val="accent1"/>
+          </a:lnRef>
+          <a:fillRef idx="0">
+            <a:schemeClr val="accent1"/>
+          </a:fillRef>
+          <a:effectRef idx="1">
+            <a:schemeClr val="accent1"/>
+          </a:effectRef>
+          <a:fontRef idx="minor">
+            <a:schemeClr val="tx1"/>
+          </a:fontRef>
+        </p:style>
+      </p:cxnSp>
+      <p:cxnSp>
+        <p:nvCxnSpPr>
+          <p:cNvPr id="28" name="直線矢印コネクタ 27">
+            <a:extLst>
+              <a:ext uri="{FF2B5EF4-FFF2-40B4-BE49-F238E27FC236}">
+                <a16:creationId xmlns:a16="http://schemas.microsoft.com/office/drawing/2014/main" id="{5C58338F-40DB-FA42-355C-C1CACB884953}"/>
+              </a:ext>
+            </a:extLst>
+          </p:cNvPr>
+          <p:cNvCxnSpPr>
+            <a:cxnSpLocks/>
+            <a:stCxn id="21" idx="2"/>
+            <a:endCxn id="13" idx="0"/>
+          </p:cNvCxnSpPr>
+          <p:nvPr/>
+        </p:nvCxnSpPr>
+        <p:spPr>
+          <a:xfrm flipH="1">
+            <a:off x="10187941" y="1601595"/>
+            <a:ext cx="1097939" cy="1919355"/>
+          </a:xfrm>
+          <a:prstGeom prst="straightConnector1">
+            <a:avLst/>
+          </a:prstGeom>
+          <a:ln w="28575">
+            <a:solidFill>
+              <a:srgbClr val="C00000"/>
+            </a:solidFill>
+            <a:tailEnd type="triangle"/>
+          </a:ln>
+          <a:effectLst/>
+        </p:spPr>
+        <p:style>
+          <a:lnRef idx="2">
+            <a:schemeClr val="accent1"/>
+          </a:lnRef>
+          <a:fillRef idx="0">
+            <a:schemeClr val="accent1"/>
+          </a:fillRef>
+          <a:effectRef idx="1">
+            <a:schemeClr val="accent1"/>
+          </a:effectRef>
+          <a:fontRef idx="minor">
+            <a:schemeClr val="tx1"/>
+          </a:fontRef>
+        </p:style>
+      </p:cxnSp>
+    </p:spTree>
+    <p:extLst>
+      <p:ext uri="{BB962C8B-B14F-4D97-AF65-F5344CB8AC3E}">
+        <p14:creationId xmlns:p14="http://schemas.microsoft.com/office/powerpoint/2010/main" val="409821817"/>
+      </p:ext>
+    </p:extLst>
+  </p:cSld>
+  <p:clrMapOvr>
+    <a:masterClrMapping/>
+  </p:clrMapOvr>
+</p:sld>
+</file>
+
+<file path=ppt/slides/slide9.xml><?xml version="1.0" encoding="utf-8"?>
 <p:sld xmlns:a="http://schemas.openxmlformats.org/drawingml/2006/main" xmlns:r="http://schemas.openxmlformats.org/officeDocument/2006/relationships" xmlns:p="http://schemas.openxmlformats.org/presentationml/2006/main">
   <p:cSld>
     <p:spTree>
@@ -12582,7 +14619,7 @@
             </a:r>
             <a:r>
               <a:rPr lang="ja-JP" altLang="en-US" dirty="0"/>
-              <a:t>接続・ツール化</a:t>
+              <a:t>接続・ツール化（カスタムツール）</a:t>
             </a:r>
             <a:endParaRPr kumimoji="1" lang="ja-JP" altLang="en-US" dirty="0"/>
           </a:p>
@@ -12650,9 +14687,730 @@
           <a:p>
             <a:fld id="{0AF7E18D-A281-EF4E-83EF-D7811667EA6C}" type="slidenum">
               <a:rPr kumimoji="1" lang="ja-JP" altLang="en-US" smtClean="0"/>
-              <a:t>8</a:t>
+              <a:t>9</a:t>
             </a:fld>
             <a:endParaRPr kumimoji="1" lang="ja-JP" altLang="en-US"/>
+          </a:p>
+        </p:txBody>
+      </p:sp>
+      <p:pic>
+        <p:nvPicPr>
+          <p:cNvPr id="2" name="図 1">
+            <a:extLst>
+              <a:ext uri="{FF2B5EF4-FFF2-40B4-BE49-F238E27FC236}">
+                <a16:creationId xmlns:a16="http://schemas.microsoft.com/office/drawing/2014/main" id="{B28ADCD6-7770-560E-2595-2BF57A7CB7C2}"/>
+              </a:ext>
+            </a:extLst>
+          </p:cNvPr>
+          <p:cNvPicPr>
+            <a:picLocks noChangeAspect="1"/>
+          </p:cNvPicPr>
+          <p:nvPr/>
+        </p:nvPicPr>
+        <p:blipFill>
+          <a:blip r:embed="rId2"/>
+          <a:srcRect/>
+          <a:stretch/>
+        </p:blipFill>
+        <p:spPr>
+          <a:xfrm>
+            <a:off x="446540" y="1009398"/>
+            <a:ext cx="11398594" cy="5455890"/>
+          </a:xfrm>
+          <a:prstGeom prst="rect">
+            <a:avLst/>
+          </a:prstGeom>
+        </p:spPr>
+      </p:pic>
+      <p:sp>
+        <p:nvSpPr>
+          <p:cNvPr id="3" name="フローチャート: 処理 2">
+            <a:extLst>
+              <a:ext uri="{FF2B5EF4-FFF2-40B4-BE49-F238E27FC236}">
+                <a16:creationId xmlns:a16="http://schemas.microsoft.com/office/drawing/2014/main" id="{419CBA78-9891-C85B-D5E7-89575B598E97}"/>
+              </a:ext>
+            </a:extLst>
+          </p:cNvPr>
+          <p:cNvSpPr/>
+          <p:nvPr/>
+        </p:nvSpPr>
+        <p:spPr>
+          <a:xfrm>
+            <a:off x="718799" y="1857937"/>
+            <a:ext cx="2672101" cy="812238"/>
+          </a:xfrm>
+          <a:prstGeom prst="flowChartProcess">
+            <a:avLst/>
+          </a:prstGeom>
+          <a:noFill/>
+          <a:ln w="28575">
+            <a:solidFill>
+              <a:srgbClr val="C00000"/>
+            </a:solidFill>
+          </a:ln>
+        </p:spPr>
+        <p:style>
+          <a:lnRef idx="2">
+            <a:schemeClr val="dk1"/>
+          </a:lnRef>
+          <a:fillRef idx="1">
+            <a:schemeClr val="lt1"/>
+          </a:fillRef>
+          <a:effectRef idx="0">
+            <a:schemeClr val="dk1"/>
+          </a:effectRef>
+          <a:fontRef idx="minor">
+            <a:schemeClr val="dk1"/>
+          </a:fontRef>
+        </p:style>
+        <p:txBody>
+          <a:bodyPr rtlCol="0" anchor="ctr"/>
+          <a:lstStyle/>
+          <a:p>
+            <a:pPr algn="ctr"/>
+            <a:endParaRPr kumimoji="1" lang="ja-JP" altLang="en-US">
+              <a:solidFill>
+                <a:schemeClr val="dk1"/>
+              </a:solidFill>
+            </a:endParaRPr>
+          </a:p>
+        </p:txBody>
+      </p:sp>
+      <p:sp>
+        <p:nvSpPr>
+          <p:cNvPr id="7" name="フローチャート: 処理 6">
+            <a:extLst>
+              <a:ext uri="{FF2B5EF4-FFF2-40B4-BE49-F238E27FC236}">
+                <a16:creationId xmlns:a16="http://schemas.microsoft.com/office/drawing/2014/main" id="{47E2C503-B058-F22C-36E2-0753DAF9D29C}"/>
+              </a:ext>
+            </a:extLst>
+          </p:cNvPr>
+          <p:cNvSpPr/>
+          <p:nvPr/>
+        </p:nvSpPr>
+        <p:spPr>
+          <a:xfrm>
+            <a:off x="7980999" y="1050554"/>
+            <a:ext cx="3832701" cy="5335006"/>
+          </a:xfrm>
+          <a:prstGeom prst="flowChartProcess">
+            <a:avLst/>
+          </a:prstGeom>
+          <a:noFill/>
+          <a:ln w="28575">
+            <a:solidFill>
+              <a:srgbClr val="C00000"/>
+            </a:solidFill>
+          </a:ln>
+        </p:spPr>
+        <p:style>
+          <a:lnRef idx="2">
+            <a:schemeClr val="dk1"/>
+          </a:lnRef>
+          <a:fillRef idx="1">
+            <a:schemeClr val="lt1"/>
+          </a:fillRef>
+          <a:effectRef idx="0">
+            <a:schemeClr val="dk1"/>
+          </a:effectRef>
+          <a:fontRef idx="minor">
+            <a:schemeClr val="dk1"/>
+          </a:fontRef>
+        </p:style>
+        <p:txBody>
+          <a:bodyPr rtlCol="0" anchor="ctr"/>
+          <a:lstStyle/>
+          <a:p>
+            <a:pPr algn="ctr"/>
+            <a:endParaRPr kumimoji="1" lang="ja-JP" altLang="en-US">
+              <a:solidFill>
+                <a:schemeClr val="dk1"/>
+              </a:solidFill>
+            </a:endParaRPr>
+          </a:p>
+        </p:txBody>
+      </p:sp>
+      <p:cxnSp>
+        <p:nvCxnSpPr>
+          <p:cNvPr id="14" name="直線矢印コネクタ 13">
+            <a:extLst>
+              <a:ext uri="{FF2B5EF4-FFF2-40B4-BE49-F238E27FC236}">
+                <a16:creationId xmlns:a16="http://schemas.microsoft.com/office/drawing/2014/main" id="{37885331-6263-5379-4D7F-E4DE1F8DB7C8}"/>
+              </a:ext>
+            </a:extLst>
+          </p:cNvPr>
+          <p:cNvCxnSpPr>
+            <a:cxnSpLocks/>
+            <a:stCxn id="3" idx="3"/>
+            <a:endCxn id="7" idx="1"/>
+          </p:cNvCxnSpPr>
+          <p:nvPr/>
+        </p:nvCxnSpPr>
+        <p:spPr>
+          <a:xfrm>
+            <a:off x="3390900" y="2264056"/>
+            <a:ext cx="4590099" cy="1454001"/>
+          </a:xfrm>
+          <a:prstGeom prst="straightConnector1">
+            <a:avLst/>
+          </a:prstGeom>
+          <a:ln w="28575">
+            <a:solidFill>
+              <a:srgbClr val="C00000"/>
+            </a:solidFill>
+            <a:tailEnd type="triangle"/>
+          </a:ln>
+          <a:effectLst/>
+        </p:spPr>
+        <p:style>
+          <a:lnRef idx="2">
+            <a:schemeClr val="accent1"/>
+          </a:lnRef>
+          <a:fillRef idx="0">
+            <a:schemeClr val="accent1"/>
+          </a:fillRef>
+          <a:effectRef idx="1">
+            <a:schemeClr val="accent1"/>
+          </a:effectRef>
+          <a:fontRef idx="minor">
+            <a:schemeClr val="tx1"/>
+          </a:fontRef>
+        </p:style>
+      </p:cxnSp>
+      <p:pic>
+        <p:nvPicPr>
+          <p:cNvPr id="17" name="図 16">
+            <a:extLst>
+              <a:ext uri="{FF2B5EF4-FFF2-40B4-BE49-F238E27FC236}">
+                <a16:creationId xmlns:a16="http://schemas.microsoft.com/office/drawing/2014/main" id="{D73E4922-47A5-4085-57FF-EDFEAD8A573D}"/>
+              </a:ext>
+            </a:extLst>
+          </p:cNvPr>
+          <p:cNvPicPr>
+            <a:picLocks noChangeAspect="1"/>
+          </p:cNvPicPr>
+          <p:nvPr/>
+        </p:nvPicPr>
+        <p:blipFill>
+          <a:blip r:embed="rId3"/>
+          <a:srcRect/>
+          <a:stretch/>
+        </p:blipFill>
+        <p:spPr>
+          <a:xfrm>
+            <a:off x="2917369" y="4307217"/>
+            <a:ext cx="3572954" cy="1866768"/>
+          </a:xfrm>
+          <a:prstGeom prst="rect">
+            <a:avLst/>
+          </a:prstGeom>
+        </p:spPr>
+      </p:pic>
+      <p:sp>
+        <p:nvSpPr>
+          <p:cNvPr id="18" name="フローチャート: 処理 17">
+            <a:extLst>
+              <a:ext uri="{FF2B5EF4-FFF2-40B4-BE49-F238E27FC236}">
+                <a16:creationId xmlns:a16="http://schemas.microsoft.com/office/drawing/2014/main" id="{F1ECD0B2-C509-1428-4C2C-2461C59C8A34}"/>
+              </a:ext>
+            </a:extLst>
+          </p:cNvPr>
+          <p:cNvSpPr/>
+          <p:nvPr/>
+        </p:nvSpPr>
+        <p:spPr>
+          <a:xfrm>
+            <a:off x="2917369" y="4307217"/>
+            <a:ext cx="3572954" cy="1866768"/>
+          </a:xfrm>
+          <a:prstGeom prst="flowChartProcess">
+            <a:avLst/>
+          </a:prstGeom>
+          <a:noFill/>
+          <a:ln w="28575">
+            <a:solidFill>
+              <a:srgbClr val="C00000"/>
+            </a:solidFill>
+          </a:ln>
+        </p:spPr>
+        <p:style>
+          <a:lnRef idx="2">
+            <a:schemeClr val="dk1"/>
+          </a:lnRef>
+          <a:fillRef idx="1">
+            <a:schemeClr val="lt1"/>
+          </a:fillRef>
+          <a:effectRef idx="0">
+            <a:schemeClr val="dk1"/>
+          </a:effectRef>
+          <a:fontRef idx="minor">
+            <a:schemeClr val="dk1"/>
+          </a:fontRef>
+        </p:style>
+        <p:txBody>
+          <a:bodyPr rtlCol="0" anchor="ctr"/>
+          <a:lstStyle/>
+          <a:p>
+            <a:pPr algn="ctr"/>
+            <a:endParaRPr kumimoji="1" lang="ja-JP" altLang="en-US">
+              <a:solidFill>
+                <a:schemeClr val="dk1"/>
+              </a:solidFill>
+            </a:endParaRPr>
+          </a:p>
+        </p:txBody>
+      </p:sp>
+      <p:sp>
+        <p:nvSpPr>
+          <p:cNvPr id="19" name="正方形/長方形 18">
+            <a:extLst>
+              <a:ext uri="{FF2B5EF4-FFF2-40B4-BE49-F238E27FC236}">
+                <a16:creationId xmlns:a16="http://schemas.microsoft.com/office/drawing/2014/main" id="{FA5BE85F-0511-063C-A043-B2825E7065FA}"/>
+              </a:ext>
+            </a:extLst>
+          </p:cNvPr>
+          <p:cNvSpPr/>
+          <p:nvPr/>
+        </p:nvSpPr>
+        <p:spPr>
+          <a:xfrm>
+            <a:off x="4531327" y="5651413"/>
+            <a:ext cx="1689394" cy="394377"/>
+          </a:xfrm>
+          <a:prstGeom prst="rect">
+            <a:avLst/>
+          </a:prstGeom>
+          <a:solidFill>
+            <a:srgbClr val="FFFF00"/>
+          </a:solidFill>
+          <a:ln w="19050">
+            <a:solidFill>
+              <a:srgbClr val="C00000"/>
+            </a:solidFill>
+          </a:ln>
+        </p:spPr>
+        <p:style>
+          <a:lnRef idx="2">
+            <a:schemeClr val="dk1"/>
+          </a:lnRef>
+          <a:fillRef idx="1">
+            <a:schemeClr val="lt1"/>
+          </a:fillRef>
+          <a:effectRef idx="0">
+            <a:schemeClr val="dk1"/>
+          </a:effectRef>
+          <a:fontRef idx="minor">
+            <a:schemeClr val="dk1"/>
+          </a:fontRef>
+        </p:style>
+        <p:txBody>
+          <a:bodyPr rtlCol="0" anchor="ctr"/>
+          <a:lstStyle/>
+          <a:p>
+            <a:r>
+              <a:rPr kumimoji="1" lang="ja-JP" altLang="en-US" sz="900" dirty="0">
+                <a:solidFill>
+                  <a:schemeClr val="dk1"/>
+                </a:solidFill>
+              </a:rPr>
+              <a:t>任意の外部ツールを設定して</a:t>
+            </a:r>
+            <a:endParaRPr kumimoji="1" lang="en-US" altLang="ja-JP" sz="900" dirty="0">
+              <a:solidFill>
+                <a:schemeClr val="dk1"/>
+              </a:solidFill>
+            </a:endParaRPr>
+          </a:p>
+          <a:p>
+            <a:r>
+              <a:rPr lang="ja-JP" altLang="en-US" sz="900" dirty="0"/>
+              <a:t>エンドポイントを公開</a:t>
+            </a:r>
+            <a:endParaRPr kumimoji="1" lang="en-US" altLang="ja-JP" sz="900" dirty="0">
+              <a:solidFill>
+                <a:schemeClr val="dk1"/>
+              </a:solidFill>
+            </a:endParaRPr>
+          </a:p>
+        </p:txBody>
+      </p:sp>
+      <p:cxnSp>
+        <p:nvCxnSpPr>
+          <p:cNvPr id="21" name="直線矢印コネクタ 20">
+            <a:extLst>
+              <a:ext uri="{FF2B5EF4-FFF2-40B4-BE49-F238E27FC236}">
+                <a16:creationId xmlns:a16="http://schemas.microsoft.com/office/drawing/2014/main" id="{A7FD63B9-C232-DB9D-BA97-EB1690960847}"/>
+              </a:ext>
+            </a:extLst>
+          </p:cNvPr>
+          <p:cNvCxnSpPr>
+            <a:cxnSpLocks/>
+            <a:stCxn id="7" idx="1"/>
+            <a:endCxn id="17" idx="3"/>
+          </p:cNvCxnSpPr>
+          <p:nvPr/>
+        </p:nvCxnSpPr>
+        <p:spPr>
+          <a:xfrm flipH="1">
+            <a:off x="6490323" y="3718057"/>
+            <a:ext cx="1490676" cy="1522544"/>
+          </a:xfrm>
+          <a:prstGeom prst="straightConnector1">
+            <a:avLst/>
+          </a:prstGeom>
+          <a:ln w="28575">
+            <a:solidFill>
+              <a:srgbClr val="C00000"/>
+            </a:solidFill>
+            <a:tailEnd type="triangle"/>
+          </a:ln>
+          <a:effectLst/>
+        </p:spPr>
+        <p:style>
+          <a:lnRef idx="2">
+            <a:schemeClr val="accent1"/>
+          </a:lnRef>
+          <a:fillRef idx="0">
+            <a:schemeClr val="accent1"/>
+          </a:fillRef>
+          <a:effectRef idx="1">
+            <a:schemeClr val="accent1"/>
+          </a:effectRef>
+          <a:fontRef idx="minor">
+            <a:schemeClr val="tx1"/>
+          </a:fontRef>
+        </p:style>
+      </p:cxnSp>
+      <p:sp>
+        <p:nvSpPr>
+          <p:cNvPr id="28" name="正方形/長方形 27">
+            <a:extLst>
+              <a:ext uri="{FF2B5EF4-FFF2-40B4-BE49-F238E27FC236}">
+                <a16:creationId xmlns:a16="http://schemas.microsoft.com/office/drawing/2014/main" id="{6A8D95BB-586A-DF2D-C006-61C23F0687CE}"/>
+              </a:ext>
+            </a:extLst>
+          </p:cNvPr>
+          <p:cNvSpPr/>
+          <p:nvPr/>
+        </p:nvSpPr>
+        <p:spPr>
+          <a:xfrm>
+            <a:off x="6814276" y="4282140"/>
+            <a:ext cx="718197" cy="394377"/>
+          </a:xfrm>
+          <a:prstGeom prst="rect">
+            <a:avLst/>
+          </a:prstGeom>
+          <a:solidFill>
+            <a:srgbClr val="FFFF00"/>
+          </a:solidFill>
+          <a:ln w="19050">
+            <a:solidFill>
+              <a:srgbClr val="C00000"/>
+            </a:solidFill>
+          </a:ln>
+        </p:spPr>
+        <p:style>
+          <a:lnRef idx="2">
+            <a:schemeClr val="dk1"/>
+          </a:lnRef>
+          <a:fillRef idx="1">
+            <a:schemeClr val="lt1"/>
+          </a:fillRef>
+          <a:effectRef idx="0">
+            <a:schemeClr val="dk1"/>
+          </a:effectRef>
+          <a:fontRef idx="minor">
+            <a:schemeClr val="dk1"/>
+          </a:fontRef>
+        </p:style>
+        <p:txBody>
+          <a:bodyPr rtlCol="0" anchor="ctr"/>
+          <a:lstStyle/>
+          <a:p>
+            <a:pPr algn="ctr"/>
+            <a:r>
+              <a:rPr kumimoji="1" lang="en-US" altLang="ja-JP" sz="900" dirty="0">
+                <a:solidFill>
+                  <a:schemeClr val="dk1"/>
+                </a:solidFill>
+              </a:rPr>
+              <a:t>API</a:t>
+            </a:r>
+            <a:r>
+              <a:rPr kumimoji="1" lang="ja-JP" altLang="en-US" sz="900" dirty="0">
+                <a:solidFill>
+                  <a:schemeClr val="dk1"/>
+                </a:solidFill>
+              </a:rPr>
+              <a:t>接続</a:t>
+            </a:r>
+            <a:endParaRPr kumimoji="1" lang="en-US" altLang="ja-JP" sz="900" dirty="0">
+              <a:solidFill>
+                <a:schemeClr val="dk1"/>
+              </a:solidFill>
+            </a:endParaRPr>
+          </a:p>
+        </p:txBody>
+      </p:sp>
+      <p:sp>
+        <p:nvSpPr>
+          <p:cNvPr id="30" name="吹き出し: 線 29">
+            <a:extLst>
+              <a:ext uri="{FF2B5EF4-FFF2-40B4-BE49-F238E27FC236}">
+                <a16:creationId xmlns:a16="http://schemas.microsoft.com/office/drawing/2014/main" id="{0CCAD769-5477-04BC-D573-81AF0B6042DD}"/>
+              </a:ext>
+            </a:extLst>
+          </p:cNvPr>
+          <p:cNvSpPr/>
+          <p:nvPr/>
+        </p:nvSpPr>
+        <p:spPr>
+          <a:xfrm>
+            <a:off x="8655803" y="4676517"/>
+            <a:ext cx="2042678" cy="867244"/>
+          </a:xfrm>
+          <a:prstGeom prst="borderCallout1">
+            <a:avLst>
+              <a:gd name="adj1" fmla="val 105736"/>
+              <a:gd name="adj2" fmla="val 104698"/>
+              <a:gd name="adj3" fmla="val 152918"/>
+              <a:gd name="adj4" fmla="val 125805"/>
+            </a:avLst>
+          </a:prstGeom>
+          <a:solidFill>
+            <a:srgbClr val="FFFF00"/>
+          </a:solidFill>
+          <a:ln w="19050">
+            <a:solidFill>
+              <a:srgbClr val="C00000"/>
+            </a:solidFill>
+          </a:ln>
+        </p:spPr>
+        <p:style>
+          <a:lnRef idx="2">
+            <a:schemeClr val="dk1"/>
+          </a:lnRef>
+          <a:fillRef idx="1">
+            <a:schemeClr val="lt1"/>
+          </a:fillRef>
+          <a:effectRef idx="0">
+            <a:schemeClr val="dk1"/>
+          </a:effectRef>
+          <a:fontRef idx="minor">
+            <a:schemeClr val="dk1"/>
+          </a:fontRef>
+        </p:style>
+        <p:txBody>
+          <a:bodyPr rtlCol="0" anchor="ctr"/>
+          <a:lstStyle/>
+          <a:p>
+            <a:r>
+              <a:rPr kumimoji="1" lang="ja-JP" altLang="en-US" sz="900" dirty="0">
+                <a:solidFill>
+                  <a:schemeClr val="dk1"/>
+                </a:solidFill>
+              </a:rPr>
+              <a:t>カスタムツールを作成して</a:t>
+            </a:r>
+            <a:endParaRPr kumimoji="1" lang="en-US" altLang="ja-JP" sz="900" dirty="0">
+              <a:solidFill>
+                <a:schemeClr val="dk1"/>
+              </a:solidFill>
+            </a:endParaRPr>
+          </a:p>
+          <a:p>
+            <a:r>
+              <a:rPr lang="ja-JP" altLang="en-US" sz="900" dirty="0"/>
+              <a:t>エンドポイントや</a:t>
+            </a:r>
+            <a:r>
+              <a:rPr kumimoji="1" lang="ja-JP" altLang="en-US" sz="900" dirty="0">
+                <a:solidFill>
+                  <a:schemeClr val="dk1"/>
+                </a:solidFill>
+              </a:rPr>
+              <a:t>各種パラメータ等、</a:t>
+            </a:r>
+            <a:endParaRPr kumimoji="1" lang="en-US" altLang="ja-JP" sz="900" dirty="0">
+              <a:solidFill>
+                <a:schemeClr val="dk1"/>
+              </a:solidFill>
+            </a:endParaRPr>
+          </a:p>
+          <a:p>
+            <a:r>
+              <a:rPr lang="en-US" altLang="ja-JP" sz="900" dirty="0"/>
+              <a:t>API</a:t>
+            </a:r>
+            <a:r>
+              <a:rPr lang="ja-JP" altLang="en-US" sz="900" dirty="0"/>
+              <a:t>接続に</a:t>
+            </a:r>
+            <a:r>
+              <a:rPr kumimoji="1" lang="ja-JP" altLang="en-US" sz="900" dirty="0">
+                <a:solidFill>
+                  <a:schemeClr val="dk1"/>
+                </a:solidFill>
+              </a:rPr>
+              <a:t>必要な情報を記述</a:t>
+            </a:r>
+            <a:endParaRPr kumimoji="1" lang="en-US" altLang="ja-JP" sz="900" dirty="0">
+              <a:solidFill>
+                <a:schemeClr val="dk1"/>
+              </a:solidFill>
+            </a:endParaRPr>
+          </a:p>
+          <a:p>
+            <a:endParaRPr lang="en-US" altLang="ja-JP" sz="900" dirty="0"/>
+          </a:p>
+          <a:p>
+            <a:r>
+              <a:rPr kumimoji="1" lang="ja-JP" altLang="en-US" sz="900" dirty="0">
+                <a:solidFill>
+                  <a:schemeClr val="dk1"/>
+                </a:solidFill>
+              </a:rPr>
+              <a:t>「保存」を押下することでツール化</a:t>
+            </a:r>
+            <a:endParaRPr kumimoji="1" lang="en-US" altLang="ja-JP" sz="900" dirty="0">
+              <a:solidFill>
+                <a:schemeClr val="dk1"/>
+              </a:solidFill>
+            </a:endParaRPr>
+          </a:p>
+        </p:txBody>
+      </p:sp>
+      <p:sp>
+        <p:nvSpPr>
+          <p:cNvPr id="31" name="フローチャート: 処理 30">
+            <a:extLst>
+              <a:ext uri="{FF2B5EF4-FFF2-40B4-BE49-F238E27FC236}">
+                <a16:creationId xmlns:a16="http://schemas.microsoft.com/office/drawing/2014/main" id="{D4E83D1A-D04E-A537-0118-EBC20B013223}"/>
+              </a:ext>
+            </a:extLst>
+          </p:cNvPr>
+          <p:cNvSpPr/>
+          <p:nvPr/>
+        </p:nvSpPr>
+        <p:spPr>
+          <a:xfrm>
+            <a:off x="11322178" y="6087875"/>
+            <a:ext cx="328593" cy="204641"/>
+          </a:xfrm>
+          <a:prstGeom prst="flowChartProcess">
+            <a:avLst/>
+          </a:prstGeom>
+          <a:noFill/>
+          <a:ln w="28575">
+            <a:solidFill>
+              <a:srgbClr val="C00000"/>
+            </a:solidFill>
+          </a:ln>
+        </p:spPr>
+        <p:style>
+          <a:lnRef idx="2">
+            <a:schemeClr val="dk1"/>
+          </a:lnRef>
+          <a:fillRef idx="1">
+            <a:schemeClr val="lt1"/>
+          </a:fillRef>
+          <a:effectRef idx="0">
+            <a:schemeClr val="dk1"/>
+          </a:effectRef>
+          <a:fontRef idx="minor">
+            <a:schemeClr val="dk1"/>
+          </a:fontRef>
+        </p:style>
+        <p:txBody>
+          <a:bodyPr rtlCol="0" anchor="ctr"/>
+          <a:lstStyle/>
+          <a:p>
+            <a:pPr algn="ctr"/>
+            <a:endParaRPr kumimoji="1" lang="ja-JP" altLang="en-US">
+              <a:solidFill>
+                <a:schemeClr val="dk1"/>
+              </a:solidFill>
+            </a:endParaRPr>
+          </a:p>
+        </p:txBody>
+      </p:sp>
+      <p:sp>
+        <p:nvSpPr>
+          <p:cNvPr id="32" name="正方形/長方形 31">
+            <a:extLst>
+              <a:ext uri="{FF2B5EF4-FFF2-40B4-BE49-F238E27FC236}">
+                <a16:creationId xmlns:a16="http://schemas.microsoft.com/office/drawing/2014/main" id="{1F383084-75C6-A291-9D7D-55E4DDDB13E1}"/>
+              </a:ext>
+            </a:extLst>
+          </p:cNvPr>
+          <p:cNvSpPr/>
+          <p:nvPr/>
+        </p:nvSpPr>
+        <p:spPr>
+          <a:xfrm>
+            <a:off x="8343219" y="350235"/>
+            <a:ext cx="3541059" cy="388991"/>
+          </a:xfrm>
+          <a:prstGeom prst="rect">
+            <a:avLst/>
+          </a:prstGeom>
+          <a:solidFill>
+            <a:srgbClr val="FFFF00"/>
+          </a:solidFill>
+          <a:ln w="19050">
+            <a:solidFill>
+              <a:srgbClr val="C00000"/>
+            </a:solidFill>
+          </a:ln>
+        </p:spPr>
+        <p:style>
+          <a:lnRef idx="2">
+            <a:schemeClr val="dk1"/>
+          </a:lnRef>
+          <a:fillRef idx="1">
+            <a:schemeClr val="lt1"/>
+          </a:fillRef>
+          <a:effectRef idx="0">
+            <a:schemeClr val="dk1"/>
+          </a:effectRef>
+          <a:fontRef idx="minor">
+            <a:schemeClr val="dk1"/>
+          </a:fontRef>
+        </p:style>
+        <p:txBody>
+          <a:bodyPr rtlCol="0" anchor="ctr"/>
+          <a:lstStyle/>
+          <a:p>
+            <a:r>
+              <a:rPr kumimoji="1" lang="ja-JP" altLang="en-US" sz="900" dirty="0">
+                <a:solidFill>
+                  <a:schemeClr val="dk1"/>
+                </a:solidFill>
+              </a:rPr>
+              <a:t>ワークフロー作成詳細については公式ドキュメントを参照のこと</a:t>
+            </a:r>
+            <a:endParaRPr kumimoji="1" lang="en-US" altLang="ja-JP" sz="900" dirty="0">
+              <a:solidFill>
+                <a:schemeClr val="dk1"/>
+              </a:solidFill>
+            </a:endParaRPr>
+          </a:p>
+          <a:p>
+            <a:r>
+              <a:rPr kumimoji="1" lang="en-US" altLang="ja-JP" sz="900" dirty="0">
+                <a:solidFill>
+                  <a:schemeClr val="dk1"/>
+                </a:solidFill>
+                <a:hlinkClick r:id="rId4"/>
+              </a:rPr>
+              <a:t>https://docs.dify.ai/guides/workflow</a:t>
+            </a:r>
+            <a:endParaRPr kumimoji="1" lang="ja-JP" altLang="en-US" sz="900" dirty="0">
+              <a:solidFill>
+                <a:schemeClr val="dk1"/>
+              </a:solidFill>
+            </a:endParaRPr>
           </a:p>
         </p:txBody>
       </p:sp>
@@ -13580,18 +16338,18 @@
 </file>
 
 <file path=customXml/item1.xml><?xml version="1.0" encoding="utf-8"?>
+<p:properties xmlns:p="http://schemas.microsoft.com/office/2006/metadata/properties" xmlns:xsi="http://www.w3.org/2001/XMLSchema-instance" xmlns:pc="http://schemas.microsoft.com/office/infopath/2007/PartnerControls">
+  <documentManagement/>
+</p:properties>
+</file>
+
+<file path=customXml/item2.xml><?xml version="1.0" encoding="utf-8"?>
 <?mso-contentType ?>
 <FormTemplates xmlns="http://schemas.microsoft.com/sharepoint/v3/contenttype/forms">
   <Display>DocumentLibraryForm</Display>
   <Edit>DocumentLibraryForm</Edit>
   <New>DocumentLibraryForm</New>
 </FormTemplates>
-</file>
-
-<file path=customXml/item2.xml><?xml version="1.0" encoding="utf-8"?>
-<p:properties xmlns:p="http://schemas.microsoft.com/office/2006/metadata/properties" xmlns:xsi="http://www.w3.org/2001/XMLSchema-instance" xmlns:pc="http://schemas.microsoft.com/office/infopath/2007/PartnerControls">
-  <documentManagement/>
-</p:properties>
 </file>
 
 <file path=customXml/item3.xml><?xml version="1.0" encoding="utf-8"?>
@@ -13739,14 +16497,6 @@
 </file>
 
 <file path=customXml/itemProps1.xml><?xml version="1.0" encoding="utf-8"?>
-<ds:datastoreItem xmlns:ds="http://schemas.openxmlformats.org/officeDocument/2006/customXml" ds:itemID="{ABFB7C19-F97A-4630-909C-04462F044E44}">
-  <ds:schemaRefs>
-    <ds:schemaRef ds:uri="http://schemas.microsoft.com/sharepoint/v3/contenttype/forms"/>
-  </ds:schemaRefs>
-</ds:datastoreItem>
-</file>
-
-<file path=customXml/itemProps2.xml><?xml version="1.0" encoding="utf-8"?>
 <ds:datastoreItem xmlns:ds="http://schemas.openxmlformats.org/officeDocument/2006/customXml" ds:itemID="{600DF4B1-B8DA-4F77-88EA-AB9843936E94}">
   <ds:schemaRefs>
     <ds:schemaRef ds:uri="http://purl.org/dc/elements/1.1/"/>
@@ -13758,6 +16508,14 @@
     <ds:schemaRef ds:uri="http://schemas.microsoft.com/office/2006/documentManagement/types"/>
     <ds:schemaRef ds:uri="http://schemas.microsoft.com/office/infopath/2007/PartnerControls"/>
     <ds:schemaRef ds:uri="http://schemas.microsoft.com/office/2006/metadata/properties"/>
+  </ds:schemaRefs>
+</ds:datastoreItem>
+</file>
+
+<file path=customXml/itemProps2.xml><?xml version="1.0" encoding="utf-8"?>
+<ds:datastoreItem xmlns:ds="http://schemas.openxmlformats.org/officeDocument/2006/customXml" ds:itemID="{ABFB7C19-F97A-4630-909C-04462F044E44}">
+  <ds:schemaRefs>
+    <ds:schemaRef ds:uri="http://schemas.microsoft.com/sharepoint/v3/contenttype/forms"/>
   </ds:schemaRefs>
 </ds:datastoreItem>
 </file>
